--- a/Wireframes.pptx
+++ b/Wireframes.pptx
@@ -2,15 +2,15 @@
 <file path=ppt/presentation.xml><?xml version="1.0" encoding="utf-8"?>
 <p:presentation xmlns:a="http://schemas.openxmlformats.org/drawingml/2006/main" xmlns:r="http://schemas.openxmlformats.org/officeDocument/2006/relationships" xmlns:p="http://schemas.openxmlformats.org/presentationml/2006/main" saveSubsetFonts="1">
   <p:sldMasterIdLst>
-    <p:sldMasterId id="2147483648" r:id="rId180"/>
-    <p:sldMasterId id="2147483660" r:id="rId181"/>
+    <p:sldMasterId id="2147483648" r:id="rId184"/>
+    <p:sldMasterId id="2147483660" r:id="rId185"/>
   </p:sldMasterIdLst>
   <p:sldIdLst>
-    <p:sldId id="256" r:id="rId182"/>
-    <p:sldId id="259" r:id="rId183"/>
-    <p:sldId id="260" r:id="rId184"/>
-    <p:sldId id="257" r:id="rId185"/>
-    <p:sldId id="258" r:id="rId186"/>
+    <p:sldId id="256" r:id="rId186"/>
+    <p:sldId id="259" r:id="rId187"/>
+    <p:sldId id="257" r:id="rId188"/>
+    <p:sldId id="258" r:id="rId189"/>
+    <p:sldId id="260" r:id="rId190"/>
   </p:sldIdLst>
   <p:sldSz cx="12192000" cy="6858000"/>
   <p:notesSz cx="6858000" cy="9144000"/>
@@ -109,6 +109,11 @@
       </a:defRPr>
     </a:lvl9pPr>
   </p:defaultTextStyle>
+  <p:extLst>
+    <p:ext uri="{EFAFB233-063F-42B5-8137-9DF3F51BA10A}">
+      <p15:sldGuideLst xmlns:p15="http://schemas.microsoft.com/office/powerpoint/2012/main"/>
+    </p:ext>
+  </p:extLst>
 </p:presentation>
 </file>
 
@@ -243,7 +248,7 @@
           <a:p>
             <a:fld id="{4658C431-6618-4AB6-9039-C0A09C6E925B}" type="datetimeFigureOut">
               <a:rPr lang="en-US" smtClean="0"/>
-              <a:t>6/27/2018</a:t>
+              <a:t>8/10/2018</a:t>
             </a:fld>
             <a:endParaRPr lang="en-US"/>
           </a:p>
@@ -413,7 +418,7 @@
           <a:p>
             <a:fld id="{4658C431-6618-4AB6-9039-C0A09C6E925B}" type="datetimeFigureOut">
               <a:rPr lang="en-US" smtClean="0"/>
-              <a:t>6/27/2018</a:t>
+              <a:t>8/10/2018</a:t>
             </a:fld>
             <a:endParaRPr lang="en-US"/>
           </a:p>
@@ -593,7 +598,7 @@
           <a:p>
             <a:fld id="{4658C431-6618-4AB6-9039-C0A09C6E925B}" type="datetimeFigureOut">
               <a:rPr lang="en-US" smtClean="0"/>
-              <a:t>6/27/2018</a:t>
+              <a:t>8/10/2018</a:t>
             </a:fld>
             <a:endParaRPr lang="en-US"/>
           </a:p>
@@ -1131,7 +1136,7 @@
           <a:p>
             <a:fld id="{4658C431-6618-4AB6-9039-C0A09C6E925B}" type="datetimeFigureOut">
               <a:rPr lang="en-US" smtClean="0"/>
-              <a:t>6/27/2018</a:t>
+              <a:t>8/10/2018</a:t>
             </a:fld>
             <a:endParaRPr lang="en-US"/>
           </a:p>
@@ -1377,7 +1382,7 @@
           <a:p>
             <a:fld id="{4658C431-6618-4AB6-9039-C0A09C6E925B}" type="datetimeFigureOut">
               <a:rPr lang="en-US" smtClean="0"/>
-              <a:t>6/27/2018</a:t>
+              <a:t>8/10/2018</a:t>
             </a:fld>
             <a:endParaRPr lang="en-US"/>
           </a:p>
@@ -1609,7 +1614,7 @@
           <a:p>
             <a:fld id="{4658C431-6618-4AB6-9039-C0A09C6E925B}" type="datetimeFigureOut">
               <a:rPr lang="en-US" smtClean="0"/>
-              <a:t>6/27/2018</a:t>
+              <a:t>8/10/2018</a:t>
             </a:fld>
             <a:endParaRPr lang="en-US"/>
           </a:p>
@@ -1976,7 +1981,7 @@
           <a:p>
             <a:fld id="{4658C431-6618-4AB6-9039-C0A09C6E925B}" type="datetimeFigureOut">
               <a:rPr lang="en-US" smtClean="0"/>
-              <a:t>6/27/2018</a:t>
+              <a:t>8/10/2018</a:t>
             </a:fld>
             <a:endParaRPr lang="en-US"/>
           </a:p>
@@ -2094,7 +2099,7 @@
           <a:p>
             <a:fld id="{4658C431-6618-4AB6-9039-C0A09C6E925B}" type="datetimeFigureOut">
               <a:rPr lang="en-US" smtClean="0"/>
-              <a:t>6/27/2018</a:t>
+              <a:t>8/10/2018</a:t>
             </a:fld>
             <a:endParaRPr lang="en-US"/>
           </a:p>
@@ -2189,7 +2194,7 @@
           <a:p>
             <a:fld id="{4658C431-6618-4AB6-9039-C0A09C6E925B}" type="datetimeFigureOut">
               <a:rPr lang="en-US" smtClean="0"/>
-              <a:t>6/27/2018</a:t>
+              <a:t>8/10/2018</a:t>
             </a:fld>
             <a:endParaRPr lang="en-US"/>
           </a:p>
@@ -2466,7 +2471,7 @@
           <a:p>
             <a:fld id="{4658C431-6618-4AB6-9039-C0A09C6E925B}" type="datetimeFigureOut">
               <a:rPr lang="en-US" smtClean="0"/>
-              <a:t>6/27/2018</a:t>
+              <a:t>8/10/2018</a:t>
             </a:fld>
             <a:endParaRPr lang="en-US"/>
           </a:p>
@@ -2719,7 +2724,7 @@
           <a:p>
             <a:fld id="{4658C431-6618-4AB6-9039-C0A09C6E925B}" type="datetimeFigureOut">
               <a:rPr lang="en-US" smtClean="0"/>
-              <a:t>6/27/2018</a:t>
+              <a:t>8/10/2018</a:t>
             </a:fld>
             <a:endParaRPr lang="en-US"/>
           </a:p>
@@ -2932,7 +2937,7 @@
           <a:p>
             <a:fld id="{4658C431-6618-4AB6-9039-C0A09C6E925B}" type="datetimeFigureOut">
               <a:rPr lang="en-US" smtClean="0"/>
-              <a:t>6/27/2018</a:t>
+              <a:t>8/10/2018</a:t>
             </a:fld>
             <a:endParaRPr lang="en-US"/>
           </a:p>
@@ -4088,14 +4093,6 @@
               </a:rPr>
               <a:t>Topic Title</a:t>
             </a:r>
-            <a:endParaRPr lang="en-US" sz="1600" b="1" dirty="0" smtClean="0">
-              <a:solidFill>
-                <a:srgbClr val="000000"/>
-              </a:solidFill>
-              <a:latin typeface="Segoe UI" pitchFamily="34" charset="0"/>
-              <a:ea typeface="Segoe UI" pitchFamily="34" charset="0"/>
-              <a:cs typeface="Segoe UI" pitchFamily="34" charset="0"/>
-            </a:endParaRPr>
           </a:p>
         </p:txBody>
       </p:sp>
@@ -4613,7 +4610,6 @@
                 <a:rPr lang="en-US" sz="1200" dirty="0"/>
                 <a:t>3</a:t>
               </a:r>
-              <a:endParaRPr lang="en-US" sz="1200" dirty="0"/>
             </a:p>
           </p:txBody>
         </p:sp>
@@ -4922,13 +4918,6 @@
               </a:rPr>
               <a:t>For category listing</a:t>
             </a:r>
-            <a:endParaRPr lang="en-US" sz="1200" dirty="0" smtClean="0">
-              <a:solidFill>
-                <a:srgbClr val="000000"/>
-              </a:solidFill>
-              <a:latin typeface="Segoe UI" pitchFamily="34" charset="0"/>
-              <a:cs typeface="Segoe UI" pitchFamily="34" charset="0"/>
-            </a:endParaRPr>
           </a:p>
         </p:txBody>
       </p:sp>
@@ -5052,7 +5041,6 @@
                 <a:rPr lang="en-US" sz="1200" dirty="0"/>
                 <a:t>4</a:t>
               </a:r>
-              <a:endParaRPr lang="en-US" sz="1200" dirty="0"/>
             </a:p>
           </p:txBody>
         </p:sp>
@@ -5125,18 +5113,7 @@
                 <a:ea typeface="Segoe UI" pitchFamily="34" charset="0"/>
                 <a:cs typeface="Segoe UI" pitchFamily="34" charset="0"/>
               </a:rPr>
-              <a:t> </a:t>
-            </a:r>
-            <a:r>
-              <a:rPr lang="en-US" sz="1200" dirty="0" smtClean="0">
-                <a:solidFill>
-                  <a:srgbClr val="000000"/>
-                </a:solidFill>
-                <a:latin typeface="Segoe UI" pitchFamily="34" charset="0"/>
-                <a:ea typeface="Segoe UI" pitchFamily="34" charset="0"/>
-                <a:cs typeface="Segoe UI" pitchFamily="34" charset="0"/>
-              </a:rPr>
-              <a:t>&gt; text</a:t>
+              <a:t> &gt; text</a:t>
             </a:r>
           </a:p>
         </p:txBody>
@@ -5486,27 +5463,8 @@
                 <a:ea typeface="Segoe UI" pitchFamily="34" charset="0"/>
                 <a:cs typeface="Segoe UI" pitchFamily="34" charset="0"/>
               </a:rPr>
-              <a:t>Some more debug info that is only </a:t>
-            </a:r>
-            <a:r>
-              <a:rPr lang="en-US" sz="1200" dirty="0" smtClean="0">
-                <a:solidFill>
-                  <a:srgbClr val="000000"/>
-                </a:solidFill>
-                <a:latin typeface="Segoe UI" pitchFamily="34" charset="0"/>
-                <a:ea typeface="Segoe UI" pitchFamily="34" charset="0"/>
-                <a:cs typeface="Segoe UI" pitchFamily="34" charset="0"/>
-              </a:rPr>
-              <a:t>visible when the expanded</a:t>
-            </a:r>
-            <a:endParaRPr lang="en-US" sz="1200" dirty="0" smtClean="0">
-              <a:solidFill>
-                <a:srgbClr val="000000"/>
-              </a:solidFill>
-              <a:latin typeface="Segoe UI" pitchFamily="34" charset="0"/>
-              <a:ea typeface="Segoe UI" pitchFamily="34" charset="0"/>
-              <a:cs typeface="Segoe UI" pitchFamily="34" charset="0"/>
-            </a:endParaRPr>
+              <a:t>Some more debug info that is only visible when the expanded</a:t>
+            </a:r>
           </a:p>
         </p:txBody>
       </p:sp>
@@ -5630,7 +5588,6 @@
                 <a:rPr lang="en-US" sz="1200" dirty="0"/>
                 <a:t>5</a:t>
               </a:r>
-              <a:endParaRPr lang="en-US" sz="1200" dirty="0"/>
             </a:p>
           </p:txBody>
         </p:sp>
@@ -6070,14 +6027,6 @@
               </a:rPr>
               <a:t>Topics</a:t>
             </a:r>
-            <a:endParaRPr lang="en-US" sz="1600" b="1" dirty="0" smtClean="0">
-              <a:solidFill>
-                <a:srgbClr val="000000"/>
-              </a:solidFill>
-              <a:latin typeface="Segoe UI" pitchFamily="34" charset="0"/>
-              <a:ea typeface="Segoe UI" pitchFamily="34" charset="0"/>
-              <a:cs typeface="Segoe UI" pitchFamily="34" charset="0"/>
-            </a:endParaRPr>
           </a:p>
         </p:txBody>
       </p:sp>
@@ -6385,13 +6334,6 @@
               </a:rPr>
               <a:t>For category listing</a:t>
             </a:r>
-            <a:endParaRPr lang="en-US" sz="1200" dirty="0" smtClean="0">
-              <a:solidFill>
-                <a:srgbClr val="000000"/>
-              </a:solidFill>
-              <a:latin typeface="Segoe UI" pitchFamily="34" charset="0"/>
-              <a:cs typeface="Segoe UI" pitchFamily="34" charset="0"/>
-            </a:endParaRPr>
           </a:p>
         </p:txBody>
       </p:sp>
@@ -6463,18 +6405,7 @@
                 <a:ea typeface="Segoe UI" pitchFamily="34" charset="0"/>
                 <a:cs typeface="Segoe UI" pitchFamily="34" charset="0"/>
               </a:rPr>
-              <a:t> </a:t>
-            </a:r>
-            <a:r>
-              <a:rPr lang="en-US" sz="1200" dirty="0" smtClean="0">
-                <a:solidFill>
-                  <a:srgbClr val="000000"/>
-                </a:solidFill>
-                <a:latin typeface="Segoe UI" pitchFamily="34" charset="0"/>
-                <a:ea typeface="Segoe UI" pitchFamily="34" charset="0"/>
-                <a:cs typeface="Segoe UI" pitchFamily="34" charset="0"/>
-              </a:rPr>
-              <a:t>&gt; text</a:t>
+              <a:t> &gt; text</a:t>
             </a:r>
           </a:p>
         </p:txBody>
@@ -7077,14 +7008,6 @@
               </a:rPr>
               <a:t>Description of the topic to help the user decide if this is what they want</a:t>
             </a:r>
-            <a:endParaRPr lang="en-US" sz="1200" dirty="0" smtClean="0">
-              <a:solidFill>
-                <a:srgbClr val="000000"/>
-              </a:solidFill>
-              <a:latin typeface="Segoe UI" pitchFamily="34" charset="0"/>
-              <a:ea typeface="Segoe UI" pitchFamily="34" charset="0"/>
-              <a:cs typeface="Segoe UI" pitchFamily="34" charset="0"/>
-            </a:endParaRPr>
           </a:p>
         </p:txBody>
       </p:sp>
@@ -7301,14 +7224,6 @@
               </a:rPr>
               <a:t>Description of the topic to help the user decide if this is what they want</a:t>
             </a:r>
-            <a:endParaRPr lang="en-US" sz="1200" dirty="0" smtClean="0">
-              <a:solidFill>
-                <a:srgbClr val="000000"/>
-              </a:solidFill>
-              <a:latin typeface="Segoe UI" pitchFamily="34" charset="0"/>
-              <a:ea typeface="Segoe UI" pitchFamily="34" charset="0"/>
-              <a:cs typeface="Segoe UI" pitchFamily="34" charset="0"/>
-            </a:endParaRPr>
           </a:p>
         </p:txBody>
       </p:sp>
@@ -7525,14 +7440,6 @@
               </a:rPr>
               <a:t>Description of the topic to help the user decide if this is what they want</a:t>
             </a:r>
-            <a:endParaRPr lang="en-US" sz="1200" dirty="0" smtClean="0">
-              <a:solidFill>
-                <a:srgbClr val="000000"/>
-              </a:solidFill>
-              <a:latin typeface="Segoe UI" pitchFamily="34" charset="0"/>
-              <a:ea typeface="Segoe UI" pitchFamily="34" charset="0"/>
-              <a:cs typeface="Segoe UI" pitchFamily="34" charset="0"/>
-            </a:endParaRPr>
           </a:p>
         </p:txBody>
       </p:sp>
@@ -7749,14 +7656,6 @@
               </a:rPr>
               <a:t>Description of the topic to help the user decide if this is what they want</a:t>
             </a:r>
-            <a:endParaRPr lang="en-US" sz="1200" dirty="0" smtClean="0">
-              <a:solidFill>
-                <a:srgbClr val="000000"/>
-              </a:solidFill>
-              <a:latin typeface="Segoe UI" pitchFamily="34" charset="0"/>
-              <a:ea typeface="Segoe UI" pitchFamily="34" charset="0"/>
-              <a:cs typeface="Segoe UI" pitchFamily="34" charset="0"/>
-            </a:endParaRPr>
           </a:p>
         </p:txBody>
       </p:sp>
@@ -7973,14 +7872,6 @@
               </a:rPr>
               <a:t>Description of the topic to help the user decide if this is what they want</a:t>
             </a:r>
-            <a:endParaRPr lang="en-US" sz="1200" dirty="0" smtClean="0">
-              <a:solidFill>
-                <a:srgbClr val="000000"/>
-              </a:solidFill>
-              <a:latin typeface="Segoe UI" pitchFamily="34" charset="0"/>
-              <a:ea typeface="Segoe UI" pitchFamily="34" charset="0"/>
-              <a:cs typeface="Segoe UI" pitchFamily="34" charset="0"/>
-            </a:endParaRPr>
           </a:p>
         </p:txBody>
       </p:sp>
@@ -8197,14 +8088,6 @@
               </a:rPr>
               <a:t>Description of the topic to help the user decide if this is what they want</a:t>
             </a:r>
-            <a:endParaRPr lang="en-US" sz="1200" dirty="0" smtClean="0">
-              <a:solidFill>
-                <a:srgbClr val="000000"/>
-              </a:solidFill>
-              <a:latin typeface="Segoe UI" pitchFamily="34" charset="0"/>
-              <a:ea typeface="Segoe UI" pitchFamily="34" charset="0"/>
-              <a:cs typeface="Segoe UI" pitchFamily="34" charset="0"/>
-            </a:endParaRPr>
           </a:p>
         </p:txBody>
       </p:sp>
@@ -8421,14 +8304,6 @@
               </a:rPr>
               <a:t>Description of the topic to help the user decide if this is what they want</a:t>
             </a:r>
-            <a:endParaRPr lang="en-US" sz="1200" dirty="0" smtClean="0">
-              <a:solidFill>
-                <a:srgbClr val="000000"/>
-              </a:solidFill>
-              <a:latin typeface="Segoe UI" pitchFamily="34" charset="0"/>
-              <a:ea typeface="Segoe UI" pitchFamily="34" charset="0"/>
-              <a:cs typeface="Segoe UI" pitchFamily="34" charset="0"/>
-            </a:endParaRPr>
           </a:p>
         </p:txBody>
       </p:sp>
@@ -9024,14 +8899,6 @@
               </a:rPr>
               <a:t>4.5</a:t>
             </a:r>
-            <a:endParaRPr lang="en-US" sz="800" dirty="0" smtClean="0">
-              <a:solidFill>
-                <a:srgbClr val="000000"/>
-              </a:solidFill>
-              <a:latin typeface="Segoe UI" pitchFamily="34" charset="0"/>
-              <a:ea typeface="Segoe UI" pitchFamily="34" charset="0"/>
-              <a:cs typeface="Segoe UI" pitchFamily="34" charset="0"/>
-            </a:endParaRPr>
           </a:p>
         </p:txBody>
       </p:sp>
@@ -9072,14 +8939,6 @@
               </a:rPr>
               <a:t> 8</a:t>
             </a:r>
-            <a:endParaRPr lang="en-US" sz="800" dirty="0" smtClean="0">
-              <a:solidFill>
-                <a:srgbClr val="000000"/>
-              </a:solidFill>
-              <a:latin typeface="Segoe UI" pitchFamily="34" charset="0"/>
-              <a:ea typeface="Segoe UI" pitchFamily="34" charset="0"/>
-              <a:cs typeface="Segoe UI" pitchFamily="34" charset="0"/>
-            </a:endParaRPr>
           </a:p>
         </p:txBody>
       </p:sp>
@@ -9170,14 +9029,6 @@
               </a:rPr>
               <a:t>2018-06-27</a:t>
             </a:r>
-            <a:endParaRPr lang="en-US" sz="800" dirty="0" smtClean="0">
-              <a:solidFill>
-                <a:srgbClr val="000000"/>
-              </a:solidFill>
-              <a:latin typeface="Segoe UI" pitchFamily="34" charset="0"/>
-              <a:ea typeface="Segoe UI" pitchFamily="34" charset="0"/>
-              <a:cs typeface="Segoe UI" pitchFamily="34" charset="0"/>
-            </a:endParaRPr>
           </a:p>
         </p:txBody>
       </p:sp>
@@ -9296,14 +9147,6 @@
               </a:rPr>
               <a:t>4.5</a:t>
             </a:r>
-            <a:endParaRPr lang="en-US" sz="800" dirty="0" smtClean="0">
-              <a:solidFill>
-                <a:srgbClr val="000000"/>
-              </a:solidFill>
-              <a:latin typeface="Segoe UI" pitchFamily="34" charset="0"/>
-              <a:ea typeface="Segoe UI" pitchFamily="34" charset="0"/>
-              <a:cs typeface="Segoe UI" pitchFamily="34" charset="0"/>
-            </a:endParaRPr>
           </a:p>
         </p:txBody>
       </p:sp>
@@ -9344,14 +9187,6 @@
               </a:rPr>
               <a:t> 8</a:t>
             </a:r>
-            <a:endParaRPr lang="en-US" sz="800" dirty="0" smtClean="0">
-              <a:solidFill>
-                <a:srgbClr val="000000"/>
-              </a:solidFill>
-              <a:latin typeface="Segoe UI" pitchFamily="34" charset="0"/>
-              <a:ea typeface="Segoe UI" pitchFamily="34" charset="0"/>
-              <a:cs typeface="Segoe UI" pitchFamily="34" charset="0"/>
-            </a:endParaRPr>
           </a:p>
         </p:txBody>
       </p:sp>
@@ -9442,14 +9277,6 @@
               </a:rPr>
               <a:t>2018-06-27</a:t>
             </a:r>
-            <a:endParaRPr lang="en-US" sz="800" dirty="0" smtClean="0">
-              <a:solidFill>
-                <a:srgbClr val="000000"/>
-              </a:solidFill>
-              <a:latin typeface="Segoe UI" pitchFamily="34" charset="0"/>
-              <a:ea typeface="Segoe UI" pitchFamily="34" charset="0"/>
-              <a:cs typeface="Segoe UI" pitchFamily="34" charset="0"/>
-            </a:endParaRPr>
           </a:p>
         </p:txBody>
       </p:sp>
@@ -9568,14 +9395,6 @@
               </a:rPr>
               <a:t>4.5</a:t>
             </a:r>
-            <a:endParaRPr lang="en-US" sz="800" dirty="0" smtClean="0">
-              <a:solidFill>
-                <a:srgbClr val="000000"/>
-              </a:solidFill>
-              <a:latin typeface="Segoe UI" pitchFamily="34" charset="0"/>
-              <a:ea typeface="Segoe UI" pitchFamily="34" charset="0"/>
-              <a:cs typeface="Segoe UI" pitchFamily="34" charset="0"/>
-            </a:endParaRPr>
           </a:p>
         </p:txBody>
       </p:sp>
@@ -9616,14 +9435,6 @@
               </a:rPr>
               <a:t> 8</a:t>
             </a:r>
-            <a:endParaRPr lang="en-US" sz="800" dirty="0" smtClean="0">
-              <a:solidFill>
-                <a:srgbClr val="000000"/>
-              </a:solidFill>
-              <a:latin typeface="Segoe UI" pitchFamily="34" charset="0"/>
-              <a:ea typeface="Segoe UI" pitchFamily="34" charset="0"/>
-              <a:cs typeface="Segoe UI" pitchFamily="34" charset="0"/>
-            </a:endParaRPr>
           </a:p>
         </p:txBody>
       </p:sp>
@@ -9714,14 +9525,6 @@
               </a:rPr>
               <a:t>2018-06-27</a:t>
             </a:r>
-            <a:endParaRPr lang="en-US" sz="800" dirty="0" smtClean="0">
-              <a:solidFill>
-                <a:srgbClr val="000000"/>
-              </a:solidFill>
-              <a:latin typeface="Segoe UI" pitchFamily="34" charset="0"/>
-              <a:ea typeface="Segoe UI" pitchFamily="34" charset="0"/>
-              <a:cs typeface="Segoe UI" pitchFamily="34" charset="0"/>
-            </a:endParaRPr>
           </a:p>
         </p:txBody>
       </p:sp>
@@ -9840,14 +9643,6 @@
               </a:rPr>
               <a:t>4.5</a:t>
             </a:r>
-            <a:endParaRPr lang="en-US" sz="800" dirty="0" smtClean="0">
-              <a:solidFill>
-                <a:srgbClr val="000000"/>
-              </a:solidFill>
-              <a:latin typeface="Segoe UI" pitchFamily="34" charset="0"/>
-              <a:ea typeface="Segoe UI" pitchFamily="34" charset="0"/>
-              <a:cs typeface="Segoe UI" pitchFamily="34" charset="0"/>
-            </a:endParaRPr>
           </a:p>
         </p:txBody>
       </p:sp>
@@ -9888,14 +9683,6 @@
               </a:rPr>
               <a:t> 8</a:t>
             </a:r>
-            <a:endParaRPr lang="en-US" sz="800" dirty="0" smtClean="0">
-              <a:solidFill>
-                <a:srgbClr val="000000"/>
-              </a:solidFill>
-              <a:latin typeface="Segoe UI" pitchFamily="34" charset="0"/>
-              <a:ea typeface="Segoe UI" pitchFamily="34" charset="0"/>
-              <a:cs typeface="Segoe UI" pitchFamily="34" charset="0"/>
-            </a:endParaRPr>
           </a:p>
         </p:txBody>
       </p:sp>
@@ -9986,14 +9773,6 @@
               </a:rPr>
               <a:t>2018-06-27</a:t>
             </a:r>
-            <a:endParaRPr lang="en-US" sz="800" dirty="0" smtClean="0">
-              <a:solidFill>
-                <a:srgbClr val="000000"/>
-              </a:solidFill>
-              <a:latin typeface="Segoe UI" pitchFamily="34" charset="0"/>
-              <a:ea typeface="Segoe UI" pitchFamily="34" charset="0"/>
-              <a:cs typeface="Segoe UI" pitchFamily="34" charset="0"/>
-            </a:endParaRPr>
           </a:p>
         </p:txBody>
       </p:sp>
@@ -10112,14 +9891,6 @@
               </a:rPr>
               <a:t>4.5</a:t>
             </a:r>
-            <a:endParaRPr lang="en-US" sz="800" dirty="0" smtClean="0">
-              <a:solidFill>
-                <a:srgbClr val="000000"/>
-              </a:solidFill>
-              <a:latin typeface="Segoe UI" pitchFamily="34" charset="0"/>
-              <a:ea typeface="Segoe UI" pitchFamily="34" charset="0"/>
-              <a:cs typeface="Segoe UI" pitchFamily="34" charset="0"/>
-            </a:endParaRPr>
           </a:p>
         </p:txBody>
       </p:sp>
@@ -10160,14 +9931,6 @@
               </a:rPr>
               <a:t> 8</a:t>
             </a:r>
-            <a:endParaRPr lang="en-US" sz="800" dirty="0" smtClean="0">
-              <a:solidFill>
-                <a:srgbClr val="000000"/>
-              </a:solidFill>
-              <a:latin typeface="Segoe UI" pitchFamily="34" charset="0"/>
-              <a:ea typeface="Segoe UI" pitchFamily="34" charset="0"/>
-              <a:cs typeface="Segoe UI" pitchFamily="34" charset="0"/>
-            </a:endParaRPr>
           </a:p>
         </p:txBody>
       </p:sp>
@@ -10258,14 +10021,6 @@
               </a:rPr>
               <a:t>2018-06-27</a:t>
             </a:r>
-            <a:endParaRPr lang="en-US" sz="800" dirty="0" smtClean="0">
-              <a:solidFill>
-                <a:srgbClr val="000000"/>
-              </a:solidFill>
-              <a:latin typeface="Segoe UI" pitchFamily="34" charset="0"/>
-              <a:ea typeface="Segoe UI" pitchFamily="34" charset="0"/>
-              <a:cs typeface="Segoe UI" pitchFamily="34" charset="0"/>
-            </a:endParaRPr>
           </a:p>
         </p:txBody>
       </p:sp>
@@ -10384,14 +10139,6 @@
               </a:rPr>
               <a:t>4.5</a:t>
             </a:r>
-            <a:endParaRPr lang="en-US" sz="800" dirty="0" smtClean="0">
-              <a:solidFill>
-                <a:srgbClr val="000000"/>
-              </a:solidFill>
-              <a:latin typeface="Segoe UI" pitchFamily="34" charset="0"/>
-              <a:ea typeface="Segoe UI" pitchFamily="34" charset="0"/>
-              <a:cs typeface="Segoe UI" pitchFamily="34" charset="0"/>
-            </a:endParaRPr>
           </a:p>
         </p:txBody>
       </p:sp>
@@ -10432,14 +10179,6 @@
               </a:rPr>
               <a:t> 8</a:t>
             </a:r>
-            <a:endParaRPr lang="en-US" sz="800" dirty="0" smtClean="0">
-              <a:solidFill>
-                <a:srgbClr val="000000"/>
-              </a:solidFill>
-              <a:latin typeface="Segoe UI" pitchFamily="34" charset="0"/>
-              <a:ea typeface="Segoe UI" pitchFamily="34" charset="0"/>
-              <a:cs typeface="Segoe UI" pitchFamily="34" charset="0"/>
-            </a:endParaRPr>
           </a:p>
         </p:txBody>
       </p:sp>
@@ -10530,14 +10269,6 @@
               </a:rPr>
               <a:t>2018-06-27</a:t>
             </a:r>
-            <a:endParaRPr lang="en-US" sz="800" dirty="0" smtClean="0">
-              <a:solidFill>
-                <a:srgbClr val="000000"/>
-              </a:solidFill>
-              <a:latin typeface="Segoe UI" pitchFamily="34" charset="0"/>
-              <a:ea typeface="Segoe UI" pitchFamily="34" charset="0"/>
-              <a:cs typeface="Segoe UI" pitchFamily="34" charset="0"/>
-            </a:endParaRPr>
           </a:p>
         </p:txBody>
       </p:sp>
@@ -10656,14 +10387,6 @@
               </a:rPr>
               <a:t>4.5</a:t>
             </a:r>
-            <a:endParaRPr lang="en-US" sz="800" dirty="0" smtClean="0">
-              <a:solidFill>
-                <a:srgbClr val="000000"/>
-              </a:solidFill>
-              <a:latin typeface="Segoe UI" pitchFamily="34" charset="0"/>
-              <a:ea typeface="Segoe UI" pitchFamily="34" charset="0"/>
-              <a:cs typeface="Segoe UI" pitchFamily="34" charset="0"/>
-            </a:endParaRPr>
           </a:p>
         </p:txBody>
       </p:sp>
@@ -10704,14 +10427,6 @@
               </a:rPr>
               <a:t> 8</a:t>
             </a:r>
-            <a:endParaRPr lang="en-US" sz="800" dirty="0" smtClean="0">
-              <a:solidFill>
-                <a:srgbClr val="000000"/>
-              </a:solidFill>
-              <a:latin typeface="Segoe UI" pitchFamily="34" charset="0"/>
-              <a:ea typeface="Segoe UI" pitchFamily="34" charset="0"/>
-              <a:cs typeface="Segoe UI" pitchFamily="34" charset="0"/>
-            </a:endParaRPr>
           </a:p>
         </p:txBody>
       </p:sp>
@@ -10802,14 +10517,6 @@
               </a:rPr>
               <a:t>2018-06-27</a:t>
             </a:r>
-            <a:endParaRPr lang="en-US" sz="800" dirty="0" smtClean="0">
-              <a:solidFill>
-                <a:srgbClr val="000000"/>
-              </a:solidFill>
-              <a:latin typeface="Segoe UI" pitchFamily="34" charset="0"/>
-              <a:ea typeface="Segoe UI" pitchFamily="34" charset="0"/>
-              <a:cs typeface="Segoe UI" pitchFamily="34" charset="0"/>
-            </a:endParaRPr>
           </a:p>
         </p:txBody>
       </p:sp>
@@ -10863,7 +10570,7 @@
           </p:nvPr>
         </p:nvPicPr>
         <p:blipFill>
-          <a:blip r:embed="rId15" cstate="print">
+          <a:blip r:embed="rId32" cstate="print">
             <a:extLst>
               <a:ext uri="{28A0092B-C50C-407E-A947-70E740481C1C}">
                 <a14:useLocalDpi xmlns:a14="http://schemas.microsoft.com/office/drawing/2010/main" val="0"/>
@@ -10897,7 +10604,7 @@
           </p:nvPr>
         </p:nvPicPr>
         <p:blipFill>
-          <a:blip r:embed="rId15" cstate="print">
+          <a:blip r:embed="rId32" cstate="print">
             <a:extLst>
               <a:ext uri="{28A0092B-C50C-407E-A947-70E740481C1C}">
                 <a14:useLocalDpi xmlns:a14="http://schemas.microsoft.com/office/drawing/2010/main" val="0"/>
@@ -10974,7 +10681,7 @@
           </p:nvPr>
         </p:nvPicPr>
         <p:blipFill>
-          <a:blip r:embed="rId16">
+          <a:blip r:embed="rId33">
             <a:extLst>
               <a:ext uri="{28A0092B-C50C-407E-A947-70E740481C1C}">
                 <a14:useLocalDpi xmlns:a14="http://schemas.microsoft.com/office/drawing/2010/main" val="0"/>
@@ -11081,1227 +10788,7 @@
           </p:nvPr>
         </p:nvPicPr>
         <p:blipFill>
-          <a:blip r:embed="rId17">
-            <a:extLst>
-              <a:ext uri="{28A0092B-C50C-407E-A947-70E740481C1C}">
-                <a14:useLocalDpi xmlns:a14="http://schemas.microsoft.com/office/drawing/2010/main" val="0"/>
-              </a:ext>
-            </a:extLst>
-          </a:blip>
-          <a:stretch>
-            <a:fillRect/>
-          </a:stretch>
-        </p:blipFill>
-        <p:spPr>
-          <a:xfrm>
-            <a:off x="11380813" y="148536"/>
-            <a:ext cx="337500" cy="337500"/>
-          </a:xfrm>
-          <a:prstGeom prst="rect">
-            <a:avLst/>
-          </a:prstGeom>
-        </p:spPr>
-      </p:pic>
-      <p:cxnSp>
-        <p:nvCxnSpPr>
-          <p:cNvPr id="22" name="Straight Arrow Connector 21"/>
-          <p:cNvCxnSpPr/>
-          <p:nvPr/>
-        </p:nvCxnSpPr>
-        <p:spPr>
-          <a:xfrm>
-            <a:off x="11887063" y="317286"/>
-            <a:ext cx="0" cy="168750"/>
-          </a:xfrm>
-          <a:prstGeom prst="straightConnector1">
-            <a:avLst/>
-          </a:prstGeom>
-          <a:ln>
-            <a:tailEnd type="triangle"/>
-          </a:ln>
-        </p:spPr>
-        <p:style>
-          <a:lnRef idx="1">
-            <a:schemeClr val="accent1"/>
-          </a:lnRef>
-          <a:fillRef idx="0">
-            <a:schemeClr val="accent1"/>
-          </a:fillRef>
-          <a:effectRef idx="0">
-            <a:schemeClr val="accent1"/>
-          </a:effectRef>
-          <a:fontRef idx="minor">
-            <a:schemeClr val="tx1"/>
-          </a:fontRef>
-        </p:style>
-      </p:cxnSp>
-      <p:sp>
-        <p:nvSpPr>
-          <p:cNvPr id="24" name="Content"/>
-          <p:cNvSpPr txBox="1"/>
-          <p:nvPr>
-            <p:custDataLst>
-              <p:custData r:id="rId6"/>
-            </p:custDataLst>
-          </p:nvPr>
-        </p:nvSpPr>
-        <p:spPr>
-          <a:xfrm>
-            <a:off x="4936165" y="1107874"/>
-            <a:ext cx="1275631" cy="292388"/>
-          </a:xfrm>
-          <a:prstGeom prst="rect">
-            <a:avLst/>
-          </a:prstGeom>
-          <a:noFill/>
-        </p:spPr>
-        <p:txBody>
-          <a:bodyPr wrap="square" lIns="91440" tIns="18288" rIns="91440" bIns="27432" rtlCol="0" anchor="ctr" anchorCtr="0">
-            <a:spAutoFit/>
-          </a:bodyPr>
-          <a:lstStyle/>
-          <a:p>
-            <a:pPr algn="ctr"/>
-            <a:r>
-              <a:rPr lang="en-US" sz="1600" b="1" dirty="0" smtClean="0">
-                <a:solidFill>
-                  <a:srgbClr val="000000"/>
-                </a:solidFill>
-                <a:latin typeface="Segoe UI" pitchFamily="34" charset="0"/>
-                <a:ea typeface="Segoe UI" pitchFamily="34" charset="0"/>
-                <a:cs typeface="Segoe UI" pitchFamily="34" charset="0"/>
-              </a:rPr>
-              <a:t>Topics</a:t>
-            </a:r>
-            <a:endParaRPr lang="en-US" sz="1600" b="1" dirty="0" smtClean="0">
-              <a:solidFill>
-                <a:srgbClr val="000000"/>
-              </a:solidFill>
-              <a:latin typeface="Segoe UI" pitchFamily="34" charset="0"/>
-              <a:ea typeface="Segoe UI" pitchFamily="34" charset="0"/>
-              <a:cs typeface="Segoe UI" pitchFamily="34" charset="0"/>
-            </a:endParaRPr>
-          </a:p>
-        </p:txBody>
-      </p:sp>
-      <p:grpSp>
-        <p:nvGrpSpPr>
-          <p:cNvPr id="46" name="TabGroup"/>
-          <p:cNvGrpSpPr/>
-          <p:nvPr>
-            <p:custDataLst>
-              <p:custData r:id="rId7"/>
-            </p:custDataLst>
-          </p:nvPr>
-        </p:nvGrpSpPr>
-        <p:grpSpPr>
-          <a:xfrm rot="5400000">
-            <a:off x="-747825" y="2195173"/>
-            <a:ext cx="3513043" cy="2017394"/>
-            <a:chOff x="3138993" y="2600325"/>
-            <a:chExt cx="3513043" cy="2017394"/>
-          </a:xfrm>
-        </p:grpSpPr>
-        <p:sp>
-          <p:nvSpPr>
-            <p:cNvPr id="47" name="Container"/>
-            <p:cNvSpPr/>
-            <p:nvPr/>
-          </p:nvSpPr>
-          <p:spPr>
-            <a:xfrm>
-              <a:off x="3138993" y="2846816"/>
-              <a:ext cx="3513043" cy="1770903"/>
-            </a:xfrm>
-            <a:prstGeom prst="rect">
-              <a:avLst/>
-            </a:prstGeom>
-            <a:solidFill>
-              <a:sysClr val="window" lastClr="FFFFFF"/>
-            </a:solidFill>
-            <a:ln w="3175" cap="flat" cmpd="sng" algn="ctr">
-              <a:solidFill>
-                <a:srgbClr val="FFFFFF">
-                  <a:lumMod val="50000"/>
-                </a:srgbClr>
-              </a:solidFill>
-              <a:prstDash val="solid"/>
-            </a:ln>
-            <a:effectLst/>
-          </p:spPr>
-          <p:txBody>
-            <a:bodyPr rot="0" spcFirstLastPara="0" vertOverflow="overflow" horzOverflow="overflow" vert="horz" wrap="square" lIns="45720" tIns="45720" rIns="91440" bIns="45720" numCol="1" spcCol="0" rtlCol="0" fromWordArt="0" anchor="ctr" anchorCtr="0" forceAA="0" compatLnSpc="1">
-              <a:prstTxWarp prst="textNoShape">
-                <a:avLst/>
-              </a:prstTxWarp>
-              <a:noAutofit/>
-            </a:bodyPr>
-            <a:lstStyle/>
-            <a:p>
-              <a:pPr marL="0" marR="0" indent="0" algn="ctr" defTabSz="914400" eaLnBrk="1" fontAlgn="auto" latinLnBrk="0" hangingPunct="1">
-                <a:lnSpc>
-                  <a:spcPct val="100000"/>
-                </a:lnSpc>
-                <a:spcBef>
-                  <a:spcPts val="0"/>
-                </a:spcBef>
-                <a:spcAft>
-                  <a:spcPts val="0"/>
-                </a:spcAft>
-                <a:buClrTx/>
-                <a:buSzTx/>
-                <a:buFontTx/>
-                <a:buNone/>
-                <a:tabLst/>
-              </a:pPr>
-              <a:endParaRPr kumimoji="0" lang="en-US" sz="800" b="0" i="0" u="none" strike="noStrike" kern="0" cap="none" spc="0" normalizeH="0" baseline="0" noProof="0" dirty="0" smtClean="0">
-                <a:ln>
-                  <a:noFill/>
-                </a:ln>
-                <a:solidFill>
-                  <a:srgbClr val="000000">
-                    <a:lumMod val="75000"/>
-                    <a:lumOff val="25000"/>
-                  </a:srgbClr>
-                </a:solidFill>
-                <a:effectLst/>
-                <a:uLnTx/>
-                <a:uFillTx/>
-                <a:latin typeface="Segoe UI"/>
-                <a:ea typeface="+mn-ea"/>
-                <a:cs typeface="+mn-cs"/>
-              </a:endParaRPr>
-            </a:p>
-          </p:txBody>
-        </p:sp>
-        <p:grpSp>
-          <p:nvGrpSpPr>
-            <p:cNvPr id="50" name="Group 49"/>
-            <p:cNvGrpSpPr/>
-            <p:nvPr/>
-          </p:nvGrpSpPr>
-          <p:grpSpPr>
-            <a:xfrm>
-              <a:off x="3194744" y="2600325"/>
-              <a:ext cx="900502" cy="246492"/>
-              <a:chOff x="3473590" y="2698418"/>
-              <a:chExt cx="582858" cy="210312"/>
-            </a:xfrm>
-          </p:grpSpPr>
-          <p:sp>
-            <p:nvSpPr>
-              <p:cNvPr id="52" name="ActiveTab"/>
-              <p:cNvSpPr txBox="1"/>
-              <p:nvPr/>
-            </p:nvSpPr>
-            <p:spPr>
-              <a:xfrm>
-                <a:off x="3473590" y="2698418"/>
-                <a:ext cx="582858" cy="210312"/>
-              </a:xfrm>
-              <a:prstGeom prst="rect">
-                <a:avLst/>
-              </a:prstGeom>
-              <a:solidFill>
-                <a:srgbClr val="FFFFFF"/>
-              </a:solidFill>
-              <a:ln w="3175">
-                <a:solidFill>
-                  <a:srgbClr val="FFFFFF">
-                    <a:lumMod val="50000"/>
-                  </a:srgbClr>
-                </a:solidFill>
-              </a:ln>
-            </p:spPr>
-            <p:txBody>
-              <a:bodyPr vertOverflow="ellipsis" lIns="0" tIns="18288" rIns="45720" rtlCol="0">
-                <a:noAutofit/>
-              </a:bodyPr>
-              <a:lstStyle/>
-              <a:p>
-                <a:pPr algn="ctr"/>
-                <a:r>
-                  <a:rPr lang="en-US" sz="1200" dirty="0" smtClean="0">
-                    <a:latin typeface="Segoe UI" pitchFamily="34" charset="0"/>
-                    <a:ea typeface="Segoe UI" pitchFamily="34" charset="0"/>
-                    <a:cs typeface="Segoe UI" pitchFamily="34" charset="0"/>
-                  </a:rPr>
-                  <a:t>III</a:t>
-                </a:r>
-                <a:endParaRPr lang="en-US" sz="1200" dirty="0">
-                  <a:latin typeface="Segoe UI" pitchFamily="34" charset="0"/>
-                  <a:ea typeface="Segoe UI" pitchFamily="34" charset="0"/>
-                  <a:cs typeface="Segoe UI" pitchFamily="34" charset="0"/>
-                </a:endParaRPr>
-              </a:p>
-            </p:txBody>
-          </p:sp>
-          <p:sp>
-            <p:nvSpPr>
-              <p:cNvPr id="53" name="TabLine"/>
-              <p:cNvSpPr/>
-              <p:nvPr/>
-            </p:nvSpPr>
-            <p:spPr>
-              <a:xfrm>
-                <a:off x="3479835" y="2908730"/>
-                <a:ext cx="570368" cy="0"/>
-              </a:xfrm>
-              <a:prstGeom prst="rect">
-                <a:avLst/>
-              </a:prstGeom>
-              <a:solidFill>
-                <a:sysClr val="window" lastClr="FFFFFF"/>
-              </a:solidFill>
-              <a:ln w="12700" cap="flat" cmpd="sng" algn="ctr">
-                <a:solidFill>
-                  <a:srgbClr val="FFFFFF"/>
-                </a:solidFill>
-                <a:prstDash val="solid"/>
-              </a:ln>
-              <a:effectLst/>
-            </p:spPr>
-            <p:txBody>
-              <a:bodyPr rot="0" spcFirstLastPara="0" vertOverflow="overflow" horzOverflow="overflow" vert="horz" wrap="square" lIns="45720" tIns="45720" rIns="91440" bIns="45720" numCol="1" spcCol="0" rtlCol="0" fromWordArt="0" anchor="ctr" anchorCtr="0" forceAA="0" compatLnSpc="1">
-                <a:prstTxWarp prst="textNoShape">
-                  <a:avLst/>
-                </a:prstTxWarp>
-                <a:noAutofit/>
-              </a:bodyPr>
-              <a:lstStyle/>
-              <a:p>
-                <a:pPr marL="0" marR="0" indent="0" algn="ctr" defTabSz="914400" eaLnBrk="1" fontAlgn="auto" latinLnBrk="0" hangingPunct="1">
-                  <a:lnSpc>
-                    <a:spcPct val="100000"/>
-                  </a:lnSpc>
-                  <a:spcBef>
-                    <a:spcPts val="0"/>
-                  </a:spcBef>
-                  <a:spcAft>
-                    <a:spcPts val="0"/>
-                  </a:spcAft>
-                  <a:buClrTx/>
-                  <a:buSzTx/>
-                  <a:buFontTx/>
-                  <a:buNone/>
-                  <a:tabLst/>
-                </a:pPr>
-                <a:endParaRPr kumimoji="0" lang="en-US" sz="800" b="0" i="0" u="none" strike="noStrike" kern="0" cap="none" spc="0" normalizeH="0" baseline="0" noProof="0" dirty="0" smtClean="0">
-                  <a:ln>
-                    <a:noFill/>
-                  </a:ln>
-                  <a:solidFill>
-                    <a:srgbClr val="000000">
-                      <a:lumMod val="75000"/>
-                      <a:lumOff val="25000"/>
-                    </a:srgbClr>
-                  </a:solidFill>
-                  <a:effectLst/>
-                  <a:uLnTx/>
-                  <a:uFillTx/>
-                  <a:latin typeface="Segoe UI"/>
-                  <a:ea typeface="+mn-ea"/>
-                  <a:cs typeface="+mn-cs"/>
-                </a:endParaRPr>
-              </a:p>
-            </p:txBody>
-          </p:sp>
-        </p:grpSp>
-      </p:grpSp>
-      <p:sp>
-        <p:nvSpPr>
-          <p:cNvPr id="54" name="Content"/>
-          <p:cNvSpPr/>
-          <p:nvPr>
-            <p:custDataLst>
-              <p:custData r:id="rId8"/>
-            </p:custDataLst>
-          </p:nvPr>
-        </p:nvSpPr>
-        <p:spPr>
-          <a:xfrm>
-            <a:off x="30497" y="1537976"/>
-            <a:ext cx="1546846" cy="818516"/>
-          </a:xfrm>
-          <a:prstGeom prst="rect">
-            <a:avLst/>
-          </a:prstGeom>
-          <a:solidFill>
-            <a:sysClr val="window" lastClr="FFFFFF"/>
-          </a:solidFill>
-          <a:ln w="3175">
-            <a:solidFill>
-              <a:srgbClr val="000000">
-                <a:lumMod val="50000"/>
-                <a:lumOff val="50000"/>
-              </a:srgbClr>
-            </a:solidFill>
-          </a:ln>
-          <a:effectLst/>
-        </p:spPr>
-        <p:style>
-          <a:lnRef idx="2">
-            <a:srgbClr val="4F81BD">
-              <a:shade val="50000"/>
-            </a:srgbClr>
-          </a:lnRef>
-          <a:fillRef idx="1">
-            <a:srgbClr val="4F81BD"/>
-          </a:fillRef>
-          <a:effectRef idx="0">
-            <a:srgbClr val="4F81BD"/>
-          </a:effectRef>
-          <a:fontRef idx="minor">
-            <a:srgbClr val="000000"/>
-          </a:fontRef>
-        </p:style>
-        <p:txBody>
-          <a:bodyPr lIns="45720" tIns="27432" rIns="0" bIns="0" rtlCol="0" anchor="t" anchorCtr="0"/>
-          <a:lstStyle/>
-          <a:p>
-            <a:r>
-              <a:rPr lang="en-US" sz="1200" dirty="0" smtClean="0">
-                <a:solidFill>
-                  <a:srgbClr val="000000"/>
-                </a:solidFill>
-                <a:latin typeface="Segoe UI" pitchFamily="34" charset="0"/>
-                <a:cs typeface="Segoe UI" pitchFamily="34" charset="0"/>
-              </a:rPr>
-              <a:t>Nested &lt;UL&gt;s</a:t>
-            </a:r>
-            <a:br>
-              <a:rPr lang="en-US" sz="1200" dirty="0" smtClean="0">
-                <a:solidFill>
-                  <a:srgbClr val="000000"/>
-                </a:solidFill>
-                <a:latin typeface="Segoe UI" pitchFamily="34" charset="0"/>
-                <a:cs typeface="Segoe UI" pitchFamily="34" charset="0"/>
-              </a:rPr>
-            </a:br>
-            <a:r>
-              <a:rPr lang="en-US" sz="1200" dirty="0" smtClean="0">
-                <a:solidFill>
-                  <a:srgbClr val="000000"/>
-                </a:solidFill>
-                <a:latin typeface="Segoe UI" pitchFamily="34" charset="0"/>
-                <a:cs typeface="Segoe UI" pitchFamily="34" charset="0"/>
-              </a:rPr>
-              <a:t>For category listing</a:t>
-            </a:r>
-            <a:endParaRPr lang="en-US" sz="1200" dirty="0" smtClean="0">
-              <a:solidFill>
-                <a:srgbClr val="000000"/>
-              </a:solidFill>
-              <a:latin typeface="Segoe UI" pitchFamily="34" charset="0"/>
-              <a:cs typeface="Segoe UI" pitchFamily="34" charset="0"/>
-            </a:endParaRPr>
-          </a:p>
-        </p:txBody>
-      </p:sp>
-      <p:sp>
-        <p:nvSpPr>
-          <p:cNvPr id="58" name="Content"/>
-          <p:cNvSpPr txBox="1"/>
-          <p:nvPr>
-            <p:custDataLst>
-              <p:custData r:id="rId9"/>
-            </p:custDataLst>
-          </p:nvPr>
-        </p:nvSpPr>
-        <p:spPr>
-          <a:xfrm>
-            <a:off x="121734" y="1100614"/>
-            <a:ext cx="1729897" cy="249299"/>
-          </a:xfrm>
-          <a:prstGeom prst="rect">
-            <a:avLst/>
-          </a:prstGeom>
-          <a:noFill/>
-        </p:spPr>
-        <p:txBody>
-          <a:bodyPr wrap="none" lIns="91440" tIns="18288" rIns="91440" bIns="45720" rtlCol="0" anchor="ctr" anchorCtr="0">
-            <a:spAutoFit/>
-          </a:bodyPr>
-          <a:lstStyle/>
-          <a:p>
-            <a:r>
-              <a:rPr lang="en-US" sz="1200" dirty="0" smtClean="0">
-                <a:solidFill>
-                  <a:srgbClr val="0070C0"/>
-                </a:solidFill>
-                <a:latin typeface="Segoe UI" pitchFamily="34" charset="0"/>
-                <a:ea typeface="Segoe UI" pitchFamily="34" charset="0"/>
-                <a:cs typeface="Segoe UI" pitchFamily="34" charset="0"/>
-              </a:rPr>
-              <a:t>Bread </a:t>
-            </a:r>
-            <a:r>
-              <a:rPr lang="en-US" sz="1200" dirty="0" smtClean="0">
-                <a:solidFill>
-                  <a:srgbClr val="000000"/>
-                </a:solidFill>
-                <a:latin typeface="Segoe UI" pitchFamily="34" charset="0"/>
-                <a:ea typeface="Segoe UI" pitchFamily="34" charset="0"/>
-                <a:cs typeface="Segoe UI" pitchFamily="34" charset="0"/>
-              </a:rPr>
-              <a:t>&gt; </a:t>
-            </a:r>
-            <a:r>
-              <a:rPr lang="en-US" sz="1200" dirty="0" smtClean="0">
-                <a:solidFill>
-                  <a:srgbClr val="0070C0"/>
-                </a:solidFill>
-                <a:latin typeface="Segoe UI" pitchFamily="34" charset="0"/>
-                <a:ea typeface="Segoe UI" pitchFamily="34" charset="0"/>
-                <a:cs typeface="Segoe UI" pitchFamily="34" charset="0"/>
-              </a:rPr>
-              <a:t>Crumbs</a:t>
-            </a:r>
-            <a:r>
-              <a:rPr lang="en-US" sz="1200" dirty="0" smtClean="0">
-                <a:solidFill>
-                  <a:srgbClr val="000000"/>
-                </a:solidFill>
-                <a:latin typeface="Segoe UI" pitchFamily="34" charset="0"/>
-                <a:ea typeface="Segoe UI" pitchFamily="34" charset="0"/>
-                <a:cs typeface="Segoe UI" pitchFamily="34" charset="0"/>
-              </a:rPr>
-              <a:t> </a:t>
-            </a:r>
-            <a:r>
-              <a:rPr lang="en-US" sz="1200" dirty="0" smtClean="0">
-                <a:solidFill>
-                  <a:srgbClr val="000000"/>
-                </a:solidFill>
-                <a:latin typeface="Segoe UI" pitchFamily="34" charset="0"/>
-                <a:ea typeface="Segoe UI" pitchFamily="34" charset="0"/>
-                <a:cs typeface="Segoe UI" pitchFamily="34" charset="0"/>
-              </a:rPr>
-              <a:t>&gt; text</a:t>
-            </a:r>
-          </a:p>
-        </p:txBody>
-      </p:sp>
-      <p:sp>
-        <p:nvSpPr>
-          <p:cNvPr id="59" name="Freeform 139"/>
-          <p:cNvSpPr>
-            <a:spLocks/>
-          </p:cNvSpPr>
-          <p:nvPr>
-            <p:custDataLst>
-              <p:custData r:id="rId10"/>
-              <p:custData r:id="rId11"/>
-            </p:custDataLst>
-          </p:nvPr>
-        </p:nvSpPr>
-        <p:spPr bwMode="black">
-          <a:xfrm flipV="1">
-            <a:off x="1831796" y="1579072"/>
-            <a:ext cx="132664" cy="126458"/>
-          </a:xfrm>
-          <a:custGeom>
-            <a:avLst/>
-            <a:gdLst>
-              <a:gd name="T0" fmla="*/ 63 w 75"/>
-              <a:gd name="T1" fmla="*/ 29 h 75"/>
-              <a:gd name="T2" fmla="*/ 44 w 75"/>
-              <a:gd name="T3" fmla="*/ 48 h 75"/>
-              <a:gd name="T4" fmla="*/ 40 w 75"/>
-              <a:gd name="T5" fmla="*/ 68 h 75"/>
-              <a:gd name="T6" fmla="*/ 26 w 75"/>
-              <a:gd name="T7" fmla="*/ 54 h 75"/>
-              <a:gd name="T8" fmla="*/ 0 w 75"/>
-              <a:gd name="T9" fmla="*/ 74 h 75"/>
-              <a:gd name="T10" fmla="*/ 0 w 75"/>
-              <a:gd name="T11" fmla="*/ 74 h 75"/>
-              <a:gd name="T12" fmla="*/ 0 w 75"/>
-              <a:gd name="T13" fmla="*/ 74 h 75"/>
-              <a:gd name="T14" fmla="*/ 0 w 75"/>
-              <a:gd name="T15" fmla="*/ 74 h 75"/>
-              <a:gd name="T16" fmla="*/ 0 w 75"/>
-              <a:gd name="T17" fmla="*/ 74 h 75"/>
-              <a:gd name="T18" fmla="*/ 20 w 75"/>
-              <a:gd name="T19" fmla="*/ 49 h 75"/>
-              <a:gd name="T20" fmla="*/ 6 w 75"/>
-              <a:gd name="T21" fmla="*/ 35 h 75"/>
-              <a:gd name="T22" fmla="*/ 27 w 75"/>
-              <a:gd name="T23" fmla="*/ 31 h 75"/>
-              <a:gd name="T24" fmla="*/ 46 w 75"/>
-              <a:gd name="T25" fmla="*/ 11 h 75"/>
-              <a:gd name="T26" fmla="*/ 50 w 75"/>
-              <a:gd name="T27" fmla="*/ 0 h 75"/>
-              <a:gd name="T28" fmla="*/ 75 w 75"/>
-              <a:gd name="T29" fmla="*/ 25 h 75"/>
-              <a:gd name="T30" fmla="*/ 63 w 75"/>
-              <a:gd name="T31" fmla="*/ 29 h 75"/>
-            </a:gdLst>
-            <a:ahLst/>
-            <a:cxnLst>
-              <a:cxn ang="0">
-                <a:pos x="T0" y="T1"/>
-              </a:cxn>
-              <a:cxn ang="0">
-                <a:pos x="T2" y="T3"/>
-              </a:cxn>
-              <a:cxn ang="0">
-                <a:pos x="T4" y="T5"/>
-              </a:cxn>
-              <a:cxn ang="0">
-                <a:pos x="T6" y="T7"/>
-              </a:cxn>
-              <a:cxn ang="0">
-                <a:pos x="T8" y="T9"/>
-              </a:cxn>
-              <a:cxn ang="0">
-                <a:pos x="T10" y="T11"/>
-              </a:cxn>
-              <a:cxn ang="0">
-                <a:pos x="T12" y="T13"/>
-              </a:cxn>
-              <a:cxn ang="0">
-                <a:pos x="T14" y="T15"/>
-              </a:cxn>
-              <a:cxn ang="0">
-                <a:pos x="T16" y="T17"/>
-              </a:cxn>
-              <a:cxn ang="0">
-                <a:pos x="T18" y="T19"/>
-              </a:cxn>
-              <a:cxn ang="0">
-                <a:pos x="T20" y="T21"/>
-              </a:cxn>
-              <a:cxn ang="0">
-                <a:pos x="T22" y="T23"/>
-              </a:cxn>
-              <a:cxn ang="0">
-                <a:pos x="T24" y="T25"/>
-              </a:cxn>
-              <a:cxn ang="0">
-                <a:pos x="T26" y="T27"/>
-              </a:cxn>
-              <a:cxn ang="0">
-                <a:pos x="T28" y="T29"/>
-              </a:cxn>
-              <a:cxn ang="0">
-                <a:pos x="T30" y="T31"/>
-              </a:cxn>
-            </a:cxnLst>
-            <a:rect l="0" t="0" r="r" b="b"/>
-            <a:pathLst>
-              <a:path w="75" h="75">
-                <a:moveTo>
-                  <a:pt x="63" y="29"/>
-                </a:moveTo>
-                <a:cubicBezTo>
-                  <a:pt x="44" y="48"/>
-                  <a:pt x="44" y="48"/>
-                  <a:pt x="44" y="48"/>
-                </a:cubicBezTo>
-                <a:cubicBezTo>
-                  <a:pt x="47" y="55"/>
-                  <a:pt x="46" y="63"/>
-                  <a:pt x="40" y="68"/>
-                </a:cubicBezTo>
-                <a:cubicBezTo>
-                  <a:pt x="26" y="54"/>
-                  <a:pt x="26" y="54"/>
-                  <a:pt x="26" y="54"/>
-                </a:cubicBezTo>
-                <a:cubicBezTo>
-                  <a:pt x="11" y="67"/>
-                  <a:pt x="2" y="75"/>
-                  <a:pt x="0" y="74"/>
-                </a:cubicBezTo>
-                <a:cubicBezTo>
-                  <a:pt x="0" y="74"/>
-                  <a:pt x="0" y="74"/>
-                  <a:pt x="0" y="74"/>
-                </a:cubicBezTo>
-                <a:cubicBezTo>
-                  <a:pt x="0" y="74"/>
-                  <a:pt x="0" y="74"/>
-                  <a:pt x="0" y="74"/>
-                </a:cubicBezTo>
-                <a:cubicBezTo>
-                  <a:pt x="0" y="74"/>
-                  <a:pt x="0" y="74"/>
-                  <a:pt x="0" y="74"/>
-                </a:cubicBezTo>
-                <a:cubicBezTo>
-                  <a:pt x="0" y="74"/>
-                  <a:pt x="0" y="74"/>
-                  <a:pt x="0" y="74"/>
-                </a:cubicBezTo>
-                <a:cubicBezTo>
-                  <a:pt x="0" y="73"/>
-                  <a:pt x="7" y="63"/>
-                  <a:pt x="20" y="49"/>
-                </a:cubicBezTo>
-                <a:cubicBezTo>
-                  <a:pt x="6" y="35"/>
-                  <a:pt x="6" y="35"/>
-                  <a:pt x="6" y="35"/>
-                </a:cubicBezTo>
-                <a:cubicBezTo>
-                  <a:pt x="12" y="29"/>
-                  <a:pt x="20" y="28"/>
-                  <a:pt x="27" y="31"/>
-                </a:cubicBezTo>
-                <a:cubicBezTo>
-                  <a:pt x="46" y="11"/>
-                  <a:pt x="46" y="11"/>
-                  <a:pt x="46" y="11"/>
-                </a:cubicBezTo>
-                <a:cubicBezTo>
-                  <a:pt x="45" y="7"/>
-                  <a:pt x="46" y="3"/>
-                  <a:pt x="50" y="0"/>
-                </a:cubicBezTo>
-                <a:cubicBezTo>
-                  <a:pt x="75" y="25"/>
-                  <a:pt x="75" y="25"/>
-                  <a:pt x="75" y="25"/>
-                </a:cubicBezTo>
-                <a:cubicBezTo>
-                  <a:pt x="72" y="28"/>
-                  <a:pt x="67" y="30"/>
-                  <a:pt x="63" y="29"/>
-                </a:cubicBezTo>
-                <a:close/>
-              </a:path>
-            </a:pathLst>
-          </a:custGeom>
-          <a:solidFill>
-            <a:srgbClr val="000000"/>
-          </a:solidFill>
-          <a:ln>
-            <a:noFill/>
-          </a:ln>
-          <a:extLst/>
-        </p:spPr>
-        <p:txBody>
-          <a:bodyPr vert="horz" wrap="square" lIns="97576" tIns="48788" rIns="97576" bIns="48788" numCol="1" anchor="t" anchorCtr="0" compatLnSpc="1">
-            <a:prstTxWarp prst="textNoShape">
-              <a:avLst/>
-            </a:prstTxWarp>
-          </a:bodyPr>
-          <a:lstStyle/>
-          <a:p>
-            <a:endParaRPr lang="en-US"/>
-          </a:p>
-        </p:txBody>
-      </p:sp>
-      <p:sp>
-        <p:nvSpPr>
-          <p:cNvPr id="71" name="Content"/>
-          <p:cNvSpPr/>
-          <p:nvPr>
-            <p:custDataLst>
-              <p:custData r:id="rId12"/>
-            </p:custDataLst>
-          </p:nvPr>
-        </p:nvSpPr>
-        <p:spPr>
-          <a:xfrm>
-            <a:off x="0" y="6675231"/>
-            <a:ext cx="12192000" cy="169991"/>
-          </a:xfrm>
-          <a:prstGeom prst="rect">
-            <a:avLst/>
-          </a:prstGeom>
-          <a:solidFill>
-            <a:srgbClr val="FFFFFF">
-              <a:lumMod val="95000"/>
-            </a:srgbClr>
-          </a:solidFill>
-          <a:ln w="3175" cap="flat" cmpd="sng" algn="ctr">
-            <a:solidFill>
-              <a:srgbClr val="FFFFFF">
-                <a:lumMod val="50000"/>
-              </a:srgbClr>
-            </a:solidFill>
-            <a:prstDash val="solid"/>
-          </a:ln>
-          <a:effectLst/>
-        </p:spPr>
-        <p:txBody>
-          <a:bodyPr rot="0" spcFirstLastPara="0" vertOverflow="overflow" horzOverflow="overflow" vert="horz" wrap="square" lIns="45720" tIns="45720" rIns="91440" bIns="45720" numCol="1" spcCol="0" rtlCol="0" fromWordArt="0" anchor="ctr" anchorCtr="0" forceAA="0" compatLnSpc="1">
-            <a:prstTxWarp prst="textNoShape">
-              <a:avLst/>
-            </a:prstTxWarp>
-            <a:noAutofit/>
-          </a:bodyPr>
-          <a:lstStyle/>
-          <a:p>
-            <a:pPr marL="0" marR="0" indent="0" defTabSz="914400" eaLnBrk="1" fontAlgn="auto" latinLnBrk="0" hangingPunct="1">
-              <a:lnSpc>
-                <a:spcPct val="100000"/>
-              </a:lnSpc>
-              <a:spcBef>
-                <a:spcPts val="0"/>
-              </a:spcBef>
-              <a:spcAft>
-                <a:spcPts val="0"/>
-              </a:spcAft>
-              <a:buClrTx/>
-              <a:buSzTx/>
-              <a:buFontTx/>
-              <a:buNone/>
-              <a:tabLst/>
-            </a:pPr>
-            <a:r>
-              <a:rPr lang="en-US" sz="1200" kern="0" dirty="0" smtClean="0">
-                <a:solidFill>
-                  <a:srgbClr val="000000">
-                    <a:lumMod val="75000"/>
-                    <a:lumOff val="25000"/>
-                  </a:srgbClr>
-                </a:solidFill>
-                <a:latin typeface="Segoe UI"/>
-              </a:rPr>
-              <a:t>Last Updated – 2018-06-27 - </a:t>
-            </a:r>
-            <a:r>
-              <a:rPr lang="en-US" sz="1200" kern="0" dirty="0" err="1" smtClean="0">
-                <a:solidFill>
-                  <a:srgbClr val="000000">
-                    <a:lumMod val="75000"/>
-                    <a:lumOff val="25000"/>
-                  </a:srgbClr>
-                </a:solidFill>
-                <a:latin typeface="Segoe UI"/>
-              </a:rPr>
-              <a:t>jhutchinson</a:t>
-            </a:r>
-            <a:endParaRPr kumimoji="0" lang="en-US" sz="1200" b="0" i="0" u="none" strike="noStrike" kern="0" cap="none" spc="0" normalizeH="0" baseline="0" noProof="0" dirty="0" smtClean="0">
-              <a:ln>
-                <a:noFill/>
-              </a:ln>
-              <a:solidFill>
-                <a:srgbClr val="000000">
-                  <a:lumMod val="75000"/>
-                  <a:lumOff val="25000"/>
-                </a:srgbClr>
-              </a:solidFill>
-              <a:effectLst/>
-              <a:uLnTx/>
-              <a:uFillTx/>
-              <a:latin typeface="Segoe UI"/>
-            </a:endParaRPr>
-          </a:p>
-        </p:txBody>
-      </p:sp>
-      <p:pic>
-        <p:nvPicPr>
-          <p:cNvPr id="79" name="Picture 2" descr="C:\Users\t-dantay\Documents\First24\expand_collapsedown1.png"/>
-          <p:cNvPicPr>
-            <a:picLocks noChangeAspect="1" noChangeArrowheads="1"/>
-          </p:cNvPicPr>
-          <p:nvPr>
-            <p:custDataLst>
-              <p:custData r:id="rId13"/>
-            </p:custDataLst>
-          </p:nvPr>
-        </p:nvPicPr>
-        <p:blipFill>
-          <a:blip r:embed="rId18" cstate="print">
-            <a:extLst>
-              <a:ext uri="{28A0092B-C50C-407E-A947-70E740481C1C}">
-                <a14:useLocalDpi xmlns:a14="http://schemas.microsoft.com/office/drawing/2010/main" val="0"/>
-              </a:ext>
-            </a:extLst>
-          </a:blip>
-          <a:srcRect/>
-          <a:stretch>
-            <a:fillRect/>
-          </a:stretch>
-        </p:blipFill>
-        <p:spPr bwMode="auto">
-          <a:xfrm>
-            <a:off x="11990961" y="6039850"/>
-            <a:ext cx="129704" cy="129704"/>
-          </a:xfrm>
-          <a:prstGeom prst="rect">
-            <a:avLst/>
-          </a:prstGeom>
-          <a:noFill/>
-          <a:extLst>
-            <a:ext uri="{909E8E84-426E-40DD-AFC4-6F175D3DCCD1}">
-              <a14:hiddenFill xmlns:a14="http://schemas.microsoft.com/office/drawing/2010/main">
-                <a:solidFill>
-                  <a:srgbClr val="FFFFFF"/>
-                </a:solidFill>
-              </a14:hiddenFill>
-            </a:ext>
-          </a:extLst>
-        </p:spPr>
-      </p:pic>
-      <p:cxnSp>
-        <p:nvCxnSpPr>
-          <p:cNvPr id="81" name="Straight Connector 80"/>
-          <p:cNvCxnSpPr/>
-          <p:nvPr/>
-        </p:nvCxnSpPr>
-        <p:spPr>
-          <a:xfrm>
-            <a:off x="0" y="1048223"/>
-            <a:ext cx="12192000" cy="0"/>
-          </a:xfrm>
-          <a:prstGeom prst="line">
-            <a:avLst/>
-          </a:prstGeom>
-        </p:spPr>
-        <p:style>
-          <a:lnRef idx="1">
-            <a:schemeClr val="accent1"/>
-          </a:lnRef>
-          <a:fillRef idx="0">
-            <a:schemeClr val="accent1"/>
-          </a:fillRef>
-          <a:effectRef idx="0">
-            <a:schemeClr val="accent1"/>
-          </a:effectRef>
-          <a:fontRef idx="minor">
-            <a:schemeClr val="tx1"/>
-          </a:fontRef>
-        </p:style>
-      </p:cxnSp>
-      <p:sp>
-        <p:nvSpPr>
-          <p:cNvPr id="33" name="Content"/>
-          <p:cNvSpPr/>
-          <p:nvPr/>
-        </p:nvSpPr>
-        <p:spPr>
-          <a:xfrm>
-            <a:off x="7986409" y="4402518"/>
-            <a:ext cx="3807653" cy="1371600"/>
-          </a:xfrm>
-          <a:prstGeom prst="rect">
-            <a:avLst/>
-          </a:prstGeom>
-          <a:gradFill>
-            <a:gsLst>
-              <a:gs pos="100000">
-                <a:srgbClr val="FFFF89"/>
-              </a:gs>
-              <a:gs pos="0">
-                <a:srgbClr val="FFFF99"/>
-              </a:gs>
-            </a:gsLst>
-            <a:lin ang="5400000" scaled="0"/>
-          </a:gradFill>
-          <a:ln w="3175">
-            <a:solidFill>
-              <a:srgbClr val="FFFFFF">
-                <a:lumMod val="50000"/>
-              </a:srgbClr>
-            </a:solidFill>
-          </a:ln>
-          <a:effectLst/>
-        </p:spPr>
-        <p:style>
-          <a:lnRef idx="2">
-            <a:srgbClr val="4F81BD">
-              <a:shade val="50000"/>
-            </a:srgbClr>
-          </a:lnRef>
-          <a:fillRef idx="1">
-            <a:srgbClr val="4F81BD"/>
-          </a:fillRef>
-          <a:effectRef idx="0">
-            <a:srgbClr val="4F81BD"/>
-          </a:effectRef>
-          <a:fontRef idx="minor">
-            <a:srgbClr val="000000"/>
-          </a:fontRef>
-        </p:style>
-        <p:txBody>
-          <a:bodyPr lIns="91440" tIns="137160" rIns="91440" bIns="45720" rtlCol="0" anchor="t" anchorCtr="0">
-            <a:normAutofit/>
-          </a:bodyPr>
-          <a:lstStyle/>
-          <a:p>
-            <a:endParaRPr lang="en-US" sz="1200" dirty="0">
-              <a:solidFill>
-                <a:sysClr val="windowText" lastClr="000000"/>
-              </a:solidFill>
-              <a:latin typeface="Segoe UI" pitchFamily="34" charset="0"/>
-              <a:cs typeface="Segoe UI" pitchFamily="34" charset="0"/>
-            </a:endParaRPr>
-          </a:p>
-        </p:txBody>
-      </p:sp>
-    </p:spTree>
-    <p:extLst>
-      <p:ext uri="{BB962C8B-B14F-4D97-AF65-F5344CB8AC3E}">
-        <p14:creationId xmlns:p14="http://schemas.microsoft.com/office/powerpoint/2010/main" val="2565763932"/>
-      </p:ext>
-    </p:extLst>
-  </p:cSld>
-  <p:clrMapOvr>
-    <a:masterClrMapping/>
-  </p:clrMapOvr>
-  <p:timing>
-    <p:tnLst>
-      <p:par>
-        <p:cTn id="1" dur="indefinite" restart="never" nodeType="tmRoot"/>
-      </p:par>
-    </p:tnLst>
-  </p:timing>
-</p:sld>
-</file>
-
-<file path=ppt/slides/slide4.xml><?xml version="1.0" encoding="utf-8"?>
-<p:sld xmlns:a="http://schemas.openxmlformats.org/drawingml/2006/main" xmlns:r="http://schemas.openxmlformats.org/officeDocument/2006/relationships" xmlns:p="http://schemas.openxmlformats.org/presentationml/2006/main">
-  <p:cSld>
-    <p:spTree>
-      <p:nvGrpSpPr>
-        <p:cNvPr id="1" name=""/>
-        <p:cNvGrpSpPr/>
-        <p:nvPr/>
-      </p:nvGrpSpPr>
-      <p:grpSpPr>
-        <a:xfrm>
-          <a:off x="0" y="0"/>
-          <a:ext cx="0" cy="0"/>
-          <a:chOff x="0" y="0"/>
-          <a:chExt cx="0" cy="0"/>
-        </a:xfrm>
-      </p:grpSpPr>
-      <p:pic>
-        <p:nvPicPr>
-          <p:cNvPr id="4" name="Picture 3"/>
-          <p:cNvPicPr>
-            <a:picLocks noChangeAspect="1"/>
-          </p:cNvPicPr>
-          <p:nvPr>
-            <p:custDataLst>
-              <p:custData r:id="rId1"/>
-            </p:custDataLst>
-          </p:nvPr>
-        </p:nvPicPr>
-        <p:blipFill>
-          <a:blip r:embed="rId30" cstate="print">
-            <a:extLst>
-              <a:ext uri="{28A0092B-C50C-407E-A947-70E740481C1C}">
-                <a14:useLocalDpi xmlns:a14="http://schemas.microsoft.com/office/drawing/2010/main" val="0"/>
-              </a:ext>
-            </a:extLst>
-          </a:blip>
-          <a:stretch>
-            <a:fillRect/>
-          </a:stretch>
-        </p:blipFill>
-        <p:spPr>
-          <a:xfrm>
-            <a:off x="69174" y="1"/>
-            <a:ext cx="1146784" cy="1146784"/>
-          </a:xfrm>
-          <a:prstGeom prst="rect">
-            <a:avLst/>
-          </a:prstGeom>
-        </p:spPr>
-      </p:pic>
-      <p:pic>
-        <p:nvPicPr>
-          <p:cNvPr id="5" name="Picture 4"/>
-          <p:cNvPicPr>
-            <a:picLocks noChangeAspect="1"/>
-          </p:cNvPicPr>
-          <p:nvPr>
-            <p:custDataLst>
-              <p:custData r:id="rId2"/>
-            </p:custDataLst>
-          </p:nvPr>
-        </p:nvPicPr>
-        <p:blipFill>
-          <a:blip r:embed="rId30" cstate="print">
-            <a:extLst>
-              <a:ext uri="{28A0092B-C50C-407E-A947-70E740481C1C}">
-                <a14:useLocalDpi xmlns:a14="http://schemas.microsoft.com/office/drawing/2010/main" val="0"/>
-              </a:ext>
-            </a:extLst>
-          </a:blip>
-          <a:stretch>
-            <a:fillRect/>
-          </a:stretch>
-        </p:blipFill>
-        <p:spPr>
-          <a:xfrm>
-            <a:off x="1215958" y="38912"/>
-            <a:ext cx="1068962" cy="1068962"/>
-          </a:xfrm>
-          <a:prstGeom prst="rect">
-            <a:avLst/>
-          </a:prstGeom>
-        </p:spPr>
-      </p:pic>
-      <p:sp>
-        <p:nvSpPr>
-          <p:cNvPr id="7" name="Rectangle 6"/>
-          <p:cNvSpPr/>
-          <p:nvPr/>
-        </p:nvSpPr>
-        <p:spPr>
-          <a:xfrm>
-            <a:off x="4793864" y="388727"/>
-            <a:ext cx="1560235" cy="369332"/>
-          </a:xfrm>
-          <a:prstGeom prst="rect">
-            <a:avLst/>
-          </a:prstGeom>
-        </p:spPr>
-        <p:txBody>
-          <a:bodyPr wrap="none">
-            <a:spAutoFit/>
-          </a:bodyPr>
-          <a:lstStyle/>
-          <a:p>
-            <a:r>
-              <a:rPr lang="en-US" dirty="0" smtClean="0">
-                <a:solidFill>
-                  <a:srgbClr val="000000"/>
-                </a:solidFill>
-                <a:latin typeface="Segoe UI" pitchFamily="34" charset="0"/>
-                <a:ea typeface="Segoe UI" pitchFamily="34" charset="0"/>
-                <a:cs typeface="Segoe UI" pitchFamily="34" charset="0"/>
-              </a:rPr>
-              <a:t>Project Name</a:t>
-            </a:r>
-            <a:endParaRPr lang="en-US" dirty="0">
-              <a:solidFill>
-                <a:srgbClr val="000000"/>
-              </a:solidFill>
-              <a:latin typeface="Segoe UI" pitchFamily="34" charset="0"/>
-              <a:ea typeface="Segoe UI" pitchFamily="34" charset="0"/>
-              <a:cs typeface="Segoe UI" pitchFamily="34" charset="0"/>
-            </a:endParaRPr>
-          </a:p>
-        </p:txBody>
-      </p:sp>
-      <p:pic>
-        <p:nvPicPr>
-          <p:cNvPr id="14" name="Picture 13"/>
-          <p:cNvPicPr preferRelativeResize="0">
-            <a:picLocks/>
-          </p:cNvPicPr>
-          <p:nvPr>
-            <p:custDataLst>
-              <p:custData r:id="rId3"/>
-            </p:custDataLst>
-          </p:nvPr>
-        </p:nvPicPr>
-        <p:blipFill>
-          <a:blip r:embed="rId31">
-            <a:extLst>
-              <a:ext uri="{28A0092B-C50C-407E-A947-70E740481C1C}">
-                <a14:useLocalDpi xmlns:a14="http://schemas.microsoft.com/office/drawing/2010/main" val="0"/>
-              </a:ext>
-            </a:extLst>
-          </a:blip>
-          <a:stretch>
-            <a:fillRect/>
-          </a:stretch>
-        </p:blipFill>
-        <p:spPr>
-          <a:xfrm>
-            <a:off x="11718313" y="130944"/>
-            <a:ext cx="337500" cy="337500"/>
-          </a:xfrm>
-          <a:prstGeom prst="rect">
-            <a:avLst/>
-          </a:prstGeom>
-        </p:spPr>
-      </p:pic>
-      <p:sp>
-        <p:nvSpPr>
-          <p:cNvPr id="16" name="Content"/>
-          <p:cNvSpPr/>
-          <p:nvPr>
-            <p:custDataLst>
-              <p:custData r:id="rId4"/>
-            </p:custDataLst>
-          </p:nvPr>
-        </p:nvSpPr>
-        <p:spPr>
-          <a:xfrm>
-            <a:off x="10498211" y="156400"/>
-            <a:ext cx="1220102" cy="228600"/>
-          </a:xfrm>
-          <a:prstGeom prst="rect">
-            <a:avLst/>
-          </a:prstGeom>
-          <a:solidFill>
-            <a:sysClr val="window" lastClr="FFFFFF"/>
-          </a:solidFill>
-          <a:ln w="3175">
-            <a:solidFill>
-              <a:srgbClr val="000000">
-                <a:lumMod val="50000"/>
-                <a:lumOff val="50000"/>
-              </a:srgbClr>
-            </a:solidFill>
-          </a:ln>
-          <a:effectLst/>
-        </p:spPr>
-        <p:style>
-          <a:lnRef idx="2">
-            <a:srgbClr val="4F81BD">
-              <a:shade val="50000"/>
-            </a:srgbClr>
-          </a:lnRef>
-          <a:fillRef idx="1">
-            <a:srgbClr val="4F81BD"/>
-          </a:fillRef>
-          <a:effectRef idx="0">
-            <a:srgbClr val="4F81BD"/>
-          </a:effectRef>
-          <a:fontRef idx="minor">
-            <a:srgbClr val="000000"/>
-          </a:fontRef>
-        </p:style>
-        <p:txBody>
-          <a:bodyPr wrap="none" lIns="45720" tIns="18288" rIns="45720" bIns="18288" rtlCol="0" anchor="ctr">
-            <a:noAutofit/>
-          </a:bodyPr>
-          <a:lstStyle/>
-          <a:p>
-            <a:r>
-              <a:rPr lang="en-US" sz="1200" dirty="0" smtClean="0">
-                <a:solidFill>
-                  <a:srgbClr val="000000"/>
-                </a:solidFill>
-                <a:latin typeface="Segoe UI" pitchFamily="34" charset="0"/>
-                <a:cs typeface="Segoe UI" pitchFamily="34" charset="0"/>
-              </a:rPr>
-              <a:t>search</a:t>
-            </a:r>
-            <a:endParaRPr lang="en-US" sz="1200" dirty="0">
-              <a:solidFill>
-                <a:srgbClr val="000000"/>
-              </a:solidFill>
-              <a:latin typeface="Segoe UI" pitchFamily="34" charset="0"/>
-              <a:cs typeface="Segoe UI" pitchFamily="34" charset="0"/>
-            </a:endParaRPr>
-          </a:p>
-        </p:txBody>
-      </p:sp>
-      <p:pic>
-        <p:nvPicPr>
-          <p:cNvPr id="15" name="Picture 14"/>
-          <p:cNvPicPr preferRelativeResize="0">
-            <a:picLocks/>
-          </p:cNvPicPr>
-          <p:nvPr>
-            <p:custDataLst>
-              <p:custData r:id="rId5"/>
-            </p:custDataLst>
-          </p:nvPr>
-        </p:nvPicPr>
-        <p:blipFill>
-          <a:blip r:embed="rId32">
+          <a:blip r:embed="rId34">
             <a:extLst>
               <a:ext uri="{28A0092B-C50C-407E-A947-70E740481C1C}">
                 <a14:useLocalDpi xmlns:a14="http://schemas.microsoft.com/office/drawing/2010/main" val="0"/>
@@ -12360,14 +10847,6 @@
               </a:rPr>
               <a:t>Basic Topic Title</a:t>
             </a:r>
-            <a:endParaRPr lang="en-US" sz="1600" b="1" dirty="0" smtClean="0">
-              <a:solidFill>
-                <a:srgbClr val="000000"/>
-              </a:solidFill>
-              <a:latin typeface="Segoe UI" pitchFamily="34" charset="0"/>
-              <a:ea typeface="Segoe UI" pitchFamily="34" charset="0"/>
-              <a:cs typeface="Segoe UI" pitchFamily="34" charset="0"/>
-            </a:endParaRPr>
           </a:p>
         </p:txBody>
       </p:sp>
@@ -12439,18 +10918,7 @@
                 <a:ea typeface="Segoe UI" pitchFamily="34" charset="0"/>
                 <a:cs typeface="Segoe UI" pitchFamily="34" charset="0"/>
               </a:rPr>
-              <a:t> </a:t>
-            </a:r>
-            <a:r>
-              <a:rPr lang="en-US" sz="1200" dirty="0" smtClean="0">
-                <a:solidFill>
-                  <a:srgbClr val="000000"/>
-                </a:solidFill>
-                <a:latin typeface="Segoe UI" pitchFamily="34" charset="0"/>
-                <a:ea typeface="Segoe UI" pitchFamily="34" charset="0"/>
-                <a:cs typeface="Segoe UI" pitchFamily="34" charset="0"/>
-              </a:rPr>
-              <a:t>&gt; text</a:t>
+              <a:t> &gt; text</a:t>
             </a:r>
           </a:p>
         </p:txBody>
@@ -12568,7 +11036,7 @@
           </p:nvPr>
         </p:nvPicPr>
         <p:blipFill>
-          <a:blip r:embed="rId33" cstate="print">
+          <a:blip r:embed="rId35" cstate="print">
             <a:extLst>
               <a:ext uri="{28A0092B-C50C-407E-A947-70E740481C1C}">
                 <a14:useLocalDpi xmlns:a14="http://schemas.microsoft.com/office/drawing/2010/main" val="0"/>
@@ -14644,7 +13112,7 @@
           </p:nvPr>
         </p:nvPicPr>
         <p:blipFill rotWithShape="1">
-          <a:blip r:embed="rId34">
+          <a:blip r:embed="rId36">
             <a:extLst>
               <a:ext uri="{28A0092B-C50C-407E-A947-70E740481C1C}">
                 <a14:useLocalDpi xmlns:a14="http://schemas.microsoft.com/office/drawing/2010/main" val="0"/>
@@ -14872,14 +13340,6 @@
               </a:rPr>
               <a:t>.</a:t>
             </a:r>
-            <a:endParaRPr lang="en-US" sz="1050" dirty="0" smtClean="0">
-              <a:solidFill>
-                <a:srgbClr val="000000"/>
-              </a:solidFill>
-              <a:latin typeface="Segoe UI" pitchFamily="34" charset="0"/>
-              <a:ea typeface="Segoe UI" pitchFamily="34" charset="0"/>
-              <a:cs typeface="Segoe UI" pitchFamily="34" charset="0"/>
-            </a:endParaRPr>
           </a:p>
         </p:txBody>
       </p:sp>
@@ -14896,7 +13356,7 @@
           </p:nvPr>
         </p:nvPicPr>
         <p:blipFill>
-          <a:blip r:embed="rId35" cstate="print">
+          <a:blip r:embed="rId37" cstate="print">
             <a:extLst>
               <a:ext uri="{28A0092B-C50C-407E-A947-70E740481C1C}">
                 <a14:useLocalDpi xmlns:a14="http://schemas.microsoft.com/office/drawing/2010/main" val="0"/>
@@ -15013,14 +13473,6 @@
               </a:rPr>
               <a:t>2018-06-27</a:t>
             </a:r>
-            <a:endParaRPr lang="en-US" sz="800" dirty="0" smtClean="0">
-              <a:solidFill>
-                <a:srgbClr val="000000"/>
-              </a:solidFill>
-              <a:latin typeface="Segoe UI" pitchFamily="34" charset="0"/>
-              <a:ea typeface="Segoe UI" pitchFamily="34" charset="0"/>
-              <a:cs typeface="Segoe UI" pitchFamily="34" charset="0"/>
-            </a:endParaRPr>
           </a:p>
         </p:txBody>
       </p:sp>
@@ -15096,7 +13548,7 @@
           </p:nvPr>
         </p:nvPicPr>
         <p:blipFill>
-          <a:blip r:embed="rId35" cstate="print">
+          <a:blip r:embed="rId37" cstate="print">
             <a:extLst>
               <a:ext uri="{28A0092B-C50C-407E-A947-70E740481C1C}">
                 <a14:useLocalDpi xmlns:a14="http://schemas.microsoft.com/office/drawing/2010/main" val="0"/>
@@ -15213,14 +13665,6 @@
               </a:rPr>
               <a:t>2018-06-27</a:t>
             </a:r>
-            <a:endParaRPr lang="en-US" sz="800" dirty="0" smtClean="0">
-              <a:solidFill>
-                <a:srgbClr val="000000"/>
-              </a:solidFill>
-              <a:latin typeface="Segoe UI" pitchFamily="34" charset="0"/>
-              <a:ea typeface="Segoe UI" pitchFamily="34" charset="0"/>
-              <a:cs typeface="Segoe UI" pitchFamily="34" charset="0"/>
-            </a:endParaRPr>
           </a:p>
         </p:txBody>
       </p:sp>
@@ -15237,7 +13681,7 @@
           </p:nvPr>
         </p:nvPicPr>
         <p:blipFill>
-          <a:blip r:embed="rId36" cstate="print">
+          <a:blip r:embed="rId38" cstate="print">
             <a:extLst>
               <a:ext uri="{28A0092B-C50C-407E-A947-70E740481C1C}">
                 <a14:useLocalDpi xmlns:a14="http://schemas.microsoft.com/office/drawing/2010/main" val="0"/>
@@ -15282,7 +13726,7 @@
           </p:nvPr>
         </p:nvPicPr>
         <p:blipFill>
-          <a:blip r:embed="rId36" cstate="print">
+          <a:blip r:embed="rId38" cstate="print">
             <a:extLst>
               <a:ext uri="{28A0092B-C50C-407E-A947-70E740481C1C}">
                 <a14:useLocalDpi xmlns:a14="http://schemas.microsoft.com/office/drawing/2010/main" val="0"/>
@@ -15327,7 +13771,7 @@
           </p:nvPr>
         </p:nvPicPr>
         <p:blipFill>
-          <a:blip r:embed="rId36" cstate="print">
+          <a:blip r:embed="rId38" cstate="print">
             <a:extLst>
               <a:ext uri="{28A0092B-C50C-407E-A947-70E740481C1C}">
                 <a14:useLocalDpi xmlns:a14="http://schemas.microsoft.com/office/drawing/2010/main" val="0"/>
@@ -15372,7 +13816,7 @@
           </p:nvPr>
         </p:nvPicPr>
         <p:blipFill>
-          <a:blip r:embed="rId36" cstate="print">
+          <a:blip r:embed="rId38" cstate="print">
             <a:extLst>
               <a:ext uri="{28A0092B-C50C-407E-A947-70E740481C1C}">
                 <a14:useLocalDpi xmlns:a14="http://schemas.microsoft.com/office/drawing/2010/main" val="0"/>
@@ -15417,7 +13861,7 @@
           </p:nvPr>
         </p:nvPicPr>
         <p:blipFill>
-          <a:blip r:embed="rId36" cstate="print">
+          <a:blip r:embed="rId38" cstate="print">
             <a:extLst>
               <a:ext uri="{28A0092B-C50C-407E-A947-70E740481C1C}">
                 <a14:useLocalDpi xmlns:a14="http://schemas.microsoft.com/office/drawing/2010/main" val="0"/>
@@ -15505,6 +13949,16 @@
           </a:bodyPr>
           <a:lstStyle/>
           <a:p>
+            <a:r>
+              <a:rPr lang="en-US" sz="1200" dirty="0" smtClean="0">
+                <a:solidFill>
+                  <a:sysClr val="windowText" lastClr="000000"/>
+                </a:solidFill>
+                <a:latin typeface="Segoe UI" pitchFamily="34" charset="0"/>
+                <a:cs typeface="Segoe UI" pitchFamily="34" charset="0"/>
+              </a:rPr>
+              <a:t>1. Topics can have comments and ratings</a:t>
+            </a:r>
             <a:endParaRPr lang="en-US" sz="1200" dirty="0">
               <a:solidFill>
                 <a:sysClr val="windowText" lastClr="000000"/>
@@ -15515,6 +13969,131 @@
           </a:p>
         </p:txBody>
       </p:sp>
+      <p:grpSp>
+        <p:nvGrpSpPr>
+          <p:cNvPr id="45" name="Callout"/>
+          <p:cNvGrpSpPr/>
+          <p:nvPr>
+            <p:custDataLst>
+              <p:custData r:id="rId29"/>
+            </p:custDataLst>
+          </p:nvPr>
+        </p:nvGrpSpPr>
+        <p:grpSpPr>
+          <a:xfrm>
+            <a:off x="10284069" y="1914728"/>
+            <a:ext cx="320451" cy="319476"/>
+            <a:chOff x="4283964" y="3147930"/>
+            <a:chExt cx="320451" cy="319476"/>
+          </a:xfrm>
+        </p:grpSpPr>
+        <p:sp>
+          <p:nvSpPr>
+            <p:cNvPr id="46" name="Circle"/>
+            <p:cNvSpPr/>
+            <p:nvPr>
+              <p:custDataLst>
+                <p:custData r:id="rId30"/>
+              </p:custDataLst>
+            </p:nvPr>
+          </p:nvSpPr>
+          <p:spPr>
+            <a:xfrm>
+              <a:off x="4283964" y="3147930"/>
+              <a:ext cx="320451" cy="319476"/>
+            </a:xfrm>
+            <a:prstGeom prst="ellipse">
+              <a:avLst/>
+            </a:prstGeom>
+            <a:solidFill>
+              <a:srgbClr val="FFFF00"/>
+            </a:solidFill>
+            <a:ln w="38100" cap="flat" cmpd="sng" algn="ctr">
+              <a:solidFill>
+                <a:srgbClr val="FFFFFF">
+                  <a:lumMod val="50000"/>
+                </a:srgbClr>
+              </a:solidFill>
+              <a:prstDash val="solid"/>
+            </a:ln>
+            <a:effectLst/>
+          </p:spPr>
+          <p:txBody>
+            <a:bodyPr rot="0" spcFirstLastPara="0" vertOverflow="overflow" horzOverflow="overflow" vert="horz" wrap="square" lIns="45720" tIns="45720" rIns="91440" bIns="45720" numCol="1" spcCol="0" rtlCol="0" fromWordArt="0" anchor="ctr" anchorCtr="0" forceAA="0" compatLnSpc="1">
+              <a:prstTxWarp prst="textNoShape">
+                <a:avLst/>
+              </a:prstTxWarp>
+              <a:noAutofit/>
+            </a:bodyPr>
+            <a:lstStyle/>
+            <a:p>
+              <a:pPr marL="0" marR="0" indent="0" algn="ctr" defTabSz="914400" eaLnBrk="1" fontAlgn="auto" latinLnBrk="0" hangingPunct="1">
+                <a:lnSpc>
+                  <a:spcPct val="100000"/>
+                </a:lnSpc>
+                <a:spcBef>
+                  <a:spcPts val="0"/>
+                </a:spcBef>
+                <a:spcAft>
+                  <a:spcPts val="0"/>
+                </a:spcAft>
+                <a:buClrTx/>
+                <a:buSzTx/>
+                <a:buFontTx/>
+                <a:buNone/>
+                <a:tabLst/>
+              </a:pPr>
+              <a:endParaRPr kumimoji="0" lang="en-US" sz="800" b="0" i="0" u="none" strike="noStrike" kern="0" cap="none" spc="0" normalizeH="0" baseline="0" noProof="0" dirty="0" smtClean="0">
+                <a:ln>
+                  <a:noFill/>
+                </a:ln>
+                <a:solidFill>
+                  <a:srgbClr val="000000">
+                    <a:lumMod val="75000"/>
+                    <a:lumOff val="25000"/>
+                  </a:srgbClr>
+                </a:solidFill>
+                <a:effectLst/>
+                <a:uLnTx/>
+                <a:uFillTx/>
+                <a:latin typeface="Segoe UI"/>
+                <a:ea typeface="+mn-ea"/>
+                <a:cs typeface="+mn-cs"/>
+              </a:endParaRPr>
+            </a:p>
+          </p:txBody>
+        </p:sp>
+        <p:sp>
+          <p:nvSpPr>
+            <p:cNvPr id="47" name="Content"/>
+            <p:cNvSpPr txBox="1"/>
+            <p:nvPr/>
+          </p:nvSpPr>
+          <p:spPr>
+            <a:xfrm flipH="1">
+              <a:off x="4309771" y="3157455"/>
+              <a:ext cx="268835" cy="276999"/>
+            </a:xfrm>
+            <a:prstGeom prst="rect">
+              <a:avLst/>
+            </a:prstGeom>
+            <a:noFill/>
+          </p:spPr>
+          <p:txBody>
+            <a:bodyPr wrap="square" rtlCol="0">
+              <a:spAutoFit/>
+            </a:bodyPr>
+            <a:lstStyle/>
+            <a:p>
+              <a:r>
+                <a:rPr lang="en-US" sz="1200" dirty="0" smtClean="0"/>
+                <a:t>1</a:t>
+              </a:r>
+              <a:endParaRPr lang="en-US" sz="1200" dirty="0"/>
+            </a:p>
+          </p:txBody>
+        </p:sp>
+      </p:grpSp>
     </p:spTree>
     <p:extLst>
       <p:ext uri="{BB962C8B-B14F-4D97-AF65-F5344CB8AC3E}">
@@ -15535,7 +14114,7 @@
 </p:sld>
 </file>
 
-<file path=ppt/slides/slide5.xml><?xml version="1.0" encoding="utf-8"?>
+<file path=ppt/slides/slide4.xml><?xml version="1.0" encoding="utf-8"?>
 <p:sld xmlns:a="http://schemas.openxmlformats.org/drawingml/2006/main" xmlns:r="http://schemas.openxmlformats.org/officeDocument/2006/relationships" xmlns:p="http://schemas.openxmlformats.org/presentationml/2006/main">
   <p:cSld>
     <p:spTree>
@@ -15565,7 +14144,7 @@
           </p:nvPr>
         </p:nvPicPr>
         <p:blipFill>
-          <a:blip r:embed="rId33" cstate="print">
+          <a:blip r:embed="rId35" cstate="print">
             <a:extLst>
               <a:ext uri="{28A0092B-C50C-407E-A947-70E740481C1C}">
                 <a14:useLocalDpi xmlns:a14="http://schemas.microsoft.com/office/drawing/2010/main" val="0"/>
@@ -15599,7 +14178,7 @@
           </p:nvPr>
         </p:nvPicPr>
         <p:blipFill>
-          <a:blip r:embed="rId33" cstate="print">
+          <a:blip r:embed="rId35" cstate="print">
             <a:extLst>
               <a:ext uri="{28A0092B-C50C-407E-A947-70E740481C1C}">
                 <a14:useLocalDpi xmlns:a14="http://schemas.microsoft.com/office/drawing/2010/main" val="0"/>
@@ -15676,7 +14255,7 @@
           </p:nvPr>
         </p:nvPicPr>
         <p:blipFill>
-          <a:blip r:embed="rId34">
+          <a:blip r:embed="rId36">
             <a:extLst>
               <a:ext uri="{28A0092B-C50C-407E-A947-70E740481C1C}">
                 <a14:useLocalDpi xmlns:a14="http://schemas.microsoft.com/office/drawing/2010/main" val="0"/>
@@ -15783,7 +14362,7 @@
           </p:nvPr>
         </p:nvPicPr>
         <p:blipFill>
-          <a:blip r:embed="rId35">
+          <a:blip r:embed="rId37">
             <a:extLst>
               <a:ext uri="{28A0092B-C50C-407E-A947-70E740481C1C}">
                 <a14:useLocalDpi xmlns:a14="http://schemas.microsoft.com/office/drawing/2010/main" val="0"/>
@@ -15841,14 +14420,6 @@
               </a:rPr>
               <a:t>Collection Topic Title</a:t>
             </a:r>
-            <a:endParaRPr lang="en-US" sz="1600" b="1" dirty="0" smtClean="0">
-              <a:solidFill>
-                <a:srgbClr val="000000"/>
-              </a:solidFill>
-              <a:latin typeface="Segoe UI" pitchFamily="34" charset="0"/>
-              <a:ea typeface="Segoe UI" pitchFamily="34" charset="0"/>
-              <a:cs typeface="Segoe UI" pitchFamily="34" charset="0"/>
-            </a:endParaRPr>
           </a:p>
         </p:txBody>
       </p:sp>
@@ -15920,18 +14491,7 @@
                 <a:ea typeface="Segoe UI" pitchFamily="34" charset="0"/>
                 <a:cs typeface="Segoe UI" pitchFamily="34" charset="0"/>
               </a:rPr>
-              <a:t> </a:t>
-            </a:r>
-            <a:r>
-              <a:rPr lang="en-US" sz="1200" dirty="0" smtClean="0">
-                <a:solidFill>
-                  <a:srgbClr val="000000"/>
-                </a:solidFill>
-                <a:latin typeface="Segoe UI" pitchFamily="34" charset="0"/>
-                <a:ea typeface="Segoe UI" pitchFamily="34" charset="0"/>
-                <a:cs typeface="Segoe UI" pitchFamily="34" charset="0"/>
-              </a:rPr>
-              <a:t>&gt; text</a:t>
+              <a:t> &gt; text</a:t>
             </a:r>
           </a:p>
         </p:txBody>
@@ -16049,7 +14609,7 @@
           </p:nvPr>
         </p:nvPicPr>
         <p:blipFill>
-          <a:blip r:embed="rId36" cstate="print">
+          <a:blip r:embed="rId38" cstate="print">
             <a:extLst>
               <a:ext uri="{28A0092B-C50C-407E-A947-70E740481C1C}">
                 <a14:useLocalDpi xmlns:a14="http://schemas.microsoft.com/office/drawing/2010/main" val="0"/>
@@ -18345,7 +16905,7 @@
                 <a:defRPr/>
               </a:pPr>
               <a:r>
-                <a:rPr kumimoji="0" lang="en-US" sz="1100" b="0" i="0" u="none" strike="noStrike" kern="0" cap="none" spc="0" normalizeH="0" baseline="0" noProof="0" dirty="0" smtClean="0">
+                <a:rPr kumimoji="0" lang="en-US" sz="1100" b="1" i="0" u="none" strike="noStrike" kern="0" cap="none" spc="0" normalizeH="0" baseline="0" noProof="0" dirty="0" smtClean="0">
                   <a:ln>
                     <a:noFill/>
                   </a:ln>
@@ -18361,20 +16921,6 @@
                 </a:rPr>
                 <a:t>Topic 1</a:t>
               </a:r>
-              <a:endParaRPr kumimoji="0" lang="en-US" sz="1100" b="0" i="0" u="none" strike="noStrike" kern="0" cap="none" spc="0" normalizeH="0" baseline="0" noProof="0" dirty="0" smtClean="0">
-                <a:ln>
-                  <a:noFill/>
-                </a:ln>
-                <a:solidFill>
-                  <a:srgbClr val="232323"/>
-                </a:solidFill>
-                <a:effectLst/>
-                <a:uLnTx/>
-                <a:uFillTx/>
-                <a:latin typeface="Segoe"/>
-                <a:ea typeface="+mn-ea"/>
-                <a:cs typeface="+mn-cs"/>
-              </a:endParaRPr>
             </a:p>
             <a:p>
               <a:pPr marL="0" marR="0" lvl="0" indent="0" defTabSz="914099" eaLnBrk="1" fontAlgn="base" latinLnBrk="0" hangingPunct="1">
@@ -18411,20 +16957,6 @@
                 </a:rPr>
                 <a:t>Topic 2</a:t>
               </a:r>
-              <a:endParaRPr kumimoji="0" lang="en-US" sz="1100" b="0" i="0" u="none" strike="noStrike" kern="0" cap="none" spc="0" normalizeH="0" baseline="0" noProof="0" dirty="0" smtClean="0">
-                <a:ln>
-                  <a:noFill/>
-                </a:ln>
-                <a:solidFill>
-                  <a:srgbClr val="232323"/>
-                </a:solidFill>
-                <a:effectLst/>
-                <a:uLnTx/>
-                <a:uFillTx/>
-                <a:latin typeface="Segoe"/>
-                <a:ea typeface="+mn-ea"/>
-                <a:cs typeface="+mn-cs"/>
-              </a:endParaRPr>
             </a:p>
             <a:p>
               <a:pPr marL="0" marR="0" lvl="0" indent="0" defTabSz="914099" eaLnBrk="1" fontAlgn="base" latinLnBrk="0" hangingPunct="1">
@@ -18461,20 +16993,6 @@
                 </a:rPr>
                 <a:t>Topic 3</a:t>
               </a:r>
-              <a:endParaRPr kumimoji="0" lang="en-US" sz="1100" b="0" i="0" u="none" strike="noStrike" kern="0" cap="none" spc="0" normalizeH="0" baseline="0" noProof="0" dirty="0" smtClean="0">
-                <a:ln>
-                  <a:noFill/>
-                </a:ln>
-                <a:solidFill>
-                  <a:srgbClr val="232323"/>
-                </a:solidFill>
-                <a:effectLst/>
-                <a:uLnTx/>
-                <a:uFillTx/>
-                <a:latin typeface="Segoe"/>
-                <a:ea typeface="+mn-ea"/>
-                <a:cs typeface="+mn-cs"/>
-              </a:endParaRPr>
             </a:p>
           </p:txBody>
         </p:sp>
@@ -18562,7 +17080,7 @@
         </p:nvSpPr>
         <p:spPr>
           <a:xfrm>
-            <a:off x="8313012" y="5237299"/>
+            <a:off x="8291820" y="5296949"/>
             <a:ext cx="3807653" cy="1371600"/>
           </a:xfrm>
           <a:prstGeom prst="rect">
@@ -18610,6 +17128,16 @@
           </a:bodyPr>
           <a:lstStyle/>
           <a:p>
+            <a:r>
+              <a:rPr lang="en-US" sz="1200" dirty="0" smtClean="0">
+                <a:solidFill>
+                  <a:sysClr val="windowText" lastClr="000000"/>
+                </a:solidFill>
+                <a:latin typeface="Segoe UI" pitchFamily="34" charset="0"/>
+                <a:cs typeface="Segoe UI" pitchFamily="34" charset="0"/>
+              </a:rPr>
+              <a:t>1. Collection topic is a collection of topics. Tabs group the topics, the currently selected topic would be highlighted in some way.</a:t>
+            </a:r>
             <a:endParaRPr lang="en-US" sz="1200" dirty="0">
               <a:solidFill>
                 <a:sysClr val="windowText" lastClr="000000"/>
@@ -18849,7 +17377,7 @@
           </p:nvPr>
         </p:nvPicPr>
         <p:blipFill rotWithShape="1">
-          <a:blip r:embed="rId37">
+          <a:blip r:embed="rId39">
             <a:extLst>
               <a:ext uri="{28A0092B-C50C-407E-A947-70E740481C1C}">
                 <a14:useLocalDpi xmlns:a14="http://schemas.microsoft.com/office/drawing/2010/main" val="0"/>
@@ -19077,14 +17605,6 @@
               </a:rPr>
               <a:t>.</a:t>
             </a:r>
-            <a:endParaRPr lang="en-US" sz="1050" dirty="0" smtClean="0">
-              <a:solidFill>
-                <a:srgbClr val="000000"/>
-              </a:solidFill>
-              <a:latin typeface="Segoe UI" pitchFamily="34" charset="0"/>
-              <a:ea typeface="Segoe UI" pitchFamily="34" charset="0"/>
-              <a:cs typeface="Segoe UI" pitchFamily="34" charset="0"/>
-            </a:endParaRPr>
           </a:p>
         </p:txBody>
       </p:sp>
@@ -19101,7 +17621,7 @@
           </p:nvPr>
         </p:nvPicPr>
         <p:blipFill>
-          <a:blip r:embed="rId38" cstate="print">
+          <a:blip r:embed="rId40" cstate="print">
             <a:extLst>
               <a:ext uri="{28A0092B-C50C-407E-A947-70E740481C1C}">
                 <a14:useLocalDpi xmlns:a14="http://schemas.microsoft.com/office/drawing/2010/main" val="0"/>
@@ -19218,14 +17738,6 @@
               </a:rPr>
               <a:t>2018-06-27</a:t>
             </a:r>
-            <a:endParaRPr lang="en-US" sz="800" dirty="0" smtClean="0">
-              <a:solidFill>
-                <a:srgbClr val="000000"/>
-              </a:solidFill>
-              <a:latin typeface="Segoe UI" pitchFamily="34" charset="0"/>
-              <a:ea typeface="Segoe UI" pitchFamily="34" charset="0"/>
-              <a:cs typeface="Segoe UI" pitchFamily="34" charset="0"/>
-            </a:endParaRPr>
           </a:p>
         </p:txBody>
       </p:sp>
@@ -19301,7 +17813,7 @@
           </p:nvPr>
         </p:nvPicPr>
         <p:blipFill>
-          <a:blip r:embed="rId38" cstate="print">
+          <a:blip r:embed="rId40" cstate="print">
             <a:extLst>
               <a:ext uri="{28A0092B-C50C-407E-A947-70E740481C1C}">
                 <a14:useLocalDpi xmlns:a14="http://schemas.microsoft.com/office/drawing/2010/main" val="0"/>
@@ -19418,14 +17930,6 @@
               </a:rPr>
               <a:t>2018-06-27</a:t>
             </a:r>
-            <a:endParaRPr lang="en-US" sz="800" dirty="0" smtClean="0">
-              <a:solidFill>
-                <a:srgbClr val="000000"/>
-              </a:solidFill>
-              <a:latin typeface="Segoe UI" pitchFamily="34" charset="0"/>
-              <a:ea typeface="Segoe UI" pitchFamily="34" charset="0"/>
-              <a:cs typeface="Segoe UI" pitchFamily="34" charset="0"/>
-            </a:endParaRPr>
           </a:p>
         </p:txBody>
       </p:sp>
@@ -19442,7 +17946,7 @@
           </p:nvPr>
         </p:nvPicPr>
         <p:blipFill>
-          <a:blip r:embed="rId39" cstate="print">
+          <a:blip r:embed="rId41" cstate="print">
             <a:extLst>
               <a:ext uri="{28A0092B-C50C-407E-A947-70E740481C1C}">
                 <a14:useLocalDpi xmlns:a14="http://schemas.microsoft.com/office/drawing/2010/main" val="0"/>
@@ -19487,7 +17991,7 @@
           </p:nvPr>
         </p:nvPicPr>
         <p:blipFill>
-          <a:blip r:embed="rId39" cstate="print">
+          <a:blip r:embed="rId41" cstate="print">
             <a:extLst>
               <a:ext uri="{28A0092B-C50C-407E-A947-70E740481C1C}">
                 <a14:useLocalDpi xmlns:a14="http://schemas.microsoft.com/office/drawing/2010/main" val="0"/>
@@ -19532,7 +18036,7 @@
           </p:nvPr>
         </p:nvPicPr>
         <p:blipFill>
-          <a:blip r:embed="rId39" cstate="print">
+          <a:blip r:embed="rId41" cstate="print">
             <a:extLst>
               <a:ext uri="{28A0092B-C50C-407E-A947-70E740481C1C}">
                 <a14:useLocalDpi xmlns:a14="http://schemas.microsoft.com/office/drawing/2010/main" val="0"/>
@@ -19577,7 +18081,7 @@
           </p:nvPr>
         </p:nvPicPr>
         <p:blipFill>
-          <a:blip r:embed="rId39" cstate="print">
+          <a:blip r:embed="rId41" cstate="print">
             <a:extLst>
               <a:ext uri="{28A0092B-C50C-407E-A947-70E740481C1C}">
                 <a14:useLocalDpi xmlns:a14="http://schemas.microsoft.com/office/drawing/2010/main" val="0"/>
@@ -19622,7 +18126,7 @@
           </p:nvPr>
         </p:nvPicPr>
         <p:blipFill>
-          <a:blip r:embed="rId39" cstate="print">
+          <a:blip r:embed="rId41" cstate="print">
             <a:extLst>
               <a:ext uri="{28A0092B-C50C-407E-A947-70E740481C1C}">
                 <a14:useLocalDpi xmlns:a14="http://schemas.microsoft.com/office/drawing/2010/main" val="0"/>
@@ -19654,6 +18158,131 @@
           </a:extLst>
         </p:spPr>
       </p:pic>
+      <p:grpSp>
+        <p:nvGrpSpPr>
+          <p:cNvPr id="52" name="Callout"/>
+          <p:cNvGrpSpPr/>
+          <p:nvPr>
+            <p:custDataLst>
+              <p:custData r:id="rId32"/>
+            </p:custDataLst>
+          </p:nvPr>
+        </p:nvGrpSpPr>
+        <p:grpSpPr>
+          <a:xfrm>
+            <a:off x="3748351" y="1606368"/>
+            <a:ext cx="320451" cy="319476"/>
+            <a:chOff x="4283964" y="3147930"/>
+            <a:chExt cx="320451" cy="319476"/>
+          </a:xfrm>
+        </p:grpSpPr>
+        <p:sp>
+          <p:nvSpPr>
+            <p:cNvPr id="53" name="Circle"/>
+            <p:cNvSpPr/>
+            <p:nvPr>
+              <p:custDataLst>
+                <p:custData r:id="rId33"/>
+              </p:custDataLst>
+            </p:nvPr>
+          </p:nvSpPr>
+          <p:spPr>
+            <a:xfrm>
+              <a:off x="4283964" y="3147930"/>
+              <a:ext cx="320451" cy="319476"/>
+            </a:xfrm>
+            <a:prstGeom prst="ellipse">
+              <a:avLst/>
+            </a:prstGeom>
+            <a:solidFill>
+              <a:srgbClr val="FFFF00"/>
+            </a:solidFill>
+            <a:ln w="38100" cap="flat" cmpd="sng" algn="ctr">
+              <a:solidFill>
+                <a:srgbClr val="FFFFFF">
+                  <a:lumMod val="50000"/>
+                </a:srgbClr>
+              </a:solidFill>
+              <a:prstDash val="solid"/>
+            </a:ln>
+            <a:effectLst/>
+          </p:spPr>
+          <p:txBody>
+            <a:bodyPr rot="0" spcFirstLastPara="0" vertOverflow="overflow" horzOverflow="overflow" vert="horz" wrap="square" lIns="45720" tIns="45720" rIns="91440" bIns="45720" numCol="1" spcCol="0" rtlCol="0" fromWordArt="0" anchor="ctr" anchorCtr="0" forceAA="0" compatLnSpc="1">
+              <a:prstTxWarp prst="textNoShape">
+                <a:avLst/>
+              </a:prstTxWarp>
+              <a:noAutofit/>
+            </a:bodyPr>
+            <a:lstStyle/>
+            <a:p>
+              <a:pPr marL="0" marR="0" indent="0" algn="ctr" defTabSz="914400" eaLnBrk="1" fontAlgn="auto" latinLnBrk="0" hangingPunct="1">
+                <a:lnSpc>
+                  <a:spcPct val="100000"/>
+                </a:lnSpc>
+                <a:spcBef>
+                  <a:spcPts val="0"/>
+                </a:spcBef>
+                <a:spcAft>
+                  <a:spcPts val="0"/>
+                </a:spcAft>
+                <a:buClrTx/>
+                <a:buSzTx/>
+                <a:buFontTx/>
+                <a:buNone/>
+                <a:tabLst/>
+              </a:pPr>
+              <a:endParaRPr kumimoji="0" lang="en-US" sz="800" b="0" i="0" u="none" strike="noStrike" kern="0" cap="none" spc="0" normalizeH="0" baseline="0" noProof="0" dirty="0" smtClean="0">
+                <a:ln>
+                  <a:noFill/>
+                </a:ln>
+                <a:solidFill>
+                  <a:srgbClr val="000000">
+                    <a:lumMod val="75000"/>
+                    <a:lumOff val="25000"/>
+                  </a:srgbClr>
+                </a:solidFill>
+                <a:effectLst/>
+                <a:uLnTx/>
+                <a:uFillTx/>
+                <a:latin typeface="Segoe UI"/>
+                <a:ea typeface="+mn-ea"/>
+                <a:cs typeface="+mn-cs"/>
+              </a:endParaRPr>
+            </a:p>
+          </p:txBody>
+        </p:sp>
+        <p:sp>
+          <p:nvSpPr>
+            <p:cNvPr id="54" name="Content"/>
+            <p:cNvSpPr txBox="1"/>
+            <p:nvPr/>
+          </p:nvSpPr>
+          <p:spPr>
+            <a:xfrm flipH="1">
+              <a:off x="4309771" y="3157455"/>
+              <a:ext cx="268835" cy="276999"/>
+            </a:xfrm>
+            <a:prstGeom prst="rect">
+              <a:avLst/>
+            </a:prstGeom>
+            <a:noFill/>
+          </p:spPr>
+          <p:txBody>
+            <a:bodyPr wrap="square" rtlCol="0">
+              <a:spAutoFit/>
+            </a:bodyPr>
+            <a:lstStyle/>
+            <a:p>
+              <a:r>
+                <a:rPr lang="en-US" sz="1200" dirty="0" smtClean="0"/>
+                <a:t>1</a:t>
+              </a:r>
+              <a:endParaRPr lang="en-US" sz="1200" dirty="0"/>
+            </a:p>
+          </p:txBody>
+        </p:sp>
+      </p:grpSp>
     </p:spTree>
     <p:extLst>
       <p:ext uri="{BB962C8B-B14F-4D97-AF65-F5344CB8AC3E}">
@@ -19664,6 +18293,1208 @@
   <p:clrMapOvr>
     <a:masterClrMapping/>
   </p:clrMapOvr>
+  <p:timing>
+    <p:tnLst>
+      <p:par>
+        <p:cTn id="1" dur="indefinite" restart="never" nodeType="tmRoot"/>
+      </p:par>
+    </p:tnLst>
+  </p:timing>
+</p:sld>
+</file>
+
+<file path=ppt/slides/slide5.xml><?xml version="1.0" encoding="utf-8"?>
+<p:sld xmlns:a="http://schemas.openxmlformats.org/drawingml/2006/main" xmlns:r="http://schemas.openxmlformats.org/officeDocument/2006/relationships" xmlns:p="http://schemas.openxmlformats.org/presentationml/2006/main" show="0">
+  <p:cSld>
+    <p:spTree>
+      <p:nvGrpSpPr>
+        <p:cNvPr id="1" name=""/>
+        <p:cNvGrpSpPr/>
+        <p:nvPr/>
+      </p:nvGrpSpPr>
+      <p:grpSpPr>
+        <a:xfrm>
+          <a:off x="0" y="0"/>
+          <a:ext cx="0" cy="0"/>
+          <a:chOff x="0" y="0"/>
+          <a:chExt cx="0" cy="0"/>
+        </a:xfrm>
+      </p:grpSpPr>
+      <p:pic>
+        <p:nvPicPr>
+          <p:cNvPr id="4" name="Picture 3"/>
+          <p:cNvPicPr>
+            <a:picLocks noChangeAspect="1"/>
+          </p:cNvPicPr>
+          <p:nvPr>
+            <p:custDataLst>
+              <p:custData r:id="rId1"/>
+            </p:custDataLst>
+          </p:nvPr>
+        </p:nvPicPr>
+        <p:blipFill>
+          <a:blip r:embed="rId15" cstate="print">
+            <a:extLst>
+              <a:ext uri="{28A0092B-C50C-407E-A947-70E740481C1C}">
+                <a14:useLocalDpi xmlns:a14="http://schemas.microsoft.com/office/drawing/2010/main" val="0"/>
+              </a:ext>
+            </a:extLst>
+          </a:blip>
+          <a:stretch>
+            <a:fillRect/>
+          </a:stretch>
+        </p:blipFill>
+        <p:spPr>
+          <a:xfrm>
+            <a:off x="69174" y="1"/>
+            <a:ext cx="1146784" cy="1146784"/>
+          </a:xfrm>
+          <a:prstGeom prst="rect">
+            <a:avLst/>
+          </a:prstGeom>
+        </p:spPr>
+      </p:pic>
+      <p:pic>
+        <p:nvPicPr>
+          <p:cNvPr id="5" name="Picture 4"/>
+          <p:cNvPicPr>
+            <a:picLocks noChangeAspect="1"/>
+          </p:cNvPicPr>
+          <p:nvPr>
+            <p:custDataLst>
+              <p:custData r:id="rId2"/>
+            </p:custDataLst>
+          </p:nvPr>
+        </p:nvPicPr>
+        <p:blipFill>
+          <a:blip r:embed="rId15" cstate="print">
+            <a:extLst>
+              <a:ext uri="{28A0092B-C50C-407E-A947-70E740481C1C}">
+                <a14:useLocalDpi xmlns:a14="http://schemas.microsoft.com/office/drawing/2010/main" val="0"/>
+              </a:ext>
+            </a:extLst>
+          </a:blip>
+          <a:stretch>
+            <a:fillRect/>
+          </a:stretch>
+        </p:blipFill>
+        <p:spPr>
+          <a:xfrm>
+            <a:off x="1215958" y="38912"/>
+            <a:ext cx="1068962" cy="1068962"/>
+          </a:xfrm>
+          <a:prstGeom prst="rect">
+            <a:avLst/>
+          </a:prstGeom>
+        </p:spPr>
+      </p:pic>
+      <p:sp>
+        <p:nvSpPr>
+          <p:cNvPr id="7" name="Rectangle 6"/>
+          <p:cNvSpPr/>
+          <p:nvPr/>
+        </p:nvSpPr>
+        <p:spPr>
+          <a:xfrm>
+            <a:off x="4793864" y="388727"/>
+            <a:ext cx="1560235" cy="369332"/>
+          </a:xfrm>
+          <a:prstGeom prst="rect">
+            <a:avLst/>
+          </a:prstGeom>
+        </p:spPr>
+        <p:txBody>
+          <a:bodyPr wrap="none">
+            <a:spAutoFit/>
+          </a:bodyPr>
+          <a:lstStyle/>
+          <a:p>
+            <a:r>
+              <a:rPr lang="en-US" dirty="0" smtClean="0">
+                <a:solidFill>
+                  <a:srgbClr val="000000"/>
+                </a:solidFill>
+                <a:latin typeface="Segoe UI" pitchFamily="34" charset="0"/>
+                <a:ea typeface="Segoe UI" pitchFamily="34" charset="0"/>
+                <a:cs typeface="Segoe UI" pitchFamily="34" charset="0"/>
+              </a:rPr>
+              <a:t>Project Name</a:t>
+            </a:r>
+            <a:endParaRPr lang="en-US" dirty="0">
+              <a:solidFill>
+                <a:srgbClr val="000000"/>
+              </a:solidFill>
+              <a:latin typeface="Segoe UI" pitchFamily="34" charset="0"/>
+              <a:ea typeface="Segoe UI" pitchFamily="34" charset="0"/>
+              <a:cs typeface="Segoe UI" pitchFamily="34" charset="0"/>
+            </a:endParaRPr>
+          </a:p>
+        </p:txBody>
+      </p:sp>
+      <p:pic>
+        <p:nvPicPr>
+          <p:cNvPr id="14" name="Picture 13"/>
+          <p:cNvPicPr preferRelativeResize="0">
+            <a:picLocks/>
+          </p:cNvPicPr>
+          <p:nvPr>
+            <p:custDataLst>
+              <p:custData r:id="rId3"/>
+            </p:custDataLst>
+          </p:nvPr>
+        </p:nvPicPr>
+        <p:blipFill>
+          <a:blip r:embed="rId16">
+            <a:extLst>
+              <a:ext uri="{28A0092B-C50C-407E-A947-70E740481C1C}">
+                <a14:useLocalDpi xmlns:a14="http://schemas.microsoft.com/office/drawing/2010/main" val="0"/>
+              </a:ext>
+            </a:extLst>
+          </a:blip>
+          <a:stretch>
+            <a:fillRect/>
+          </a:stretch>
+        </p:blipFill>
+        <p:spPr>
+          <a:xfrm>
+            <a:off x="11718313" y="130944"/>
+            <a:ext cx="337500" cy="337500"/>
+          </a:xfrm>
+          <a:prstGeom prst="rect">
+            <a:avLst/>
+          </a:prstGeom>
+        </p:spPr>
+      </p:pic>
+      <p:sp>
+        <p:nvSpPr>
+          <p:cNvPr id="16" name="Content"/>
+          <p:cNvSpPr/>
+          <p:nvPr>
+            <p:custDataLst>
+              <p:custData r:id="rId4"/>
+            </p:custDataLst>
+          </p:nvPr>
+        </p:nvSpPr>
+        <p:spPr>
+          <a:xfrm>
+            <a:off x="10498211" y="156400"/>
+            <a:ext cx="1220102" cy="228600"/>
+          </a:xfrm>
+          <a:prstGeom prst="rect">
+            <a:avLst/>
+          </a:prstGeom>
+          <a:solidFill>
+            <a:sysClr val="window" lastClr="FFFFFF"/>
+          </a:solidFill>
+          <a:ln w="3175">
+            <a:solidFill>
+              <a:srgbClr val="000000">
+                <a:lumMod val="50000"/>
+                <a:lumOff val="50000"/>
+              </a:srgbClr>
+            </a:solidFill>
+          </a:ln>
+          <a:effectLst/>
+        </p:spPr>
+        <p:style>
+          <a:lnRef idx="2">
+            <a:srgbClr val="4F81BD">
+              <a:shade val="50000"/>
+            </a:srgbClr>
+          </a:lnRef>
+          <a:fillRef idx="1">
+            <a:srgbClr val="4F81BD"/>
+          </a:fillRef>
+          <a:effectRef idx="0">
+            <a:srgbClr val="4F81BD"/>
+          </a:effectRef>
+          <a:fontRef idx="minor">
+            <a:srgbClr val="000000"/>
+          </a:fontRef>
+        </p:style>
+        <p:txBody>
+          <a:bodyPr wrap="none" lIns="45720" tIns="18288" rIns="45720" bIns="18288" rtlCol="0" anchor="ctr">
+            <a:noAutofit/>
+          </a:bodyPr>
+          <a:lstStyle/>
+          <a:p>
+            <a:r>
+              <a:rPr lang="en-US" sz="1200" dirty="0" smtClean="0">
+                <a:solidFill>
+                  <a:srgbClr val="000000"/>
+                </a:solidFill>
+                <a:latin typeface="Segoe UI" pitchFamily="34" charset="0"/>
+                <a:cs typeface="Segoe UI" pitchFamily="34" charset="0"/>
+              </a:rPr>
+              <a:t>search</a:t>
+            </a:r>
+            <a:endParaRPr lang="en-US" sz="1200" dirty="0">
+              <a:solidFill>
+                <a:srgbClr val="000000"/>
+              </a:solidFill>
+              <a:latin typeface="Segoe UI" pitchFamily="34" charset="0"/>
+              <a:cs typeface="Segoe UI" pitchFamily="34" charset="0"/>
+            </a:endParaRPr>
+          </a:p>
+        </p:txBody>
+      </p:sp>
+      <p:pic>
+        <p:nvPicPr>
+          <p:cNvPr id="15" name="Picture 14"/>
+          <p:cNvPicPr preferRelativeResize="0">
+            <a:picLocks/>
+          </p:cNvPicPr>
+          <p:nvPr>
+            <p:custDataLst>
+              <p:custData r:id="rId5"/>
+            </p:custDataLst>
+          </p:nvPr>
+        </p:nvPicPr>
+        <p:blipFill>
+          <a:blip r:embed="rId17">
+            <a:extLst>
+              <a:ext uri="{28A0092B-C50C-407E-A947-70E740481C1C}">
+                <a14:useLocalDpi xmlns:a14="http://schemas.microsoft.com/office/drawing/2010/main" val="0"/>
+              </a:ext>
+            </a:extLst>
+          </a:blip>
+          <a:stretch>
+            <a:fillRect/>
+          </a:stretch>
+        </p:blipFill>
+        <p:spPr>
+          <a:xfrm>
+            <a:off x="11380813" y="148536"/>
+            <a:ext cx="337500" cy="337500"/>
+          </a:xfrm>
+          <a:prstGeom prst="rect">
+            <a:avLst/>
+          </a:prstGeom>
+        </p:spPr>
+      </p:pic>
+      <p:cxnSp>
+        <p:nvCxnSpPr>
+          <p:cNvPr id="22" name="Straight Arrow Connector 21"/>
+          <p:cNvCxnSpPr/>
+          <p:nvPr/>
+        </p:nvCxnSpPr>
+        <p:spPr>
+          <a:xfrm>
+            <a:off x="11887063" y="317286"/>
+            <a:ext cx="0" cy="168750"/>
+          </a:xfrm>
+          <a:prstGeom prst="straightConnector1">
+            <a:avLst/>
+          </a:prstGeom>
+          <a:ln>
+            <a:tailEnd type="triangle"/>
+          </a:ln>
+        </p:spPr>
+        <p:style>
+          <a:lnRef idx="1">
+            <a:schemeClr val="accent1"/>
+          </a:lnRef>
+          <a:fillRef idx="0">
+            <a:schemeClr val="accent1"/>
+          </a:fillRef>
+          <a:effectRef idx="0">
+            <a:schemeClr val="accent1"/>
+          </a:effectRef>
+          <a:fontRef idx="minor">
+            <a:schemeClr val="tx1"/>
+          </a:fontRef>
+        </p:style>
+      </p:cxnSp>
+      <p:sp>
+        <p:nvSpPr>
+          <p:cNvPr id="24" name="Content"/>
+          <p:cNvSpPr txBox="1"/>
+          <p:nvPr>
+            <p:custDataLst>
+              <p:custData r:id="rId6"/>
+            </p:custDataLst>
+          </p:nvPr>
+        </p:nvSpPr>
+        <p:spPr>
+          <a:xfrm>
+            <a:off x="4936165" y="1107874"/>
+            <a:ext cx="1275631" cy="292388"/>
+          </a:xfrm>
+          <a:prstGeom prst="rect">
+            <a:avLst/>
+          </a:prstGeom>
+          <a:noFill/>
+        </p:spPr>
+        <p:txBody>
+          <a:bodyPr wrap="square" lIns="91440" tIns="18288" rIns="91440" bIns="27432" rtlCol="0" anchor="ctr" anchorCtr="0">
+            <a:spAutoFit/>
+          </a:bodyPr>
+          <a:lstStyle/>
+          <a:p>
+            <a:pPr algn="ctr"/>
+            <a:r>
+              <a:rPr lang="en-US" sz="1600" b="1" dirty="0" smtClean="0">
+                <a:solidFill>
+                  <a:srgbClr val="000000"/>
+                </a:solidFill>
+                <a:latin typeface="Segoe UI" pitchFamily="34" charset="0"/>
+                <a:ea typeface="Segoe UI" pitchFamily="34" charset="0"/>
+                <a:cs typeface="Segoe UI" pitchFamily="34" charset="0"/>
+              </a:rPr>
+              <a:t>Topics</a:t>
+            </a:r>
+          </a:p>
+        </p:txBody>
+      </p:sp>
+      <p:grpSp>
+        <p:nvGrpSpPr>
+          <p:cNvPr id="46" name="TabGroup"/>
+          <p:cNvGrpSpPr/>
+          <p:nvPr>
+            <p:custDataLst>
+              <p:custData r:id="rId7"/>
+            </p:custDataLst>
+          </p:nvPr>
+        </p:nvGrpSpPr>
+        <p:grpSpPr>
+          <a:xfrm rot="5400000">
+            <a:off x="-747825" y="2195173"/>
+            <a:ext cx="3513043" cy="2017394"/>
+            <a:chOff x="3138993" y="2600325"/>
+            <a:chExt cx="3513043" cy="2017394"/>
+          </a:xfrm>
+        </p:grpSpPr>
+        <p:sp>
+          <p:nvSpPr>
+            <p:cNvPr id="47" name="Container"/>
+            <p:cNvSpPr/>
+            <p:nvPr/>
+          </p:nvSpPr>
+          <p:spPr>
+            <a:xfrm>
+              <a:off x="3138993" y="2846816"/>
+              <a:ext cx="3513043" cy="1770903"/>
+            </a:xfrm>
+            <a:prstGeom prst="rect">
+              <a:avLst/>
+            </a:prstGeom>
+            <a:solidFill>
+              <a:sysClr val="window" lastClr="FFFFFF"/>
+            </a:solidFill>
+            <a:ln w="3175" cap="flat" cmpd="sng" algn="ctr">
+              <a:solidFill>
+                <a:srgbClr val="FFFFFF">
+                  <a:lumMod val="50000"/>
+                </a:srgbClr>
+              </a:solidFill>
+              <a:prstDash val="solid"/>
+            </a:ln>
+            <a:effectLst/>
+          </p:spPr>
+          <p:txBody>
+            <a:bodyPr rot="0" spcFirstLastPara="0" vertOverflow="overflow" horzOverflow="overflow" vert="horz" wrap="square" lIns="45720" tIns="45720" rIns="91440" bIns="45720" numCol="1" spcCol="0" rtlCol="0" fromWordArt="0" anchor="ctr" anchorCtr="0" forceAA="0" compatLnSpc="1">
+              <a:prstTxWarp prst="textNoShape">
+                <a:avLst/>
+              </a:prstTxWarp>
+              <a:noAutofit/>
+            </a:bodyPr>
+            <a:lstStyle/>
+            <a:p>
+              <a:pPr marL="0" marR="0" indent="0" algn="ctr" defTabSz="914400" eaLnBrk="1" fontAlgn="auto" latinLnBrk="0" hangingPunct="1">
+                <a:lnSpc>
+                  <a:spcPct val="100000"/>
+                </a:lnSpc>
+                <a:spcBef>
+                  <a:spcPts val="0"/>
+                </a:spcBef>
+                <a:spcAft>
+                  <a:spcPts val="0"/>
+                </a:spcAft>
+                <a:buClrTx/>
+                <a:buSzTx/>
+                <a:buFontTx/>
+                <a:buNone/>
+                <a:tabLst/>
+              </a:pPr>
+              <a:endParaRPr kumimoji="0" lang="en-US" sz="800" b="0" i="0" u="none" strike="noStrike" kern="0" cap="none" spc="0" normalizeH="0" baseline="0" noProof="0" dirty="0" smtClean="0">
+                <a:ln>
+                  <a:noFill/>
+                </a:ln>
+                <a:solidFill>
+                  <a:srgbClr val="000000">
+                    <a:lumMod val="75000"/>
+                    <a:lumOff val="25000"/>
+                  </a:srgbClr>
+                </a:solidFill>
+                <a:effectLst/>
+                <a:uLnTx/>
+                <a:uFillTx/>
+                <a:latin typeface="Segoe UI"/>
+                <a:ea typeface="+mn-ea"/>
+                <a:cs typeface="+mn-cs"/>
+              </a:endParaRPr>
+            </a:p>
+          </p:txBody>
+        </p:sp>
+        <p:grpSp>
+          <p:nvGrpSpPr>
+            <p:cNvPr id="50" name="Group 49"/>
+            <p:cNvGrpSpPr/>
+            <p:nvPr/>
+          </p:nvGrpSpPr>
+          <p:grpSpPr>
+            <a:xfrm>
+              <a:off x="3194744" y="2600325"/>
+              <a:ext cx="900502" cy="246492"/>
+              <a:chOff x="3473590" y="2698418"/>
+              <a:chExt cx="582858" cy="210312"/>
+            </a:xfrm>
+          </p:grpSpPr>
+          <p:sp>
+            <p:nvSpPr>
+              <p:cNvPr id="52" name="ActiveTab"/>
+              <p:cNvSpPr txBox="1"/>
+              <p:nvPr/>
+            </p:nvSpPr>
+            <p:spPr>
+              <a:xfrm>
+                <a:off x="3473590" y="2698418"/>
+                <a:ext cx="582858" cy="210312"/>
+              </a:xfrm>
+              <a:prstGeom prst="rect">
+                <a:avLst/>
+              </a:prstGeom>
+              <a:solidFill>
+                <a:srgbClr val="FFFFFF"/>
+              </a:solidFill>
+              <a:ln w="3175">
+                <a:solidFill>
+                  <a:srgbClr val="FFFFFF">
+                    <a:lumMod val="50000"/>
+                  </a:srgbClr>
+                </a:solidFill>
+              </a:ln>
+            </p:spPr>
+            <p:txBody>
+              <a:bodyPr vertOverflow="ellipsis" lIns="0" tIns="18288" rIns="45720" rtlCol="0">
+                <a:noAutofit/>
+              </a:bodyPr>
+              <a:lstStyle/>
+              <a:p>
+                <a:pPr algn="ctr"/>
+                <a:r>
+                  <a:rPr lang="en-US" sz="1200" dirty="0" smtClean="0">
+                    <a:latin typeface="Segoe UI" pitchFamily="34" charset="0"/>
+                    <a:ea typeface="Segoe UI" pitchFamily="34" charset="0"/>
+                    <a:cs typeface="Segoe UI" pitchFamily="34" charset="0"/>
+                  </a:rPr>
+                  <a:t>III</a:t>
+                </a:r>
+                <a:endParaRPr lang="en-US" sz="1200" dirty="0">
+                  <a:latin typeface="Segoe UI" pitchFamily="34" charset="0"/>
+                  <a:ea typeface="Segoe UI" pitchFamily="34" charset="0"/>
+                  <a:cs typeface="Segoe UI" pitchFamily="34" charset="0"/>
+                </a:endParaRPr>
+              </a:p>
+            </p:txBody>
+          </p:sp>
+          <p:sp>
+            <p:nvSpPr>
+              <p:cNvPr id="53" name="TabLine"/>
+              <p:cNvSpPr/>
+              <p:nvPr/>
+            </p:nvSpPr>
+            <p:spPr>
+              <a:xfrm>
+                <a:off x="3479835" y="2908730"/>
+                <a:ext cx="570368" cy="0"/>
+              </a:xfrm>
+              <a:prstGeom prst="rect">
+                <a:avLst/>
+              </a:prstGeom>
+              <a:solidFill>
+                <a:sysClr val="window" lastClr="FFFFFF"/>
+              </a:solidFill>
+              <a:ln w="12700" cap="flat" cmpd="sng" algn="ctr">
+                <a:solidFill>
+                  <a:srgbClr val="FFFFFF"/>
+                </a:solidFill>
+                <a:prstDash val="solid"/>
+              </a:ln>
+              <a:effectLst/>
+            </p:spPr>
+            <p:txBody>
+              <a:bodyPr rot="0" spcFirstLastPara="0" vertOverflow="overflow" horzOverflow="overflow" vert="horz" wrap="square" lIns="45720" tIns="45720" rIns="91440" bIns="45720" numCol="1" spcCol="0" rtlCol="0" fromWordArt="0" anchor="ctr" anchorCtr="0" forceAA="0" compatLnSpc="1">
+                <a:prstTxWarp prst="textNoShape">
+                  <a:avLst/>
+                </a:prstTxWarp>
+                <a:noAutofit/>
+              </a:bodyPr>
+              <a:lstStyle/>
+              <a:p>
+                <a:pPr marL="0" marR="0" indent="0" algn="ctr" defTabSz="914400" eaLnBrk="1" fontAlgn="auto" latinLnBrk="0" hangingPunct="1">
+                  <a:lnSpc>
+                    <a:spcPct val="100000"/>
+                  </a:lnSpc>
+                  <a:spcBef>
+                    <a:spcPts val="0"/>
+                  </a:spcBef>
+                  <a:spcAft>
+                    <a:spcPts val="0"/>
+                  </a:spcAft>
+                  <a:buClrTx/>
+                  <a:buSzTx/>
+                  <a:buFontTx/>
+                  <a:buNone/>
+                  <a:tabLst/>
+                </a:pPr>
+                <a:endParaRPr kumimoji="0" lang="en-US" sz="800" b="0" i="0" u="none" strike="noStrike" kern="0" cap="none" spc="0" normalizeH="0" baseline="0" noProof="0" dirty="0" smtClean="0">
+                  <a:ln>
+                    <a:noFill/>
+                  </a:ln>
+                  <a:solidFill>
+                    <a:srgbClr val="000000">
+                      <a:lumMod val="75000"/>
+                      <a:lumOff val="25000"/>
+                    </a:srgbClr>
+                  </a:solidFill>
+                  <a:effectLst/>
+                  <a:uLnTx/>
+                  <a:uFillTx/>
+                  <a:latin typeface="Segoe UI"/>
+                  <a:ea typeface="+mn-ea"/>
+                  <a:cs typeface="+mn-cs"/>
+                </a:endParaRPr>
+              </a:p>
+            </p:txBody>
+          </p:sp>
+        </p:grpSp>
+      </p:grpSp>
+      <p:sp>
+        <p:nvSpPr>
+          <p:cNvPr id="54" name="Content"/>
+          <p:cNvSpPr/>
+          <p:nvPr>
+            <p:custDataLst>
+              <p:custData r:id="rId8"/>
+            </p:custDataLst>
+          </p:nvPr>
+        </p:nvSpPr>
+        <p:spPr>
+          <a:xfrm>
+            <a:off x="30497" y="1537976"/>
+            <a:ext cx="1546846" cy="818516"/>
+          </a:xfrm>
+          <a:prstGeom prst="rect">
+            <a:avLst/>
+          </a:prstGeom>
+          <a:solidFill>
+            <a:sysClr val="window" lastClr="FFFFFF"/>
+          </a:solidFill>
+          <a:ln w="3175">
+            <a:solidFill>
+              <a:srgbClr val="000000">
+                <a:lumMod val="50000"/>
+                <a:lumOff val="50000"/>
+              </a:srgbClr>
+            </a:solidFill>
+          </a:ln>
+          <a:effectLst/>
+        </p:spPr>
+        <p:style>
+          <a:lnRef idx="2">
+            <a:srgbClr val="4F81BD">
+              <a:shade val="50000"/>
+            </a:srgbClr>
+          </a:lnRef>
+          <a:fillRef idx="1">
+            <a:srgbClr val="4F81BD"/>
+          </a:fillRef>
+          <a:effectRef idx="0">
+            <a:srgbClr val="4F81BD"/>
+          </a:effectRef>
+          <a:fontRef idx="minor">
+            <a:srgbClr val="000000"/>
+          </a:fontRef>
+        </p:style>
+        <p:txBody>
+          <a:bodyPr lIns="45720" tIns="27432" rIns="0" bIns="0" rtlCol="0" anchor="t" anchorCtr="0"/>
+          <a:lstStyle/>
+          <a:p>
+            <a:r>
+              <a:rPr lang="en-US" sz="1200" dirty="0" smtClean="0">
+                <a:solidFill>
+                  <a:srgbClr val="000000"/>
+                </a:solidFill>
+                <a:latin typeface="Segoe UI" pitchFamily="34" charset="0"/>
+                <a:cs typeface="Segoe UI" pitchFamily="34" charset="0"/>
+              </a:rPr>
+              <a:t>Nested &lt;UL&gt;s</a:t>
+            </a:r>
+            <a:br>
+              <a:rPr lang="en-US" sz="1200" dirty="0" smtClean="0">
+                <a:solidFill>
+                  <a:srgbClr val="000000"/>
+                </a:solidFill>
+                <a:latin typeface="Segoe UI" pitchFamily="34" charset="0"/>
+                <a:cs typeface="Segoe UI" pitchFamily="34" charset="0"/>
+              </a:rPr>
+            </a:br>
+            <a:r>
+              <a:rPr lang="en-US" sz="1200" dirty="0" smtClean="0">
+                <a:solidFill>
+                  <a:srgbClr val="000000"/>
+                </a:solidFill>
+                <a:latin typeface="Segoe UI" pitchFamily="34" charset="0"/>
+                <a:cs typeface="Segoe UI" pitchFamily="34" charset="0"/>
+              </a:rPr>
+              <a:t>For category listing</a:t>
+            </a:r>
+          </a:p>
+        </p:txBody>
+      </p:sp>
+      <p:sp>
+        <p:nvSpPr>
+          <p:cNvPr id="58" name="Content"/>
+          <p:cNvSpPr txBox="1"/>
+          <p:nvPr>
+            <p:custDataLst>
+              <p:custData r:id="rId9"/>
+            </p:custDataLst>
+          </p:nvPr>
+        </p:nvSpPr>
+        <p:spPr>
+          <a:xfrm>
+            <a:off x="121734" y="1100614"/>
+            <a:ext cx="1729897" cy="249299"/>
+          </a:xfrm>
+          <a:prstGeom prst="rect">
+            <a:avLst/>
+          </a:prstGeom>
+          <a:noFill/>
+        </p:spPr>
+        <p:txBody>
+          <a:bodyPr wrap="none" lIns="91440" tIns="18288" rIns="91440" bIns="45720" rtlCol="0" anchor="ctr" anchorCtr="0">
+            <a:spAutoFit/>
+          </a:bodyPr>
+          <a:lstStyle/>
+          <a:p>
+            <a:r>
+              <a:rPr lang="en-US" sz="1200" dirty="0" smtClean="0">
+                <a:solidFill>
+                  <a:srgbClr val="0070C0"/>
+                </a:solidFill>
+                <a:latin typeface="Segoe UI" pitchFamily="34" charset="0"/>
+                <a:ea typeface="Segoe UI" pitchFamily="34" charset="0"/>
+                <a:cs typeface="Segoe UI" pitchFamily="34" charset="0"/>
+              </a:rPr>
+              <a:t>Bread </a:t>
+            </a:r>
+            <a:r>
+              <a:rPr lang="en-US" sz="1200" dirty="0" smtClean="0">
+                <a:solidFill>
+                  <a:srgbClr val="000000"/>
+                </a:solidFill>
+                <a:latin typeface="Segoe UI" pitchFamily="34" charset="0"/>
+                <a:ea typeface="Segoe UI" pitchFamily="34" charset="0"/>
+                <a:cs typeface="Segoe UI" pitchFamily="34" charset="0"/>
+              </a:rPr>
+              <a:t>&gt; </a:t>
+            </a:r>
+            <a:r>
+              <a:rPr lang="en-US" sz="1200" dirty="0" smtClean="0">
+                <a:solidFill>
+                  <a:srgbClr val="0070C0"/>
+                </a:solidFill>
+                <a:latin typeface="Segoe UI" pitchFamily="34" charset="0"/>
+                <a:ea typeface="Segoe UI" pitchFamily="34" charset="0"/>
+                <a:cs typeface="Segoe UI" pitchFamily="34" charset="0"/>
+              </a:rPr>
+              <a:t>Crumbs</a:t>
+            </a:r>
+            <a:r>
+              <a:rPr lang="en-US" sz="1200" dirty="0" smtClean="0">
+                <a:solidFill>
+                  <a:srgbClr val="000000"/>
+                </a:solidFill>
+                <a:latin typeface="Segoe UI" pitchFamily="34" charset="0"/>
+                <a:ea typeface="Segoe UI" pitchFamily="34" charset="0"/>
+                <a:cs typeface="Segoe UI" pitchFamily="34" charset="0"/>
+              </a:rPr>
+              <a:t> &gt; text</a:t>
+            </a:r>
+          </a:p>
+        </p:txBody>
+      </p:sp>
+      <p:sp>
+        <p:nvSpPr>
+          <p:cNvPr id="59" name="Freeform 139"/>
+          <p:cNvSpPr>
+            <a:spLocks/>
+          </p:cNvSpPr>
+          <p:nvPr>
+            <p:custDataLst>
+              <p:custData r:id="rId10"/>
+              <p:custData r:id="rId11"/>
+            </p:custDataLst>
+          </p:nvPr>
+        </p:nvSpPr>
+        <p:spPr bwMode="black">
+          <a:xfrm flipV="1">
+            <a:off x="1831796" y="1579072"/>
+            <a:ext cx="132664" cy="126458"/>
+          </a:xfrm>
+          <a:custGeom>
+            <a:avLst/>
+            <a:gdLst>
+              <a:gd name="T0" fmla="*/ 63 w 75"/>
+              <a:gd name="T1" fmla="*/ 29 h 75"/>
+              <a:gd name="T2" fmla="*/ 44 w 75"/>
+              <a:gd name="T3" fmla="*/ 48 h 75"/>
+              <a:gd name="T4" fmla="*/ 40 w 75"/>
+              <a:gd name="T5" fmla="*/ 68 h 75"/>
+              <a:gd name="T6" fmla="*/ 26 w 75"/>
+              <a:gd name="T7" fmla="*/ 54 h 75"/>
+              <a:gd name="T8" fmla="*/ 0 w 75"/>
+              <a:gd name="T9" fmla="*/ 74 h 75"/>
+              <a:gd name="T10" fmla="*/ 0 w 75"/>
+              <a:gd name="T11" fmla="*/ 74 h 75"/>
+              <a:gd name="T12" fmla="*/ 0 w 75"/>
+              <a:gd name="T13" fmla="*/ 74 h 75"/>
+              <a:gd name="T14" fmla="*/ 0 w 75"/>
+              <a:gd name="T15" fmla="*/ 74 h 75"/>
+              <a:gd name="T16" fmla="*/ 0 w 75"/>
+              <a:gd name="T17" fmla="*/ 74 h 75"/>
+              <a:gd name="T18" fmla="*/ 20 w 75"/>
+              <a:gd name="T19" fmla="*/ 49 h 75"/>
+              <a:gd name="T20" fmla="*/ 6 w 75"/>
+              <a:gd name="T21" fmla="*/ 35 h 75"/>
+              <a:gd name="T22" fmla="*/ 27 w 75"/>
+              <a:gd name="T23" fmla="*/ 31 h 75"/>
+              <a:gd name="T24" fmla="*/ 46 w 75"/>
+              <a:gd name="T25" fmla="*/ 11 h 75"/>
+              <a:gd name="T26" fmla="*/ 50 w 75"/>
+              <a:gd name="T27" fmla="*/ 0 h 75"/>
+              <a:gd name="T28" fmla="*/ 75 w 75"/>
+              <a:gd name="T29" fmla="*/ 25 h 75"/>
+              <a:gd name="T30" fmla="*/ 63 w 75"/>
+              <a:gd name="T31" fmla="*/ 29 h 75"/>
+            </a:gdLst>
+            <a:ahLst/>
+            <a:cxnLst>
+              <a:cxn ang="0">
+                <a:pos x="T0" y="T1"/>
+              </a:cxn>
+              <a:cxn ang="0">
+                <a:pos x="T2" y="T3"/>
+              </a:cxn>
+              <a:cxn ang="0">
+                <a:pos x="T4" y="T5"/>
+              </a:cxn>
+              <a:cxn ang="0">
+                <a:pos x="T6" y="T7"/>
+              </a:cxn>
+              <a:cxn ang="0">
+                <a:pos x="T8" y="T9"/>
+              </a:cxn>
+              <a:cxn ang="0">
+                <a:pos x="T10" y="T11"/>
+              </a:cxn>
+              <a:cxn ang="0">
+                <a:pos x="T12" y="T13"/>
+              </a:cxn>
+              <a:cxn ang="0">
+                <a:pos x="T14" y="T15"/>
+              </a:cxn>
+              <a:cxn ang="0">
+                <a:pos x="T16" y="T17"/>
+              </a:cxn>
+              <a:cxn ang="0">
+                <a:pos x="T18" y="T19"/>
+              </a:cxn>
+              <a:cxn ang="0">
+                <a:pos x="T20" y="T21"/>
+              </a:cxn>
+              <a:cxn ang="0">
+                <a:pos x="T22" y="T23"/>
+              </a:cxn>
+              <a:cxn ang="0">
+                <a:pos x="T24" y="T25"/>
+              </a:cxn>
+              <a:cxn ang="0">
+                <a:pos x="T26" y="T27"/>
+              </a:cxn>
+              <a:cxn ang="0">
+                <a:pos x="T28" y="T29"/>
+              </a:cxn>
+              <a:cxn ang="0">
+                <a:pos x="T30" y="T31"/>
+              </a:cxn>
+            </a:cxnLst>
+            <a:rect l="0" t="0" r="r" b="b"/>
+            <a:pathLst>
+              <a:path w="75" h="75">
+                <a:moveTo>
+                  <a:pt x="63" y="29"/>
+                </a:moveTo>
+                <a:cubicBezTo>
+                  <a:pt x="44" y="48"/>
+                  <a:pt x="44" y="48"/>
+                  <a:pt x="44" y="48"/>
+                </a:cubicBezTo>
+                <a:cubicBezTo>
+                  <a:pt x="47" y="55"/>
+                  <a:pt x="46" y="63"/>
+                  <a:pt x="40" y="68"/>
+                </a:cubicBezTo>
+                <a:cubicBezTo>
+                  <a:pt x="26" y="54"/>
+                  <a:pt x="26" y="54"/>
+                  <a:pt x="26" y="54"/>
+                </a:cubicBezTo>
+                <a:cubicBezTo>
+                  <a:pt x="11" y="67"/>
+                  <a:pt x="2" y="75"/>
+                  <a:pt x="0" y="74"/>
+                </a:cubicBezTo>
+                <a:cubicBezTo>
+                  <a:pt x="0" y="74"/>
+                  <a:pt x="0" y="74"/>
+                  <a:pt x="0" y="74"/>
+                </a:cubicBezTo>
+                <a:cubicBezTo>
+                  <a:pt x="0" y="74"/>
+                  <a:pt x="0" y="74"/>
+                  <a:pt x="0" y="74"/>
+                </a:cubicBezTo>
+                <a:cubicBezTo>
+                  <a:pt x="0" y="74"/>
+                  <a:pt x="0" y="74"/>
+                  <a:pt x="0" y="74"/>
+                </a:cubicBezTo>
+                <a:cubicBezTo>
+                  <a:pt x="0" y="74"/>
+                  <a:pt x="0" y="74"/>
+                  <a:pt x="0" y="74"/>
+                </a:cubicBezTo>
+                <a:cubicBezTo>
+                  <a:pt x="0" y="73"/>
+                  <a:pt x="7" y="63"/>
+                  <a:pt x="20" y="49"/>
+                </a:cubicBezTo>
+                <a:cubicBezTo>
+                  <a:pt x="6" y="35"/>
+                  <a:pt x="6" y="35"/>
+                  <a:pt x="6" y="35"/>
+                </a:cubicBezTo>
+                <a:cubicBezTo>
+                  <a:pt x="12" y="29"/>
+                  <a:pt x="20" y="28"/>
+                  <a:pt x="27" y="31"/>
+                </a:cubicBezTo>
+                <a:cubicBezTo>
+                  <a:pt x="46" y="11"/>
+                  <a:pt x="46" y="11"/>
+                  <a:pt x="46" y="11"/>
+                </a:cubicBezTo>
+                <a:cubicBezTo>
+                  <a:pt x="45" y="7"/>
+                  <a:pt x="46" y="3"/>
+                  <a:pt x="50" y="0"/>
+                </a:cubicBezTo>
+                <a:cubicBezTo>
+                  <a:pt x="75" y="25"/>
+                  <a:pt x="75" y="25"/>
+                  <a:pt x="75" y="25"/>
+                </a:cubicBezTo>
+                <a:cubicBezTo>
+                  <a:pt x="72" y="28"/>
+                  <a:pt x="67" y="30"/>
+                  <a:pt x="63" y="29"/>
+                </a:cubicBezTo>
+                <a:close/>
+              </a:path>
+            </a:pathLst>
+          </a:custGeom>
+          <a:solidFill>
+            <a:srgbClr val="000000"/>
+          </a:solidFill>
+          <a:ln>
+            <a:noFill/>
+          </a:ln>
+          <a:extLst/>
+        </p:spPr>
+        <p:txBody>
+          <a:bodyPr vert="horz" wrap="square" lIns="97576" tIns="48788" rIns="97576" bIns="48788" numCol="1" anchor="t" anchorCtr="0" compatLnSpc="1">
+            <a:prstTxWarp prst="textNoShape">
+              <a:avLst/>
+            </a:prstTxWarp>
+          </a:bodyPr>
+          <a:lstStyle/>
+          <a:p>
+            <a:endParaRPr lang="en-US"/>
+          </a:p>
+        </p:txBody>
+      </p:sp>
+      <p:sp>
+        <p:nvSpPr>
+          <p:cNvPr id="71" name="Content"/>
+          <p:cNvSpPr/>
+          <p:nvPr>
+            <p:custDataLst>
+              <p:custData r:id="rId12"/>
+            </p:custDataLst>
+          </p:nvPr>
+        </p:nvSpPr>
+        <p:spPr>
+          <a:xfrm>
+            <a:off x="0" y="6675231"/>
+            <a:ext cx="12192000" cy="169991"/>
+          </a:xfrm>
+          <a:prstGeom prst="rect">
+            <a:avLst/>
+          </a:prstGeom>
+          <a:solidFill>
+            <a:srgbClr val="FFFFFF">
+              <a:lumMod val="95000"/>
+            </a:srgbClr>
+          </a:solidFill>
+          <a:ln w="3175" cap="flat" cmpd="sng" algn="ctr">
+            <a:solidFill>
+              <a:srgbClr val="FFFFFF">
+                <a:lumMod val="50000"/>
+              </a:srgbClr>
+            </a:solidFill>
+            <a:prstDash val="solid"/>
+          </a:ln>
+          <a:effectLst/>
+        </p:spPr>
+        <p:txBody>
+          <a:bodyPr rot="0" spcFirstLastPara="0" vertOverflow="overflow" horzOverflow="overflow" vert="horz" wrap="square" lIns="45720" tIns="45720" rIns="91440" bIns="45720" numCol="1" spcCol="0" rtlCol="0" fromWordArt="0" anchor="ctr" anchorCtr="0" forceAA="0" compatLnSpc="1">
+            <a:prstTxWarp prst="textNoShape">
+              <a:avLst/>
+            </a:prstTxWarp>
+            <a:noAutofit/>
+          </a:bodyPr>
+          <a:lstStyle/>
+          <a:p>
+            <a:pPr marL="0" marR="0" indent="0" defTabSz="914400" eaLnBrk="1" fontAlgn="auto" latinLnBrk="0" hangingPunct="1">
+              <a:lnSpc>
+                <a:spcPct val="100000"/>
+              </a:lnSpc>
+              <a:spcBef>
+                <a:spcPts val="0"/>
+              </a:spcBef>
+              <a:spcAft>
+                <a:spcPts val="0"/>
+              </a:spcAft>
+              <a:buClrTx/>
+              <a:buSzTx/>
+              <a:buFontTx/>
+              <a:buNone/>
+              <a:tabLst/>
+            </a:pPr>
+            <a:r>
+              <a:rPr lang="en-US" sz="1200" kern="0" dirty="0" smtClean="0">
+                <a:solidFill>
+                  <a:srgbClr val="000000">
+                    <a:lumMod val="75000"/>
+                    <a:lumOff val="25000"/>
+                  </a:srgbClr>
+                </a:solidFill>
+                <a:latin typeface="Segoe UI"/>
+              </a:rPr>
+              <a:t>Last Updated – 2018-06-27 - </a:t>
+            </a:r>
+            <a:r>
+              <a:rPr lang="en-US" sz="1200" kern="0" dirty="0" err="1" smtClean="0">
+                <a:solidFill>
+                  <a:srgbClr val="000000">
+                    <a:lumMod val="75000"/>
+                    <a:lumOff val="25000"/>
+                  </a:srgbClr>
+                </a:solidFill>
+                <a:latin typeface="Segoe UI"/>
+              </a:rPr>
+              <a:t>jhutchinson</a:t>
+            </a:r>
+            <a:endParaRPr kumimoji="0" lang="en-US" sz="1200" b="0" i="0" u="none" strike="noStrike" kern="0" cap="none" spc="0" normalizeH="0" baseline="0" noProof="0" dirty="0" smtClean="0">
+              <a:ln>
+                <a:noFill/>
+              </a:ln>
+              <a:solidFill>
+                <a:srgbClr val="000000">
+                  <a:lumMod val="75000"/>
+                  <a:lumOff val="25000"/>
+                </a:srgbClr>
+              </a:solidFill>
+              <a:effectLst/>
+              <a:uLnTx/>
+              <a:uFillTx/>
+              <a:latin typeface="Segoe UI"/>
+            </a:endParaRPr>
+          </a:p>
+        </p:txBody>
+      </p:sp>
+      <p:pic>
+        <p:nvPicPr>
+          <p:cNvPr id="79" name="Picture 2" descr="C:\Users\t-dantay\Documents\First24\expand_collapsedown1.png"/>
+          <p:cNvPicPr>
+            <a:picLocks noChangeAspect="1" noChangeArrowheads="1"/>
+          </p:cNvPicPr>
+          <p:nvPr>
+            <p:custDataLst>
+              <p:custData r:id="rId13"/>
+            </p:custDataLst>
+          </p:nvPr>
+        </p:nvPicPr>
+        <p:blipFill>
+          <a:blip r:embed="rId18" cstate="print">
+            <a:extLst>
+              <a:ext uri="{28A0092B-C50C-407E-A947-70E740481C1C}">
+                <a14:useLocalDpi xmlns:a14="http://schemas.microsoft.com/office/drawing/2010/main" val="0"/>
+              </a:ext>
+            </a:extLst>
+          </a:blip>
+          <a:srcRect/>
+          <a:stretch>
+            <a:fillRect/>
+          </a:stretch>
+        </p:blipFill>
+        <p:spPr bwMode="auto">
+          <a:xfrm>
+            <a:off x="11990961" y="6039850"/>
+            <a:ext cx="129704" cy="129704"/>
+          </a:xfrm>
+          <a:prstGeom prst="rect">
+            <a:avLst/>
+          </a:prstGeom>
+          <a:noFill/>
+          <a:extLst>
+            <a:ext uri="{909E8E84-426E-40DD-AFC4-6F175D3DCCD1}">
+              <a14:hiddenFill xmlns:a14="http://schemas.microsoft.com/office/drawing/2010/main">
+                <a:solidFill>
+                  <a:srgbClr val="FFFFFF"/>
+                </a:solidFill>
+              </a14:hiddenFill>
+            </a:ext>
+          </a:extLst>
+        </p:spPr>
+      </p:pic>
+      <p:cxnSp>
+        <p:nvCxnSpPr>
+          <p:cNvPr id="81" name="Straight Connector 80"/>
+          <p:cNvCxnSpPr/>
+          <p:nvPr/>
+        </p:nvCxnSpPr>
+        <p:spPr>
+          <a:xfrm>
+            <a:off x="0" y="1048223"/>
+            <a:ext cx="12192000" cy="0"/>
+          </a:xfrm>
+          <a:prstGeom prst="line">
+            <a:avLst/>
+          </a:prstGeom>
+        </p:spPr>
+        <p:style>
+          <a:lnRef idx="1">
+            <a:schemeClr val="accent1"/>
+          </a:lnRef>
+          <a:fillRef idx="0">
+            <a:schemeClr val="accent1"/>
+          </a:fillRef>
+          <a:effectRef idx="0">
+            <a:schemeClr val="accent1"/>
+          </a:effectRef>
+          <a:fontRef idx="minor">
+            <a:schemeClr val="tx1"/>
+          </a:fontRef>
+        </p:style>
+      </p:cxnSp>
+      <p:sp>
+        <p:nvSpPr>
+          <p:cNvPr id="33" name="Content"/>
+          <p:cNvSpPr/>
+          <p:nvPr/>
+        </p:nvSpPr>
+        <p:spPr>
+          <a:xfrm>
+            <a:off x="7986409" y="4402518"/>
+            <a:ext cx="3807653" cy="1371600"/>
+          </a:xfrm>
+          <a:prstGeom prst="rect">
+            <a:avLst/>
+          </a:prstGeom>
+          <a:gradFill>
+            <a:gsLst>
+              <a:gs pos="100000">
+                <a:srgbClr val="FFFF89"/>
+              </a:gs>
+              <a:gs pos="0">
+                <a:srgbClr val="FFFF99"/>
+              </a:gs>
+            </a:gsLst>
+            <a:lin ang="5400000" scaled="0"/>
+          </a:gradFill>
+          <a:ln w="3175">
+            <a:solidFill>
+              <a:srgbClr val="FFFFFF">
+                <a:lumMod val="50000"/>
+              </a:srgbClr>
+            </a:solidFill>
+          </a:ln>
+          <a:effectLst/>
+        </p:spPr>
+        <p:style>
+          <a:lnRef idx="2">
+            <a:srgbClr val="4F81BD">
+              <a:shade val="50000"/>
+            </a:srgbClr>
+          </a:lnRef>
+          <a:fillRef idx="1">
+            <a:srgbClr val="4F81BD"/>
+          </a:fillRef>
+          <a:effectRef idx="0">
+            <a:srgbClr val="4F81BD"/>
+          </a:effectRef>
+          <a:fontRef idx="minor">
+            <a:srgbClr val="000000"/>
+          </a:fontRef>
+        </p:style>
+        <p:txBody>
+          <a:bodyPr lIns="91440" tIns="137160" rIns="91440" bIns="45720" rtlCol="0" anchor="t" anchorCtr="0">
+            <a:normAutofit/>
+          </a:bodyPr>
+          <a:lstStyle/>
+          <a:p>
+            <a:endParaRPr lang="en-US" sz="1200" dirty="0">
+              <a:solidFill>
+                <a:sysClr val="windowText" lastClr="000000"/>
+              </a:solidFill>
+              <a:latin typeface="Segoe UI" pitchFamily="34" charset="0"/>
+              <a:cs typeface="Segoe UI" pitchFamily="34" charset="0"/>
+            </a:endParaRPr>
+          </a:p>
+        </p:txBody>
+      </p:sp>
+    </p:spTree>
+    <p:extLst>
+      <p:ext uri="{BB962C8B-B14F-4D97-AF65-F5344CB8AC3E}">
+        <p14:creationId xmlns:p14="http://schemas.microsoft.com/office/powerpoint/2010/main" val="2565763932"/>
+      </p:ext>
+    </p:extLst>
+  </p:cSld>
+  <p:clrMapOvr>
+    <a:masterClrMapping/>
+  </p:clrMapOvr>
+  <mc:AlternateContent xmlns:mc="http://schemas.openxmlformats.org/markup-compatibility/2006">
+    <mc:Choice xmlns:p14="http://schemas.microsoft.com/office/powerpoint/2010/main" Requires="p14">
+      <p:transition spd="slow" p14:dur="2000"/>
+    </mc:Choice>
+    <mc:Fallback>
+      <p:transition spd="slow"/>
+    </mc:Fallback>
+  </mc:AlternateContent>
   <p:timing>
     <p:tnLst>
       <p:par>
@@ -20198,19 +20029,19 @@
 
 <file path=customXml/item1.xml><?xml version="1.0" encoding="utf-8"?>
 <Control xmlns="http://schemas.microsoft.com/VisualStudio/2011/storyboarding/control">
-  <Id Name="System.Storyboarding.Common.TabGroup" Revision="1" Stencil="System.Storyboarding.Common" StencilVersion="0.1"/>
+  <Id Name="System.Storyboarding.Common.TextInput" Revision="1" Stencil="System.Storyboarding.Common" StencilVersion="0.1"/>
 </Control>
 </file>
 
 <file path=customXml/item10.xml><?xml version="1.0" encoding="utf-8"?>
 <Control xmlns="http://schemas.microsoft.com/VisualStudio/2011/storyboarding/control">
-  <Id Name="fd7d7bed-114e-464c-a4f1-01a512005949" Revision="1" Stencil="System.MyShapes" StencilVersion="1.0"/>
+  <Id Name="System.Storyboarding.WindowsAppIcons.Edit" Revision="1" Stencil="System.Storyboarding.WindowsAppIcons" StencilVersion="0.1"/>
 </Control>
 </file>
 
 <file path=customXml/item100.xml><?xml version="1.0" encoding="utf-8"?>
 <Control xmlns="http://schemas.microsoft.com/VisualStudio/2011/storyboarding/control">
-  <Id Name="System.Storyboarding.Icons.Image" Revision="1" Stencil="System.Storyboarding.Icons" StencilVersion="0.1"/>
+  <Id Name="System.Storyboarding.Common.Text" Revision="1" Stencil="System.Storyboarding.Common" StencilVersion="0.1"/>
 </Control>
 </file>
 
@@ -20222,25 +20053,25 @@
 
 <file path=customXml/item102.xml><?xml version="1.0" encoding="utf-8"?>
 <Control xmlns="http://schemas.microsoft.com/VisualStudio/2011/storyboarding/control">
-  <Id Name="System.Storyboarding.Icons.Image" Revision="1" Stencil="System.Storyboarding.Icons" StencilVersion="0.1"/>
+  <Id Name="System.Storyboarding.Common.TextInput" Revision="1" Stencil="System.Storyboarding.Common" StencilVersion="0.1"/>
 </Control>
 </file>
 
 <file path=customXml/item103.xml><?xml version="1.0" encoding="utf-8"?>
+<Control xmlns="http://schemas.microsoft.com/VisualStudio/2011/storyboarding/control">
+  <Id Name="System.Storyboarding.WindowsAppIcons.Comment" Revision="1" Stencil="System.Storyboarding.WindowsAppIcons" StencilVersion="0.1"/>
+</Control>
+</file>
+
+<file path=customXml/item104.xml><?xml version="1.0" encoding="utf-8"?>
 <Control xmlns="http://schemas.microsoft.com/VisualStudio/2011/storyboarding/control">
   <Id Name="System.Storyboarding.Common.Text" Revision="1" Stencil="System.Storyboarding.Common" StencilVersion="0.1"/>
 </Control>
 </file>
 
-<file path=customXml/item104.xml><?xml version="1.0" encoding="utf-8"?>
-<Control xmlns="http://schemas.microsoft.com/VisualStudio/2011/storyboarding/control">
-  <Id Name="System.Storyboarding.Icons.Image" Revision="1" Stencil="System.Storyboarding.Icons" StencilVersion="0.1"/>
-</Control>
-</file>
-
 <file path=customXml/item105.xml><?xml version="1.0" encoding="utf-8"?>
 <Control xmlns="http://schemas.microsoft.com/VisualStudio/2011/storyboarding/control">
-  <Id Name="System.Storyboarding.Common.Text" Revision="1" Stencil="System.Storyboarding.Common" StencilVersion="0.1"/>
+  <Id Name="System.Storyboarding.Icons.Star" Revision="1" Stencil="System.Storyboarding.Icons" StencilVersion="0.1"/>
 </Control>
 </file>
 
@@ -20252,37 +20083,37 @@
 
 <file path=customXml/item107.xml><?xml version="1.0" encoding="utf-8"?>
 <Control xmlns="http://schemas.microsoft.com/VisualStudio/2011/storyboarding/control">
-  <Id Name="System.Storyboarding.Common.Text" Revision="1" Stencil="System.Storyboarding.Common" StencilVersion="0.1"/>
-</Control>
-</file>
-
-<file path=customXml/item108.xml><?xml version="1.0" encoding="utf-8"?>
-<Control xmlns="http://schemas.microsoft.com/VisualStudio/2011/storyboarding/control">
   <Id Name="System.Storyboarding.Icons.Image" Revision="1" Stencil="System.Storyboarding.Icons" StencilVersion="0.1"/>
 </Control>
 </file>
 
-<file path=customXml/item109.xml><?xml version="1.0" encoding="utf-8"?>
+<file path=customXml/item108.xml><?xml version="1.0" encoding="utf-8"?>
 <Control xmlns="http://schemas.microsoft.com/VisualStudio/2011/storyboarding/control">
   <Id Name="System.Storyboarding.Common.Text" Revision="1" Stencil="System.Storyboarding.Common" StencilVersion="0.1"/>
 </Control>
 </file>
 
+<file path=customXml/item109.xml><?xml version="1.0" encoding="utf-8"?>
+<Control xmlns="http://schemas.microsoft.com/VisualStudio/2011/storyboarding/control">
+  <Id Name="System.Storyboarding.WindowsAppIcons.Comment" Revision="1" Stencil="System.Storyboarding.WindowsAppIcons" StencilVersion="0.1"/>
+</Control>
+</file>
+
 <file path=customXml/item11.xml><?xml version="1.0" encoding="utf-8"?>
 <Control xmlns="http://schemas.microsoft.com/VisualStudio/2011/storyboarding/control">
-  <Id Name="System.Storyboarding.Annotation.CallOut" Revision="1" Stencil="System.Storyboarding.Annotation" StencilVersion="0.1"/>
+  <Id Name="System.Storyboarding.Icons.Star" Revision="1" Stencil="System.Storyboarding.Icons" StencilVersion="0.1"/>
 </Control>
 </file>
 
 <file path=customXml/item110.xml><?xml version="1.0" encoding="utf-8"?>
 <Control xmlns="http://schemas.microsoft.com/VisualStudio/2011/storyboarding/control">
-  <Id Name="System.Storyboarding.Icons.Image" Revision="1" Stencil="System.Storyboarding.Icons" StencilVersion="0.1"/>
+  <Id Name="System.Storyboarding.Common.Text" Revision="1" Stencil="System.Storyboarding.Common" StencilVersion="0.1"/>
 </Control>
 </file>
 
 <file path=customXml/item111.xml><?xml version="1.0" encoding="utf-8"?>
 <Control xmlns="http://schemas.microsoft.com/VisualStudio/2011/storyboarding/control">
-  <Id Name="System.Storyboarding.Common.Text" Revision="1" Stencil="System.Storyboarding.Common" StencilVersion="0.1"/>
+  <Id Name="System.Storyboarding.Common.TabGroup" Revision="1" Stencil="System.Storyboarding.Common" StencilVersion="0.1"/>
 </Control>
 </file>
 
@@ -20294,7 +20125,7 @@
 
 <file path=customXml/item113.xml><?xml version="1.0" encoding="utf-8"?>
 <Control xmlns="http://schemas.microsoft.com/VisualStudio/2011/storyboarding/control">
-  <Id Name="System.Storyboarding.Common.Text" Revision="1" Stencil="System.Storyboarding.Common" StencilVersion="0.1"/>
+  <Id Name="System.Storyboarding.Icons.Image" Revision="1" Stencil="System.Storyboarding.Icons" StencilVersion="0.1"/>
 </Control>
 </file>
 
@@ -20306,25 +20137,25 @@
 
 <file path=customXml/item115.xml><?xml version="1.0" encoding="utf-8"?>
 <Control xmlns="http://schemas.microsoft.com/VisualStudio/2011/storyboarding/control">
-  <Id Name="System.Storyboarding.Icons.Image" Revision="1" Stencil="System.Storyboarding.Icons" StencilVersion="0.1"/>
+  <Id Name="System.Storyboarding.WindowsAppIcons.Edit" Revision="1" Stencil="System.Storyboarding.WindowsAppIcons" StencilVersion="0.1"/>
 </Control>
 </file>
 
 <file path=customXml/item116.xml><?xml version="1.0" encoding="utf-8"?>
 <Control xmlns="http://schemas.microsoft.com/VisualStudio/2011/storyboarding/control">
-  <Id Name="System.Storyboarding.WindowsPhoneIcons.Settings" Revision="1" Stencil="System.Storyboarding.WindowsPhoneIcons" StencilVersion="0.1"/>
+  <Id Name="System.Storyboarding.Icons.Star" Revision="1" Stencil="System.Storyboarding.Icons" StencilVersion="0.1"/>
 </Control>
 </file>
 
 <file path=customXml/item117.xml><?xml version="1.0" encoding="utf-8"?>
 <Control xmlns="http://schemas.microsoft.com/VisualStudio/2011/storyboarding/control">
-  <Id Name="System.Storyboarding.Common.TextInput" Revision="1" Stencil="System.Storyboarding.Common" StencilVersion="0.1"/>
+  <Id Name="System.Storyboarding.WindowsAppIcons.Comment" Revision="1" Stencil="System.Storyboarding.WindowsAppIcons" StencilVersion="0.1"/>
 </Control>
 </file>
 
 <file path=customXml/item118.xml><?xml version="1.0" encoding="utf-8"?>
 <Control xmlns="http://schemas.microsoft.com/VisualStudio/2011/storyboarding/control">
-  <Id Name="System.Storyboarding.WindowsPhoneIcons.Search" Revision="1" Stencil="System.Storyboarding.WindowsPhoneIcons" StencilVersion="0.1"/>
+  <Id Name="System.Storyboarding.Common.Text" Revision="1" Stencil="System.Storyboarding.Common" StencilVersion="0.1"/>
 </Control>
 </file>
 
@@ -20336,103 +20167,103 @@
 
 <file path=customXml/item12.xml><?xml version="1.0" encoding="utf-8"?>
 <Control xmlns="http://schemas.microsoft.com/VisualStudio/2011/storyboarding/control">
+  <Id Name="System.Storyboarding.Common.Text" Revision="1" Stencil="System.Storyboarding.Common" StencilVersion="0.1"/>
+</Control>
+</file>
+
+<file path=customXml/item120.xml><?xml version="1.0" encoding="utf-8"?>
+<Control xmlns="http://schemas.microsoft.com/VisualStudio/2011/storyboarding/control">
+  <Id Name="System.Storyboarding.Icons.Star" Revision="1" Stencil="System.Storyboarding.Icons" StencilVersion="0.1"/>
+</Control>
+</file>
+
+<file path=customXml/item121.xml><?xml version="1.0" encoding="utf-8"?>
+<Control xmlns="http://schemas.microsoft.com/VisualStudio/2011/storyboarding/control">
+  <Id Name="System.Storyboarding.Common.Text" Revision="1" Stencil="System.Storyboarding.Common" StencilVersion="0.1"/>
+</Control>
+</file>
+
+<file path=customXml/item122.xml><?xml version="1.0" encoding="utf-8"?>
+<Control xmlns="http://schemas.microsoft.com/VisualStudio/2011/storyboarding/control">
+  <Id Name="System.Storyboarding.Common.Text" Revision="1" Stencil="System.Storyboarding.Common" StencilVersion="0.1"/>
+</Control>
+</file>
+
+<file path=customXml/item123.xml><?xml version="1.0" encoding="utf-8"?>
+<Control xmlns="http://schemas.microsoft.com/VisualStudio/2011/storyboarding/control">
+  <Id Name="System.Storyboarding.Annotation.CallOut" Revision="1" Stencil="System.Storyboarding.Annotation" StencilVersion="0.1"/>
+</Control>
+</file>
+
+<file path=customXml/item124.xml><?xml version="1.0" encoding="utf-8"?>
+<Control xmlns="http://schemas.microsoft.com/VisualStudio/2011/storyboarding/control">
   <Id Name="fd7d7bed-114e-464c-a4f1-01a512005949" Revision="1" Stencil="System.MyShapes" StencilVersion="1.0"/>
 </Control>
 </file>
 
-<file path=customXml/item120.xml><?xml version="1.0" encoding="utf-8"?>
+<file path=customXml/item125.xml><?xml version="1.0" encoding="utf-8"?>
 <Control xmlns="http://schemas.microsoft.com/VisualStudio/2011/storyboarding/control">
-  <Id Name="System.Storyboarding.Common.TabGroup" Revision="1" Stencil="System.Storyboarding.Common" StencilVersion="0.1"/>
+  <Id Name="System.Storyboarding.WindowsPhoneIcons.Settings" Revision="1" Stencil="System.Storyboarding.WindowsPhoneIcons" StencilVersion="0.1"/>
 </Control>
 </file>
 
-<file path=customXml/item121.xml><?xml version="1.0" encoding="utf-8"?>
-<Control xmlns="http://schemas.microsoft.com/VisualStudio/2011/storyboarding/control">
-  <Id Name="System.Storyboarding.Common.TextArea" Revision="1" Stencil="System.Storyboarding.Common" StencilVersion="0.1"/>
-</Control>
-</file>
-
-<file path=customXml/item122.xml><?xml version="1.0" encoding="utf-8"?>
-<Control xmlns="http://schemas.microsoft.com/VisualStudio/2011/storyboarding/control">
-  <Id Name="System.Storyboarding.Common.Breadcrumb" Revision="1" Stencil="System.Storyboarding.Common" StencilVersion="0.1"/>
-</Control>
-</file>
-
-<file path=customXml/item123.xml><?xml version="1.0" encoding="utf-8"?>
-<Control xmlns="http://schemas.microsoft.com/VisualStudio/2011/storyboarding/control">
-  <Id Name="System.Storyboarding.WindowsAppIcons.Pin" Revision="1" Stencil="System.Storyboarding.WindowsAppIcons" StencilVersion="0.1"/>
-</Control>
-</file>
-
-<file path=customXml/item124.xml><?xml version="1.0" encoding="utf-8"?>
-<Control xmlns="http://schemas.microsoft.com/VisualStudio/2011/storyboarding/control">
-  <Id Name="600d61f4-2d09-42e6-a6db-83e260e051ae" RevisionId="3c9eb7e9-0ea7-4fb5-adc7-dcc81ff0fb36" Stencil="172d6d98-e5c9-42e9-a209-79f7a94bbd38" StencilRevisionId="00000000-0000-0000-0000-000000000000" StencilVersion="0.0"/>
-</Control>
-</file>
-
-<file path=customXml/item125.xml><?xml version="1.0" encoding="utf-8"?>
+<file path=customXml/item126.xml><?xml version="1.0" encoding="utf-8"?>
 <Control xmlns="http://schemas.microsoft.com/VisualStudio/2011/storyboarding/control">
   <Id Name="System.Storyboarding.WindowsDesktop.StatusBar" Revision="1" Stencil="System.Storyboarding.WindowsDesktop" StencilVersion="0.1"/>
 </Control>
 </file>
 
-<file path=customXml/item126.xml><?xml version="1.0" encoding="utf-8"?>
+<file path=customXml/item127.xml><?xml version="1.0" encoding="utf-8"?>
+<Control xmlns="http://schemas.microsoft.com/VisualStudio/2011/storyboarding/control">
+  <Id Name="System.Storyboarding.Icons.Image" Revision="1" Stencil="System.Storyboarding.Icons" StencilVersion="0.1"/>
+</Control>
+</file>
+
+<file path=customXml/item128.xml><?xml version="1.0" encoding="utf-8"?>
+<Control xmlns="http://schemas.microsoft.com/VisualStudio/2011/storyboarding/control">
+  <Id Name="System.Storyboarding.Common.Text" Revision="1" Stencil="System.Storyboarding.Common" StencilVersion="0.1"/>
+</Control>
+</file>
+
+<file path=customXml/item129.xml><?xml version="1.0" encoding="utf-8"?>
+<Control xmlns="http://schemas.microsoft.com/VisualStudio/2011/storyboarding/control">
+  <Id Name="System.Storyboarding.Icons.Image" Revision="1" Stencil="System.Storyboarding.Icons" StencilVersion="0.1"/>
+</Control>
+</file>
+
+<file path=customXml/item13.xml><?xml version="1.0" encoding="utf-8"?>
+<Control xmlns="http://schemas.microsoft.com/VisualStudio/2011/storyboarding/control">
+  <Id Name="System.Storyboarding.Common.Text" Revision="1" Stencil="System.Storyboarding.Common" StencilVersion="0.1"/>
+</Control>
+</file>
+
+<file path=customXml/item130.xml><?xml version="1.0" encoding="utf-8"?>
+<Control xmlns="http://schemas.microsoft.com/VisualStudio/2011/storyboarding/control">
+  <Id Name="System.Storyboarding.Common.Text" Revision="1" Stencil="System.Storyboarding.Common" StencilVersion="0.1"/>
+</Control>
+</file>
+
+<file path=customXml/item131.xml><?xml version="1.0" encoding="utf-8"?>
 <Control xmlns="http://schemas.microsoft.com/VisualStudio/2011/storyboarding/control">
   <Id Name="System.Storyboarding.Icons.ExpandCollapse" Revision="1" Stencil="System.Storyboarding.Icons" StencilVersion="0.1"/>
 </Control>
 </file>
 
-<file path=customXml/item127.xml><?xml version="1.0" encoding="utf-8"?>
-<Control xmlns="http://schemas.microsoft.com/VisualStudio/2011/storyboarding/control">
-  <Id Name="System.Storyboarding.WindowsAppIcons.Edit" Revision="1" Stencil="System.Storyboarding.WindowsAppIcons" StencilVersion="0.1"/>
-</Control>
-</file>
-
-<file path=customXml/item128.xml><?xml version="1.0" encoding="utf-8"?>
-<Control xmlns="http://schemas.microsoft.com/VisualStudio/2011/storyboarding/control">
-  <Id Name="System.Storyboarding.WindowsAppIcons.Edit" Revision="1" Stencil="System.Storyboarding.WindowsAppIcons" StencilVersion="0.1"/>
-</Control>
-</file>
-
-<file path=customXml/item129.xml><?xml version="1.0" encoding="utf-8"?>
-<Control xmlns="http://schemas.microsoft.com/VisualStudio/2011/storyboarding/control">
-  <Id Name="System.Storyboarding.WindowsAppIcons.Edit" Revision="1" Stencil="System.Storyboarding.WindowsAppIcons" StencilVersion="0.1"/>
-</Control>
-</file>
-
-<file path=customXml/item13.xml><?xml version="1.0" encoding="utf-8"?>
-<Control xmlns="http://schemas.microsoft.com/VisualStudio/2011/storyboarding/control">
-  <Id Name="System.Storyboarding.Annotation.CallOut" Revision="1" Stencil="System.Storyboarding.Annotation" StencilVersion="0.1"/>
-</Control>
-</file>
-
-<file path=customXml/item130.xml><?xml version="1.0" encoding="utf-8"?>
-<Control xmlns="http://schemas.microsoft.com/VisualStudio/2011/storyboarding/control">
-  <Id Name="System.Storyboarding.WindowsAppIcons.Edit" Revision="1" Stencil="System.Storyboarding.WindowsAppIcons" StencilVersion="0.1"/>
-</Control>
-</file>
-
-<file path=customXml/item131.xml><?xml version="1.0" encoding="utf-8"?>
-<Control xmlns="http://schemas.microsoft.com/VisualStudio/2011/storyboarding/control">
-  <Id Name="System.Storyboarding.WindowsAppIcons.Edit" Revision="1" Stencil="System.Storyboarding.WindowsAppIcons" StencilVersion="0.1"/>
-</Control>
-</file>
-
 <file path=customXml/item132.xml><?xml version="1.0" encoding="utf-8"?>
 <Control xmlns="http://schemas.microsoft.com/VisualStudio/2011/storyboarding/control">
-  <Id Name="System.Storyboarding.WindowsAppIcons.Edit" Revision="1" Stencil="System.Storyboarding.WindowsAppIcons" StencilVersion="0.1"/>
+  <Id Name="System.Storyboarding.Common.Text" Revision="1" Stencil="System.Storyboarding.Common" StencilVersion="0.1"/>
 </Control>
 </file>
 
 <file path=customXml/item133.xml><?xml version="1.0" encoding="utf-8"?>
 <Control xmlns="http://schemas.microsoft.com/VisualStudio/2011/storyboarding/control">
-  <Id Name="System.Storyboarding.WindowsAppIcons.Edit" Revision="1" Stencil="System.Storyboarding.WindowsAppIcons" StencilVersion="0.1"/>
+  <Id Name="System.Storyboarding.Icons.Star" Revision="1" Stencil="System.Storyboarding.Icons" StencilVersion="0.1"/>
 </Control>
 </file>
 
 <file path=customXml/item134.xml><?xml version="1.0" encoding="utf-8"?>
 <Control xmlns="http://schemas.microsoft.com/VisualStudio/2011/storyboarding/control">
-  <Id Name="System.Storyboarding.Icons.Star" Revision="1" Stencil="System.Storyboarding.Icons" StencilVersion="0.1"/>
+  <Id Name="System.Storyboarding.Common.TextArea" Revision="1" Stencil="System.Storyboarding.Common" StencilVersion="0.1"/>
 </Control>
 </file>
 
@@ -20444,31 +20275,31 @@
 
 <file path=customXml/item136.xml><?xml version="1.0" encoding="utf-8"?>
 <Control xmlns="http://schemas.microsoft.com/VisualStudio/2011/storyboarding/control">
-  <Id Name="System.Storyboarding.Icons.Star" Revision="1" Stencil="System.Storyboarding.Icons" StencilVersion="0.1"/>
+  <Id Name="System.Storyboarding.Common.TextInput" Revision="1" Stencil="System.Storyboarding.Common" StencilVersion="0.1"/>
 </Control>
 </file>
 
 <file path=customXml/item137.xml><?xml version="1.0" encoding="utf-8"?>
 <Control xmlns="http://schemas.microsoft.com/VisualStudio/2011/storyboarding/control">
-  <Id Name="System.Storyboarding.Icons.Star" Revision="1" Stencil="System.Storyboarding.Icons" StencilVersion="0.1"/>
+  <Id Name="System.Storyboarding.Common.TabGroup" Revision="1" Stencil="System.Storyboarding.Common" StencilVersion="0.1"/>
 </Control>
 </file>
 
 <file path=customXml/item138.xml><?xml version="1.0" encoding="utf-8"?>
 <Control xmlns="http://schemas.microsoft.com/VisualStudio/2011/storyboarding/control">
-  <Id Name="System.Storyboarding.Icons.Star" Revision="1" Stencil="System.Storyboarding.Icons" StencilVersion="0.1"/>
+  <Id Name="System.Storyboarding.WindowsDesktop.StatusBar" Revision="1" Stencil="System.Storyboarding.WindowsDesktop" StencilVersion="0.1"/>
 </Control>
 </file>
 
 <file path=customXml/item139.xml><?xml version="1.0" encoding="utf-8"?>
 <Control xmlns="http://schemas.microsoft.com/VisualStudio/2011/storyboarding/control">
-  <Id Name="System.Storyboarding.WindowsAppIcons.Comment" Revision="1" Stencil="System.Storyboarding.WindowsAppIcons" StencilVersion="0.1"/>
+  <Id Name="System.Storyboarding.Common.TextArea" Revision="1" Stencil="System.Storyboarding.Common" StencilVersion="0.1"/>
 </Control>
 </file>
 
 <file path=customXml/item14.xml><?xml version="1.0" encoding="utf-8"?>
 <Control xmlns="http://schemas.microsoft.com/VisualStudio/2011/storyboarding/control">
-  <Id Name="fd7d7bed-114e-464c-a4f1-01a512005949" Revision="1" Stencil="System.MyShapes" StencilVersion="1.0"/>
+  <Id Name="System.Storyboarding.WindowsAppIcons.Comment" Revision="1" Stencil="System.Storyboarding.WindowsAppIcons" StencilVersion="0.1"/>
 </Control>
 </file>
 
@@ -20480,43 +20311,43 @@
 
 <file path=customXml/item141.xml><?xml version="1.0" encoding="utf-8"?>
 <Control xmlns="http://schemas.microsoft.com/VisualStudio/2011/storyboarding/control">
-  <Id Name="System.Storyboarding.Common.Text" Revision="1" Stencil="System.Storyboarding.Common" StencilVersion="0.1"/>
+  <Id Name="System.Storyboarding.WindowsAppIcons.Comment" Revision="1" Stencil="System.Storyboarding.WindowsAppIcons" StencilVersion="0.1"/>
 </Control>
 </file>
 
 <file path=customXml/item142.xml><?xml version="1.0" encoding="utf-8"?>
+<Control xmlns="http://schemas.microsoft.com/VisualStudio/2011/storyboarding/control">
+  <Id Name="System.Storyboarding.Icons.Image" Revision="1" Stencil="System.Storyboarding.Icons" StencilVersion="0.1"/>
+</Control>
+</file>
+
+<file path=customXml/item143.xml><?xml version="1.0" encoding="utf-8"?>
+<Control xmlns="http://schemas.microsoft.com/VisualStudio/2011/storyboarding/control">
+  <Id Name="fd7d7bed-114e-464c-a4f1-01a512005949" Revision="1" Stencil="System.MyShapes" StencilVersion="1.0"/>
+</Control>
+</file>
+
+<file path=customXml/item144.xml><?xml version="1.0" encoding="utf-8"?>
 <Control xmlns="http://schemas.microsoft.com/VisualStudio/2011/storyboarding/control">
   <Id Name="System.Storyboarding.Common.Text" Revision="1" Stencil="System.Storyboarding.Common" StencilVersion="0.1"/>
 </Control>
 </file>
 
-<file path=customXml/item143.xml><?xml version="1.0" encoding="utf-8"?>
+<file path=customXml/item145.xml><?xml version="1.0" encoding="utf-8"?>
 <Control xmlns="http://schemas.microsoft.com/VisualStudio/2011/storyboarding/control">
-  <Id Name="System.Storyboarding.Common.Text" Revision="1" Stencil="System.Storyboarding.Common" StencilVersion="0.1"/>
+  <Id Name="System.Storyboarding.Common.TextArea" Revision="1" Stencil="System.Storyboarding.Common" StencilVersion="0.1"/>
 </Control>
 </file>
 
-<file path=customXml/item144.xml><?xml version="1.0" encoding="utf-8"?>
+<file path=customXml/item146.xml><?xml version="1.0" encoding="utf-8"?>
+<Control xmlns="http://schemas.microsoft.com/VisualStudio/2011/storyboarding/control">
+  <Id Name="System.Storyboarding.WindowsPhoneIcons.Settings" Revision="1" Stencil="System.Storyboarding.WindowsPhoneIcons" StencilVersion="0.1"/>
+</Control>
+</file>
+
+<file path=customXml/item147.xml><?xml version="1.0" encoding="utf-8"?>
 <Control xmlns="http://schemas.microsoft.com/VisualStudio/2011/storyboarding/control">
   <Id Name="System.Storyboarding.Icons.Star" Revision="1" Stencil="System.Storyboarding.Icons" StencilVersion="0.1"/>
-</Control>
-</file>
-
-<file path=customXml/item145.xml><?xml version="1.0" encoding="utf-8"?>
-<Control xmlns="http://schemas.microsoft.com/VisualStudio/2011/storyboarding/control">
-  <Id Name="System.Storyboarding.WindowsAppIcons.Comment" Revision="1" Stencil="System.Storyboarding.WindowsAppIcons" StencilVersion="0.1"/>
-</Control>
-</file>
-
-<file path=customXml/item146.xml><?xml version="1.0" encoding="utf-8"?>
-<Control xmlns="http://schemas.microsoft.com/VisualStudio/2011/storyboarding/control">
-  <Id Name="System.Storyboarding.Common.Text" Revision="1" Stencil="System.Storyboarding.Common" StencilVersion="0.1"/>
-</Control>
-</file>
-
-<file path=customXml/item147.xml><?xml version="1.0" encoding="utf-8"?>
-<Control xmlns="http://schemas.microsoft.com/VisualStudio/2011/storyboarding/control">
-  <Id Name="System.Storyboarding.Common.Text" Revision="1" Stencil="System.Storyboarding.Common" StencilVersion="0.1"/>
 </Control>
 </file>
 
@@ -20528,37 +20359,37 @@
 
 <file path=customXml/item149.xml><?xml version="1.0" encoding="utf-8"?>
 <Control xmlns="http://schemas.microsoft.com/VisualStudio/2011/storyboarding/control">
+  <Id Name="System.Storyboarding.Common.Breadcrumb" Revision="1" Stencil="System.Storyboarding.Common" StencilVersion="0.1"/>
+</Control>
+</file>
+
+<file path=customXml/item15.xml><?xml version="1.0" encoding="utf-8"?>
+<Control xmlns="http://schemas.microsoft.com/VisualStudio/2011/storyboarding/control">
   <Id Name="System.Storyboarding.Common.Text" Revision="1" Stencil="System.Storyboarding.Common" StencilVersion="0.1"/>
 </Control>
 </file>
 
-<file path=customXml/item15.xml><?xml version="1.0" encoding="utf-8"?>
+<file path=customXml/item150.xml><?xml version="1.0" encoding="utf-8"?>
 <Control xmlns="http://schemas.microsoft.com/VisualStudio/2011/storyboarding/control">
-  <Id Name="System.Storyboarding.Annotation.CallOut" Revision="1" Stencil="System.Storyboarding.Annotation" StencilVersion="0.1"/>
+  <Id Name="System.Storyboarding.Common.TextInput" Revision="1" Stencil="System.Storyboarding.Common" StencilVersion="0.1"/>
 </Control>
 </file>
 
-<file path=customXml/item150.xml><?xml version="1.0" encoding="utf-8"?>
+<file path=customXml/item151.xml><?xml version="1.0" encoding="utf-8"?>
+<Control xmlns="http://schemas.microsoft.com/VisualStudio/2011/storyboarding/control">
+  <Id Name="System.Storyboarding.Common.Breadcrumb" Revision="1" Stencil="System.Storyboarding.Common" StencilVersion="0.1"/>
+</Control>
+</file>
+
+<file path=customXml/item152.xml><?xml version="1.0" encoding="utf-8"?>
 <Control xmlns="http://schemas.microsoft.com/VisualStudio/2011/storyboarding/control">
   <Id Name="System.Storyboarding.Icons.Star" Revision="1" Stencil="System.Storyboarding.Icons" StencilVersion="0.1"/>
 </Control>
 </file>
 
-<file path=customXml/item151.xml><?xml version="1.0" encoding="utf-8"?>
-<Control xmlns="http://schemas.microsoft.com/VisualStudio/2011/storyboarding/control">
-  <Id Name="System.Storyboarding.WindowsAppIcons.Comment" Revision="1" Stencil="System.Storyboarding.WindowsAppIcons" StencilVersion="0.1"/>
-</Control>
-</file>
-
-<file path=customXml/item152.xml><?xml version="1.0" encoding="utf-8"?>
-<Control xmlns="http://schemas.microsoft.com/VisualStudio/2011/storyboarding/control">
-  <Id Name="System.Storyboarding.Common.Text" Revision="1" Stencil="System.Storyboarding.Common" StencilVersion="0.1"/>
-</Control>
-</file>
-
 <file path=customXml/item153.xml><?xml version="1.0" encoding="utf-8"?>
 <Control xmlns="http://schemas.microsoft.com/VisualStudio/2011/storyboarding/control">
-  <Id Name="System.Storyboarding.Common.Text" Revision="1" Stencil="System.Storyboarding.Common" StencilVersion="0.1"/>
+  <Id Name="System.Storyboarding.Icons.Image" Revision="1" Stencil="System.Storyboarding.Icons" StencilVersion="0.1"/>
 </Control>
 </file>
 
@@ -20570,19 +20401,19 @@
 
 <file path=customXml/item155.xml><?xml version="1.0" encoding="utf-8"?>
 <Control xmlns="http://schemas.microsoft.com/VisualStudio/2011/storyboarding/control">
+  <Id Name="System.Storyboarding.WindowsAppIcons.Edit" Revision="1" Stencil="System.Storyboarding.WindowsAppIcons" StencilVersion="0.1"/>
+</Control>
+</file>
+
+<file path=customXml/item156.xml><?xml version="1.0" encoding="utf-8"?>
+<Control xmlns="http://schemas.microsoft.com/VisualStudio/2011/storyboarding/control">
   <Id Name="System.Storyboarding.Common.Text" Revision="1" Stencil="System.Storyboarding.Common" StencilVersion="0.1"/>
 </Control>
 </file>
 
-<file path=customXml/item156.xml><?xml version="1.0" encoding="utf-8"?>
+<file path=customXml/item157.xml><?xml version="1.0" encoding="utf-8"?>
 <Control xmlns="http://schemas.microsoft.com/VisualStudio/2011/storyboarding/control">
   <Id Name="System.Storyboarding.Icons.Star" Revision="1" Stencil="System.Storyboarding.Icons" StencilVersion="0.1"/>
-</Control>
-</file>
-
-<file path=customXml/item157.xml><?xml version="1.0" encoding="utf-8"?>
-<Control xmlns="http://schemas.microsoft.com/VisualStudio/2011/storyboarding/control">
-  <Id Name="System.Storyboarding.WindowsAppIcons.Comment" Revision="1" Stencil="System.Storyboarding.WindowsAppIcons" StencilVersion="0.1"/>
 </Control>
 </file>
 
@@ -20594,7 +20425,7 @@
 
 <file path=customXml/item159.xml><?xml version="1.0" encoding="utf-8"?>
 <Control xmlns="http://schemas.microsoft.com/VisualStudio/2011/storyboarding/control">
-  <Id Name="System.Storyboarding.Common.Text" Revision="1" Stencil="System.Storyboarding.Common" StencilVersion="0.1"/>
+  <Id Name="System.Storyboarding.Annotation.CallOut" Revision="1" Stencil="System.Storyboarding.Annotation" StencilVersion="0.1"/>
 </Control>
 </file>
 
@@ -20606,73 +20437,73 @@
 
 <file path=customXml/item160.xml><?xml version="1.0" encoding="utf-8"?>
 <Control xmlns="http://schemas.microsoft.com/VisualStudio/2011/storyboarding/control">
-  <Id Name="System.Storyboarding.Common.Text" Revision="1" Stencil="System.Storyboarding.Common" StencilVersion="0.1"/>
+  <Id Name="System.Storyboarding.Icons.ExpandCollapse" Revision="1" Stencil="System.Storyboarding.Icons" StencilVersion="0.1"/>
 </Control>
 </file>
 
 <file path=customXml/item161.xml><?xml version="1.0" encoding="utf-8"?>
+<Control xmlns="http://schemas.microsoft.com/VisualStudio/2011/storyboarding/control">
+  <Id Name="System.Storyboarding.Icons.Image" Revision="1" Stencil="System.Storyboarding.Icons" StencilVersion="0.1"/>
+</Control>
+</file>
+
+<file path=customXml/item162.xml><?xml version="1.0" encoding="utf-8"?>
+<Control xmlns="http://schemas.microsoft.com/VisualStudio/2011/storyboarding/control">
+  <Id Name="System.Storyboarding.Icons.Image" Revision="1" Stencil="System.Storyboarding.Icons" StencilVersion="0.1"/>
+</Control>
+</file>
+
+<file path=customXml/item163.xml><?xml version="1.0" encoding="utf-8"?>
+<Control xmlns="http://schemas.microsoft.com/VisualStudio/2011/storyboarding/control">
+  <Id Name="System.Storyboarding.WindowsAppIcons.Edit" Revision="1" Stencil="System.Storyboarding.WindowsAppIcons" StencilVersion="0.1"/>
+</Control>
+</file>
+
+<file path=customXml/item164.xml><?xml version="1.0" encoding="utf-8"?>
+<Control xmlns="http://schemas.microsoft.com/VisualStudio/2011/storyboarding/control">
+  <Id Name="fd7d7bed-114e-464c-a4f1-01a512005949" Revision="1" Stencil="System.MyShapes" StencilVersion="1.0"/>
+</Control>
+</file>
+
+<file path=customXml/item165.xml><?xml version="1.0" encoding="utf-8"?>
+<Control xmlns="http://schemas.microsoft.com/VisualStudio/2011/storyboarding/control">
+  <Id Name="System.Storyboarding.Common.TextInput" Revision="1" Stencil="System.Storyboarding.Common" StencilVersion="0.1"/>
+</Control>
+</file>
+
+<file path=customXml/item166.xml><?xml version="1.0" encoding="utf-8"?>
+<Control xmlns="http://schemas.microsoft.com/VisualStudio/2011/storyboarding/control">
+  <Id Name="System.Storyboarding.Icons.Star" Revision="1" Stencil="System.Storyboarding.Icons" StencilVersion="0.1"/>
+</Control>
+</file>
+
+<file path=customXml/item167.xml><?xml version="1.0" encoding="utf-8"?>
+<Control xmlns="http://schemas.microsoft.com/VisualStudio/2011/storyboarding/control">
+  <Id Name="System.Storyboarding.Common.Button" Revision="1" Stencil="System.Storyboarding.Common" StencilVersion="0.1"/>
+</Control>
+</file>
+
+<file path=customXml/item168.xml><?xml version="1.0" encoding="utf-8"?>
 <Control xmlns="http://schemas.microsoft.com/VisualStudio/2011/storyboarding/control">
   <Id Name="System.Storyboarding.Common.Text" Revision="1" Stencil="System.Storyboarding.Common" StencilVersion="0.1"/>
 </Control>
 </file>
 
-<file path=customXml/item162.xml><?xml version="1.0" encoding="utf-8"?>
+<file path=customXml/item169.xml><?xml version="1.0" encoding="utf-8"?>
 <Control xmlns="http://schemas.microsoft.com/VisualStudio/2011/storyboarding/control">
-  <Id Name="System.Storyboarding.Icons.Star" Revision="1" Stencil="System.Storyboarding.Icons" StencilVersion="0.1"/>
+  <Id Name="System.Storyboarding.Common.TextArea" Revision="1" Stencil="System.Storyboarding.Common" StencilVersion="0.1"/>
 </Control>
 </file>
 
-<file path=customXml/item163.xml><?xml version="1.0" encoding="utf-8"?>
-<Control xmlns="http://schemas.microsoft.com/VisualStudio/2011/storyboarding/control">
-  <Id Name="System.Storyboarding.WindowsAppIcons.Comment" Revision="1" Stencil="System.Storyboarding.WindowsAppIcons" StencilVersion="0.1"/>
-</Control>
-</file>
-
-<file path=customXml/item164.xml><?xml version="1.0" encoding="utf-8"?>
+<file path=customXml/item17.xml><?xml version="1.0" encoding="utf-8"?>
 <Control xmlns="http://schemas.microsoft.com/VisualStudio/2011/storyboarding/control">
   <Id Name="System.Storyboarding.Common.Text" Revision="1" Stencil="System.Storyboarding.Common" StencilVersion="0.1"/>
 </Control>
 </file>
 
-<file path=customXml/item165.xml><?xml version="1.0" encoding="utf-8"?>
-<Control xmlns="http://schemas.microsoft.com/VisualStudio/2011/storyboarding/control">
-  <Id Name="System.Storyboarding.Common.Text" Revision="1" Stencil="System.Storyboarding.Common" StencilVersion="0.1"/>
-</Control>
-</file>
-
-<file path=customXml/item166.xml><?xml version="1.0" encoding="utf-8"?>
-<Control xmlns="http://schemas.microsoft.com/VisualStudio/2011/storyboarding/control">
-  <Id Name="System.Storyboarding.Common.Text" Revision="1" Stencil="System.Storyboarding.Common" StencilVersion="0.1"/>
-</Control>
-</file>
-
-<file path=customXml/item167.xml><?xml version="1.0" encoding="utf-8"?>
-<Control xmlns="http://schemas.microsoft.com/VisualStudio/2011/storyboarding/control">
-  <Id Name="System.Storyboarding.Common.Text" Revision="1" Stencil="System.Storyboarding.Common" StencilVersion="0.1"/>
-</Control>
-</file>
-
-<file path=customXml/item168.xml><?xml version="1.0" encoding="utf-8"?>
-<Control xmlns="http://schemas.microsoft.com/VisualStudio/2011/storyboarding/control">
-  <Id Name="System.Storyboarding.Icons.Star" Revision="1" Stencil="System.Storyboarding.Icons" StencilVersion="0.1"/>
-</Control>
-</file>
-
-<file path=customXml/item169.xml><?xml version="1.0" encoding="utf-8"?>
-<Control xmlns="http://schemas.microsoft.com/VisualStudio/2011/storyboarding/control">
-  <Id Name="System.Storyboarding.WindowsAppIcons.Comment" Revision="1" Stencil="System.Storyboarding.WindowsAppIcons" StencilVersion="0.1"/>
-</Control>
-</file>
-
-<file path=customXml/item17.xml><?xml version="1.0" encoding="utf-8"?>
-<Control xmlns="http://schemas.microsoft.com/VisualStudio/2011/storyboarding/control">
-  <Id Name="System.Storyboarding.Common.TextArea" Revision="1" Stencil="System.Storyboarding.Common" StencilVersion="0.1"/>
-</Control>
-</file>
-
 <file path=customXml/item170.xml><?xml version="1.0" encoding="utf-8"?>
 <Control xmlns="http://schemas.microsoft.com/VisualStudio/2011/storyboarding/control">
-  <Id Name="System.Storyboarding.Common.Text" Revision="1" Stencil="System.Storyboarding.Common" StencilVersion="0.1"/>
+  <Id Name="System.Storyboarding.Icons.ExpandCollapse" Revision="1" Stencil="System.Storyboarding.Icons" StencilVersion="0.1"/>
 </Control>
 </file>
 
@@ -20684,7 +20515,7 @@
 
 <file path=customXml/item172.xml><?xml version="1.0" encoding="utf-8"?>
 <Control xmlns="http://schemas.microsoft.com/VisualStudio/2011/storyboarding/control">
-  <Id Name="System.Storyboarding.Common.Text" Revision="1" Stencil="System.Storyboarding.Common" StencilVersion="0.1"/>
+  <Id Name="System.Storyboarding.Common.Breadcrumb" Revision="1" Stencil="System.Storyboarding.Common" StencilVersion="0.1"/>
 </Control>
 </file>
 
@@ -20696,25 +20527,25 @@
 
 <file path=customXml/item174.xml><?xml version="1.0" encoding="utf-8"?>
 <Control xmlns="http://schemas.microsoft.com/VisualStudio/2011/storyboarding/control">
-  <Id Name="System.Storyboarding.Icons.Star" Revision="1" Stencil="System.Storyboarding.Icons" StencilVersion="0.1"/>
+  <Id Name="System.Storyboarding.Common.Text" Revision="1" Stencil="System.Storyboarding.Common" StencilVersion="0.1"/>
 </Control>
 </file>
 
 <file path=customXml/item175.xml><?xml version="1.0" encoding="utf-8"?>
+<Control xmlns="http://schemas.microsoft.com/VisualStudio/2011/storyboarding/control">
+  <Id Name="System.Storyboarding.Common.Text" Revision="1" Stencil="System.Storyboarding.Common" StencilVersion="0.1"/>
+</Control>
+</file>
+
+<file path=customXml/item176.xml><?xml version="1.0" encoding="utf-8"?>
 <Control xmlns="http://schemas.microsoft.com/VisualStudio/2011/storyboarding/control">
   <Id Name="System.Storyboarding.WindowsAppIcons.Comment" Revision="1" Stencil="System.Storyboarding.WindowsAppIcons" StencilVersion="0.1"/>
 </Control>
 </file>
 
-<file path=customXml/item176.xml><?xml version="1.0" encoding="utf-8"?>
-<Control xmlns="http://schemas.microsoft.com/VisualStudio/2011/storyboarding/control">
-  <Id Name="System.Storyboarding.Common.Text" Revision="1" Stencil="System.Storyboarding.Common" StencilVersion="0.1"/>
-</Control>
-</file>
-
 <file path=customXml/item177.xml><?xml version="1.0" encoding="utf-8"?>
 <Control xmlns="http://schemas.microsoft.com/VisualStudio/2011/storyboarding/control">
-  <Id Name="System.Storyboarding.Common.Text" Revision="1" Stencil="System.Storyboarding.Common" StencilVersion="0.1"/>
+  <Id Name="System.Storyboarding.Icons.Image" Revision="1" Stencil="System.Storyboarding.Icons" StencilVersion="0.1"/>
 </Control>
 </file>
 
@@ -20726,91 +20557,115 @@
 
 <file path=customXml/item179.xml><?xml version="1.0" encoding="utf-8"?>
 <Control xmlns="http://schemas.microsoft.com/VisualStudio/2011/storyboarding/control">
-  <Id Name="System.Storyboarding.Common.Text" Revision="1" Stencil="System.Storyboarding.Common" StencilVersion="0.1"/>
+  <Id Name="System.Storyboarding.Annotation.CallOut" Revision="1" Stencil="System.Storyboarding.Annotation" StencilVersion="0.1"/>
 </Control>
 </file>
 
 <file path=customXml/item18.xml><?xml version="1.0" encoding="utf-8"?>
+<Control xmlns="http://schemas.microsoft.com/VisualStudio/2011/storyboarding/control">
+  <Id Name="System.Storyboarding.Annotation.CallOut" Revision="1" Stencil="System.Storyboarding.Annotation" StencilVersion="0.1"/>
+</Control>
+</file>
+
+<file path=customXml/item180.xml><?xml version="1.0" encoding="utf-8"?>
+<Control xmlns="http://schemas.microsoft.com/VisualStudio/2011/storyboarding/control">
+  <Id Name="System.Storyboarding.Annotation.CallOut" Revision="1" Stencil="System.Storyboarding.Annotation" StencilVersion="0.1"/>
+</Control>
+</file>
+
+<file path=customXml/item181.xml><?xml version="1.0" encoding="utf-8"?>
 <Control xmlns="http://schemas.microsoft.com/VisualStudio/2011/storyboarding/control">
   <Id Name="fd7d7bed-114e-464c-a4f1-01a512005949" Revision="1" Stencil="System.MyShapes" StencilVersion="1.0"/>
 </Control>
 </file>
 
-<file path=customXml/item19.xml><?xml version="1.0" encoding="utf-8"?>
+<file path=customXml/item182.xml><?xml version="1.0" encoding="utf-8"?>
 <Control xmlns="http://schemas.microsoft.com/VisualStudio/2011/storyboarding/control">
   <Id Name="System.Storyboarding.Annotation.CallOut" Revision="1" Stencil="System.Storyboarding.Annotation" StencilVersion="0.1"/>
 </Control>
 </file>
 
+<file path=customXml/item183.xml><?xml version="1.0" encoding="utf-8"?>
+<Control xmlns="http://schemas.microsoft.com/VisualStudio/2011/storyboarding/control">
+  <Id Name="fd7d7bed-114e-464c-a4f1-01a512005949" Revision="1" Stencil="System.MyShapes" StencilVersion="1.0"/>
+</Control>
+</file>
+
+<file path=customXml/item19.xml><?xml version="1.0" encoding="utf-8"?>
+<Control xmlns="http://schemas.microsoft.com/VisualStudio/2011/storyboarding/control">
+  <Id Name="System.Storyboarding.WindowsPhoneIcons.Search" Revision="1" Stencil="System.Storyboarding.WindowsPhoneIcons" StencilVersion="0.1"/>
+</Control>
+</file>
+
 <file path=customXml/item2.xml><?xml version="1.0" encoding="utf-8"?>
+<Control xmlns="http://schemas.microsoft.com/VisualStudio/2011/storyboarding/control">
+  <Id Name="600d61f4-2d09-42e6-a6db-83e260e051ae" RevisionId="3c9eb7e9-0ea7-4fb5-adc7-dcc81ff0fb36" Stencil="172d6d98-e5c9-42e9-a209-79f7a94bbd38" StencilRevisionId="00000000-0000-0000-0000-000000000000" StencilVersion="0.0"/>
+</Control>
+</file>
+
+<file path=customXml/item20.xml><?xml version="1.0" encoding="utf-8"?>
+<Control xmlns="http://schemas.microsoft.com/VisualStudio/2011/storyboarding/control">
+  <Id Name="System.Storyboarding.Common.TabGroup" Revision="1" Stencil="System.Storyboarding.Common" StencilVersion="0.1"/>
+</Control>
+</file>
+
+<file path=customXml/item21.xml><?xml version="1.0" encoding="utf-8"?>
+<Control xmlns="http://schemas.microsoft.com/VisualStudio/2011/storyboarding/control">
+  <Id Name="System.Storyboarding.Icons.Star" Revision="1" Stencil="System.Storyboarding.Icons" StencilVersion="0.1"/>
+</Control>
+</file>
+
+<file path=customXml/item22.xml><?xml version="1.0" encoding="utf-8"?>
+<Control xmlns="http://schemas.microsoft.com/VisualStudio/2011/storyboarding/control">
+  <Id Name="System.Storyboarding.WindowsPhoneIcons.Settings" Revision="1" Stencil="System.Storyboarding.WindowsPhoneIcons" StencilVersion="0.1"/>
+</Control>
+</file>
+
+<file path=customXml/item23.xml><?xml version="1.0" encoding="utf-8"?>
+<Control xmlns="http://schemas.microsoft.com/VisualStudio/2011/storyboarding/control">
+  <Id Name="System.Storyboarding.Common.Text" Revision="1" Stencil="System.Storyboarding.Common" StencilVersion="0.1"/>
+</Control>
+</file>
+
+<file path=customXml/item24.xml><?xml version="1.0" encoding="utf-8"?>
+<Control xmlns="http://schemas.microsoft.com/VisualStudio/2011/storyboarding/control">
+  <Id Name="System.Storyboarding.Icons.TrashCan" Revision="1" Stencil="System.Storyboarding.Icons" StencilVersion="0.1"/>
+</Control>
+</file>
+
+<file path=customXml/item25.xml><?xml version="1.0" encoding="utf-8"?>
 <Control xmlns="http://schemas.microsoft.com/VisualStudio/2011/storyboarding/control">
   <Id Name="System.Storyboarding.Icons.Image" Revision="1" Stencil="System.Storyboarding.Icons" StencilVersion="0.1"/>
 </Control>
 </file>
 
-<file path=customXml/item20.xml><?xml version="1.0" encoding="utf-8"?>
-<Control xmlns="http://schemas.microsoft.com/VisualStudio/2011/storyboarding/control">
-  <Id Name="System.Storyboarding.Common.Breadcrumb" Revision="1" Stencil="System.Storyboarding.Common" StencilVersion="0.1"/>
-</Control>
-</file>
-
-<file path=customXml/item21.xml><?xml version="1.0" encoding="utf-8"?>
-<Control xmlns="http://schemas.microsoft.com/VisualStudio/2011/storyboarding/control">
-  <Id Name="600d61f4-2d09-42e6-a6db-83e260e051ae" RevisionId="3c9eb7e9-0ea7-4fb5-adc7-dcc81ff0fb36" Stencil="172d6d98-e5c9-42e9-a209-79f7a94bbd38" StencilRevisionId="00000000-0000-0000-0000-000000000000" StencilVersion="0.0"/>
-</Control>
-</file>
-
-<file path=customXml/item22.xml><?xml version="1.0" encoding="utf-8"?>
+<file path=customXml/item26.xml><?xml version="1.0" encoding="utf-8"?>
 <Control xmlns="http://schemas.microsoft.com/VisualStudio/2011/storyboarding/control">
   <Id Name="System.Storyboarding.WindowsAppIcons.Pin" Revision="1" Stencil="System.Storyboarding.WindowsAppIcons" StencilVersion="0.1"/>
 </Control>
 </file>
 
-<file path=customXml/item23.xml><?xml version="1.0" encoding="utf-8"?>
+<file path=customXml/item27.xml><?xml version="1.0" encoding="utf-8"?>
 <Control xmlns="http://schemas.microsoft.com/VisualStudio/2011/storyboarding/control">
-  <Id Name="System.Storyboarding.WindowsDesktop.StatusBar" Revision="1" Stencil="System.Storyboarding.WindowsDesktop" StencilVersion="0.1"/>
+  <Id Name="System.Storyboarding.WindowsAppIcons.Edit" Revision="1" Stencil="System.Storyboarding.WindowsAppIcons" StencilVersion="0.1"/>
 </Control>
 </file>
 
-<file path=customXml/item24.xml><?xml version="1.0" encoding="utf-8"?>
+<file path=customXml/item28.xml><?xml version="1.0" encoding="utf-8"?>
+<Control xmlns="http://schemas.microsoft.com/VisualStudio/2011/storyboarding/control">
+  <Id Name="System.Storyboarding.Icons.Star" Revision="1" Stencil="System.Storyboarding.Icons" StencilVersion="0.1"/>
+</Control>
+</file>
+
+<file path=customXml/item29.xml><?xml version="1.0" encoding="utf-8"?>
 <Control xmlns="http://schemas.microsoft.com/VisualStudio/2011/storyboarding/control">
   <Id Name="System.Storyboarding.Common.Text" Revision="1" Stencil="System.Storyboarding.Common" StencilVersion="0.1"/>
 </Control>
 </file>
 
-<file path=customXml/item25.xml><?xml version="1.0" encoding="utf-8"?>
-<Control xmlns="http://schemas.microsoft.com/VisualStudio/2011/storyboarding/control">
-  <Id Name="fd7d7bed-114e-464c-a4f1-01a512005949" Revision="1" Stencil="System.MyShapes" StencilVersion="1.0"/>
-</Control>
-</file>
-
-<file path=customXml/item26.xml><?xml version="1.0" encoding="utf-8"?>
-<Control xmlns="http://schemas.microsoft.com/VisualStudio/2011/storyboarding/control">
-  <Id Name="System.Storyboarding.Annotation.CallOut" Revision="1" Stencil="System.Storyboarding.Annotation" StencilVersion="0.1"/>
-</Control>
-</file>
-
-<file path=customXml/item27.xml><?xml version="1.0" encoding="utf-8"?>
-<Control xmlns="http://schemas.microsoft.com/VisualStudio/2011/storyboarding/control">
-  <Id Name="System.Storyboarding.Icons.ExpandCollapse" Revision="1" Stencil="System.Storyboarding.Icons" StencilVersion="0.1"/>
-</Control>
-</file>
-
-<file path=customXml/item28.xml><?xml version="1.0" encoding="utf-8"?>
-<Control xmlns="http://schemas.microsoft.com/VisualStudio/2011/storyboarding/control">
-  <Id Name="System.Storyboarding.Icons.Image" Revision="1" Stencil="System.Storyboarding.Icons" StencilVersion="0.1"/>
-</Control>
-</file>
-
-<file path=customXml/item29.xml><?xml version="1.0" encoding="utf-8"?>
-<Control xmlns="http://schemas.microsoft.com/VisualStudio/2011/storyboarding/control">
-  <Id Name="System.Storyboarding.Icons.Image" Revision="1" Stencil="System.Storyboarding.Icons" StencilVersion="0.1"/>
-</Control>
-</file>
-
 <file path=customXml/item3.xml><?xml version="1.0" encoding="utf-8"?>
 <Control xmlns="http://schemas.microsoft.com/VisualStudio/2011/storyboarding/control">
-  <Id Name="System.Storyboarding.Icons.Image" Revision="1" Stencil="System.Storyboarding.Icons" StencilVersion="0.1"/>
+  <Id Name="System.Storyboarding.Common.Button" Revision="1" Stencil="System.Storyboarding.Common" StencilVersion="0.1"/>
 </Control>
 </file>
 
@@ -20828,7 +20683,7 @@
 
 <file path=customXml/item32.xml><?xml version="1.0" encoding="utf-8"?>
 <Control xmlns="http://schemas.microsoft.com/VisualStudio/2011/storyboarding/control">
-  <Id Name="System.Storyboarding.WindowsPhoneIcons.Search" Revision="1" Stencil="System.Storyboarding.WindowsPhoneIcons" StencilVersion="0.1"/>
+  <Id Name="System.Storyboarding.Common.Breadcrumb" Revision="1" Stencil="System.Storyboarding.Common" StencilVersion="0.1"/>
 </Control>
 </file>
 
@@ -20840,13 +20695,13 @@
 
 <file path=customXml/item34.xml><?xml version="1.0" encoding="utf-8"?>
 <Control xmlns="http://schemas.microsoft.com/VisualStudio/2011/storyboarding/control">
-  <Id Name="System.Storyboarding.Common.Breadcrumb" Revision="1" Stencil="System.Storyboarding.Common" StencilVersion="0.1"/>
+  <Id Name="System.Storyboarding.Common.Text" Revision="1" Stencil="System.Storyboarding.Common" StencilVersion="0.1"/>
 </Control>
 </file>
 
 <file path=customXml/item35.xml><?xml version="1.0" encoding="utf-8"?>
 <Control xmlns="http://schemas.microsoft.com/VisualStudio/2011/storyboarding/control">
-  <Id Name="System.Storyboarding.WindowsDesktop.StatusBar" Revision="1" Stencil="System.Storyboarding.WindowsDesktop" StencilVersion="0.1"/>
+  <Id Name="System.Storyboarding.WindowsAppIcons.Pin" Revision="1" Stencil="System.Storyboarding.WindowsAppIcons" StencilVersion="0.1"/>
 </Control>
 </file>
 
@@ -20858,55 +20713,55 @@
 
 <file path=customXml/item37.xml><?xml version="1.0" encoding="utf-8"?>
 <Control xmlns="http://schemas.microsoft.com/VisualStudio/2011/storyboarding/control">
-  <Id Name="System.Storyboarding.Common.TabGroup" Revision="1" Stencil="System.Storyboarding.Common" StencilVersion="0.1"/>
+  <Id Name="System.Storyboarding.Common.Text" Revision="1" Stencil="System.Storyboarding.Common" StencilVersion="0.1"/>
 </Control>
 </file>
 
 <file path=customXml/item38.xml><?xml version="1.0" encoding="utf-8"?>
 <Control xmlns="http://schemas.microsoft.com/VisualStudio/2011/storyboarding/control">
-  <Id Name="System.Storyboarding.Common.TextArea" Revision="1" Stencil="System.Storyboarding.Common" StencilVersion="0.1"/>
+  <Id Name="System.Storyboarding.Icons.TrashCan" Revision="1" Stencil="System.Storyboarding.Icons" StencilVersion="0.1"/>
 </Control>
 </file>
 
 <file path=customXml/item39.xml><?xml version="1.0" encoding="utf-8"?>
 <Control xmlns="http://schemas.microsoft.com/VisualStudio/2011/storyboarding/control">
-  <Id Name="System.Storyboarding.Common.TabGroup" Revision="1" Stencil="System.Storyboarding.Common" StencilVersion="0.1"/>
+  <Id Name="System.Storyboarding.Icons.ExpandCollapse" Revision="1" Stencil="System.Storyboarding.Icons" StencilVersion="0.1"/>
 </Control>
 </file>
 
 <file path=customXml/item4.xml><?xml version="1.0" encoding="utf-8"?>
-<Control xmlns="http://schemas.microsoft.com/VisualStudio/2011/storyboarding/control">
-  <Id Name="System.Storyboarding.Icons.Image" Revision="1" Stencil="System.Storyboarding.Icons" StencilVersion="0.1"/>
-</Control>
-</file>
-
-<file path=customXml/item40.xml><?xml version="1.0" encoding="utf-8"?>
-<Control xmlns="http://schemas.microsoft.com/VisualStudio/2011/storyboarding/control">
-  <Id Name="System.Storyboarding.WindowsAppIcons.Comment" Revision="1" Stencil="System.Storyboarding.WindowsAppIcons" StencilVersion="0.1"/>
-</Control>
-</file>
-
-<file path=customXml/item41.xml><?xml version="1.0" encoding="utf-8"?>
-<Control xmlns="http://schemas.microsoft.com/VisualStudio/2011/storyboarding/control">
-  <Id Name="System.Storyboarding.Common.TextInput" Revision="1" Stencil="System.Storyboarding.Common" StencilVersion="0.1"/>
-</Control>
-</file>
-
-<file path=customXml/item42.xml><?xml version="1.0" encoding="utf-8"?>
-<Control xmlns="http://schemas.microsoft.com/VisualStudio/2011/storyboarding/control">
-  <Id Name="System.Storyboarding.Common.Button" Revision="1" Stencil="System.Storyboarding.Common" StencilVersion="0.1"/>
-</Control>
-</file>
-
-<file path=customXml/item43.xml><?xml version="1.0" encoding="utf-8"?>
 <Control xmlns="http://schemas.microsoft.com/VisualStudio/2011/storyboarding/control">
   <Id Name="System.Storyboarding.Common.Text" Revision="1" Stencil="System.Storyboarding.Common" StencilVersion="0.1"/>
 </Control>
 </file>
 
+<file path=customXml/item40.xml><?xml version="1.0" encoding="utf-8"?>
+<Control xmlns="http://schemas.microsoft.com/VisualStudio/2011/storyboarding/control">
+  <Id Name="System.Storyboarding.WindowsApps.WindowsAppsListBox" Revision="1" Stencil="System.Storyboarding.WindowsApps" StencilVersion="0.1"/>
+</Control>
+</file>
+
+<file path=customXml/item41.xml><?xml version="1.0" encoding="utf-8"?>
+<Control xmlns="http://schemas.microsoft.com/VisualStudio/2011/storyboarding/control">
+  <Id Name="System.Storyboarding.Common.Text" Revision="1" Stencil="System.Storyboarding.Common" StencilVersion="0.1"/>
+</Control>
+</file>
+
+<file path=customXml/item42.xml><?xml version="1.0" encoding="utf-8"?>
+<Control xmlns="http://schemas.microsoft.com/VisualStudio/2011/storyboarding/control">
+  <Id Name="System.Storyboarding.WindowsPhoneIcons.Search" Revision="1" Stencil="System.Storyboarding.WindowsPhoneIcons" StencilVersion="0.1"/>
+</Control>
+</file>
+
+<file path=customXml/item43.xml><?xml version="1.0" encoding="utf-8"?>
+<Control xmlns="http://schemas.microsoft.com/VisualStudio/2011/storyboarding/control">
+  <Id Name="System.Storyboarding.Icons.Star" Revision="1" Stencil="System.Storyboarding.Icons" StencilVersion="0.1"/>
+</Control>
+</file>
+
 <file path=customXml/item44.xml><?xml version="1.0" encoding="utf-8"?>
 <Control xmlns="http://schemas.microsoft.com/VisualStudio/2011/storyboarding/control">
-  <Id Name="System.Storyboarding.Icons.TrashCan" Revision="1" Stencil="System.Storyboarding.Icons" StencilVersion="0.1"/>
+  <Id Name="System.Storyboarding.WindowsAppIcons.Comment" Revision="1" Stencil="System.Storyboarding.WindowsAppIcons" StencilVersion="0.1"/>
 </Control>
 </file>
 
@@ -20918,19 +20773,19 @@
 
 <file path=customXml/item46.xml><?xml version="1.0" encoding="utf-8"?>
 <Control xmlns="http://schemas.microsoft.com/VisualStudio/2011/storyboarding/control">
-  <Id Name="System.Storyboarding.Common.Text" Revision="1" Stencil="System.Storyboarding.Common" StencilVersion="0.1"/>
+  <Id Name="System.Storyboarding.Icons.Star" Revision="1" Stencil="System.Storyboarding.Icons" StencilVersion="0.1"/>
 </Control>
 </file>
 
 <file path=customXml/item47.xml><?xml version="1.0" encoding="utf-8"?>
 <Control xmlns="http://schemas.microsoft.com/VisualStudio/2011/storyboarding/control">
-  <Id Name="System.Storyboarding.Common.Text" Revision="1" Stencil="System.Storyboarding.Common" StencilVersion="0.1"/>
+  <Id Name="System.Storyboarding.Icons.Star" Revision="1" Stencil="System.Storyboarding.Icons" StencilVersion="0.1"/>
 </Control>
 </file>
 
 <file path=customXml/item48.xml><?xml version="1.0" encoding="utf-8"?>
 <Control xmlns="http://schemas.microsoft.com/VisualStudio/2011/storyboarding/control">
-  <Id Name="System.Storyboarding.Icons.TrashCan" Revision="1" Stencil="System.Storyboarding.Icons" StencilVersion="0.1"/>
+  <Id Name="System.Storyboarding.Common.Text" Revision="1" Stencil="System.Storyboarding.Common" StencilVersion="0.1"/>
 </Control>
 </file>
 
@@ -20942,7 +20797,7 @@
 
 <file path=customXml/item5.xml><?xml version="1.0" encoding="utf-8"?>
 <Control xmlns="http://schemas.microsoft.com/VisualStudio/2011/storyboarding/control">
-  <Id Name="System.Storyboarding.WindowsPhoneIcons.Settings" Revision="1" Stencil="System.Storyboarding.WindowsPhoneIcons" StencilVersion="0.1"/>
+  <Id Name="System.Storyboarding.WindowsDesktop.StatusBar" Revision="1" Stencil="System.Storyboarding.WindowsDesktop" StencilVersion="0.1"/>
 </Control>
 </file>
 
@@ -20954,37 +20809,37 @@
 
 <file path=customXml/item51.xml><?xml version="1.0" encoding="utf-8"?>
 <Control xmlns="http://schemas.microsoft.com/VisualStudio/2011/storyboarding/control">
-  <Id Name="System.Storyboarding.Icons.Star" Revision="1" Stencil="System.Storyboarding.Icons" StencilVersion="0.1"/>
+  <Id Name="fd7d7bed-114e-464c-a4f1-01a512005949" Revision="1" Stencil="System.MyShapes" StencilVersion="1.0"/>
 </Control>
 </file>
 
 <file path=customXml/item52.xml><?xml version="1.0" encoding="utf-8"?>
 <Control xmlns="http://schemas.microsoft.com/VisualStudio/2011/storyboarding/control">
-  <Id Name="System.Storyboarding.Icons.Star" Revision="1" Stencil="System.Storyboarding.Icons" StencilVersion="0.1"/>
+  <Id Name="System.Storyboarding.Common.TextArea" Revision="1" Stencil="System.Storyboarding.Common" StencilVersion="0.1"/>
 </Control>
 </file>
 
 <file path=customXml/item53.xml><?xml version="1.0" encoding="utf-8"?>
 <Control xmlns="http://schemas.microsoft.com/VisualStudio/2011/storyboarding/control">
-  <Id Name="System.Storyboarding.Icons.Star" Revision="1" Stencil="System.Storyboarding.Icons" StencilVersion="0.1"/>
+  <Id Name="System.Storyboarding.Common.Text" Revision="1" Stencil="System.Storyboarding.Common" StencilVersion="0.1"/>
 </Control>
 </file>
 
 <file path=customXml/item54.xml><?xml version="1.0" encoding="utf-8"?>
 <Control xmlns="http://schemas.microsoft.com/VisualStudio/2011/storyboarding/control">
-  <Id Name="System.Storyboarding.Icons.Star" Revision="1" Stencil="System.Storyboarding.Icons" StencilVersion="0.1"/>
+  <Id Name="System.Storyboarding.Common.TextArea" Revision="1" Stencil="System.Storyboarding.Common" StencilVersion="0.1"/>
 </Control>
 </file>
 
 <file path=customXml/item55.xml><?xml version="1.0" encoding="utf-8"?>
 <Control xmlns="http://schemas.microsoft.com/VisualStudio/2011/storyboarding/control">
-  <Id Name="System.Storyboarding.Icons.Star" Revision="1" Stencil="System.Storyboarding.Icons" StencilVersion="0.1"/>
+  <Id Name="System.Storyboarding.Common.TextInput" Revision="1" Stencil="System.Storyboarding.Common" StencilVersion="0.1"/>
 </Control>
 </file>
 
 <file path=customXml/item56.xml><?xml version="1.0" encoding="utf-8"?>
 <Control xmlns="http://schemas.microsoft.com/VisualStudio/2011/storyboarding/control">
-  <Id Name="System.Storyboarding.Icons.Image" Revision="1" Stencil="System.Storyboarding.Icons" StencilVersion="0.1"/>
+  <Id Name="System.Storyboarding.Common.Text" Revision="1" Stencil="System.Storyboarding.Common" StencilVersion="0.1"/>
 </Control>
 </file>
 
@@ -20996,163 +20851,163 @@
 
 <file path=customXml/item58.xml><?xml version="1.0" encoding="utf-8"?>
 <Control xmlns="http://schemas.microsoft.com/VisualStudio/2011/storyboarding/control">
-  <Id Name="System.Storyboarding.WindowsPhoneIcons.Settings" Revision="1" Stencil="System.Storyboarding.WindowsPhoneIcons" StencilVersion="0.1"/>
+  <Id Name="600d61f4-2d09-42e6-a6db-83e260e051ae" RevisionId="3c9eb7e9-0ea7-4fb5-adc7-dcc81ff0fb36" Stencil="172d6d98-e5c9-42e9-a209-79f7a94bbd38" StencilRevisionId="00000000-0000-0000-0000-000000000000" StencilVersion="0.0"/>
 </Control>
 </file>
 
 <file path=customXml/item59.xml><?xml version="1.0" encoding="utf-8"?>
 <Control xmlns="http://schemas.microsoft.com/VisualStudio/2011/storyboarding/control">
-  <Id Name="System.Storyboarding.Common.TextInput" Revision="1" Stencil="System.Storyboarding.Common" StencilVersion="0.1"/>
+  <Id Name="System.Storyboarding.WindowsAppIcons.Edit" Revision="1" Stencil="System.Storyboarding.WindowsAppIcons" StencilVersion="0.1"/>
 </Control>
 </file>
 
 <file path=customXml/item6.xml><?xml version="1.0" encoding="utf-8"?>
+<Control xmlns="http://schemas.microsoft.com/VisualStudio/2011/storyboarding/control">
+  <Id Name="5e505f8e-b0aa-429a-bb4c-92ab0e8a8ee6" RevisionId="d2083f08-ba4f-4330-87aa-e4d23a4443d7" Stencil="172d6d98-e5c9-42e9-a209-79f7a94bbd38" StencilRevisionId="00000000-0000-0000-0000-000000000000" StencilVersion="0.0"/>
+</Control>
+</file>
+
+<file path=customXml/item60.xml><?xml version="1.0" encoding="utf-8"?>
+<Control xmlns="http://schemas.microsoft.com/VisualStudio/2011/storyboarding/control">
+  <Id Name="System.Storyboarding.Icons.Star" Revision="1" Stencil="System.Storyboarding.Icons" StencilVersion="0.1"/>
+</Control>
+</file>
+
+<file path=customXml/item61.xml><?xml version="1.0" encoding="utf-8"?>
+<Control xmlns="http://schemas.microsoft.com/VisualStudio/2011/storyboarding/control">
+  <Id Name="System.Storyboarding.Common.TabGroup" Revision="1" Stencil="System.Storyboarding.Common" StencilVersion="0.1"/>
+</Control>
+</file>
+
+<file path=customXml/item62.xml><?xml version="1.0" encoding="utf-8"?>
+<Control xmlns="http://schemas.microsoft.com/VisualStudio/2011/storyboarding/control">
+  <Id Name="System.Storyboarding.Icons.TrashCan" Revision="1" Stencil="System.Storyboarding.Icons" StencilVersion="0.1"/>
+</Control>
+</file>
+
+<file path=customXml/item63.xml><?xml version="1.0" encoding="utf-8"?>
 <Control xmlns="http://schemas.microsoft.com/VisualStudio/2011/storyboarding/control">
   <Id Name="System.Storyboarding.WindowsPhoneIcons.Search" Revision="1" Stencil="System.Storyboarding.WindowsPhoneIcons" StencilVersion="0.1"/>
 </Control>
 </file>
 
-<file path=customXml/item60.xml><?xml version="1.0" encoding="utf-8"?>
+<file path=customXml/item64.xml><?xml version="1.0" encoding="utf-8"?>
+<Control xmlns="http://schemas.microsoft.com/VisualStudio/2011/storyboarding/control">
+  <Id Name="600d61f4-2d09-42e6-a6db-83e260e051ae" RevisionId="3c9eb7e9-0ea7-4fb5-adc7-dcc81ff0fb36" Stencil="172d6d98-e5c9-42e9-a209-79f7a94bbd38" StencilRevisionId="00000000-0000-0000-0000-000000000000" StencilVersion="0.0"/>
+</Control>
+</file>
+
+<file path=customXml/item65.xml><?xml version="1.0" encoding="utf-8"?>
+<Control xmlns="http://schemas.microsoft.com/VisualStudio/2011/storyboarding/control">
+  <Id Name="System.Storyboarding.Common.Text" Revision="1" Stencil="System.Storyboarding.Common" StencilVersion="0.1"/>
+</Control>
+</file>
+
+<file path=customXml/item66.xml><?xml version="1.0" encoding="utf-8"?>
+<Control xmlns="http://schemas.microsoft.com/VisualStudio/2011/storyboarding/control">
+  <Id Name="System.Storyboarding.WindowsAppIcons.Comment" Revision="1" Stencil="System.Storyboarding.WindowsAppIcons" StencilVersion="0.1"/>
+</Control>
+</file>
+
+<file path=customXml/item67.xml><?xml version="1.0" encoding="utf-8"?>
+<Control xmlns="http://schemas.microsoft.com/VisualStudio/2011/storyboarding/control">
+  <Id Name="System.Storyboarding.Common.Text" Revision="1" Stencil="System.Storyboarding.Common" StencilVersion="0.1"/>
+</Control>
+</file>
+
+<file path=customXml/item68.xml><?xml version="1.0" encoding="utf-8"?>
+<Control xmlns="http://schemas.microsoft.com/VisualStudio/2011/storyboarding/control">
+  <Id Name="System.Storyboarding.Common.Text" Revision="1" Stencil="System.Storyboarding.Common" StencilVersion="0.1"/>
+</Control>
+</file>
+
+<file path=customXml/item69.xml><?xml version="1.0" encoding="utf-8"?>
+<Control xmlns="http://schemas.microsoft.com/VisualStudio/2011/storyboarding/control">
+  <Id Name="System.Storyboarding.Common.TabGroup" Revision="1" Stencil="System.Storyboarding.Common" StencilVersion="0.1"/>
+</Control>
+</file>
+
+<file path=customXml/item7.xml><?xml version="1.0" encoding="utf-8"?>
+<Control xmlns="http://schemas.microsoft.com/VisualStudio/2011/storyboarding/control">
+  <Id Name="System.Storyboarding.Icons.Star" Revision="1" Stencil="System.Storyboarding.Icons" StencilVersion="0.1"/>
+</Control>
+</file>
+
+<file path=customXml/item70.xml><?xml version="1.0" encoding="utf-8"?>
 <Control xmlns="http://schemas.microsoft.com/VisualStudio/2011/storyboarding/control">
   <Id Name="System.Storyboarding.WindowsPhoneIcons.Search" Revision="1" Stencil="System.Storyboarding.WindowsPhoneIcons" StencilVersion="0.1"/>
 </Control>
 </file>
 
-<file path=customXml/item61.xml><?xml version="1.0" encoding="utf-8"?>
+<file path=customXml/item71.xml><?xml version="1.0" encoding="utf-8"?>
+<Control xmlns="http://schemas.microsoft.com/VisualStudio/2011/storyboarding/control">
+  <Id Name="System.Storyboarding.WindowsDesktop.StatusBar" Revision="1" Stencil="System.Storyboarding.WindowsDesktop" StencilVersion="0.1"/>
+</Control>
+</file>
+
+<file path=customXml/item72.xml><?xml version="1.0" encoding="utf-8"?>
+<Control xmlns="http://schemas.microsoft.com/VisualStudio/2011/storyboarding/control">
+  <Id Name="System.Storyboarding.Icons.Image" Revision="1" Stencil="System.Storyboarding.Icons" StencilVersion="0.1"/>
+</Control>
+</file>
+
+<file path=customXml/item73.xml><?xml version="1.0" encoding="utf-8"?>
 <Control xmlns="http://schemas.microsoft.com/VisualStudio/2011/storyboarding/control">
   <Id Name="System.Storyboarding.Common.Text" Revision="1" Stencil="System.Storyboarding.Common" StencilVersion="0.1"/>
 </Control>
 </file>
 
-<file path=customXml/item62.xml><?xml version="1.0" encoding="utf-8"?>
+<file path=customXml/item74.xml><?xml version="1.0" encoding="utf-8"?>
 <Control xmlns="http://schemas.microsoft.com/VisualStudio/2011/storyboarding/control">
-  <Id Name="System.Storyboarding.Common.Breadcrumb" Revision="1" Stencil="System.Storyboarding.Common" StencilVersion="0.1"/>
+  <Id Name="System.Storyboarding.Icons.Image" Revision="1" Stencil="System.Storyboarding.Icons" StencilVersion="0.1"/>
 </Control>
 </file>
 
-<file path=customXml/item63.xml><?xml version="1.0" encoding="utf-8"?>
+<file path=customXml/item75.xml><?xml version="1.0" encoding="utf-8"?>
 <Control xmlns="http://schemas.microsoft.com/VisualStudio/2011/storyboarding/control">
-  <Id Name="System.Storyboarding.WindowsDesktop.StatusBar" Revision="1" Stencil="System.Storyboarding.WindowsDesktop" StencilVersion="0.1"/>
+  <Id Name="System.Storyboarding.Common.Text" Revision="1" Stencil="System.Storyboarding.Common" StencilVersion="0.1"/>
 </Control>
 </file>
 
-<file path=customXml/item64.xml><?xml version="1.0" encoding="utf-8"?>
+<file path=customXml/item76.xml><?xml version="1.0" encoding="utf-8"?>
 <Control xmlns="http://schemas.microsoft.com/VisualStudio/2011/storyboarding/control">
-  <Id Name="System.Storyboarding.Icons.ExpandCollapse" Revision="1" Stencil="System.Storyboarding.Icons" StencilVersion="0.1"/>
+  <Id Name="System.Storyboarding.Icons.TrashCan" Revision="1" Stencil="System.Storyboarding.Icons" StencilVersion="0.1"/>
 </Control>
 </file>
 
-<file path=customXml/item65.xml><?xml version="1.0" encoding="utf-8"?>
+<file path=customXml/item77.xml><?xml version="1.0" encoding="utf-8"?>
+<Control xmlns="http://schemas.microsoft.com/VisualStudio/2011/storyboarding/control">
+  <Id Name="System.Storyboarding.WindowsPhoneIcons.Search" Revision="1" Stencil="System.Storyboarding.WindowsPhoneIcons" StencilVersion="0.1"/>
+</Control>
+</file>
+
+<file path=customXml/item78.xml><?xml version="1.0" encoding="utf-8"?>
 <Control xmlns="http://schemas.microsoft.com/VisualStudio/2011/storyboarding/control">
   <Id Name="System.Storyboarding.Common.TabGroup" Revision="1" Stencil="System.Storyboarding.Common" StencilVersion="0.1"/>
 </Control>
 </file>
 
-<file path=customXml/item66.xml><?xml version="1.0" encoding="utf-8"?>
-<Control xmlns="http://schemas.microsoft.com/VisualStudio/2011/storyboarding/control">
-  <Id Name="System.Storyboarding.Common.TabGroup" Revision="1" Stencil="System.Storyboarding.Common" StencilVersion="0.1"/>
-</Control>
-</file>
-
-<file path=customXml/item67.xml><?xml version="1.0" encoding="utf-8"?>
-<Control xmlns="http://schemas.microsoft.com/VisualStudio/2011/storyboarding/control">
-  <Id Name="System.Storyboarding.Common.TextArea" Revision="1" Stencil="System.Storyboarding.Common" StencilVersion="0.1"/>
-</Control>
-</file>
-
-<file path=customXml/item68.xml><?xml version="1.0" encoding="utf-8"?>
-<Control xmlns="http://schemas.microsoft.com/VisualStudio/2011/storyboarding/control">
-  <Id Name="5e505f8e-b0aa-429a-bb4c-92ab0e8a8ee6" RevisionId="d2083f08-ba4f-4330-87aa-e4d23a4443d7" Stencil="172d6d98-e5c9-42e9-a209-79f7a94bbd38" StencilRevisionId="00000000-0000-0000-0000-000000000000" StencilVersion="0.0"/>
-</Control>
-</file>
-
-<file path=customXml/item69.xml><?xml version="1.0" encoding="utf-8"?>
-<Control xmlns="http://schemas.microsoft.com/VisualStudio/2011/storyboarding/control">
-  <Id Name="System.Storyboarding.WindowsApps.WindowsAppsListBox" Revision="1" Stencil="System.Storyboarding.WindowsApps" StencilVersion="0.1"/>
-</Control>
-</file>
-
-<file path=customXml/item7.xml><?xml version="1.0" encoding="utf-8"?>
-<Control xmlns="http://schemas.microsoft.com/VisualStudio/2011/storyboarding/control">
-  <Id Name="System.Storyboarding.Common.TextInput" Revision="1" Stencil="System.Storyboarding.Common" StencilVersion="0.1"/>
-</Control>
-</file>
-
-<file path=customXml/item70.xml><?xml version="1.0" encoding="utf-8"?>
-<Control xmlns="http://schemas.microsoft.com/VisualStudio/2011/storyboarding/control">
-  <Id Name="System.Storyboarding.Common.TabGroup" Revision="1" Stencil="System.Storyboarding.Common" StencilVersion="0.1"/>
-</Control>
-</file>
-
-<file path=customXml/item71.xml><?xml version="1.0" encoding="utf-8"?>
-<Control xmlns="http://schemas.microsoft.com/VisualStudio/2011/storyboarding/control">
-  <Id Name="System.Storyboarding.WindowsAppIcons.Comment" Revision="1" Stencil="System.Storyboarding.WindowsAppIcons" StencilVersion="0.1"/>
-</Control>
-</file>
-
-<file path=customXml/item72.xml><?xml version="1.0" encoding="utf-8"?>
-<Control xmlns="http://schemas.microsoft.com/VisualStudio/2011/storyboarding/control">
-  <Id Name="System.Storyboarding.Common.TextInput" Revision="1" Stencil="System.Storyboarding.Common" StencilVersion="0.1"/>
-</Control>
-</file>
-
-<file path=customXml/item73.xml><?xml version="1.0" encoding="utf-8"?>
-<Control xmlns="http://schemas.microsoft.com/VisualStudio/2011/storyboarding/control">
-  <Id Name="System.Storyboarding.Common.Button" Revision="1" Stencil="System.Storyboarding.Common" StencilVersion="0.1"/>
-</Control>
-</file>
-
-<file path=customXml/item74.xml><?xml version="1.0" encoding="utf-8"?>
+<file path=customXml/item79.xml><?xml version="1.0" encoding="utf-8"?>
 <Control xmlns="http://schemas.microsoft.com/VisualStudio/2011/storyboarding/control">
   <Id Name="System.Storyboarding.Common.Text" Revision="1" Stencil="System.Storyboarding.Common" StencilVersion="0.1"/>
 </Control>
 </file>
 
-<file path=customXml/item75.xml><?xml version="1.0" encoding="utf-8"?>
-<Control xmlns="http://schemas.microsoft.com/VisualStudio/2011/storyboarding/control">
-  <Id Name="System.Storyboarding.Icons.TrashCan" Revision="1" Stencil="System.Storyboarding.Icons" StencilVersion="0.1"/>
-</Control>
-</file>
-
-<file path=customXml/item76.xml><?xml version="1.0" encoding="utf-8"?>
-<Control xmlns="http://schemas.microsoft.com/VisualStudio/2011/storyboarding/control">
-  <Id Name="System.Storyboarding.Common.Text" Revision="1" Stencil="System.Storyboarding.Common" StencilVersion="0.1"/>
-</Control>
-</file>
-
-<file path=customXml/item77.xml><?xml version="1.0" encoding="utf-8"?>
-<Control xmlns="http://schemas.microsoft.com/VisualStudio/2011/storyboarding/control">
-  <Id Name="System.Storyboarding.Common.Text" Revision="1" Stencil="System.Storyboarding.Common" StencilVersion="0.1"/>
-</Control>
-</file>
-
-<file path=customXml/item78.xml><?xml version="1.0" encoding="utf-8"?>
-<Control xmlns="http://schemas.microsoft.com/VisualStudio/2011/storyboarding/control">
-  <Id Name="System.Storyboarding.Common.Text" Revision="1" Stencil="System.Storyboarding.Common" StencilVersion="0.1"/>
-</Control>
-</file>
-
-<file path=customXml/item79.xml><?xml version="1.0" encoding="utf-8"?>
-<Control xmlns="http://schemas.microsoft.com/VisualStudio/2011/storyboarding/control">
-  <Id Name="System.Storyboarding.Icons.TrashCan" Revision="1" Stencil="System.Storyboarding.Icons" StencilVersion="0.1"/>
-</Control>
-</file>
-
 <file path=customXml/item8.xml><?xml version="1.0" encoding="utf-8"?>
 <Control xmlns="http://schemas.microsoft.com/VisualStudio/2011/storyboarding/control">
-  <Id Name="System.Storyboarding.Common.TextArea" Revision="1" Stencil="System.Storyboarding.Common" StencilVersion="0.1"/>
+  <Id Name="System.Storyboarding.WindowsPhoneIcons.Settings" Revision="1" Stencil="System.Storyboarding.WindowsPhoneIcons" StencilVersion="0.1"/>
 </Control>
 </file>
 
 <file path=customXml/item80.xml><?xml version="1.0" encoding="utf-8"?>
 <Control xmlns="http://schemas.microsoft.com/VisualStudio/2011/storyboarding/control">
-  <Id Name="System.Storyboarding.Common.Text" Revision="1" Stencil="System.Storyboarding.Common" StencilVersion="0.1"/>
+  <Id Name="System.Storyboarding.Icons.Star" Revision="1" Stencil="System.Storyboarding.Icons" StencilVersion="0.1"/>
 </Control>
 </file>
 
 <file path=customXml/item81.xml><?xml version="1.0" encoding="utf-8"?>
 <Control xmlns="http://schemas.microsoft.com/VisualStudio/2011/storyboarding/control">
-  <Id Name="System.Storyboarding.Common.Text" Revision="1" Stencil="System.Storyboarding.Common" StencilVersion="0.1"/>
+  <Id Name="System.Storyboarding.WindowsAppIcons.Edit" Revision="1" Stencil="System.Storyboarding.WindowsAppIcons" StencilVersion="0.1"/>
 </Control>
 </file>
 
@@ -21164,7 +21019,7 @@
 
 <file path=customXml/item83.xml><?xml version="1.0" encoding="utf-8"?>
 <Control xmlns="http://schemas.microsoft.com/VisualStudio/2011/storyboarding/control">
-  <Id Name="System.Storyboarding.Icons.Star" Revision="1" Stencil="System.Storyboarding.Icons" StencilVersion="0.1"/>
+  <Id Name="System.Storyboarding.WindowsAppIcons.Comment" Revision="1" Stencil="System.Storyboarding.WindowsAppIcons" StencilVersion="0.1"/>
 </Control>
 </file>
 
@@ -21176,49 +21031,49 @@
 
 <file path=customXml/item85.xml><?xml version="1.0" encoding="utf-8"?>
 <Control xmlns="http://schemas.microsoft.com/VisualStudio/2011/storyboarding/control">
-  <Id Name="System.Storyboarding.Icons.Star" Revision="1" Stencil="System.Storyboarding.Icons" StencilVersion="0.1"/>
+  <Id Name="System.Storyboarding.Common.Text" Revision="1" Stencil="System.Storyboarding.Common" StencilVersion="0.1"/>
 </Control>
 </file>
 
 <file path=customXml/item86.xml><?xml version="1.0" encoding="utf-8"?>
 <Control xmlns="http://schemas.microsoft.com/VisualStudio/2011/storyboarding/control">
-  <Id Name="System.Storyboarding.Icons.Star" Revision="1" Stencil="System.Storyboarding.Icons" StencilVersion="0.1"/>
+  <Id Name="System.Storyboarding.Common.Text" Revision="1" Stencil="System.Storyboarding.Common" StencilVersion="0.1"/>
 </Control>
 </file>
 
 <file path=customXml/item87.xml><?xml version="1.0" encoding="utf-8"?>
+<Control xmlns="http://schemas.microsoft.com/VisualStudio/2011/storyboarding/control">
+  <Id Name="System.Storyboarding.Annotation.CallOut" Revision="1" Stencil="System.Storyboarding.Annotation" StencilVersion="0.1"/>
+</Control>
+</file>
+
+<file path=customXml/item88.xml><?xml version="1.0" encoding="utf-8"?>
+<Control xmlns="http://schemas.microsoft.com/VisualStudio/2011/storyboarding/control">
+  <Id Name="fd7d7bed-114e-464c-a4f1-01a512005949" Revision="1" Stencil="System.MyShapes" StencilVersion="1.0"/>
+</Control>
+</file>
+
+<file path=customXml/item89.xml><?xml version="1.0" encoding="utf-8"?>
+<Control xmlns="http://schemas.microsoft.com/VisualStudio/2011/storyboarding/control">
+  <Id Name="System.Storyboarding.Common.TabGroup" Revision="1" Stencil="System.Storyboarding.Common" StencilVersion="0.1"/>
+</Control>
+</file>
+
+<file path=customXml/item9.xml><?xml version="1.0" encoding="utf-8"?>
 <Control xmlns="http://schemas.microsoft.com/VisualStudio/2011/storyboarding/control">
   <Id Name="System.Storyboarding.Icons.Image" Revision="1" Stencil="System.Storyboarding.Icons" StencilVersion="0.1"/>
 </Control>
 </file>
 
-<file path=customXml/item88.xml><?xml version="1.0" encoding="utf-8"?>
-<Control xmlns="http://schemas.microsoft.com/VisualStudio/2011/storyboarding/control">
-  <Id Name="System.Storyboarding.Icons.Image" Revision="1" Stencil="System.Storyboarding.Icons" StencilVersion="0.1"/>
-</Control>
-</file>
-
-<file path=customXml/item89.xml><?xml version="1.0" encoding="utf-8"?>
-<Control xmlns="http://schemas.microsoft.com/VisualStudio/2011/storyboarding/control">
-  <Id Name="System.Storyboarding.WindowsPhoneIcons.Settings" Revision="1" Stencil="System.Storyboarding.WindowsPhoneIcons" StencilVersion="0.1"/>
-</Control>
-</file>
-
-<file path=customXml/item9.xml><?xml version="1.0" encoding="utf-8"?>
+<file path=customXml/item90.xml><?xml version="1.0" encoding="utf-8"?>
 <Control xmlns="http://schemas.microsoft.com/VisualStudio/2011/storyboarding/control">
   <Id Name="System.Storyboarding.Common.Text" Revision="1" Stencil="System.Storyboarding.Common" StencilVersion="0.1"/>
 </Control>
 </file>
 
-<file path=customXml/item90.xml><?xml version="1.0" encoding="utf-8"?>
-<Control xmlns="http://schemas.microsoft.com/VisualStudio/2011/storyboarding/control">
-  <Id Name="System.Storyboarding.Common.TextInput" Revision="1" Stencil="System.Storyboarding.Common" StencilVersion="0.1"/>
-</Control>
-</file>
-
 <file path=customXml/item91.xml><?xml version="1.0" encoding="utf-8"?>
 <Control xmlns="http://schemas.microsoft.com/VisualStudio/2011/storyboarding/control">
-  <Id Name="System.Storyboarding.WindowsPhoneIcons.Search" Revision="1" Stencil="System.Storyboarding.WindowsPhoneIcons" StencilVersion="0.1"/>
+  <Id Name="System.Storyboarding.Common.Breadcrumb" Revision="1" Stencil="System.Storyboarding.Common" StencilVersion="0.1"/>
 </Control>
 </file>
 
@@ -21230,31 +21085,31 @@
 
 <file path=customXml/item93.xml><?xml version="1.0" encoding="utf-8"?>
 <Control xmlns="http://schemas.microsoft.com/VisualStudio/2011/storyboarding/control">
-  <Id Name="System.Storyboarding.Common.TabGroup" Revision="1" Stencil="System.Storyboarding.Common" StencilVersion="0.1"/>
+  <Id Name="System.Storyboarding.Icons.Star" Revision="1" Stencil="System.Storyboarding.Icons" StencilVersion="0.1"/>
 </Control>
 </file>
 
 <file path=customXml/item94.xml><?xml version="1.0" encoding="utf-8"?>
 <Control xmlns="http://schemas.microsoft.com/VisualStudio/2011/storyboarding/control">
-  <Id Name="System.Storyboarding.Common.TextArea" Revision="1" Stencil="System.Storyboarding.Common" StencilVersion="0.1"/>
+  <Id Name="System.Storyboarding.Common.Text" Revision="1" Stencil="System.Storyboarding.Common" StencilVersion="0.1"/>
 </Control>
 </file>
 
 <file path=customXml/item95.xml><?xml version="1.0" encoding="utf-8"?>
 <Control xmlns="http://schemas.microsoft.com/VisualStudio/2011/storyboarding/control">
-  <Id Name="System.Storyboarding.Common.Breadcrumb" Revision="1" Stencil="System.Storyboarding.Common" StencilVersion="0.1"/>
+  <Id Name="System.Storyboarding.WindowsAppIcons.Pin" Revision="1" Stencil="System.Storyboarding.WindowsAppIcons" StencilVersion="0.1"/>
 </Control>
 </file>
 
 <file path=customXml/item96.xml><?xml version="1.0" encoding="utf-8"?>
 <Control xmlns="http://schemas.microsoft.com/VisualStudio/2011/storyboarding/control">
-  <Id Name="600d61f4-2d09-42e6-a6db-83e260e051ae" RevisionId="3c9eb7e9-0ea7-4fb5-adc7-dcc81ff0fb36" Stencil="172d6d98-e5c9-42e9-a209-79f7a94bbd38" StencilRevisionId="00000000-0000-0000-0000-000000000000" StencilVersion="0.0"/>
+  <Id Name="System.Storyboarding.Icons.Image" Revision="1" Stencil="System.Storyboarding.Icons" StencilVersion="0.1"/>
 </Control>
 </file>
 
 <file path=customXml/item97.xml><?xml version="1.0" encoding="utf-8"?>
 <Control xmlns="http://schemas.microsoft.com/VisualStudio/2011/storyboarding/control">
-  <Id Name="System.Storyboarding.WindowsAppIcons.Pin" Revision="1" Stencil="System.Storyboarding.WindowsAppIcons" StencilVersion="0.1"/>
+  <Id Name="System.Storyboarding.Common.TabGroup" Revision="1" Stencil="System.Storyboarding.Common" StencilVersion="0.1"/>
 </Control>
 </file>
 
@@ -21266,12 +21121,12 @@
 
 <file path=customXml/item99.xml><?xml version="1.0" encoding="utf-8"?>
 <Control xmlns="http://schemas.microsoft.com/VisualStudio/2011/storyboarding/control">
-  <Id Name="System.Storyboarding.Icons.ExpandCollapse" Revision="1" Stencil="System.Storyboarding.Icons" StencilVersion="0.1"/>
+  <Id Name="System.Storyboarding.Common.Text" Revision="1" Stencil="System.Storyboarding.Common" StencilVersion="0.1"/>
 </Control>
 </file>
 
 <file path=customXml/itemProps1.xml><?xml version="1.0" encoding="utf-8"?>
-<ds:datastoreItem xmlns:ds="http://schemas.openxmlformats.org/officeDocument/2006/customXml" ds:itemID="{4CDE1362-AE45-4EDA-B844-476C485867B1}">
+<ds:datastoreItem xmlns:ds="http://schemas.openxmlformats.org/officeDocument/2006/customXml" ds:itemID="{51F16C84-CF25-4A31-A87B-51E8446D8B56}">
   <ds:schemaRefs>
     <ds:schemaRef ds:uri="http://schemas.microsoft.com/VisualStudio/2011/storyboarding/control"/>
   </ds:schemaRefs>
@@ -21279,7 +21134,7 @@
 </file>
 
 <file path=customXml/itemProps10.xml><?xml version="1.0" encoding="utf-8"?>
-<ds:datastoreItem xmlns:ds="http://schemas.openxmlformats.org/officeDocument/2006/customXml" ds:itemID="{D82A573E-3F86-406F-9689-B00DF68F7FE6}">
+<ds:datastoreItem xmlns:ds="http://schemas.openxmlformats.org/officeDocument/2006/customXml" ds:itemID="{78666D3F-5AC9-402F-9810-DB5A26D485E5}">
   <ds:schemaRefs>
     <ds:schemaRef ds:uri="http://schemas.microsoft.com/VisualStudio/2011/storyboarding/control"/>
   </ds:schemaRefs>
@@ -21287,6 +21142,254 @@
 </file>
 
 <file path=customXml/itemProps100.xml><?xml version="1.0" encoding="utf-8"?>
+<ds:datastoreItem xmlns:ds="http://schemas.openxmlformats.org/officeDocument/2006/customXml" ds:itemID="{E09634C0-C06D-45F6-835F-81F12F91559B}">
+  <ds:schemaRefs>
+    <ds:schemaRef ds:uri="http://schemas.microsoft.com/VisualStudio/2011/storyboarding/control"/>
+  </ds:schemaRefs>
+</ds:datastoreItem>
+</file>
+
+<file path=customXml/itemProps101.xml><?xml version="1.0" encoding="utf-8"?>
+<ds:datastoreItem xmlns:ds="http://schemas.openxmlformats.org/officeDocument/2006/customXml" ds:itemID="{E002EE36-B1B3-47A4-87B1-B487DCD6F66F}">
+  <ds:schemaRefs>
+    <ds:schemaRef ds:uri="http://schemas.microsoft.com/VisualStudio/2011/storyboarding/control"/>
+  </ds:schemaRefs>
+</ds:datastoreItem>
+</file>
+
+<file path=customXml/itemProps102.xml><?xml version="1.0" encoding="utf-8"?>
+<ds:datastoreItem xmlns:ds="http://schemas.openxmlformats.org/officeDocument/2006/customXml" ds:itemID="{8F5FC3C3-8157-4C43-9C0E-E6290321E97B}">
+  <ds:schemaRefs>
+    <ds:schemaRef ds:uri="http://schemas.microsoft.com/VisualStudio/2011/storyboarding/control"/>
+  </ds:schemaRefs>
+</ds:datastoreItem>
+</file>
+
+<file path=customXml/itemProps103.xml><?xml version="1.0" encoding="utf-8"?>
+<ds:datastoreItem xmlns:ds="http://schemas.openxmlformats.org/officeDocument/2006/customXml" ds:itemID="{79CF8FCD-D57F-4FC5-82BE-F9F5AECC0A27}">
+  <ds:schemaRefs>
+    <ds:schemaRef ds:uri="http://schemas.microsoft.com/VisualStudio/2011/storyboarding/control"/>
+  </ds:schemaRefs>
+</ds:datastoreItem>
+</file>
+
+<file path=customXml/itemProps104.xml><?xml version="1.0" encoding="utf-8"?>
+<ds:datastoreItem xmlns:ds="http://schemas.openxmlformats.org/officeDocument/2006/customXml" ds:itemID="{A1565FFB-4796-4026-BD5E-67A8DB217402}">
+  <ds:schemaRefs>
+    <ds:schemaRef ds:uri="http://schemas.microsoft.com/VisualStudio/2011/storyboarding/control"/>
+  </ds:schemaRefs>
+</ds:datastoreItem>
+</file>
+
+<file path=customXml/itemProps105.xml><?xml version="1.0" encoding="utf-8"?>
+<ds:datastoreItem xmlns:ds="http://schemas.openxmlformats.org/officeDocument/2006/customXml" ds:itemID="{C0E55E7D-6075-4A69-B567-79689DA5E8AA}">
+  <ds:schemaRefs>
+    <ds:schemaRef ds:uri="http://schemas.microsoft.com/VisualStudio/2011/storyboarding/control"/>
+  </ds:schemaRefs>
+</ds:datastoreItem>
+</file>
+
+<file path=customXml/itemProps106.xml><?xml version="1.0" encoding="utf-8"?>
+<ds:datastoreItem xmlns:ds="http://schemas.openxmlformats.org/officeDocument/2006/customXml" ds:itemID="{BF21F087-4843-436B-8BBE-62FFBB876839}">
+  <ds:schemaRefs>
+    <ds:schemaRef ds:uri="http://schemas.microsoft.com/VisualStudio/2011/storyboarding/control"/>
+  </ds:schemaRefs>
+</ds:datastoreItem>
+</file>
+
+<file path=customXml/itemProps107.xml><?xml version="1.0" encoding="utf-8"?>
+<ds:datastoreItem xmlns:ds="http://schemas.openxmlformats.org/officeDocument/2006/customXml" ds:itemID="{289C391B-D269-4E9A-98A0-A119B9D00987}">
+  <ds:schemaRefs>
+    <ds:schemaRef ds:uri="http://schemas.microsoft.com/VisualStudio/2011/storyboarding/control"/>
+  </ds:schemaRefs>
+</ds:datastoreItem>
+</file>
+
+<file path=customXml/itemProps108.xml><?xml version="1.0" encoding="utf-8"?>
+<ds:datastoreItem xmlns:ds="http://schemas.openxmlformats.org/officeDocument/2006/customXml" ds:itemID="{C5AED04D-D37F-4D87-A7BF-7FC80835EC80}">
+  <ds:schemaRefs>
+    <ds:schemaRef ds:uri="http://schemas.microsoft.com/VisualStudio/2011/storyboarding/control"/>
+  </ds:schemaRefs>
+</ds:datastoreItem>
+</file>
+
+<file path=customXml/itemProps109.xml><?xml version="1.0" encoding="utf-8"?>
+<ds:datastoreItem xmlns:ds="http://schemas.openxmlformats.org/officeDocument/2006/customXml" ds:itemID="{06800B93-25A7-4995-A3E6-C317E73D1957}">
+  <ds:schemaRefs>
+    <ds:schemaRef ds:uri="http://schemas.microsoft.com/VisualStudio/2011/storyboarding/control"/>
+  </ds:schemaRefs>
+</ds:datastoreItem>
+</file>
+
+<file path=customXml/itemProps11.xml><?xml version="1.0" encoding="utf-8"?>
+<ds:datastoreItem xmlns:ds="http://schemas.openxmlformats.org/officeDocument/2006/customXml" ds:itemID="{216462E8-E7A9-42AC-B47E-DAA09221254B}">
+  <ds:schemaRefs>
+    <ds:schemaRef ds:uri="http://schemas.microsoft.com/VisualStudio/2011/storyboarding/control"/>
+  </ds:schemaRefs>
+</ds:datastoreItem>
+</file>
+
+<file path=customXml/itemProps110.xml><?xml version="1.0" encoding="utf-8"?>
+<ds:datastoreItem xmlns:ds="http://schemas.openxmlformats.org/officeDocument/2006/customXml" ds:itemID="{0D9913AD-8B47-49CD-85BB-D1F5C8A9AA9A}">
+  <ds:schemaRefs>
+    <ds:schemaRef ds:uri="http://schemas.microsoft.com/VisualStudio/2011/storyboarding/control"/>
+  </ds:schemaRefs>
+</ds:datastoreItem>
+</file>
+
+<file path=customXml/itemProps111.xml><?xml version="1.0" encoding="utf-8"?>
+<ds:datastoreItem xmlns:ds="http://schemas.openxmlformats.org/officeDocument/2006/customXml" ds:itemID="{515DE38F-864E-47C1-8D45-1D01E1850A44}">
+  <ds:schemaRefs>
+    <ds:schemaRef ds:uri="http://schemas.microsoft.com/VisualStudio/2011/storyboarding/control"/>
+  </ds:schemaRefs>
+</ds:datastoreItem>
+</file>
+
+<file path=customXml/itemProps112.xml><?xml version="1.0" encoding="utf-8"?>
+<ds:datastoreItem xmlns:ds="http://schemas.openxmlformats.org/officeDocument/2006/customXml" ds:itemID="{D3E5DE32-38FC-4856-BA1B-85D1E42AB165}">
+  <ds:schemaRefs>
+    <ds:schemaRef ds:uri="http://schemas.microsoft.com/VisualStudio/2011/storyboarding/control"/>
+  </ds:schemaRefs>
+</ds:datastoreItem>
+</file>
+
+<file path=customXml/itemProps113.xml><?xml version="1.0" encoding="utf-8"?>
+<ds:datastoreItem xmlns:ds="http://schemas.openxmlformats.org/officeDocument/2006/customXml" ds:itemID="{53C22177-5E88-43D4-87F2-026B48CCB146}">
+  <ds:schemaRefs>
+    <ds:schemaRef ds:uri="http://schemas.microsoft.com/VisualStudio/2011/storyboarding/control"/>
+  </ds:schemaRefs>
+</ds:datastoreItem>
+</file>
+
+<file path=customXml/itemProps114.xml><?xml version="1.0" encoding="utf-8"?>
+<ds:datastoreItem xmlns:ds="http://schemas.openxmlformats.org/officeDocument/2006/customXml" ds:itemID="{CFED932A-76A2-432B-B44A-1E90158C539A}">
+  <ds:schemaRefs>
+    <ds:schemaRef ds:uri="http://schemas.microsoft.com/VisualStudio/2011/storyboarding/control"/>
+  </ds:schemaRefs>
+</ds:datastoreItem>
+</file>
+
+<file path=customXml/itemProps115.xml><?xml version="1.0" encoding="utf-8"?>
+<ds:datastoreItem xmlns:ds="http://schemas.openxmlformats.org/officeDocument/2006/customXml" ds:itemID="{0DDD651D-D1DF-4D5E-9BFF-302D93AC563A}">
+  <ds:schemaRefs>
+    <ds:schemaRef ds:uri="http://schemas.microsoft.com/VisualStudio/2011/storyboarding/control"/>
+  </ds:schemaRefs>
+</ds:datastoreItem>
+</file>
+
+<file path=customXml/itemProps116.xml><?xml version="1.0" encoding="utf-8"?>
+<ds:datastoreItem xmlns:ds="http://schemas.openxmlformats.org/officeDocument/2006/customXml" ds:itemID="{A338B11E-1595-4D25-8738-E44881898B2D}">
+  <ds:schemaRefs>
+    <ds:schemaRef ds:uri="http://schemas.microsoft.com/VisualStudio/2011/storyboarding/control"/>
+  </ds:schemaRefs>
+</ds:datastoreItem>
+</file>
+
+<file path=customXml/itemProps117.xml><?xml version="1.0" encoding="utf-8"?>
+<ds:datastoreItem xmlns:ds="http://schemas.openxmlformats.org/officeDocument/2006/customXml" ds:itemID="{F6718BE4-BA55-42C4-A7DF-640888D65EB3}">
+  <ds:schemaRefs>
+    <ds:schemaRef ds:uri="http://schemas.microsoft.com/VisualStudio/2011/storyboarding/control"/>
+  </ds:schemaRefs>
+</ds:datastoreItem>
+</file>
+
+<file path=customXml/itemProps118.xml><?xml version="1.0" encoding="utf-8"?>
+<ds:datastoreItem xmlns:ds="http://schemas.openxmlformats.org/officeDocument/2006/customXml" ds:itemID="{5035C380-C381-4542-B84A-223EB2AB96BB}">
+  <ds:schemaRefs>
+    <ds:schemaRef ds:uri="http://schemas.microsoft.com/VisualStudio/2011/storyboarding/control"/>
+  </ds:schemaRefs>
+</ds:datastoreItem>
+</file>
+
+<file path=customXml/itemProps119.xml><?xml version="1.0" encoding="utf-8"?>
+<ds:datastoreItem xmlns:ds="http://schemas.openxmlformats.org/officeDocument/2006/customXml" ds:itemID="{FB49F93B-0206-4988-B16E-B11F8220DFFD}">
+  <ds:schemaRefs>
+    <ds:schemaRef ds:uri="http://schemas.microsoft.com/VisualStudio/2011/storyboarding/control"/>
+  </ds:schemaRefs>
+</ds:datastoreItem>
+</file>
+
+<file path=customXml/itemProps12.xml><?xml version="1.0" encoding="utf-8"?>
+<ds:datastoreItem xmlns:ds="http://schemas.openxmlformats.org/officeDocument/2006/customXml" ds:itemID="{3825CBDC-2382-4B2B-823A-61F5FD4AE7EC}">
+  <ds:schemaRefs>
+    <ds:schemaRef ds:uri="http://schemas.microsoft.com/VisualStudio/2011/storyboarding/control"/>
+  </ds:schemaRefs>
+</ds:datastoreItem>
+</file>
+
+<file path=customXml/itemProps120.xml><?xml version="1.0" encoding="utf-8"?>
+<ds:datastoreItem xmlns:ds="http://schemas.openxmlformats.org/officeDocument/2006/customXml" ds:itemID="{488FF1DA-4BE6-42A3-8697-8DA767A6C793}">
+  <ds:schemaRefs>
+    <ds:schemaRef ds:uri="http://schemas.microsoft.com/VisualStudio/2011/storyboarding/control"/>
+  </ds:schemaRefs>
+</ds:datastoreItem>
+</file>
+
+<file path=customXml/itemProps121.xml><?xml version="1.0" encoding="utf-8"?>
+<ds:datastoreItem xmlns:ds="http://schemas.openxmlformats.org/officeDocument/2006/customXml" ds:itemID="{970808CC-EFDC-4C2D-A8F9-20BE287C2AA1}">
+  <ds:schemaRefs>
+    <ds:schemaRef ds:uri="http://schemas.microsoft.com/VisualStudio/2011/storyboarding/control"/>
+  </ds:schemaRefs>
+</ds:datastoreItem>
+</file>
+
+<file path=customXml/itemProps122.xml><?xml version="1.0" encoding="utf-8"?>
+<ds:datastoreItem xmlns:ds="http://schemas.openxmlformats.org/officeDocument/2006/customXml" ds:itemID="{27190696-4DC4-4F58-ACBF-331D1F41C3C2}">
+  <ds:schemaRefs>
+    <ds:schemaRef ds:uri="http://schemas.microsoft.com/VisualStudio/2011/storyboarding/control"/>
+  </ds:schemaRefs>
+</ds:datastoreItem>
+</file>
+
+<file path=customXml/itemProps123.xml><?xml version="1.0" encoding="utf-8"?>
+<ds:datastoreItem xmlns:ds="http://schemas.openxmlformats.org/officeDocument/2006/customXml" ds:itemID="{BCD4E291-AE36-4063-905A-5EA0656E77DC}">
+  <ds:schemaRefs>
+    <ds:schemaRef ds:uri="http://schemas.microsoft.com/VisualStudio/2011/storyboarding/control"/>
+  </ds:schemaRefs>
+</ds:datastoreItem>
+</file>
+
+<file path=customXml/itemProps124.xml><?xml version="1.0" encoding="utf-8"?>
+<ds:datastoreItem xmlns:ds="http://schemas.openxmlformats.org/officeDocument/2006/customXml" ds:itemID="{0F87CEC4-79F1-4F1C-8D5B-5AECF152E2E2}">
+  <ds:schemaRefs>
+    <ds:schemaRef ds:uri="http://schemas.microsoft.com/VisualStudio/2011/storyboarding/control"/>
+  </ds:schemaRefs>
+</ds:datastoreItem>
+</file>
+
+<file path=customXml/itemProps125.xml><?xml version="1.0" encoding="utf-8"?>
+<ds:datastoreItem xmlns:ds="http://schemas.openxmlformats.org/officeDocument/2006/customXml" ds:itemID="{53D660C6-76D1-4075-ABDA-9A06BC03727A}">
+  <ds:schemaRefs>
+    <ds:schemaRef ds:uri="http://schemas.microsoft.com/VisualStudio/2011/storyboarding/control"/>
+  </ds:schemaRefs>
+</ds:datastoreItem>
+</file>
+
+<file path=customXml/itemProps126.xml><?xml version="1.0" encoding="utf-8"?>
+<ds:datastoreItem xmlns:ds="http://schemas.openxmlformats.org/officeDocument/2006/customXml" ds:itemID="{B37C7D72-FB2E-41A8-9008-70CF5A82D835}">
+  <ds:schemaRefs>
+    <ds:schemaRef ds:uri="http://schemas.microsoft.com/VisualStudio/2011/storyboarding/control"/>
+  </ds:schemaRefs>
+</ds:datastoreItem>
+</file>
+
+<file path=customXml/itemProps127.xml><?xml version="1.0" encoding="utf-8"?>
+<ds:datastoreItem xmlns:ds="http://schemas.openxmlformats.org/officeDocument/2006/customXml" ds:itemID="{B1EE0AAB-750B-433D-9A3D-160F97939DF8}">
+  <ds:schemaRefs>
+    <ds:schemaRef ds:uri="http://schemas.microsoft.com/VisualStudio/2011/storyboarding/control"/>
+  </ds:schemaRefs>
+</ds:datastoreItem>
+</file>
+
+<file path=customXml/itemProps128.xml><?xml version="1.0" encoding="utf-8"?>
+<ds:datastoreItem xmlns:ds="http://schemas.openxmlformats.org/officeDocument/2006/customXml" ds:itemID="{343AC48A-82B2-4AB2-9656-9E535D5D19DB}">
+  <ds:schemaRefs>
+    <ds:schemaRef ds:uri="http://schemas.microsoft.com/VisualStudio/2011/storyboarding/control"/>
+  </ds:schemaRefs>
+</ds:datastoreItem>
+</file>
+
+<file path=customXml/itemProps129.xml><?xml version="1.0" encoding="utf-8"?>
 <ds:datastoreItem xmlns:ds="http://schemas.openxmlformats.org/officeDocument/2006/customXml" ds:itemID="{3F04AF02-A6DB-42DE-AE19-F163F73477B3}">
   <ds:schemaRefs>
     <ds:schemaRef ds:uri="http://schemas.microsoft.com/VisualStudio/2011/storyboarding/control"/>
@@ -21294,39 +21397,15 @@
 </ds:datastoreItem>
 </file>
 
-<file path=customXml/itemProps101.xml><?xml version="1.0" encoding="utf-8"?>
-<ds:datastoreItem xmlns:ds="http://schemas.openxmlformats.org/officeDocument/2006/customXml" ds:itemID="{C67F4A44-E048-4BA0-A960-97F95619449A}">
+<file path=customXml/itemProps13.xml><?xml version="1.0" encoding="utf-8"?>
+<ds:datastoreItem xmlns:ds="http://schemas.openxmlformats.org/officeDocument/2006/customXml" ds:itemID="{308938B8-5B5A-4AD7-B420-C72F5B199B47}">
   <ds:schemaRefs>
     <ds:schemaRef ds:uri="http://schemas.microsoft.com/VisualStudio/2011/storyboarding/control"/>
   </ds:schemaRefs>
 </ds:datastoreItem>
 </file>
 
-<file path=customXml/itemProps102.xml><?xml version="1.0" encoding="utf-8"?>
-<ds:datastoreItem xmlns:ds="http://schemas.openxmlformats.org/officeDocument/2006/customXml" ds:itemID="{E17B6543-69F3-4147-ACA1-AA36E4DA76EE}">
-  <ds:schemaRefs>
-    <ds:schemaRef ds:uri="http://schemas.microsoft.com/VisualStudio/2011/storyboarding/control"/>
-  </ds:schemaRefs>
-</ds:datastoreItem>
-</file>
-
-<file path=customXml/itemProps103.xml><?xml version="1.0" encoding="utf-8"?>
-<ds:datastoreItem xmlns:ds="http://schemas.openxmlformats.org/officeDocument/2006/customXml" ds:itemID="{F00E0E16-184C-4A2D-96EF-76F272AE2101}">
-  <ds:schemaRefs>
-    <ds:schemaRef ds:uri="http://schemas.microsoft.com/VisualStudio/2011/storyboarding/control"/>
-  </ds:schemaRefs>
-</ds:datastoreItem>
-</file>
-
-<file path=customXml/itemProps104.xml><?xml version="1.0" encoding="utf-8"?>
-<ds:datastoreItem xmlns:ds="http://schemas.openxmlformats.org/officeDocument/2006/customXml" ds:itemID="{D4EAD78E-B222-40B7-A429-7F7FA0D88B12}">
-  <ds:schemaRefs>
-    <ds:schemaRef ds:uri="http://schemas.microsoft.com/VisualStudio/2011/storyboarding/control"/>
-  </ds:schemaRefs>
-</ds:datastoreItem>
-</file>
-
-<file path=customXml/itemProps105.xml><?xml version="1.0" encoding="utf-8"?>
+<file path=customXml/itemProps130.xml><?xml version="1.0" encoding="utf-8"?>
 <ds:datastoreItem xmlns:ds="http://schemas.openxmlformats.org/officeDocument/2006/customXml" ds:itemID="{2DAC50CF-20EB-4C3A-B38E-A70CDFD227EB}">
   <ds:schemaRefs>
     <ds:schemaRef ds:uri="http://schemas.microsoft.com/VisualStudio/2011/storyboarding/control"/>
@@ -21334,55 +21413,207 @@
 </ds:datastoreItem>
 </file>
 
-<file path=customXml/itemProps106.xml><?xml version="1.0" encoding="utf-8"?>
-<ds:datastoreItem xmlns:ds="http://schemas.openxmlformats.org/officeDocument/2006/customXml" ds:itemID="{9B0128A6-4DCF-4B54-8DB8-62B45ACFC867}">
+<file path=customXml/itemProps131.xml><?xml version="1.0" encoding="utf-8"?>
+<ds:datastoreItem xmlns:ds="http://schemas.openxmlformats.org/officeDocument/2006/customXml" ds:itemID="{B2CED7AD-92E1-4948-8238-0D4B71738661}">
   <ds:schemaRefs>
     <ds:schemaRef ds:uri="http://schemas.microsoft.com/VisualStudio/2011/storyboarding/control"/>
   </ds:schemaRefs>
 </ds:datastoreItem>
 </file>
 
-<file path=customXml/itemProps107.xml><?xml version="1.0" encoding="utf-8"?>
-<ds:datastoreItem xmlns:ds="http://schemas.openxmlformats.org/officeDocument/2006/customXml" ds:itemID="{A11085C9-CE85-410C-8C14-C1DAD0BC86C0}">
+<file path=customXml/itemProps132.xml><?xml version="1.0" encoding="utf-8"?>
+<ds:datastoreItem xmlns:ds="http://schemas.openxmlformats.org/officeDocument/2006/customXml" ds:itemID="{606FE516-19D4-4A44-B462-B697F5CBABAD}">
   <ds:schemaRefs>
     <ds:schemaRef ds:uri="http://schemas.microsoft.com/VisualStudio/2011/storyboarding/control"/>
   </ds:schemaRefs>
 </ds:datastoreItem>
 </file>
 
-<file path=customXml/itemProps108.xml><?xml version="1.0" encoding="utf-8"?>
-<ds:datastoreItem xmlns:ds="http://schemas.openxmlformats.org/officeDocument/2006/customXml" ds:itemID="{B2AF46B0-769C-402D-BAE5-422F258AFBD0}">
+<file path=customXml/itemProps133.xml><?xml version="1.0" encoding="utf-8"?>
+<ds:datastoreItem xmlns:ds="http://schemas.openxmlformats.org/officeDocument/2006/customXml" ds:itemID="{064557A1-E07B-464A-AB22-081F6160AEF5}">
   <ds:schemaRefs>
     <ds:schemaRef ds:uri="http://schemas.microsoft.com/VisualStudio/2011/storyboarding/control"/>
   </ds:schemaRefs>
 </ds:datastoreItem>
 </file>
 
-<file path=customXml/itemProps109.xml><?xml version="1.0" encoding="utf-8"?>
-<ds:datastoreItem xmlns:ds="http://schemas.openxmlformats.org/officeDocument/2006/customXml" ds:itemID="{B6502331-200A-4AAE-9FF4-9C283EF86408}">
+<file path=customXml/itemProps134.xml><?xml version="1.0" encoding="utf-8"?>
+<ds:datastoreItem xmlns:ds="http://schemas.openxmlformats.org/officeDocument/2006/customXml" ds:itemID="{D802B2E9-AE7D-4046-BA52-00488C0A4257}">
   <ds:schemaRefs>
     <ds:schemaRef ds:uri="http://schemas.microsoft.com/VisualStudio/2011/storyboarding/control"/>
   </ds:schemaRefs>
 </ds:datastoreItem>
 </file>
 
-<file path=customXml/itemProps11.xml><?xml version="1.0" encoding="utf-8"?>
-<ds:datastoreItem xmlns:ds="http://schemas.openxmlformats.org/officeDocument/2006/customXml" ds:itemID="{EE0AD0F0-08DC-45BF-B4AE-93E8E547477B}">
+<file path=customXml/itemProps135.xml><?xml version="1.0" encoding="utf-8"?>
+<ds:datastoreItem xmlns:ds="http://schemas.openxmlformats.org/officeDocument/2006/customXml" ds:itemID="{610AF4E1-E298-4480-BF2B-A51DB23744A1}">
   <ds:schemaRefs>
     <ds:schemaRef ds:uri="http://schemas.microsoft.com/VisualStudio/2011/storyboarding/control"/>
   </ds:schemaRefs>
 </ds:datastoreItem>
 </file>
 
-<file path=customXml/itemProps110.xml><?xml version="1.0" encoding="utf-8"?>
-<ds:datastoreItem xmlns:ds="http://schemas.openxmlformats.org/officeDocument/2006/customXml" ds:itemID="{53C22177-5E88-43D4-87F2-026B48CCB146}">
+<file path=customXml/itemProps136.xml><?xml version="1.0" encoding="utf-8"?>
+<ds:datastoreItem xmlns:ds="http://schemas.openxmlformats.org/officeDocument/2006/customXml" ds:itemID="{D0839F8E-97F2-4029-9E44-1881149A44B1}">
   <ds:schemaRefs>
     <ds:schemaRef ds:uri="http://schemas.microsoft.com/VisualStudio/2011/storyboarding/control"/>
   </ds:schemaRefs>
 </ds:datastoreItem>
 </file>
 
-<file path=customXml/itemProps111.xml><?xml version="1.0" encoding="utf-8"?>
+<file path=customXml/itemProps137.xml><?xml version="1.0" encoding="utf-8"?>
+<ds:datastoreItem xmlns:ds="http://schemas.openxmlformats.org/officeDocument/2006/customXml" ds:itemID="{31CC67CB-B210-4A38-A1D7-91C6E7622D82}">
+  <ds:schemaRefs>
+    <ds:schemaRef ds:uri="http://schemas.microsoft.com/VisualStudio/2011/storyboarding/control"/>
+  </ds:schemaRefs>
+</ds:datastoreItem>
+</file>
+
+<file path=customXml/itemProps138.xml><?xml version="1.0" encoding="utf-8"?>
+<ds:datastoreItem xmlns:ds="http://schemas.openxmlformats.org/officeDocument/2006/customXml" ds:itemID="{6D3D15CF-1C82-4714-950B-E5AFCA493337}">
+  <ds:schemaRefs>
+    <ds:schemaRef ds:uri="http://schemas.microsoft.com/VisualStudio/2011/storyboarding/control"/>
+  </ds:schemaRefs>
+</ds:datastoreItem>
+</file>
+
+<file path=customXml/itemProps139.xml><?xml version="1.0" encoding="utf-8"?>
+<ds:datastoreItem xmlns:ds="http://schemas.openxmlformats.org/officeDocument/2006/customXml" ds:itemID="{82A833FE-37E6-4D07-AE3E-1F5F3131F200}">
+  <ds:schemaRefs>
+    <ds:schemaRef ds:uri="http://schemas.microsoft.com/VisualStudio/2011/storyboarding/control"/>
+  </ds:schemaRefs>
+</ds:datastoreItem>
+</file>
+
+<file path=customXml/itemProps14.xml><?xml version="1.0" encoding="utf-8"?>
+<ds:datastoreItem xmlns:ds="http://schemas.openxmlformats.org/officeDocument/2006/customXml" ds:itemID="{77EAABA4-121D-4096-BBA3-7914923A896C}">
+  <ds:schemaRefs>
+    <ds:schemaRef ds:uri="http://schemas.microsoft.com/VisualStudio/2011/storyboarding/control"/>
+  </ds:schemaRefs>
+</ds:datastoreItem>
+</file>
+
+<file path=customXml/itemProps140.xml><?xml version="1.0" encoding="utf-8"?>
+<ds:datastoreItem xmlns:ds="http://schemas.openxmlformats.org/officeDocument/2006/customXml" ds:itemID="{2424F20B-C583-4FD6-9162-3BA7E5342434}">
+  <ds:schemaRefs>
+    <ds:schemaRef ds:uri="http://schemas.microsoft.com/VisualStudio/2011/storyboarding/control"/>
+  </ds:schemaRefs>
+</ds:datastoreItem>
+</file>
+
+<file path=customXml/itemProps141.xml><?xml version="1.0" encoding="utf-8"?>
+<ds:datastoreItem xmlns:ds="http://schemas.openxmlformats.org/officeDocument/2006/customXml" ds:itemID="{F2844465-AC45-41F2-B426-E866480BF485}">
+  <ds:schemaRefs>
+    <ds:schemaRef ds:uri="http://schemas.microsoft.com/VisualStudio/2011/storyboarding/control"/>
+  </ds:schemaRefs>
+</ds:datastoreItem>
+</file>
+
+<file path=customXml/itemProps142.xml><?xml version="1.0" encoding="utf-8"?>
+<ds:datastoreItem xmlns:ds="http://schemas.openxmlformats.org/officeDocument/2006/customXml" ds:itemID="{FDF9E953-9E6C-48B8-BC8F-88E6B3249681}">
+  <ds:schemaRefs>
+    <ds:schemaRef ds:uri="http://schemas.microsoft.com/VisualStudio/2011/storyboarding/control"/>
+  </ds:schemaRefs>
+</ds:datastoreItem>
+</file>
+
+<file path=customXml/itemProps143.xml><?xml version="1.0" encoding="utf-8"?>
+<ds:datastoreItem xmlns:ds="http://schemas.openxmlformats.org/officeDocument/2006/customXml" ds:itemID="{8C29B452-79AF-4F0E-AE67-15E70114DCF8}">
+  <ds:schemaRefs>
+    <ds:schemaRef ds:uri="http://schemas.microsoft.com/VisualStudio/2011/storyboarding/control"/>
+  </ds:schemaRefs>
+</ds:datastoreItem>
+</file>
+
+<file path=customXml/itemProps144.xml><?xml version="1.0" encoding="utf-8"?>
+<ds:datastoreItem xmlns:ds="http://schemas.openxmlformats.org/officeDocument/2006/customXml" ds:itemID="{B5652326-F90C-4060-9EBE-0DE74D4F0C6A}">
+  <ds:schemaRefs>
+    <ds:schemaRef ds:uri="http://schemas.microsoft.com/VisualStudio/2011/storyboarding/control"/>
+  </ds:schemaRefs>
+</ds:datastoreItem>
+</file>
+
+<file path=customXml/itemProps145.xml><?xml version="1.0" encoding="utf-8"?>
+<ds:datastoreItem xmlns:ds="http://schemas.openxmlformats.org/officeDocument/2006/customXml" ds:itemID="{6D5814B9-4E07-475B-8EB6-B3A780149424}">
+  <ds:schemaRefs>
+    <ds:schemaRef ds:uri="http://schemas.microsoft.com/VisualStudio/2011/storyboarding/control"/>
+  </ds:schemaRefs>
+</ds:datastoreItem>
+</file>
+
+<file path=customXml/itemProps146.xml><?xml version="1.0" encoding="utf-8"?>
+<ds:datastoreItem xmlns:ds="http://schemas.openxmlformats.org/officeDocument/2006/customXml" ds:itemID="{55AC4AA2-0744-4DB3-8F93-11C01B0860D3}">
+  <ds:schemaRefs>
+    <ds:schemaRef ds:uri="http://schemas.microsoft.com/VisualStudio/2011/storyboarding/control"/>
+  </ds:schemaRefs>
+</ds:datastoreItem>
+</file>
+
+<file path=customXml/itemProps147.xml><?xml version="1.0" encoding="utf-8"?>
+<ds:datastoreItem xmlns:ds="http://schemas.openxmlformats.org/officeDocument/2006/customXml" ds:itemID="{8E0E511C-49B5-4E7A-B817-E4849F4F531B}">
+  <ds:schemaRefs>
+    <ds:schemaRef ds:uri="http://schemas.microsoft.com/VisualStudio/2011/storyboarding/control"/>
+  </ds:schemaRefs>
+</ds:datastoreItem>
+</file>
+
+<file path=customXml/itemProps148.xml><?xml version="1.0" encoding="utf-8"?>
+<ds:datastoreItem xmlns:ds="http://schemas.openxmlformats.org/officeDocument/2006/customXml" ds:itemID="{D720F8B5-4E5D-4F65-8F32-27D2F09AA3C6}">
+  <ds:schemaRefs>
+    <ds:schemaRef ds:uri="http://schemas.microsoft.com/VisualStudio/2011/storyboarding/control"/>
+  </ds:schemaRefs>
+</ds:datastoreItem>
+</file>
+
+<file path=customXml/itemProps149.xml><?xml version="1.0" encoding="utf-8"?>
+<ds:datastoreItem xmlns:ds="http://schemas.openxmlformats.org/officeDocument/2006/customXml" ds:itemID="{7907A7FC-7907-494E-A727-37454F3487BB}">
+  <ds:schemaRefs>
+    <ds:schemaRef ds:uri="http://schemas.microsoft.com/VisualStudio/2011/storyboarding/control"/>
+  </ds:schemaRefs>
+</ds:datastoreItem>
+</file>
+
+<file path=customXml/itemProps15.xml><?xml version="1.0" encoding="utf-8"?>
+<ds:datastoreItem xmlns:ds="http://schemas.openxmlformats.org/officeDocument/2006/customXml" ds:itemID="{835A3957-49BC-4F9A-AC85-07B78D7F025E}">
+  <ds:schemaRefs>
+    <ds:schemaRef ds:uri="http://schemas.microsoft.com/VisualStudio/2011/storyboarding/control"/>
+  </ds:schemaRefs>
+</ds:datastoreItem>
+</file>
+
+<file path=customXml/itemProps150.xml><?xml version="1.0" encoding="utf-8"?>
+<ds:datastoreItem xmlns:ds="http://schemas.openxmlformats.org/officeDocument/2006/customXml" ds:itemID="{6B7C5DB4-9814-4A59-9562-7459EAC8A3D5}">
+  <ds:schemaRefs>
+    <ds:schemaRef ds:uri="http://schemas.microsoft.com/VisualStudio/2011/storyboarding/control"/>
+  </ds:schemaRefs>
+</ds:datastoreItem>
+</file>
+
+<file path=customXml/itemProps151.xml><?xml version="1.0" encoding="utf-8"?>
+<ds:datastoreItem xmlns:ds="http://schemas.openxmlformats.org/officeDocument/2006/customXml" ds:itemID="{60DA82E8-7766-4B54-B11B-1E68FADC5E03}">
+  <ds:schemaRefs>
+    <ds:schemaRef ds:uri="http://schemas.microsoft.com/VisualStudio/2011/storyboarding/control"/>
+  </ds:schemaRefs>
+</ds:datastoreItem>
+</file>
+
+<file path=customXml/itemProps152.xml><?xml version="1.0" encoding="utf-8"?>
+<ds:datastoreItem xmlns:ds="http://schemas.openxmlformats.org/officeDocument/2006/customXml" ds:itemID="{4942D65D-71B6-47A6-95C5-29A6DBA8D4A5}">
+  <ds:schemaRefs>
+    <ds:schemaRef ds:uri="http://schemas.microsoft.com/VisualStudio/2011/storyboarding/control"/>
+  </ds:schemaRefs>
+</ds:datastoreItem>
+</file>
+
+<file path=customXml/itemProps153.xml><?xml version="1.0" encoding="utf-8"?>
+<ds:datastoreItem xmlns:ds="http://schemas.openxmlformats.org/officeDocument/2006/customXml" ds:itemID="{2637889F-3AC6-4686-A794-9973FD9B1C1F}">
+  <ds:schemaRefs>
+    <ds:schemaRef ds:uri="http://schemas.microsoft.com/VisualStudio/2011/storyboarding/control"/>
+  </ds:schemaRefs>
+</ds:datastoreItem>
+</file>
+
+<file path=customXml/itemProps154.xml><?xml version="1.0" encoding="utf-8"?>
 <ds:datastoreItem xmlns:ds="http://schemas.openxmlformats.org/officeDocument/2006/customXml" ds:itemID="{ECAFF024-E1D9-4EA7-BCD1-78BE99E1E6A0}">
   <ds:schemaRefs>
     <ds:schemaRef ds:uri="http://schemas.microsoft.com/VisualStudio/2011/storyboarding/control"/>
@@ -21390,183 +21621,7 @@
 </ds:datastoreItem>
 </file>
 
-<file path=customXml/itemProps112.xml><?xml version="1.0" encoding="utf-8"?>
-<ds:datastoreItem xmlns:ds="http://schemas.openxmlformats.org/officeDocument/2006/customXml" ds:itemID="{8CB80B03-F384-464C-B07B-E183B8F1D886}">
-  <ds:schemaRefs>
-    <ds:schemaRef ds:uri="http://schemas.microsoft.com/VisualStudio/2011/storyboarding/control"/>
-  </ds:schemaRefs>
-</ds:datastoreItem>
-</file>
-
-<file path=customXml/itemProps113.xml><?xml version="1.0" encoding="utf-8"?>
-<ds:datastoreItem xmlns:ds="http://schemas.openxmlformats.org/officeDocument/2006/customXml" ds:itemID="{745085FE-DB98-4BEE-AF95-EC9E509AA77F}">
-  <ds:schemaRefs>
-    <ds:schemaRef ds:uri="http://schemas.microsoft.com/VisualStudio/2011/storyboarding/control"/>
-  </ds:schemaRefs>
-</ds:datastoreItem>
-</file>
-
-<file path=customXml/itemProps114.xml><?xml version="1.0" encoding="utf-8"?>
-<ds:datastoreItem xmlns:ds="http://schemas.openxmlformats.org/officeDocument/2006/customXml" ds:itemID="{453657F8-66CD-47A4-B9C3-443B0B0C809D}">
-  <ds:schemaRefs>
-    <ds:schemaRef ds:uri="http://schemas.microsoft.com/VisualStudio/2011/storyboarding/control"/>
-  </ds:schemaRefs>
-</ds:datastoreItem>
-</file>
-
-<file path=customXml/itemProps115.xml><?xml version="1.0" encoding="utf-8"?>
-<ds:datastoreItem xmlns:ds="http://schemas.openxmlformats.org/officeDocument/2006/customXml" ds:itemID="{CFED932A-76A2-432B-B44A-1E90158C539A}">
-  <ds:schemaRefs>
-    <ds:schemaRef ds:uri="http://schemas.microsoft.com/VisualStudio/2011/storyboarding/control"/>
-  </ds:schemaRefs>
-</ds:datastoreItem>
-</file>
-
-<file path=customXml/itemProps116.xml><?xml version="1.0" encoding="utf-8"?>
-<ds:datastoreItem xmlns:ds="http://schemas.openxmlformats.org/officeDocument/2006/customXml" ds:itemID="{55AC4AA2-0744-4DB3-8F93-11C01B0860D3}">
-  <ds:schemaRefs>
-    <ds:schemaRef ds:uri="http://schemas.microsoft.com/VisualStudio/2011/storyboarding/control"/>
-  </ds:schemaRefs>
-</ds:datastoreItem>
-</file>
-
-<file path=customXml/itemProps117.xml><?xml version="1.0" encoding="utf-8"?>
-<ds:datastoreItem xmlns:ds="http://schemas.openxmlformats.org/officeDocument/2006/customXml" ds:itemID="{51F16C84-CF25-4A31-A87B-51E8446D8B56}">
-  <ds:schemaRefs>
-    <ds:schemaRef ds:uri="http://schemas.microsoft.com/VisualStudio/2011/storyboarding/control"/>
-  </ds:schemaRefs>
-</ds:datastoreItem>
-</file>
-
-<file path=customXml/itemProps118.xml><?xml version="1.0" encoding="utf-8"?>
-<ds:datastoreItem xmlns:ds="http://schemas.openxmlformats.org/officeDocument/2006/customXml" ds:itemID="{4F71AC99-AAC7-4B08-882F-6DF5CB4951C4}">
-  <ds:schemaRefs>
-    <ds:schemaRef ds:uri="http://schemas.microsoft.com/VisualStudio/2011/storyboarding/control"/>
-  </ds:schemaRefs>
-</ds:datastoreItem>
-</file>
-
-<file path=customXml/itemProps119.xml><?xml version="1.0" encoding="utf-8"?>
-<ds:datastoreItem xmlns:ds="http://schemas.openxmlformats.org/officeDocument/2006/customXml" ds:itemID="{447DDF07-AED7-4966-B21C-6B1EE7E6E50A}">
-  <ds:schemaRefs>
-    <ds:schemaRef ds:uri="http://schemas.microsoft.com/VisualStudio/2011/storyboarding/control"/>
-  </ds:schemaRefs>
-</ds:datastoreItem>
-</file>
-
-<file path=customXml/itemProps12.xml><?xml version="1.0" encoding="utf-8"?>
-<ds:datastoreItem xmlns:ds="http://schemas.openxmlformats.org/officeDocument/2006/customXml" ds:itemID="{D29A6BE6-9E89-4776-9BDD-231956377B28}">
-  <ds:schemaRefs>
-    <ds:schemaRef ds:uri="http://schemas.microsoft.com/VisualStudio/2011/storyboarding/control"/>
-  </ds:schemaRefs>
-</ds:datastoreItem>
-</file>
-
-<file path=customXml/itemProps120.xml><?xml version="1.0" encoding="utf-8"?>
-<ds:datastoreItem xmlns:ds="http://schemas.openxmlformats.org/officeDocument/2006/customXml" ds:itemID="{357EBFFA-78EA-4107-BE3B-D4B37BB313A7}">
-  <ds:schemaRefs>
-    <ds:schemaRef ds:uri="http://schemas.microsoft.com/VisualStudio/2011/storyboarding/control"/>
-  </ds:schemaRefs>
-</ds:datastoreItem>
-</file>
-
-<file path=customXml/itemProps121.xml><?xml version="1.0" encoding="utf-8"?>
-<ds:datastoreItem xmlns:ds="http://schemas.openxmlformats.org/officeDocument/2006/customXml" ds:itemID="{82A833FE-37E6-4D07-AE3E-1F5F3131F200}">
-  <ds:schemaRefs>
-    <ds:schemaRef ds:uri="http://schemas.microsoft.com/VisualStudio/2011/storyboarding/control"/>
-  </ds:schemaRefs>
-</ds:datastoreItem>
-</file>
-
-<file path=customXml/itemProps122.xml><?xml version="1.0" encoding="utf-8"?>
-<ds:datastoreItem xmlns:ds="http://schemas.openxmlformats.org/officeDocument/2006/customXml" ds:itemID="{472359DE-35C2-4745-8033-8DFA3ACAD0C8}">
-  <ds:schemaRefs>
-    <ds:schemaRef ds:uri="http://schemas.microsoft.com/VisualStudio/2011/storyboarding/control"/>
-  </ds:schemaRefs>
-</ds:datastoreItem>
-</file>
-
-<file path=customXml/itemProps123.xml><?xml version="1.0" encoding="utf-8"?>
-<ds:datastoreItem xmlns:ds="http://schemas.openxmlformats.org/officeDocument/2006/customXml" ds:itemID="{C93B553A-D4BE-44D5-9572-BBA9F7695BD6}">
-  <ds:schemaRefs>
-    <ds:schemaRef ds:uri="http://schemas.microsoft.com/VisualStudio/2011/storyboarding/control"/>
-  </ds:schemaRefs>
-</ds:datastoreItem>
-</file>
-
-<file path=customXml/itemProps124.xml><?xml version="1.0" encoding="utf-8"?>
-<ds:datastoreItem xmlns:ds="http://schemas.openxmlformats.org/officeDocument/2006/customXml" ds:itemID="{61562145-E5F1-454A-96A2-938722A9512F}">
-  <ds:schemaRefs>
-    <ds:schemaRef ds:uri="http://schemas.microsoft.com/VisualStudio/2011/storyboarding/control"/>
-  </ds:schemaRefs>
-</ds:datastoreItem>
-</file>
-
-<file path=customXml/itemProps125.xml><?xml version="1.0" encoding="utf-8"?>
-<ds:datastoreItem xmlns:ds="http://schemas.openxmlformats.org/officeDocument/2006/customXml" ds:itemID="{64F5332F-066B-45CA-9C3F-CBD02BA515AF}">
-  <ds:schemaRefs>
-    <ds:schemaRef ds:uri="http://schemas.microsoft.com/VisualStudio/2011/storyboarding/control"/>
-  </ds:schemaRefs>
-</ds:datastoreItem>
-</file>
-
-<file path=customXml/itemProps126.xml><?xml version="1.0" encoding="utf-8"?>
-<ds:datastoreItem xmlns:ds="http://schemas.openxmlformats.org/officeDocument/2006/customXml" ds:itemID="{B2CED7AD-92E1-4948-8238-0D4B71738661}">
-  <ds:schemaRefs>
-    <ds:schemaRef ds:uri="http://schemas.microsoft.com/VisualStudio/2011/storyboarding/control"/>
-  </ds:schemaRefs>
-</ds:datastoreItem>
-</file>
-
-<file path=customXml/itemProps127.xml><?xml version="1.0" encoding="utf-8"?>
-<ds:datastoreItem xmlns:ds="http://schemas.openxmlformats.org/officeDocument/2006/customXml" ds:itemID="{140B45D7-B63C-4DC2-857A-EF7AE1B501A0}">
-  <ds:schemaRefs>
-    <ds:schemaRef ds:uri="http://schemas.microsoft.com/VisualStudio/2011/storyboarding/control"/>
-  </ds:schemaRefs>
-</ds:datastoreItem>
-</file>
-
-<file path=customXml/itemProps128.xml><?xml version="1.0" encoding="utf-8"?>
-<ds:datastoreItem xmlns:ds="http://schemas.openxmlformats.org/officeDocument/2006/customXml" ds:itemID="{1B96908C-701E-4DD7-8BF1-3E946F4CC7DC}">
-  <ds:schemaRefs>
-    <ds:schemaRef ds:uri="http://schemas.microsoft.com/VisualStudio/2011/storyboarding/control"/>
-  </ds:schemaRefs>
-</ds:datastoreItem>
-</file>
-
-<file path=customXml/itemProps129.xml><?xml version="1.0" encoding="utf-8"?>
-<ds:datastoreItem xmlns:ds="http://schemas.openxmlformats.org/officeDocument/2006/customXml" ds:itemID="{8131B0AC-E5F7-4697-99B2-62236105E1F2}">
-  <ds:schemaRefs>
-    <ds:schemaRef ds:uri="http://schemas.microsoft.com/VisualStudio/2011/storyboarding/control"/>
-  </ds:schemaRefs>
-</ds:datastoreItem>
-</file>
-
-<file path=customXml/itemProps13.xml><?xml version="1.0" encoding="utf-8"?>
-<ds:datastoreItem xmlns:ds="http://schemas.openxmlformats.org/officeDocument/2006/customXml" ds:itemID="{EA1BED95-2A07-4955-9280-8CE5B1A66D44}">
-  <ds:schemaRefs>
-    <ds:schemaRef ds:uri="http://schemas.microsoft.com/VisualStudio/2011/storyboarding/control"/>
-  </ds:schemaRefs>
-</ds:datastoreItem>
-</file>
-
-<file path=customXml/itemProps130.xml><?xml version="1.0" encoding="utf-8"?>
-<ds:datastoreItem xmlns:ds="http://schemas.openxmlformats.org/officeDocument/2006/customXml" ds:itemID="{15D8CC77-83FB-4C27-9FD1-E61FD7D9BBD2}">
-  <ds:schemaRefs>
-    <ds:schemaRef ds:uri="http://schemas.microsoft.com/VisualStudio/2011/storyboarding/control"/>
-  </ds:schemaRefs>
-</ds:datastoreItem>
-</file>
-
-<file path=customXml/itemProps131.xml><?xml version="1.0" encoding="utf-8"?>
-<ds:datastoreItem xmlns:ds="http://schemas.openxmlformats.org/officeDocument/2006/customXml" ds:itemID="{0DDD651D-D1DF-4D5E-9BFF-302D93AC563A}">
-  <ds:schemaRefs>
-    <ds:schemaRef ds:uri="http://schemas.microsoft.com/VisualStudio/2011/storyboarding/control"/>
-  </ds:schemaRefs>
-</ds:datastoreItem>
-</file>
-
-<file path=customXml/itemProps132.xml><?xml version="1.0" encoding="utf-8"?>
+<file path=customXml/itemProps155.xml><?xml version="1.0" encoding="utf-8"?>
 <ds:datastoreItem xmlns:ds="http://schemas.openxmlformats.org/officeDocument/2006/customXml" ds:itemID="{568E757D-B888-4784-A5A1-9CAFF4FF814F}">
   <ds:schemaRefs>
     <ds:schemaRef ds:uri="http://schemas.microsoft.com/VisualStudio/2011/storyboarding/control"/>
@@ -21574,183 +21629,7 @@
 </ds:datastoreItem>
 </file>
 
-<file path=customXml/itemProps133.xml><?xml version="1.0" encoding="utf-8"?>
-<ds:datastoreItem xmlns:ds="http://schemas.openxmlformats.org/officeDocument/2006/customXml" ds:itemID="{78666D3F-5AC9-402F-9810-DB5A26D485E5}">
-  <ds:schemaRefs>
-    <ds:schemaRef ds:uri="http://schemas.microsoft.com/VisualStudio/2011/storyboarding/control"/>
-  </ds:schemaRefs>
-</ds:datastoreItem>
-</file>
-
-<file path=customXml/itemProps134.xml><?xml version="1.0" encoding="utf-8"?>
-<ds:datastoreItem xmlns:ds="http://schemas.openxmlformats.org/officeDocument/2006/customXml" ds:itemID="{49972C50-125F-4986-B72A-0AFA7D0998EC}">
-  <ds:schemaRefs>
-    <ds:schemaRef ds:uri="http://schemas.microsoft.com/VisualStudio/2011/storyboarding/control"/>
-  </ds:schemaRefs>
-</ds:datastoreItem>
-</file>
-
-<file path=customXml/itemProps135.xml><?xml version="1.0" encoding="utf-8"?>
-<ds:datastoreItem xmlns:ds="http://schemas.openxmlformats.org/officeDocument/2006/customXml" ds:itemID="{E9EF542B-EB79-4363-ADC0-15C5507A19D7}">
-  <ds:schemaRefs>
-    <ds:schemaRef ds:uri="http://schemas.microsoft.com/VisualStudio/2011/storyboarding/control"/>
-  </ds:schemaRefs>
-</ds:datastoreItem>
-</file>
-
-<file path=customXml/itemProps136.xml><?xml version="1.0" encoding="utf-8"?>
-<ds:datastoreItem xmlns:ds="http://schemas.openxmlformats.org/officeDocument/2006/customXml" ds:itemID="{A338B11E-1595-4D25-8738-E44881898B2D}">
-  <ds:schemaRefs>
-    <ds:schemaRef ds:uri="http://schemas.microsoft.com/VisualStudio/2011/storyboarding/control"/>
-  </ds:schemaRefs>
-</ds:datastoreItem>
-</file>
-
-<file path=customXml/itemProps137.xml><?xml version="1.0" encoding="utf-8"?>
-<ds:datastoreItem xmlns:ds="http://schemas.openxmlformats.org/officeDocument/2006/customXml" ds:itemID="{8E0E511C-49B5-4E7A-B817-E4849F4F531B}">
-  <ds:schemaRefs>
-    <ds:schemaRef ds:uri="http://schemas.microsoft.com/VisualStudio/2011/storyboarding/control"/>
-  </ds:schemaRefs>
-</ds:datastoreItem>
-</file>
-
-<file path=customXml/itemProps138.xml><?xml version="1.0" encoding="utf-8"?>
-<ds:datastoreItem xmlns:ds="http://schemas.openxmlformats.org/officeDocument/2006/customXml" ds:itemID="{216462E8-E7A9-42AC-B47E-DAA09221254B}">
-  <ds:schemaRefs>
-    <ds:schemaRef ds:uri="http://schemas.microsoft.com/VisualStudio/2011/storyboarding/control"/>
-  </ds:schemaRefs>
-</ds:datastoreItem>
-</file>
-
-<file path=customXml/itemProps139.xml><?xml version="1.0" encoding="utf-8"?>
-<ds:datastoreItem xmlns:ds="http://schemas.openxmlformats.org/officeDocument/2006/customXml" ds:itemID="{B22494E9-33AF-41B1-B23D-BE8149B8B97E}">
-  <ds:schemaRefs>
-    <ds:schemaRef ds:uri="http://schemas.microsoft.com/VisualStudio/2011/storyboarding/control"/>
-  </ds:schemaRefs>
-</ds:datastoreItem>
-</file>
-
-<file path=customXml/itemProps14.xml><?xml version="1.0" encoding="utf-8"?>
-<ds:datastoreItem xmlns:ds="http://schemas.openxmlformats.org/officeDocument/2006/customXml" ds:itemID="{0F87CEC4-79F1-4F1C-8D5B-5AECF152E2E2}">
-  <ds:schemaRefs>
-    <ds:schemaRef ds:uri="http://schemas.microsoft.com/VisualStudio/2011/storyboarding/control"/>
-  </ds:schemaRefs>
-</ds:datastoreItem>
-</file>
-
-<file path=customXml/itemProps140.xml><?xml version="1.0" encoding="utf-8"?>
-<ds:datastoreItem xmlns:ds="http://schemas.openxmlformats.org/officeDocument/2006/customXml" ds:itemID="{AE30034D-2A15-4CA8-B7AC-D145F04F76E7}">
-  <ds:schemaRefs>
-    <ds:schemaRef ds:uri="http://schemas.microsoft.com/VisualStudio/2011/storyboarding/control"/>
-  </ds:schemaRefs>
-</ds:datastoreItem>
-</file>
-
-<file path=customXml/itemProps141.xml><?xml version="1.0" encoding="utf-8"?>
-<ds:datastoreItem xmlns:ds="http://schemas.openxmlformats.org/officeDocument/2006/customXml" ds:itemID="{6FA49A35-E363-4B43-B4A6-689632700A15}">
-  <ds:schemaRefs>
-    <ds:schemaRef ds:uri="http://schemas.microsoft.com/VisualStudio/2011/storyboarding/control"/>
-  </ds:schemaRefs>
-</ds:datastoreItem>
-</file>
-
-<file path=customXml/itemProps142.xml><?xml version="1.0" encoding="utf-8"?>
-<ds:datastoreItem xmlns:ds="http://schemas.openxmlformats.org/officeDocument/2006/customXml" ds:itemID="{2424F20B-C583-4FD6-9162-3BA7E5342434}">
-  <ds:schemaRefs>
-    <ds:schemaRef ds:uri="http://schemas.microsoft.com/VisualStudio/2011/storyboarding/control"/>
-  </ds:schemaRefs>
-</ds:datastoreItem>
-</file>
-
-<file path=customXml/itemProps143.xml><?xml version="1.0" encoding="utf-8"?>
-<ds:datastoreItem xmlns:ds="http://schemas.openxmlformats.org/officeDocument/2006/customXml" ds:itemID="{1730FA09-BEB1-4318-88B5-B8FFB3FB538C}">
-  <ds:schemaRefs>
-    <ds:schemaRef ds:uri="http://schemas.microsoft.com/VisualStudio/2011/storyboarding/control"/>
-  </ds:schemaRefs>
-</ds:datastoreItem>
-</file>
-
-<file path=customXml/itemProps144.xml><?xml version="1.0" encoding="utf-8"?>
-<ds:datastoreItem xmlns:ds="http://schemas.openxmlformats.org/officeDocument/2006/customXml" ds:itemID="{9C5A445A-21D4-4A62-9659-8969E9EE41FB}">
-  <ds:schemaRefs>
-    <ds:schemaRef ds:uri="http://schemas.microsoft.com/VisualStudio/2011/storyboarding/control"/>
-  </ds:schemaRefs>
-</ds:datastoreItem>
-</file>
-
-<file path=customXml/itemProps145.xml><?xml version="1.0" encoding="utf-8"?>
-<ds:datastoreItem xmlns:ds="http://schemas.openxmlformats.org/officeDocument/2006/customXml" ds:itemID="{C99E5EC3-A642-4D44-A4C2-4E084F4EF8E1}">
-  <ds:schemaRefs>
-    <ds:schemaRef ds:uri="http://schemas.microsoft.com/VisualStudio/2011/storyboarding/control"/>
-  </ds:schemaRefs>
-</ds:datastoreItem>
-</file>
-
-<file path=customXml/itemProps146.xml><?xml version="1.0" encoding="utf-8"?>
-<ds:datastoreItem xmlns:ds="http://schemas.openxmlformats.org/officeDocument/2006/customXml" ds:itemID="{E09634C0-C06D-45F6-835F-81F12F91559B}">
-  <ds:schemaRefs>
-    <ds:schemaRef ds:uri="http://schemas.microsoft.com/VisualStudio/2011/storyboarding/control"/>
-  </ds:schemaRefs>
-</ds:datastoreItem>
-</file>
-
-<file path=customXml/itemProps147.xml><?xml version="1.0" encoding="utf-8"?>
-<ds:datastoreItem xmlns:ds="http://schemas.openxmlformats.org/officeDocument/2006/customXml" ds:itemID="{606FE516-19D4-4A44-B462-B697F5CBABAD}">
-  <ds:schemaRefs>
-    <ds:schemaRef ds:uri="http://schemas.microsoft.com/VisualStudio/2011/storyboarding/control"/>
-  </ds:schemaRefs>
-</ds:datastoreItem>
-</file>
-
-<file path=customXml/itemProps148.xml><?xml version="1.0" encoding="utf-8"?>
-<ds:datastoreItem xmlns:ds="http://schemas.openxmlformats.org/officeDocument/2006/customXml" ds:itemID="{2AC39710-8EBD-4A86-891D-649F660EB0CF}">
-  <ds:schemaRefs>
-    <ds:schemaRef ds:uri="http://schemas.microsoft.com/VisualStudio/2011/storyboarding/control"/>
-  </ds:schemaRefs>
-</ds:datastoreItem>
-</file>
-
-<file path=customXml/itemProps149.xml><?xml version="1.0" encoding="utf-8"?>
-<ds:datastoreItem xmlns:ds="http://schemas.openxmlformats.org/officeDocument/2006/customXml" ds:itemID="{9E423A22-4BCE-402A-BAFD-F84E5D0414CC}">
-  <ds:schemaRefs>
-    <ds:schemaRef ds:uri="http://schemas.microsoft.com/VisualStudio/2011/storyboarding/control"/>
-  </ds:schemaRefs>
-</ds:datastoreItem>
-</file>
-
-<file path=customXml/itemProps15.xml><?xml version="1.0" encoding="utf-8"?>
-<ds:datastoreItem xmlns:ds="http://schemas.openxmlformats.org/officeDocument/2006/customXml" ds:itemID="{7DF2ABF0-A657-483E-A825-7D7AD75D58EB}">
-  <ds:schemaRefs>
-    <ds:schemaRef ds:uri="http://schemas.microsoft.com/VisualStudio/2011/storyboarding/control"/>
-  </ds:schemaRefs>
-</ds:datastoreItem>
-</file>
-
-<file path=customXml/itemProps150.xml><?xml version="1.0" encoding="utf-8"?>
-<ds:datastoreItem xmlns:ds="http://schemas.openxmlformats.org/officeDocument/2006/customXml" ds:itemID="{F0764B22-2D4A-4BDE-AC53-520F10CDEB0C}">
-  <ds:schemaRefs>
-    <ds:schemaRef ds:uri="http://schemas.microsoft.com/VisualStudio/2011/storyboarding/control"/>
-  </ds:schemaRefs>
-</ds:datastoreItem>
-</file>
-
-<file path=customXml/itemProps151.xml><?xml version="1.0" encoding="utf-8"?>
-<ds:datastoreItem xmlns:ds="http://schemas.openxmlformats.org/officeDocument/2006/customXml" ds:itemID="{F57D7F20-8D8A-4093-92CA-F61E49F872C7}">
-  <ds:schemaRefs>
-    <ds:schemaRef ds:uri="http://schemas.microsoft.com/VisualStudio/2011/storyboarding/control"/>
-  </ds:schemaRefs>
-</ds:datastoreItem>
-</file>
-
-<file path=customXml/itemProps152.xml><?xml version="1.0" encoding="utf-8"?>
-<ds:datastoreItem xmlns:ds="http://schemas.openxmlformats.org/officeDocument/2006/customXml" ds:itemID="{970808CC-EFDC-4C2D-A8F9-20BE287C2AA1}">
-  <ds:schemaRefs>
-    <ds:schemaRef ds:uri="http://schemas.microsoft.com/VisualStudio/2011/storyboarding/control"/>
-  </ds:schemaRefs>
-</ds:datastoreItem>
-</file>
-
-<file path=customXml/itemProps153.xml><?xml version="1.0" encoding="utf-8"?>
+<file path=customXml/itemProps156.xml><?xml version="1.0" encoding="utf-8"?>
 <ds:datastoreItem xmlns:ds="http://schemas.openxmlformats.org/officeDocument/2006/customXml" ds:itemID="{DAAB240A-1815-4069-99AE-770361409F05}">
   <ds:schemaRefs>
     <ds:schemaRef ds:uri="http://schemas.microsoft.com/VisualStudio/2011/storyboarding/control"/>
@@ -21758,48 +21637,24 @@
 </ds:datastoreItem>
 </file>
 
-<file path=customXml/itemProps154.xml><?xml version="1.0" encoding="utf-8"?>
-<ds:datastoreItem xmlns:ds="http://schemas.openxmlformats.org/officeDocument/2006/customXml" ds:itemID="{3825CBDC-2382-4B2B-823A-61F5FD4AE7EC}">
+<file path=customXml/itemProps157.xml><?xml version="1.0" encoding="utf-8"?>
+<ds:datastoreItem xmlns:ds="http://schemas.openxmlformats.org/officeDocument/2006/customXml" ds:itemID="{C99233C3-A98A-4AEB-8B5D-0EC3CF1D7106}">
   <ds:schemaRefs>
     <ds:schemaRef ds:uri="http://schemas.microsoft.com/VisualStudio/2011/storyboarding/control"/>
   </ds:schemaRefs>
 </ds:datastoreItem>
 </file>
 
-<file path=customXml/itemProps155.xml><?xml version="1.0" encoding="utf-8"?>
-<ds:datastoreItem xmlns:ds="http://schemas.openxmlformats.org/officeDocument/2006/customXml" ds:itemID="{FFFA3824-B5BA-4149-A3CD-4B97D6D59C30}">
+<file path=customXml/itemProps158.xml><?xml version="1.0" encoding="utf-8"?>
+<ds:datastoreItem xmlns:ds="http://schemas.openxmlformats.org/officeDocument/2006/customXml" ds:itemID="{56743049-2ABD-431B-B02A-7FA88F06EE61}">
   <ds:schemaRefs>
     <ds:schemaRef ds:uri="http://schemas.microsoft.com/VisualStudio/2011/storyboarding/control"/>
   </ds:schemaRefs>
 </ds:datastoreItem>
 </file>
 
-<file path=customXml/itemProps156.xml><?xml version="1.0" encoding="utf-8"?>
-<ds:datastoreItem xmlns:ds="http://schemas.openxmlformats.org/officeDocument/2006/customXml" ds:itemID="{34A8C6AF-89BA-4AAC-BB25-4674215CAC21}">
-  <ds:schemaRefs>
-    <ds:schemaRef ds:uri="http://schemas.microsoft.com/VisualStudio/2011/storyboarding/control"/>
-  </ds:schemaRefs>
-</ds:datastoreItem>
-</file>
-
-<file path=customXml/itemProps157.xml><?xml version="1.0" encoding="utf-8"?>
-<ds:datastoreItem xmlns:ds="http://schemas.openxmlformats.org/officeDocument/2006/customXml" ds:itemID="{F6718BE4-BA55-42C4-A7DF-640888D65EB3}">
-  <ds:schemaRefs>
-    <ds:schemaRef ds:uri="http://schemas.microsoft.com/VisualStudio/2011/storyboarding/control"/>
-  </ds:schemaRefs>
-</ds:datastoreItem>
-</file>
-
-<file path=customXml/itemProps158.xml><?xml version="1.0" encoding="utf-8"?>
-<ds:datastoreItem xmlns:ds="http://schemas.openxmlformats.org/officeDocument/2006/customXml" ds:itemID="{D720F8B5-4E5D-4F65-8F32-27D2F09AA3C6}">
-  <ds:schemaRefs>
-    <ds:schemaRef ds:uri="http://schemas.microsoft.com/VisualStudio/2011/storyboarding/control"/>
-  </ds:schemaRefs>
-</ds:datastoreItem>
-</file>
-
 <file path=customXml/itemProps159.xml><?xml version="1.0" encoding="utf-8"?>
-<ds:datastoreItem xmlns:ds="http://schemas.openxmlformats.org/officeDocument/2006/customXml" ds:itemID="{308938B8-5B5A-4AD7-B420-C72F5B199B47}">
+<ds:datastoreItem xmlns:ds="http://schemas.openxmlformats.org/officeDocument/2006/customXml" ds:itemID="{7DF2ABF0-A657-483E-A825-7D7AD75D58EB}">
   <ds:schemaRefs>
     <ds:schemaRef ds:uri="http://schemas.microsoft.com/VisualStudio/2011/storyboarding/control"/>
   </ds:schemaRefs>
@@ -21815,6 +21670,342 @@
 </file>
 
 <file path=customXml/itemProps160.xml><?xml version="1.0" encoding="utf-8"?>
+<ds:datastoreItem xmlns:ds="http://schemas.openxmlformats.org/officeDocument/2006/customXml" ds:itemID="{09051472-18CF-47CA-85F5-8BA4435EBEE1}">
+  <ds:schemaRefs>
+    <ds:schemaRef ds:uri="http://schemas.microsoft.com/VisualStudio/2011/storyboarding/control"/>
+  </ds:schemaRefs>
+</ds:datastoreItem>
+</file>
+
+<file path=customXml/itemProps161.xml><?xml version="1.0" encoding="utf-8"?>
+<ds:datastoreItem xmlns:ds="http://schemas.openxmlformats.org/officeDocument/2006/customXml" ds:itemID="{EE5E7AC2-ED17-4EE2-A116-F50CBB215A88}">
+  <ds:schemaRefs>
+    <ds:schemaRef ds:uri="http://schemas.microsoft.com/VisualStudio/2011/storyboarding/control"/>
+  </ds:schemaRefs>
+</ds:datastoreItem>
+</file>
+
+<file path=customXml/itemProps162.xml><?xml version="1.0" encoding="utf-8"?>
+<ds:datastoreItem xmlns:ds="http://schemas.openxmlformats.org/officeDocument/2006/customXml" ds:itemID="{9B0128A6-4DCF-4B54-8DB8-62B45ACFC867}">
+  <ds:schemaRefs>
+    <ds:schemaRef ds:uri="http://schemas.microsoft.com/VisualStudio/2011/storyboarding/control"/>
+  </ds:schemaRefs>
+</ds:datastoreItem>
+</file>
+
+<file path=customXml/itemProps163.xml><?xml version="1.0" encoding="utf-8"?>
+<ds:datastoreItem xmlns:ds="http://schemas.openxmlformats.org/officeDocument/2006/customXml" ds:itemID="{140B45D7-B63C-4DC2-857A-EF7AE1B501A0}">
+  <ds:schemaRefs>
+    <ds:schemaRef ds:uri="http://schemas.microsoft.com/VisualStudio/2011/storyboarding/control"/>
+  </ds:schemaRefs>
+</ds:datastoreItem>
+</file>
+
+<file path=customXml/itemProps164.xml><?xml version="1.0" encoding="utf-8"?>
+<ds:datastoreItem xmlns:ds="http://schemas.openxmlformats.org/officeDocument/2006/customXml" ds:itemID="{D82A573E-3F86-406F-9689-B00DF68F7FE6}">
+  <ds:schemaRefs>
+    <ds:schemaRef ds:uri="http://schemas.microsoft.com/VisualStudio/2011/storyboarding/control"/>
+  </ds:schemaRefs>
+</ds:datastoreItem>
+</file>
+
+<file path=customXml/itemProps165.xml><?xml version="1.0" encoding="utf-8"?>
+<ds:datastoreItem xmlns:ds="http://schemas.openxmlformats.org/officeDocument/2006/customXml" ds:itemID="{01E4AB3E-8E6C-45C5-BB98-FF05D05D4C92}">
+  <ds:schemaRefs>
+    <ds:schemaRef ds:uri="http://schemas.microsoft.com/VisualStudio/2011/storyboarding/control"/>
+  </ds:schemaRefs>
+</ds:datastoreItem>
+</file>
+
+<file path=customXml/itemProps166.xml><?xml version="1.0" encoding="utf-8"?>
+<ds:datastoreItem xmlns:ds="http://schemas.openxmlformats.org/officeDocument/2006/customXml" ds:itemID="{7EB5FBB0-4BAD-4A5C-9F67-936097146C1E}">
+  <ds:schemaRefs>
+    <ds:schemaRef ds:uri="http://schemas.microsoft.com/VisualStudio/2011/storyboarding/control"/>
+  </ds:schemaRefs>
+</ds:datastoreItem>
+</file>
+
+<file path=customXml/itemProps167.xml><?xml version="1.0" encoding="utf-8"?>
+<ds:datastoreItem xmlns:ds="http://schemas.openxmlformats.org/officeDocument/2006/customXml" ds:itemID="{07F1D780-79E7-4B67-885C-5CF881E493AB}">
+  <ds:schemaRefs>
+    <ds:schemaRef ds:uri="http://schemas.microsoft.com/VisualStudio/2011/storyboarding/control"/>
+  </ds:schemaRefs>
+</ds:datastoreItem>
+</file>
+
+<file path=customXml/itemProps168.xml><?xml version="1.0" encoding="utf-8"?>
+<ds:datastoreItem xmlns:ds="http://schemas.openxmlformats.org/officeDocument/2006/customXml" ds:itemID="{CB333C0B-6E62-4CC2-A854-1BB43EA8AF51}">
+  <ds:schemaRefs>
+    <ds:schemaRef ds:uri="http://schemas.microsoft.com/VisualStudio/2011/storyboarding/control"/>
+  </ds:schemaRefs>
+</ds:datastoreItem>
+</file>
+
+<file path=customXml/itemProps169.xml><?xml version="1.0" encoding="utf-8"?>
+<ds:datastoreItem xmlns:ds="http://schemas.openxmlformats.org/officeDocument/2006/customXml" ds:itemID="{C396EFDE-55DB-484F-AF88-77808623464A}">
+  <ds:schemaRefs>
+    <ds:schemaRef ds:uri="http://schemas.microsoft.com/VisualStudio/2011/storyboarding/control"/>
+  </ds:schemaRefs>
+</ds:datastoreItem>
+</file>
+
+<file path=customXml/itemProps17.xml><?xml version="1.0" encoding="utf-8"?>
+<ds:datastoreItem xmlns:ds="http://schemas.openxmlformats.org/officeDocument/2006/customXml" ds:itemID="{A11085C9-CE85-410C-8C14-C1DAD0BC86C0}">
+  <ds:schemaRefs>
+    <ds:schemaRef ds:uri="http://schemas.microsoft.com/VisualStudio/2011/storyboarding/control"/>
+  </ds:schemaRefs>
+</ds:datastoreItem>
+</file>
+
+<file path=customXml/itemProps170.xml><?xml version="1.0" encoding="utf-8"?>
+<ds:datastoreItem xmlns:ds="http://schemas.openxmlformats.org/officeDocument/2006/customXml" ds:itemID="{5EE1FB88-AD18-4EEC-9463-7DC9C1D507A7}">
+  <ds:schemaRefs>
+    <ds:schemaRef ds:uri="http://schemas.microsoft.com/VisualStudio/2011/storyboarding/control"/>
+  </ds:schemaRefs>
+</ds:datastoreItem>
+</file>
+
+<file path=customXml/itemProps171.xml><?xml version="1.0" encoding="utf-8"?>
+<ds:datastoreItem xmlns:ds="http://schemas.openxmlformats.org/officeDocument/2006/customXml" ds:itemID="{C67F4A44-E048-4BA0-A960-97F95619449A}">
+  <ds:schemaRefs>
+    <ds:schemaRef ds:uri="http://schemas.microsoft.com/VisualStudio/2011/storyboarding/control"/>
+  </ds:schemaRefs>
+</ds:datastoreItem>
+</file>
+
+<file path=customXml/itemProps172.xml><?xml version="1.0" encoding="utf-8"?>
+<ds:datastoreItem xmlns:ds="http://schemas.openxmlformats.org/officeDocument/2006/customXml" ds:itemID="{472359DE-35C2-4745-8033-8DFA3ACAD0C8}">
+  <ds:schemaRefs>
+    <ds:schemaRef ds:uri="http://schemas.microsoft.com/VisualStudio/2011/storyboarding/control"/>
+  </ds:schemaRefs>
+</ds:datastoreItem>
+</file>
+
+<file path=customXml/itemProps173.xml><?xml version="1.0" encoding="utf-8"?>
+<ds:datastoreItem xmlns:ds="http://schemas.openxmlformats.org/officeDocument/2006/customXml" ds:itemID="{1730FA09-BEB1-4318-88B5-B8FFB3FB538C}">
+  <ds:schemaRefs>
+    <ds:schemaRef ds:uri="http://schemas.microsoft.com/VisualStudio/2011/storyboarding/control"/>
+  </ds:schemaRefs>
+</ds:datastoreItem>
+</file>
+
+<file path=customXml/itemProps174.xml><?xml version="1.0" encoding="utf-8"?>
+<ds:datastoreItem xmlns:ds="http://schemas.openxmlformats.org/officeDocument/2006/customXml" ds:itemID="{2AC39710-8EBD-4A86-891D-649F660EB0CF}">
+  <ds:schemaRefs>
+    <ds:schemaRef ds:uri="http://schemas.microsoft.com/VisualStudio/2011/storyboarding/control"/>
+  </ds:schemaRefs>
+</ds:datastoreItem>
+</file>
+
+<file path=customXml/itemProps175.xml><?xml version="1.0" encoding="utf-8"?>
+<ds:datastoreItem xmlns:ds="http://schemas.openxmlformats.org/officeDocument/2006/customXml" ds:itemID="{F229B0C3-2350-4504-AEFB-2B0B2C6A4996}">
+  <ds:schemaRefs>
+    <ds:schemaRef ds:uri="http://schemas.microsoft.com/VisualStudio/2011/storyboarding/control"/>
+  </ds:schemaRefs>
+</ds:datastoreItem>
+</file>
+
+<file path=customXml/itemProps176.xml><?xml version="1.0" encoding="utf-8"?>
+<ds:datastoreItem xmlns:ds="http://schemas.openxmlformats.org/officeDocument/2006/customXml" ds:itemID="{23E2992B-1ED8-4B0D-AC82-22FE2BA2D275}">
+  <ds:schemaRefs>
+    <ds:schemaRef ds:uri="http://schemas.microsoft.com/VisualStudio/2011/storyboarding/control"/>
+  </ds:schemaRefs>
+</ds:datastoreItem>
+</file>
+
+<file path=customXml/itemProps177.xml><?xml version="1.0" encoding="utf-8"?>
+<ds:datastoreItem xmlns:ds="http://schemas.openxmlformats.org/officeDocument/2006/customXml" ds:itemID="{B0B25B28-A4DE-4830-8576-AC7230E6DC55}">
+  <ds:schemaRefs>
+    <ds:schemaRef ds:uri="http://schemas.microsoft.com/VisualStudio/2011/storyboarding/control"/>
+  </ds:schemaRefs>
+</ds:datastoreItem>
+</file>
+
+<file path=customXml/itemProps178.xml><?xml version="1.0" encoding="utf-8"?>
+<ds:datastoreItem xmlns:ds="http://schemas.openxmlformats.org/officeDocument/2006/customXml" ds:itemID="{9267F5F6-CB2C-4F89-9D38-9114FA0C9608}">
+  <ds:schemaRefs>
+    <ds:schemaRef ds:uri="http://schemas.microsoft.com/VisualStudio/2011/storyboarding/control"/>
+  </ds:schemaRefs>
+</ds:datastoreItem>
+</file>
+
+<file path=customXml/itemProps179.xml><?xml version="1.0" encoding="utf-8"?>
+<ds:datastoreItem xmlns:ds="http://schemas.openxmlformats.org/officeDocument/2006/customXml" ds:itemID="{A8737BAB-4C91-471B-9599-7893D6797BB9}">
+  <ds:schemaRefs>
+    <ds:schemaRef ds:uri="http://schemas.microsoft.com/VisualStudio/2011/storyboarding/control"/>
+  </ds:schemaRefs>
+</ds:datastoreItem>
+</file>
+
+<file path=customXml/itemProps18.xml><?xml version="1.0" encoding="utf-8"?>
+<ds:datastoreItem xmlns:ds="http://schemas.openxmlformats.org/officeDocument/2006/customXml" ds:itemID="{EE0AD0F0-08DC-45BF-B4AE-93E8E547477B}">
+  <ds:schemaRefs>
+    <ds:schemaRef ds:uri="http://schemas.microsoft.com/VisualStudio/2011/storyboarding/control"/>
+  </ds:schemaRefs>
+</ds:datastoreItem>
+</file>
+
+<file path=customXml/itemProps180.xml><?xml version="1.0" encoding="utf-8"?>
+<ds:datastoreItem xmlns:ds="http://schemas.openxmlformats.org/officeDocument/2006/customXml" ds:itemID="{6C1FAC71-DE97-4ACD-BCC1-B47B34022E99}">
+  <ds:schemaRefs>
+    <ds:schemaRef ds:uri="http://schemas.microsoft.com/VisualStudio/2011/storyboarding/control"/>
+  </ds:schemaRefs>
+</ds:datastoreItem>
+</file>
+
+<file path=customXml/itemProps181.xml><?xml version="1.0" encoding="utf-8"?>
+<ds:datastoreItem xmlns:ds="http://schemas.openxmlformats.org/officeDocument/2006/customXml" ds:itemID="{B94C94E9-3549-4252-B44D-3B324206EFAC}">
+  <ds:schemaRefs>
+    <ds:schemaRef ds:uri="http://schemas.microsoft.com/VisualStudio/2011/storyboarding/control"/>
+  </ds:schemaRefs>
+</ds:datastoreItem>
+</file>
+
+<file path=customXml/itemProps182.xml><?xml version="1.0" encoding="utf-8"?>
+<ds:datastoreItem xmlns:ds="http://schemas.openxmlformats.org/officeDocument/2006/customXml" ds:itemID="{F284D9D2-9AE8-4FF9-B76F-9DA21B3CFD53}">
+  <ds:schemaRefs>
+    <ds:schemaRef ds:uri="http://schemas.microsoft.com/VisualStudio/2011/storyboarding/control"/>
+  </ds:schemaRefs>
+</ds:datastoreItem>
+</file>
+
+<file path=customXml/itemProps183.xml><?xml version="1.0" encoding="utf-8"?>
+<ds:datastoreItem xmlns:ds="http://schemas.openxmlformats.org/officeDocument/2006/customXml" ds:itemID="{3F22B5C5-CC97-42CA-908B-AAA355F12BE0}">
+  <ds:schemaRefs>
+    <ds:schemaRef ds:uri="http://schemas.microsoft.com/VisualStudio/2011/storyboarding/control"/>
+  </ds:schemaRefs>
+</ds:datastoreItem>
+</file>
+
+<file path=customXml/itemProps19.xml><?xml version="1.0" encoding="utf-8"?>
+<ds:datastoreItem xmlns:ds="http://schemas.openxmlformats.org/officeDocument/2006/customXml" ds:itemID="{359451AD-5789-4786-983C-25E0CCD8DA4D}">
+  <ds:schemaRefs>
+    <ds:schemaRef ds:uri="http://schemas.microsoft.com/VisualStudio/2011/storyboarding/control"/>
+  </ds:schemaRefs>
+</ds:datastoreItem>
+</file>
+
+<file path=customXml/itemProps2.xml><?xml version="1.0" encoding="utf-8"?>
+<ds:datastoreItem xmlns:ds="http://schemas.openxmlformats.org/officeDocument/2006/customXml" ds:itemID="{0424C796-CEEE-4DDF-97C1-CD83DE043BA9}">
+  <ds:schemaRefs>
+    <ds:schemaRef ds:uri="http://schemas.microsoft.com/VisualStudio/2011/storyboarding/control"/>
+  </ds:schemaRefs>
+</ds:datastoreItem>
+</file>
+
+<file path=customXml/itemProps20.xml><?xml version="1.0" encoding="utf-8"?>
+<ds:datastoreItem xmlns:ds="http://schemas.openxmlformats.org/officeDocument/2006/customXml" ds:itemID="{AD03A149-60BC-4E45-BF3B-EAEEC14DA93D}">
+  <ds:schemaRefs>
+    <ds:schemaRef ds:uri="http://schemas.microsoft.com/VisualStudio/2011/storyboarding/control"/>
+  </ds:schemaRefs>
+</ds:datastoreItem>
+</file>
+
+<file path=customXml/itemProps21.xml><?xml version="1.0" encoding="utf-8"?>
+<ds:datastoreItem xmlns:ds="http://schemas.openxmlformats.org/officeDocument/2006/customXml" ds:itemID="{5ACE5F2D-43B9-499B-9601-282E7DB9536F}">
+  <ds:schemaRefs>
+    <ds:schemaRef ds:uri="http://schemas.microsoft.com/VisualStudio/2011/storyboarding/control"/>
+  </ds:schemaRefs>
+</ds:datastoreItem>
+</file>
+
+<file path=customXml/itemProps22.xml><?xml version="1.0" encoding="utf-8"?>
+<ds:datastoreItem xmlns:ds="http://schemas.openxmlformats.org/officeDocument/2006/customXml" ds:itemID="{05A5C0DE-9F86-454A-B3A3-C961D9F0F0D5}">
+  <ds:schemaRefs>
+    <ds:schemaRef ds:uri="http://schemas.microsoft.com/VisualStudio/2011/storyboarding/control"/>
+  </ds:schemaRefs>
+</ds:datastoreItem>
+</file>
+
+<file path=customXml/itemProps23.xml><?xml version="1.0" encoding="utf-8"?>
+<ds:datastoreItem xmlns:ds="http://schemas.openxmlformats.org/officeDocument/2006/customXml" ds:itemID="{F6BB3B52-D372-43FA-8430-8BDB2E2CBC1B}">
+  <ds:schemaRefs>
+    <ds:schemaRef ds:uri="http://schemas.microsoft.com/VisualStudio/2011/storyboarding/control"/>
+  </ds:schemaRefs>
+</ds:datastoreItem>
+</file>
+
+<file path=customXml/itemProps24.xml><?xml version="1.0" encoding="utf-8"?>
+<ds:datastoreItem xmlns:ds="http://schemas.openxmlformats.org/officeDocument/2006/customXml" ds:itemID="{C8EEEDF0-87F8-45BE-A566-8AB081104D05}">
+  <ds:schemaRefs>
+    <ds:schemaRef ds:uri="http://schemas.microsoft.com/VisualStudio/2011/storyboarding/control"/>
+  </ds:schemaRefs>
+</ds:datastoreItem>
+</file>
+
+<file path=customXml/itemProps25.xml><?xml version="1.0" encoding="utf-8"?>
+<ds:datastoreItem xmlns:ds="http://schemas.openxmlformats.org/officeDocument/2006/customXml" ds:itemID="{E17B6543-69F3-4147-ACA1-AA36E4DA76EE}">
+  <ds:schemaRefs>
+    <ds:schemaRef ds:uri="http://schemas.microsoft.com/VisualStudio/2011/storyboarding/control"/>
+  </ds:schemaRefs>
+</ds:datastoreItem>
+</file>
+
+<file path=customXml/itemProps26.xml><?xml version="1.0" encoding="utf-8"?>
+<ds:datastoreItem xmlns:ds="http://schemas.openxmlformats.org/officeDocument/2006/customXml" ds:itemID="{C93B553A-D4BE-44D5-9572-BBA9F7695BD6}">
+  <ds:schemaRefs>
+    <ds:schemaRef ds:uri="http://schemas.microsoft.com/VisualStudio/2011/storyboarding/control"/>
+  </ds:schemaRefs>
+</ds:datastoreItem>
+</file>
+
+<file path=customXml/itemProps27.xml><?xml version="1.0" encoding="utf-8"?>
+<ds:datastoreItem xmlns:ds="http://schemas.openxmlformats.org/officeDocument/2006/customXml" ds:itemID="{1B96908C-701E-4DD7-8BF1-3E946F4CC7DC}">
+  <ds:schemaRefs>
+    <ds:schemaRef ds:uri="http://schemas.microsoft.com/VisualStudio/2011/storyboarding/control"/>
+  </ds:schemaRefs>
+</ds:datastoreItem>
+</file>
+
+<file path=customXml/itemProps28.xml><?xml version="1.0" encoding="utf-8"?>
+<ds:datastoreItem xmlns:ds="http://schemas.openxmlformats.org/officeDocument/2006/customXml" ds:itemID="{9C5A445A-21D4-4A62-9659-8969E9EE41FB}">
+  <ds:schemaRefs>
+    <ds:schemaRef ds:uri="http://schemas.microsoft.com/VisualStudio/2011/storyboarding/control"/>
+  </ds:schemaRefs>
+</ds:datastoreItem>
+</file>
+
+<file path=customXml/itemProps29.xml><?xml version="1.0" encoding="utf-8"?>
+<ds:datastoreItem xmlns:ds="http://schemas.openxmlformats.org/officeDocument/2006/customXml" ds:itemID="{9E423A22-4BCE-402A-BAFD-F84E5D0414CC}">
+  <ds:schemaRefs>
+    <ds:schemaRef ds:uri="http://schemas.microsoft.com/VisualStudio/2011/storyboarding/control"/>
+  </ds:schemaRefs>
+</ds:datastoreItem>
+</file>
+
+<file path=customXml/itemProps3.xml><?xml version="1.0" encoding="utf-8"?>
+<ds:datastoreItem xmlns:ds="http://schemas.openxmlformats.org/officeDocument/2006/customXml" ds:itemID="{A70A52A0-10C3-433F-965F-E71B5CE71404}">
+  <ds:schemaRefs>
+    <ds:schemaRef ds:uri="http://schemas.microsoft.com/VisualStudio/2011/storyboarding/control"/>
+  </ds:schemaRefs>
+</ds:datastoreItem>
+</file>
+
+<file path=customXml/itemProps30.xml><?xml version="1.0" encoding="utf-8"?>
+<ds:datastoreItem xmlns:ds="http://schemas.openxmlformats.org/officeDocument/2006/customXml" ds:itemID="{C67C2E29-8B85-4C01-9601-4DF7C088852B}">
+  <ds:schemaRefs>
+    <ds:schemaRef ds:uri="http://schemas.microsoft.com/VisualStudio/2011/storyboarding/control"/>
+  </ds:schemaRefs>
+</ds:datastoreItem>
+</file>
+
+<file path=customXml/itemProps31.xml><?xml version="1.0" encoding="utf-8"?>
+<ds:datastoreItem xmlns:ds="http://schemas.openxmlformats.org/officeDocument/2006/customXml" ds:itemID="{5C50AFE5-31CA-49EE-99DF-F173589FB283}">
+  <ds:schemaRefs>
+    <ds:schemaRef ds:uri="http://schemas.microsoft.com/VisualStudio/2011/storyboarding/control"/>
+  </ds:schemaRefs>
+</ds:datastoreItem>
+</file>
+
+<file path=customXml/itemProps32.xml><?xml version="1.0" encoding="utf-8"?>
+<ds:datastoreItem xmlns:ds="http://schemas.openxmlformats.org/officeDocument/2006/customXml" ds:itemID="{7DF9F5EC-ABF9-4A06-ABEB-0EE3B01137C9}">
+  <ds:schemaRefs>
+    <ds:schemaRef ds:uri="http://schemas.microsoft.com/VisualStudio/2011/storyboarding/control"/>
+  </ds:schemaRefs>
+</ds:datastoreItem>
+</file>
+
+<file path=customXml/itemProps33.xml><?xml version="1.0" encoding="utf-8"?>
 <ds:datastoreItem xmlns:ds="http://schemas.openxmlformats.org/officeDocument/2006/customXml" ds:itemID="{049181A1-1F75-42A1-9CBC-E53FE9F75F8B}">
   <ds:schemaRefs>
     <ds:schemaRef ds:uri="http://schemas.microsoft.com/VisualStudio/2011/storyboarding/control"/>
@@ -21822,7 +22013,295 @@
 </ds:datastoreItem>
 </file>
 
-<file path=customXml/itemProps161.xml><?xml version="1.0" encoding="utf-8"?>
+<file path=customXml/itemProps34.xml><?xml version="1.0" encoding="utf-8"?>
+<ds:datastoreItem xmlns:ds="http://schemas.openxmlformats.org/officeDocument/2006/customXml" ds:itemID="{AE133592-91BF-43F3-82E8-75992A83F958}">
+  <ds:schemaRefs>
+    <ds:schemaRef ds:uri="http://schemas.microsoft.com/VisualStudio/2011/storyboarding/control"/>
+  </ds:schemaRefs>
+</ds:datastoreItem>
+</file>
+
+<file path=customXml/itemProps35.xml><?xml version="1.0" encoding="utf-8"?>
+<ds:datastoreItem xmlns:ds="http://schemas.openxmlformats.org/officeDocument/2006/customXml" ds:itemID="{BAEB86E7-E164-49B6-871C-5F746B5B8EF6}">
+  <ds:schemaRefs>
+    <ds:schemaRef ds:uri="http://schemas.microsoft.com/VisualStudio/2011/storyboarding/control"/>
+  </ds:schemaRefs>
+</ds:datastoreItem>
+</file>
+
+<file path=customXml/itemProps36.xml><?xml version="1.0" encoding="utf-8"?>
+<ds:datastoreItem xmlns:ds="http://schemas.openxmlformats.org/officeDocument/2006/customXml" ds:itemID="{C4AB037D-6418-4D7E-BFC2-48DBAE1E4533}">
+  <ds:schemaRefs>
+    <ds:schemaRef ds:uri="http://schemas.microsoft.com/VisualStudio/2011/storyboarding/control"/>
+  </ds:schemaRefs>
+</ds:datastoreItem>
+</file>
+
+<file path=customXml/itemProps37.xml><?xml version="1.0" encoding="utf-8"?>
+<ds:datastoreItem xmlns:ds="http://schemas.openxmlformats.org/officeDocument/2006/customXml" ds:itemID="{B3D4D9B7-20B6-4BBA-8CF7-C78B8D39190F}">
+  <ds:schemaRefs>
+    <ds:schemaRef ds:uri="http://schemas.microsoft.com/VisualStudio/2011/storyboarding/control"/>
+  </ds:schemaRefs>
+</ds:datastoreItem>
+</file>
+
+<file path=customXml/itemProps38.xml><?xml version="1.0" encoding="utf-8"?>
+<ds:datastoreItem xmlns:ds="http://schemas.openxmlformats.org/officeDocument/2006/customXml" ds:itemID="{EDE6F11C-8833-46DC-9AA5-934766672105}">
+  <ds:schemaRefs>
+    <ds:schemaRef ds:uri="http://schemas.microsoft.com/VisualStudio/2011/storyboarding/control"/>
+  </ds:schemaRefs>
+</ds:datastoreItem>
+</file>
+
+<file path=customXml/itemProps39.xml><?xml version="1.0" encoding="utf-8"?>
+<ds:datastoreItem xmlns:ds="http://schemas.openxmlformats.org/officeDocument/2006/customXml" ds:itemID="{CAC8BF1D-7453-429D-BAE2-B591FFB3EC30}">
+  <ds:schemaRefs>
+    <ds:schemaRef ds:uri="http://schemas.microsoft.com/VisualStudio/2011/storyboarding/control"/>
+  </ds:schemaRefs>
+</ds:datastoreItem>
+</file>
+
+<file path=customXml/itemProps4.xml><?xml version="1.0" encoding="utf-8"?>
+<ds:datastoreItem xmlns:ds="http://schemas.openxmlformats.org/officeDocument/2006/customXml" ds:itemID="{4F7BC006-D49C-4104-A4DE-079B2452BCE7}">
+  <ds:schemaRefs>
+    <ds:schemaRef ds:uri="http://schemas.microsoft.com/VisualStudio/2011/storyboarding/control"/>
+  </ds:schemaRefs>
+</ds:datastoreItem>
+</file>
+
+<file path=customXml/itemProps40.xml><?xml version="1.0" encoding="utf-8"?>
+<ds:datastoreItem xmlns:ds="http://schemas.openxmlformats.org/officeDocument/2006/customXml" ds:itemID="{CCAA2B17-FBBE-44B2-85F7-769E7C598577}">
+  <ds:schemaRefs>
+    <ds:schemaRef ds:uri="http://schemas.microsoft.com/VisualStudio/2011/storyboarding/control"/>
+  </ds:schemaRefs>
+</ds:datastoreItem>
+</file>
+
+<file path=customXml/itemProps41.xml><?xml version="1.0" encoding="utf-8"?>
+<ds:datastoreItem xmlns:ds="http://schemas.openxmlformats.org/officeDocument/2006/customXml" ds:itemID="{745085FE-DB98-4BEE-AF95-EC9E509AA77F}">
+  <ds:schemaRefs>
+    <ds:schemaRef ds:uri="http://schemas.microsoft.com/VisualStudio/2011/storyboarding/control"/>
+  </ds:schemaRefs>
+</ds:datastoreItem>
+</file>
+
+<file path=customXml/itemProps42.xml><?xml version="1.0" encoding="utf-8"?>
+<ds:datastoreItem xmlns:ds="http://schemas.openxmlformats.org/officeDocument/2006/customXml" ds:itemID="{4F71AC99-AAC7-4B08-882F-6DF5CB4951C4}">
+  <ds:schemaRefs>
+    <ds:schemaRef ds:uri="http://schemas.microsoft.com/VisualStudio/2011/storyboarding/control"/>
+  </ds:schemaRefs>
+</ds:datastoreItem>
+</file>
+
+<file path=customXml/itemProps43.xml><?xml version="1.0" encoding="utf-8"?>
+<ds:datastoreItem xmlns:ds="http://schemas.openxmlformats.org/officeDocument/2006/customXml" ds:itemID="{49972C50-125F-4986-B72A-0AFA7D0998EC}">
+  <ds:schemaRefs>
+    <ds:schemaRef ds:uri="http://schemas.microsoft.com/VisualStudio/2011/storyboarding/control"/>
+  </ds:schemaRefs>
+</ds:datastoreItem>
+</file>
+
+<file path=customXml/itemProps44.xml><?xml version="1.0" encoding="utf-8"?>
+<ds:datastoreItem xmlns:ds="http://schemas.openxmlformats.org/officeDocument/2006/customXml" ds:itemID="{B22494E9-33AF-41B1-B23D-BE8149B8B97E}">
+  <ds:schemaRefs>
+    <ds:schemaRef ds:uri="http://schemas.microsoft.com/VisualStudio/2011/storyboarding/control"/>
+  </ds:schemaRefs>
+</ds:datastoreItem>
+</file>
+
+<file path=customXml/itemProps45.xml><?xml version="1.0" encoding="utf-8"?>
+<ds:datastoreItem xmlns:ds="http://schemas.openxmlformats.org/officeDocument/2006/customXml" ds:itemID="{ED1EBD49-FEBE-4CF5-AE49-CD0D1B8CF582}">
+  <ds:schemaRefs>
+    <ds:schemaRef ds:uri="http://schemas.microsoft.com/VisualStudio/2011/storyboarding/control"/>
+  </ds:schemaRefs>
+</ds:datastoreItem>
+</file>
+
+<file path=customXml/itemProps46.xml><?xml version="1.0" encoding="utf-8"?>
+<ds:datastoreItem xmlns:ds="http://schemas.openxmlformats.org/officeDocument/2006/customXml" ds:itemID="{A3A995BE-8405-451F-98A8-0166530A535D}">
+  <ds:schemaRefs>
+    <ds:schemaRef ds:uri="http://schemas.microsoft.com/VisualStudio/2011/storyboarding/control"/>
+  </ds:schemaRefs>
+</ds:datastoreItem>
+</file>
+
+<file path=customXml/itemProps47.xml><?xml version="1.0" encoding="utf-8"?>
+<ds:datastoreItem xmlns:ds="http://schemas.openxmlformats.org/officeDocument/2006/customXml" ds:itemID="{F0764B22-2D4A-4BDE-AC53-520F10CDEB0C}">
+  <ds:schemaRefs>
+    <ds:schemaRef ds:uri="http://schemas.microsoft.com/VisualStudio/2011/storyboarding/control"/>
+  </ds:schemaRefs>
+</ds:datastoreItem>
+</file>
+
+<file path=customXml/itemProps48.xml><?xml version="1.0" encoding="utf-8"?>
+<ds:datastoreItem xmlns:ds="http://schemas.openxmlformats.org/officeDocument/2006/customXml" ds:itemID="{FFFA3824-B5BA-4149-A3CD-4B97D6D59C30}">
+  <ds:schemaRefs>
+    <ds:schemaRef ds:uri="http://schemas.microsoft.com/VisualStudio/2011/storyboarding/control"/>
+  </ds:schemaRefs>
+</ds:datastoreItem>
+</file>
+
+<file path=customXml/itemProps49.xml><?xml version="1.0" encoding="utf-8"?>
+<ds:datastoreItem xmlns:ds="http://schemas.openxmlformats.org/officeDocument/2006/customXml" ds:itemID="{5E23E331-DFA1-4B30-B86B-EDD7393AE853}">
+  <ds:schemaRefs>
+    <ds:schemaRef ds:uri="http://schemas.microsoft.com/VisualStudio/2011/storyboarding/control"/>
+  </ds:schemaRefs>
+</ds:datastoreItem>
+</file>
+
+<file path=customXml/itemProps5.xml><?xml version="1.0" encoding="utf-8"?>
+<ds:datastoreItem xmlns:ds="http://schemas.openxmlformats.org/officeDocument/2006/customXml" ds:itemID="{F09159EE-135D-4570-91A4-0C5C2AE4C55D}">
+  <ds:schemaRefs>
+    <ds:schemaRef ds:uri="http://schemas.microsoft.com/VisualStudio/2011/storyboarding/control"/>
+  </ds:schemaRefs>
+</ds:datastoreItem>
+</file>
+
+<file path=customXml/itemProps50.xml><?xml version="1.0" encoding="utf-8"?>
+<ds:datastoreItem xmlns:ds="http://schemas.openxmlformats.org/officeDocument/2006/customXml" ds:itemID="{2BAC05C2-24A7-4700-B906-E94AE5949FA8}">
+  <ds:schemaRefs>
+    <ds:schemaRef ds:uri="http://schemas.microsoft.com/VisualStudio/2011/storyboarding/control"/>
+  </ds:schemaRefs>
+</ds:datastoreItem>
+</file>
+
+<file path=customXml/itemProps51.xml><?xml version="1.0" encoding="utf-8"?>
+<ds:datastoreItem xmlns:ds="http://schemas.openxmlformats.org/officeDocument/2006/customXml" ds:itemID="{D29A6BE6-9E89-4776-9BDD-231956377B28}">
+  <ds:schemaRefs>
+    <ds:schemaRef ds:uri="http://schemas.microsoft.com/VisualStudio/2011/storyboarding/control"/>
+  </ds:schemaRefs>
+</ds:datastoreItem>
+</file>
+
+<file path=customXml/itemProps52.xml><?xml version="1.0" encoding="utf-8"?>
+<ds:datastoreItem xmlns:ds="http://schemas.openxmlformats.org/officeDocument/2006/customXml" ds:itemID="{9EA59748-ED5F-4D0C-8BA1-BE72A0731599}">
+  <ds:schemaRefs>
+    <ds:schemaRef ds:uri="http://schemas.microsoft.com/VisualStudio/2011/storyboarding/control"/>
+  </ds:schemaRefs>
+</ds:datastoreItem>
+</file>
+
+<file path=customXml/itemProps53.xml><?xml version="1.0" encoding="utf-8"?>
+<ds:datastoreItem xmlns:ds="http://schemas.openxmlformats.org/officeDocument/2006/customXml" ds:itemID="{2A341FE5-16E6-497E-9054-6185DE5502ED}">
+  <ds:schemaRefs>
+    <ds:schemaRef ds:uri="http://schemas.microsoft.com/VisualStudio/2011/storyboarding/control"/>
+  </ds:schemaRefs>
+</ds:datastoreItem>
+</file>
+
+<file path=customXml/itemProps54.xml><?xml version="1.0" encoding="utf-8"?>
+<ds:datastoreItem xmlns:ds="http://schemas.openxmlformats.org/officeDocument/2006/customXml" ds:itemID="{EA2676A7-9C50-4C10-89E6-AB65B545C04F}">
+  <ds:schemaRefs>
+    <ds:schemaRef ds:uri="http://schemas.microsoft.com/VisualStudio/2011/storyboarding/control"/>
+  </ds:schemaRefs>
+</ds:datastoreItem>
+</file>
+
+<file path=customXml/itemProps55.xml><?xml version="1.0" encoding="utf-8"?>
+<ds:datastoreItem xmlns:ds="http://schemas.openxmlformats.org/officeDocument/2006/customXml" ds:itemID="{C8EE70C6-1700-40F7-8910-39CEC690C133}">
+  <ds:schemaRefs>
+    <ds:schemaRef ds:uri="http://schemas.microsoft.com/VisualStudio/2011/storyboarding/control"/>
+  </ds:schemaRefs>
+</ds:datastoreItem>
+</file>
+
+<file path=customXml/itemProps56.xml><?xml version="1.0" encoding="utf-8"?>
+<ds:datastoreItem xmlns:ds="http://schemas.openxmlformats.org/officeDocument/2006/customXml" ds:itemID="{F00E0E16-184C-4A2D-96EF-76F272AE2101}">
+  <ds:schemaRefs>
+    <ds:schemaRef ds:uri="http://schemas.microsoft.com/VisualStudio/2011/storyboarding/control"/>
+  </ds:schemaRefs>
+</ds:datastoreItem>
+</file>
+
+<file path=customXml/itemProps57.xml><?xml version="1.0" encoding="utf-8"?>
+<ds:datastoreItem xmlns:ds="http://schemas.openxmlformats.org/officeDocument/2006/customXml" ds:itemID="{B2AF46B0-769C-402D-BAE5-422F258AFBD0}">
+  <ds:schemaRefs>
+    <ds:schemaRef ds:uri="http://schemas.microsoft.com/VisualStudio/2011/storyboarding/control"/>
+  </ds:schemaRefs>
+</ds:datastoreItem>
+</file>
+
+<file path=customXml/itemProps58.xml><?xml version="1.0" encoding="utf-8"?>
+<ds:datastoreItem xmlns:ds="http://schemas.openxmlformats.org/officeDocument/2006/customXml" ds:itemID="{61562145-E5F1-454A-96A2-938722A9512F}">
+  <ds:schemaRefs>
+    <ds:schemaRef ds:uri="http://schemas.microsoft.com/VisualStudio/2011/storyboarding/control"/>
+  </ds:schemaRefs>
+</ds:datastoreItem>
+</file>
+
+<file path=customXml/itemProps59.xml><?xml version="1.0" encoding="utf-8"?>
+<ds:datastoreItem xmlns:ds="http://schemas.openxmlformats.org/officeDocument/2006/customXml" ds:itemID="{8131B0AC-E5F7-4697-99B2-62236105E1F2}">
+  <ds:schemaRefs>
+    <ds:schemaRef ds:uri="http://schemas.microsoft.com/VisualStudio/2011/storyboarding/control"/>
+  </ds:schemaRefs>
+</ds:datastoreItem>
+</file>
+
+<file path=customXml/itemProps6.xml><?xml version="1.0" encoding="utf-8"?>
+<ds:datastoreItem xmlns:ds="http://schemas.openxmlformats.org/officeDocument/2006/customXml" ds:itemID="{8066A16A-6E4C-43AC-B6C7-C289AD4A2888}">
+  <ds:schemaRefs>
+    <ds:schemaRef ds:uri="http://schemas.microsoft.com/VisualStudio/2011/storyboarding/control"/>
+  </ds:schemaRefs>
+</ds:datastoreItem>
+</file>
+
+<file path=customXml/itemProps60.xml><?xml version="1.0" encoding="utf-8"?>
+<ds:datastoreItem xmlns:ds="http://schemas.openxmlformats.org/officeDocument/2006/customXml" ds:itemID="{EF83C463-9796-44E2-8165-FABC5FD58E50}">
+  <ds:schemaRefs>
+    <ds:schemaRef ds:uri="http://schemas.microsoft.com/VisualStudio/2011/storyboarding/control"/>
+  </ds:schemaRefs>
+</ds:datastoreItem>
+</file>
+
+<file path=customXml/itemProps61.xml><?xml version="1.0" encoding="utf-8"?>
+<ds:datastoreItem xmlns:ds="http://schemas.openxmlformats.org/officeDocument/2006/customXml" ds:itemID="{8EC8BF3F-D70D-452D-BA2C-B42F30ACF29A}">
+  <ds:schemaRefs>
+    <ds:schemaRef ds:uri="http://schemas.microsoft.com/VisualStudio/2011/storyboarding/control"/>
+  </ds:schemaRefs>
+</ds:datastoreItem>
+</file>
+
+<file path=customXml/itemProps62.xml><?xml version="1.0" encoding="utf-8"?>
+<ds:datastoreItem xmlns:ds="http://schemas.openxmlformats.org/officeDocument/2006/customXml" ds:itemID="{F0DA3736-FB8A-4C20-B31B-203E71B75095}">
+  <ds:schemaRefs>
+    <ds:schemaRef ds:uri="http://schemas.microsoft.com/VisualStudio/2011/storyboarding/control"/>
+  </ds:schemaRefs>
+</ds:datastoreItem>
+</file>
+
+<file path=customXml/itemProps63.xml><?xml version="1.0" encoding="utf-8"?>
+<ds:datastoreItem xmlns:ds="http://schemas.openxmlformats.org/officeDocument/2006/customXml" ds:itemID="{E3A97017-1CFB-4998-A894-CD54C884ACE0}">
+  <ds:schemaRefs>
+    <ds:schemaRef ds:uri="http://schemas.microsoft.com/VisualStudio/2011/storyboarding/control"/>
+  </ds:schemaRefs>
+</ds:datastoreItem>
+</file>
+
+<file path=customXml/itemProps64.xml><?xml version="1.0" encoding="utf-8"?>
+<ds:datastoreItem xmlns:ds="http://schemas.openxmlformats.org/officeDocument/2006/customXml" ds:itemID="{32967E52-0998-43C5-8CBE-22AA8F73FB5B}">
+  <ds:schemaRefs>
+    <ds:schemaRef ds:uri="http://schemas.microsoft.com/VisualStudio/2011/storyboarding/control"/>
+  </ds:schemaRefs>
+</ds:datastoreItem>
+</file>
+
+<file path=customXml/itemProps65.xml><?xml version="1.0" encoding="utf-8"?>
+<ds:datastoreItem xmlns:ds="http://schemas.openxmlformats.org/officeDocument/2006/customXml" ds:itemID="{AE30034D-2A15-4CA8-B7AC-D145F04F76E7}">
+  <ds:schemaRefs>
+    <ds:schemaRef ds:uri="http://schemas.microsoft.com/VisualStudio/2011/storyboarding/control"/>
+  </ds:schemaRefs>
+</ds:datastoreItem>
+</file>
+
+<file path=customXml/itemProps66.xml><?xml version="1.0" encoding="utf-8"?>
+<ds:datastoreItem xmlns:ds="http://schemas.openxmlformats.org/officeDocument/2006/customXml" ds:itemID="{C99E5EC3-A642-4D44-A4C2-4E084F4EF8E1}">
+  <ds:schemaRefs>
+    <ds:schemaRef ds:uri="http://schemas.microsoft.com/VisualStudio/2011/storyboarding/control"/>
+  </ds:schemaRefs>
+</ds:datastoreItem>
+</file>
+
+<file path=customXml/itemProps67.xml><?xml version="1.0" encoding="utf-8"?>
 <ds:datastoreItem xmlns:ds="http://schemas.openxmlformats.org/officeDocument/2006/customXml" ds:itemID="{7BC08C7E-290E-408E-8211-B668683D2CAF}">
   <ds:schemaRefs>
     <ds:schemaRef ds:uri="http://schemas.microsoft.com/VisualStudio/2011/storyboarding/control"/>
@@ -21830,39 +22309,7 @@
 </ds:datastoreItem>
 </file>
 
-<file path=customXml/itemProps162.xml><?xml version="1.0" encoding="utf-8"?>
-<ds:datastoreItem xmlns:ds="http://schemas.openxmlformats.org/officeDocument/2006/customXml" ds:itemID="{C0E55E7D-6075-4A69-B567-79689DA5E8AA}">
-  <ds:schemaRefs>
-    <ds:schemaRef ds:uri="http://schemas.microsoft.com/VisualStudio/2011/storyboarding/control"/>
-  </ds:schemaRefs>
-</ds:datastoreItem>
-</file>
-
-<file path=customXml/itemProps163.xml><?xml version="1.0" encoding="utf-8"?>
-<ds:datastoreItem xmlns:ds="http://schemas.openxmlformats.org/officeDocument/2006/customXml" ds:itemID="{F2844465-AC45-41F2-B426-E866480BF485}">
-  <ds:schemaRefs>
-    <ds:schemaRef ds:uri="http://schemas.microsoft.com/VisualStudio/2011/storyboarding/control"/>
-  </ds:schemaRefs>
-</ds:datastoreItem>
-</file>
-
-<file path=customXml/itemProps164.xml><?xml version="1.0" encoding="utf-8"?>
-<ds:datastoreItem xmlns:ds="http://schemas.openxmlformats.org/officeDocument/2006/customXml" ds:itemID="{F229B0C3-2350-4504-AEFB-2B0B2C6A4996}">
-  <ds:schemaRefs>
-    <ds:schemaRef ds:uri="http://schemas.microsoft.com/VisualStudio/2011/storyboarding/control"/>
-  </ds:schemaRefs>
-</ds:datastoreItem>
-</file>
-
-<file path=customXml/itemProps165.xml><?xml version="1.0" encoding="utf-8"?>
-<ds:datastoreItem xmlns:ds="http://schemas.openxmlformats.org/officeDocument/2006/customXml" ds:itemID="{AE133592-91BF-43F3-82E8-75992A83F958}">
-  <ds:schemaRefs>
-    <ds:schemaRef ds:uri="http://schemas.microsoft.com/VisualStudio/2011/storyboarding/control"/>
-  </ds:schemaRefs>
-</ds:datastoreItem>
-</file>
-
-<file path=customXml/itemProps166.xml><?xml version="1.0" encoding="utf-8"?>
+<file path=customXml/itemProps68.xml><?xml version="1.0" encoding="utf-8"?>
 <ds:datastoreItem xmlns:ds="http://schemas.openxmlformats.org/officeDocument/2006/customXml" ds:itemID="{3495B9EA-ACE3-4564-8567-276F6148F4DF}">
   <ds:schemaRefs>
     <ds:schemaRef ds:uri="http://schemas.microsoft.com/VisualStudio/2011/storyboarding/control"/>
@@ -21870,55 +22317,159 @@
 </ds:datastoreItem>
 </file>
 
-<file path=customXml/itemProps167.xml><?xml version="1.0" encoding="utf-8"?>
-<ds:datastoreItem xmlns:ds="http://schemas.openxmlformats.org/officeDocument/2006/customXml" ds:itemID="{E002EE36-B1B3-47A4-87B1-B487DCD6F66F}">
+<file path=customXml/itemProps69.xml><?xml version="1.0" encoding="utf-8"?>
+<ds:datastoreItem xmlns:ds="http://schemas.openxmlformats.org/officeDocument/2006/customXml" ds:itemID="{4CDE1362-AE45-4EDA-B844-476C485867B1}">
   <ds:schemaRefs>
     <ds:schemaRef ds:uri="http://schemas.microsoft.com/VisualStudio/2011/storyboarding/control"/>
   </ds:schemaRefs>
 </ds:datastoreItem>
 </file>
 
-<file path=customXml/itemProps168.xml><?xml version="1.0" encoding="utf-8"?>
-<ds:datastoreItem xmlns:ds="http://schemas.openxmlformats.org/officeDocument/2006/customXml" ds:itemID="{064557A1-E07B-464A-AB22-081F6160AEF5}">
+<file path=customXml/itemProps7.xml><?xml version="1.0" encoding="utf-8"?>
+<ds:datastoreItem xmlns:ds="http://schemas.openxmlformats.org/officeDocument/2006/customXml" ds:itemID="{ECAB7197-8B3B-4E49-9739-53A32AA1DBED}">
   <ds:schemaRefs>
     <ds:schemaRef ds:uri="http://schemas.microsoft.com/VisualStudio/2011/storyboarding/control"/>
   </ds:schemaRefs>
 </ds:datastoreItem>
 </file>
 
-<file path=customXml/itemProps169.xml><?xml version="1.0" encoding="utf-8"?>
-<ds:datastoreItem xmlns:ds="http://schemas.openxmlformats.org/officeDocument/2006/customXml" ds:itemID="{23E2992B-1ED8-4B0D-AC82-22FE2BA2D275}">
+<file path=customXml/itemProps70.xml><?xml version="1.0" encoding="utf-8"?>
+<ds:datastoreItem xmlns:ds="http://schemas.openxmlformats.org/officeDocument/2006/customXml" ds:itemID="{27140102-AE4F-4CF3-B069-96974877B31E}">
   <ds:schemaRefs>
     <ds:schemaRef ds:uri="http://schemas.microsoft.com/VisualStudio/2011/storyboarding/control"/>
   </ds:schemaRefs>
 </ds:datastoreItem>
 </file>
 
-<file path=customXml/itemProps17.xml><?xml version="1.0" encoding="utf-8"?>
-<ds:datastoreItem xmlns:ds="http://schemas.openxmlformats.org/officeDocument/2006/customXml" ds:itemID="{9EA59748-ED5F-4D0C-8BA1-BE72A0731599}">
+<file path=customXml/itemProps71.xml><?xml version="1.0" encoding="utf-8"?>
+<ds:datastoreItem xmlns:ds="http://schemas.openxmlformats.org/officeDocument/2006/customXml" ds:itemID="{99DB4F87-89B8-4C3A-91AD-0B2AE5D56B12}">
   <ds:schemaRefs>
     <ds:schemaRef ds:uri="http://schemas.microsoft.com/VisualStudio/2011/storyboarding/control"/>
   </ds:schemaRefs>
 </ds:datastoreItem>
 </file>
 
-<file path=customXml/itemProps170.xml><?xml version="1.0" encoding="utf-8"?>
-<ds:datastoreItem xmlns:ds="http://schemas.openxmlformats.org/officeDocument/2006/customXml" ds:itemID="{835A3957-49BC-4F9A-AC85-07B78D7F025E}">
+<file path=customXml/itemProps72.xml><?xml version="1.0" encoding="utf-8"?>
+<ds:datastoreItem xmlns:ds="http://schemas.openxmlformats.org/officeDocument/2006/customXml" ds:itemID="{CD5E5B44-A4C4-419A-B58F-D4E5508FA07E}">
   <ds:schemaRefs>
     <ds:schemaRef ds:uri="http://schemas.microsoft.com/VisualStudio/2011/storyboarding/control"/>
   </ds:schemaRefs>
 </ds:datastoreItem>
 </file>
 
-<file path=customXml/itemProps171.xml><?xml version="1.0" encoding="utf-8"?>
-<ds:datastoreItem xmlns:ds="http://schemas.openxmlformats.org/officeDocument/2006/customXml" ds:itemID="{5E23E331-DFA1-4B30-B86B-EDD7393AE853}">
+<file path=customXml/itemProps73.xml><?xml version="1.0" encoding="utf-8"?>
+<ds:datastoreItem xmlns:ds="http://schemas.openxmlformats.org/officeDocument/2006/customXml" ds:itemID="{AD09266C-2600-4EC8-8093-21BA9A5983C2}">
   <ds:schemaRefs>
     <ds:schemaRef ds:uri="http://schemas.microsoft.com/VisualStudio/2011/storyboarding/control"/>
   </ds:schemaRefs>
 </ds:datastoreItem>
 </file>
 
-<file path=customXml/itemProps172.xml><?xml version="1.0" encoding="utf-8"?>
+<file path=customXml/itemProps74.xml><?xml version="1.0" encoding="utf-8"?>
+<ds:datastoreItem xmlns:ds="http://schemas.openxmlformats.org/officeDocument/2006/customXml" ds:itemID="{453657F8-66CD-47A4-B9C3-443B0B0C809D}">
+  <ds:schemaRefs>
+    <ds:schemaRef ds:uri="http://schemas.microsoft.com/VisualStudio/2011/storyboarding/control"/>
+  </ds:schemaRefs>
+</ds:datastoreItem>
+</file>
+
+<file path=customXml/itemProps75.xml><?xml version="1.0" encoding="utf-8"?>
+<ds:datastoreItem xmlns:ds="http://schemas.openxmlformats.org/officeDocument/2006/customXml" ds:itemID="{447DDF07-AED7-4966-B21C-6B1EE7E6E50A}">
+  <ds:schemaRefs>
+    <ds:schemaRef ds:uri="http://schemas.microsoft.com/VisualStudio/2011/storyboarding/control"/>
+  </ds:schemaRefs>
+</ds:datastoreItem>
+</file>
+
+<file path=customXml/itemProps76.xml><?xml version="1.0" encoding="utf-8"?>
+<ds:datastoreItem xmlns:ds="http://schemas.openxmlformats.org/officeDocument/2006/customXml" ds:itemID="{A3F959FF-1E5F-4916-9006-1268AAD92AFB}">
+  <ds:schemaRefs>
+    <ds:schemaRef ds:uri="http://schemas.microsoft.com/VisualStudio/2011/storyboarding/control"/>
+  </ds:schemaRefs>
+</ds:datastoreItem>
+</file>
+
+<file path=customXml/itemProps77.xml><?xml version="1.0" encoding="utf-8"?>
+<ds:datastoreItem xmlns:ds="http://schemas.openxmlformats.org/officeDocument/2006/customXml" ds:itemID="{36EACA4B-D5D9-4B0B-B7D3-4BD5B9CF8743}">
+  <ds:schemaRefs>
+    <ds:schemaRef ds:uri="http://schemas.microsoft.com/VisualStudio/2011/storyboarding/control"/>
+  </ds:schemaRefs>
+</ds:datastoreItem>
+</file>
+
+<file path=customXml/itemProps78.xml><?xml version="1.0" encoding="utf-8"?>
+<ds:datastoreItem xmlns:ds="http://schemas.openxmlformats.org/officeDocument/2006/customXml" ds:itemID="{484CEC8D-6736-428C-B108-7DE49954527C}">
+  <ds:schemaRefs>
+    <ds:schemaRef ds:uri="http://schemas.microsoft.com/VisualStudio/2011/storyboarding/control"/>
+  </ds:schemaRefs>
+</ds:datastoreItem>
+</file>
+
+<file path=customXml/itemProps79.xml><?xml version="1.0" encoding="utf-8"?>
+<ds:datastoreItem xmlns:ds="http://schemas.openxmlformats.org/officeDocument/2006/customXml" ds:itemID="{06CE4AA4-EC91-49ED-8781-4E4639A6DDD0}">
+  <ds:schemaRefs>
+    <ds:schemaRef ds:uri="http://schemas.microsoft.com/VisualStudio/2011/storyboarding/control"/>
+  </ds:schemaRefs>
+</ds:datastoreItem>
+</file>
+
+<file path=customXml/itemProps8.xml><?xml version="1.0" encoding="utf-8"?>
+<ds:datastoreItem xmlns:ds="http://schemas.openxmlformats.org/officeDocument/2006/customXml" ds:itemID="{36E816C5-0C56-44E3-99D7-5DCDA863074A}">
+  <ds:schemaRefs>
+    <ds:schemaRef ds:uri="http://schemas.microsoft.com/VisualStudio/2011/storyboarding/control"/>
+  </ds:schemaRefs>
+</ds:datastoreItem>
+</file>
+
+<file path=customXml/itemProps80.xml><?xml version="1.0" encoding="utf-8"?>
+<ds:datastoreItem xmlns:ds="http://schemas.openxmlformats.org/officeDocument/2006/customXml" ds:itemID="{C9F68A94-B466-40BA-B55D-D29447564502}">
+  <ds:schemaRefs>
+    <ds:schemaRef ds:uri="http://schemas.microsoft.com/VisualStudio/2011/storyboarding/control"/>
+  </ds:schemaRefs>
+</ds:datastoreItem>
+</file>
+
+<file path=customXml/itemProps81.xml><?xml version="1.0" encoding="utf-8"?>
+<ds:datastoreItem xmlns:ds="http://schemas.openxmlformats.org/officeDocument/2006/customXml" ds:itemID="{15D8CC77-83FB-4C27-9FD1-E61FD7D9BBD2}">
+  <ds:schemaRefs>
+    <ds:schemaRef ds:uri="http://schemas.microsoft.com/VisualStudio/2011/storyboarding/control"/>
+  </ds:schemaRefs>
+</ds:datastoreItem>
+</file>
+
+<file path=customXml/itemProps82.xml><?xml version="1.0" encoding="utf-8"?>
+<ds:datastoreItem xmlns:ds="http://schemas.openxmlformats.org/officeDocument/2006/customXml" ds:itemID="{E9EF542B-EB79-4363-ADC0-15C5507A19D7}">
+  <ds:schemaRefs>
+    <ds:schemaRef ds:uri="http://schemas.microsoft.com/VisualStudio/2011/storyboarding/control"/>
+  </ds:schemaRefs>
+</ds:datastoreItem>
+</file>
+
+<file path=customXml/itemProps83.xml><?xml version="1.0" encoding="utf-8"?>
+<ds:datastoreItem xmlns:ds="http://schemas.openxmlformats.org/officeDocument/2006/customXml" ds:itemID="{F57D7F20-8D8A-4093-92CA-F61E49F872C7}">
+  <ds:schemaRefs>
+    <ds:schemaRef ds:uri="http://schemas.microsoft.com/VisualStudio/2011/storyboarding/control"/>
+  </ds:schemaRefs>
+</ds:datastoreItem>
+</file>
+
+<file path=customXml/itemProps84.xml><?xml version="1.0" encoding="utf-8"?>
+<ds:datastoreItem xmlns:ds="http://schemas.openxmlformats.org/officeDocument/2006/customXml" ds:itemID="{34A8C6AF-89BA-4AAC-BB25-4674215CAC21}">
+  <ds:schemaRefs>
+    <ds:schemaRef ds:uri="http://schemas.microsoft.com/VisualStudio/2011/storyboarding/control"/>
+  </ds:schemaRefs>
+</ds:datastoreItem>
+</file>
+
+<file path=customXml/itemProps85.xml><?xml version="1.0" encoding="utf-8"?>
+<ds:datastoreItem xmlns:ds="http://schemas.openxmlformats.org/officeDocument/2006/customXml" ds:itemID="{0734C2D9-54A8-47D1-8FCF-5FFC498FEE36}">
+  <ds:schemaRefs>
+    <ds:schemaRef ds:uri="http://schemas.microsoft.com/VisualStudio/2011/storyboarding/control"/>
+  </ds:schemaRefs>
+</ds:datastoreItem>
+</file>
+
+<file path=customXml/itemProps86.xml><?xml version="1.0" encoding="utf-8"?>
 <ds:datastoreItem xmlns:ds="http://schemas.openxmlformats.org/officeDocument/2006/customXml" ds:itemID="{4755AD00-F2D2-4051-9B48-484FC57F1020}">
   <ds:schemaRefs>
     <ds:schemaRef ds:uri="http://schemas.microsoft.com/VisualStudio/2011/storyboarding/control"/>
@@ -21926,63 +22477,15 @@
 </ds:datastoreItem>
 </file>
 
-<file path=customXml/itemProps173.xml><?xml version="1.0" encoding="utf-8"?>
-<ds:datastoreItem xmlns:ds="http://schemas.openxmlformats.org/officeDocument/2006/customXml" ds:itemID="{27190696-4DC4-4F58-ACBF-331D1F41C3C2}">
+<file path=customXml/itemProps87.xml><?xml version="1.0" encoding="utf-8"?>
+<ds:datastoreItem xmlns:ds="http://schemas.openxmlformats.org/officeDocument/2006/customXml" ds:itemID="{EA1BED95-2A07-4955-9280-8CE5B1A66D44}">
   <ds:schemaRefs>
     <ds:schemaRef ds:uri="http://schemas.microsoft.com/VisualStudio/2011/storyboarding/control"/>
   </ds:schemaRefs>
 </ds:datastoreItem>
 </file>
 
-<file path=customXml/itemProps174.xml><?xml version="1.0" encoding="utf-8"?>
-<ds:datastoreItem xmlns:ds="http://schemas.openxmlformats.org/officeDocument/2006/customXml" ds:itemID="{C99233C3-A98A-4AEB-8B5D-0EC3CF1D7106}">
-  <ds:schemaRefs>
-    <ds:schemaRef ds:uri="http://schemas.microsoft.com/VisualStudio/2011/storyboarding/control"/>
-  </ds:schemaRefs>
-</ds:datastoreItem>
-</file>
-
-<file path=customXml/itemProps175.xml><?xml version="1.0" encoding="utf-8"?>
-<ds:datastoreItem xmlns:ds="http://schemas.openxmlformats.org/officeDocument/2006/customXml" ds:itemID="{77EAABA4-121D-4096-BBA3-7914923A896C}">
-  <ds:schemaRefs>
-    <ds:schemaRef ds:uri="http://schemas.microsoft.com/VisualStudio/2011/storyboarding/control"/>
-  </ds:schemaRefs>
-</ds:datastoreItem>
-</file>
-
-<file path=customXml/itemProps176.xml><?xml version="1.0" encoding="utf-8"?>
-<ds:datastoreItem xmlns:ds="http://schemas.openxmlformats.org/officeDocument/2006/customXml" ds:itemID="{2BAC05C2-24A7-4700-B906-E94AE5949FA8}">
-  <ds:schemaRefs>
-    <ds:schemaRef ds:uri="http://schemas.microsoft.com/VisualStudio/2011/storyboarding/control"/>
-  </ds:schemaRefs>
-</ds:datastoreItem>
-</file>
-
-<file path=customXml/itemProps177.xml><?xml version="1.0" encoding="utf-8"?>
-<ds:datastoreItem xmlns:ds="http://schemas.openxmlformats.org/officeDocument/2006/customXml" ds:itemID="{0734C2D9-54A8-47D1-8FCF-5FFC498FEE36}">
-  <ds:schemaRefs>
-    <ds:schemaRef ds:uri="http://schemas.microsoft.com/VisualStudio/2011/storyboarding/control"/>
-  </ds:schemaRefs>
-</ds:datastoreItem>
-</file>
-
-<file path=customXml/itemProps178.xml><?xml version="1.0" encoding="utf-8"?>
-<ds:datastoreItem xmlns:ds="http://schemas.openxmlformats.org/officeDocument/2006/customXml" ds:itemID="{5035C380-C381-4542-B84A-223EB2AB96BB}">
-  <ds:schemaRefs>
-    <ds:schemaRef ds:uri="http://schemas.microsoft.com/VisualStudio/2011/storyboarding/control"/>
-  </ds:schemaRefs>
-</ds:datastoreItem>
-</file>
-
-<file path=customXml/itemProps179.xml><?xml version="1.0" encoding="utf-8"?>
-<ds:datastoreItem xmlns:ds="http://schemas.openxmlformats.org/officeDocument/2006/customXml" ds:itemID="{56743049-2ABD-431B-B02A-7FA88F06EE61}">
-  <ds:schemaRefs>
-    <ds:schemaRef ds:uri="http://schemas.microsoft.com/VisualStudio/2011/storyboarding/control"/>
-  </ds:schemaRefs>
-</ds:datastoreItem>
-</file>
-
-<file path=customXml/itemProps18.xml><?xml version="1.0" encoding="utf-8"?>
+<file path=customXml/itemProps88.xml><?xml version="1.0" encoding="utf-8"?>
 <ds:datastoreItem xmlns:ds="http://schemas.openxmlformats.org/officeDocument/2006/customXml" ds:itemID="{C6684FE6-1338-46EB-B7D2-70F5118632D9}">
   <ds:schemaRefs>
     <ds:schemaRef ds:uri="http://schemas.microsoft.com/VisualStudio/2011/storyboarding/control"/>
@@ -21990,143 +22493,31 @@
 </ds:datastoreItem>
 </file>
 
-<file path=customXml/itemProps19.xml><?xml version="1.0" encoding="utf-8"?>
-<ds:datastoreItem xmlns:ds="http://schemas.openxmlformats.org/officeDocument/2006/customXml" ds:itemID="{BCD4E291-AE36-4063-905A-5EA0656E77DC}">
+<file path=customXml/itemProps89.xml><?xml version="1.0" encoding="utf-8"?>
+<ds:datastoreItem xmlns:ds="http://schemas.openxmlformats.org/officeDocument/2006/customXml" ds:itemID="{00C520FE-E08B-4F97-957C-E173998EE940}">
   <ds:schemaRefs>
     <ds:schemaRef ds:uri="http://schemas.microsoft.com/VisualStudio/2011/storyboarding/control"/>
   </ds:schemaRefs>
 </ds:datastoreItem>
 </file>
 
-<file path=customXml/itemProps2.xml><?xml version="1.0" encoding="utf-8"?>
-<ds:datastoreItem xmlns:ds="http://schemas.openxmlformats.org/officeDocument/2006/customXml" ds:itemID="{BF21F087-4843-436B-8BBE-62FFBB876839}">
+<file path=customXml/itemProps9.xml><?xml version="1.0" encoding="utf-8"?>
+<ds:datastoreItem xmlns:ds="http://schemas.openxmlformats.org/officeDocument/2006/customXml" ds:itemID="{8CB80B03-F384-464C-B07B-E183B8F1D886}">
   <ds:schemaRefs>
     <ds:schemaRef ds:uri="http://schemas.microsoft.com/VisualStudio/2011/storyboarding/control"/>
   </ds:schemaRefs>
 </ds:datastoreItem>
 </file>
 
-<file path=customXml/itemProps20.xml><?xml version="1.0" encoding="utf-8"?>
-<ds:datastoreItem xmlns:ds="http://schemas.openxmlformats.org/officeDocument/2006/customXml" ds:itemID="{7907A7FC-7907-494E-A727-37454F3487BB}">
+<file path=customXml/itemProps90.xml><?xml version="1.0" encoding="utf-8"?>
+<ds:datastoreItem xmlns:ds="http://schemas.openxmlformats.org/officeDocument/2006/customXml" ds:itemID="{B6502331-200A-4AAE-9FF4-9C283EF86408}">
   <ds:schemaRefs>
     <ds:schemaRef ds:uri="http://schemas.microsoft.com/VisualStudio/2011/storyboarding/control"/>
   </ds:schemaRefs>
 </ds:datastoreItem>
 </file>
 
-<file path=customXml/itemProps21.xml><?xml version="1.0" encoding="utf-8"?>
-<ds:datastoreItem xmlns:ds="http://schemas.openxmlformats.org/officeDocument/2006/customXml" ds:itemID="{0424C796-CEEE-4DDF-97C1-CD83DE043BA9}">
-  <ds:schemaRefs>
-    <ds:schemaRef ds:uri="http://schemas.microsoft.com/VisualStudio/2011/storyboarding/control"/>
-  </ds:schemaRefs>
-</ds:datastoreItem>
-</file>
-
-<file path=customXml/itemProps22.xml><?xml version="1.0" encoding="utf-8"?>
-<ds:datastoreItem xmlns:ds="http://schemas.openxmlformats.org/officeDocument/2006/customXml" ds:itemID="{BAEB86E7-E164-49B6-871C-5F746B5B8EF6}">
-  <ds:schemaRefs>
-    <ds:schemaRef ds:uri="http://schemas.microsoft.com/VisualStudio/2011/storyboarding/control"/>
-  </ds:schemaRefs>
-</ds:datastoreItem>
-</file>
-
-<file path=customXml/itemProps23.xml><?xml version="1.0" encoding="utf-8"?>
-<ds:datastoreItem xmlns:ds="http://schemas.openxmlformats.org/officeDocument/2006/customXml" ds:itemID="{99DB4F87-89B8-4C3A-91AD-0B2AE5D56B12}">
-  <ds:schemaRefs>
-    <ds:schemaRef ds:uri="http://schemas.microsoft.com/VisualStudio/2011/storyboarding/control"/>
-  </ds:schemaRefs>
-</ds:datastoreItem>
-</file>
-
-<file path=customXml/itemProps24.xml><?xml version="1.0" encoding="utf-8"?>
-<ds:datastoreItem xmlns:ds="http://schemas.openxmlformats.org/officeDocument/2006/customXml" ds:itemID="{C5AED04D-D37F-4D87-A7BF-7FC80835EC80}">
-  <ds:schemaRefs>
-    <ds:schemaRef ds:uri="http://schemas.microsoft.com/VisualStudio/2011/storyboarding/control"/>
-  </ds:schemaRefs>
-</ds:datastoreItem>
-</file>
-
-<file path=customXml/itemProps25.xml><?xml version="1.0" encoding="utf-8"?>
-<ds:datastoreItem xmlns:ds="http://schemas.openxmlformats.org/officeDocument/2006/customXml" ds:itemID="{8C29B452-79AF-4F0E-AE67-15E70114DCF8}">
-  <ds:schemaRefs>
-    <ds:schemaRef ds:uri="http://schemas.microsoft.com/VisualStudio/2011/storyboarding/control"/>
-  </ds:schemaRefs>
-</ds:datastoreItem>
-</file>
-
-<file path=customXml/itemProps26.xml><?xml version="1.0" encoding="utf-8"?>
-<ds:datastoreItem xmlns:ds="http://schemas.openxmlformats.org/officeDocument/2006/customXml" ds:itemID="{A8737BAB-4C91-471B-9599-7893D6797BB9}">
-  <ds:schemaRefs>
-    <ds:schemaRef ds:uri="http://schemas.microsoft.com/VisualStudio/2011/storyboarding/control"/>
-  </ds:schemaRefs>
-</ds:datastoreItem>
-</file>
-
-<file path=customXml/itemProps27.xml><?xml version="1.0" encoding="utf-8"?>
-<ds:datastoreItem xmlns:ds="http://schemas.openxmlformats.org/officeDocument/2006/customXml" ds:itemID="{C4AB037D-6418-4D7E-BFC2-48DBAE1E4533}">
-  <ds:schemaRefs>
-    <ds:schemaRef ds:uri="http://schemas.microsoft.com/VisualStudio/2011/storyboarding/control"/>
-  </ds:schemaRefs>
-</ds:datastoreItem>
-</file>
-
-<file path=customXml/itemProps28.xml><?xml version="1.0" encoding="utf-8"?>
-<ds:datastoreItem xmlns:ds="http://schemas.openxmlformats.org/officeDocument/2006/customXml" ds:itemID="{CD5E5B44-A4C4-419A-B58F-D4E5508FA07E}">
-  <ds:schemaRefs>
-    <ds:schemaRef ds:uri="http://schemas.microsoft.com/VisualStudio/2011/storyboarding/control"/>
-  </ds:schemaRefs>
-</ds:datastoreItem>
-</file>
-
-<file path=customXml/itemProps29.xml><?xml version="1.0" encoding="utf-8"?>
-<ds:datastoreItem xmlns:ds="http://schemas.openxmlformats.org/officeDocument/2006/customXml" ds:itemID="{289C391B-D269-4E9A-98A0-A119B9D00987}">
-  <ds:schemaRefs>
-    <ds:schemaRef ds:uri="http://schemas.microsoft.com/VisualStudio/2011/storyboarding/control"/>
-  </ds:schemaRefs>
-</ds:datastoreItem>
-</file>
-
-<file path=customXml/itemProps3.xml><?xml version="1.0" encoding="utf-8"?>
-<ds:datastoreItem xmlns:ds="http://schemas.openxmlformats.org/officeDocument/2006/customXml" ds:itemID="{FDF9E953-9E6C-48B8-BC8F-88E6B3249681}">
-  <ds:schemaRefs>
-    <ds:schemaRef ds:uri="http://schemas.microsoft.com/VisualStudio/2011/storyboarding/control"/>
-  </ds:schemaRefs>
-</ds:datastoreItem>
-</file>
-
-<file path=customXml/itemProps30.xml><?xml version="1.0" encoding="utf-8"?>
-<ds:datastoreItem xmlns:ds="http://schemas.openxmlformats.org/officeDocument/2006/customXml" ds:itemID="{53D660C6-76D1-4075-ABDA-9A06BC03727A}">
-  <ds:schemaRefs>
-    <ds:schemaRef ds:uri="http://schemas.microsoft.com/VisualStudio/2011/storyboarding/control"/>
-  </ds:schemaRefs>
-</ds:datastoreItem>
-</file>
-
-<file path=customXml/itemProps31.xml><?xml version="1.0" encoding="utf-8"?>
-<ds:datastoreItem xmlns:ds="http://schemas.openxmlformats.org/officeDocument/2006/customXml" ds:itemID="{01E4AB3E-8E6C-45C5-BB98-FF05D05D4C92}">
-  <ds:schemaRefs>
-    <ds:schemaRef ds:uri="http://schemas.microsoft.com/VisualStudio/2011/storyboarding/control"/>
-  </ds:schemaRefs>
-</ds:datastoreItem>
-</file>
-
-<file path=customXml/itemProps32.xml><?xml version="1.0" encoding="utf-8"?>
-<ds:datastoreItem xmlns:ds="http://schemas.openxmlformats.org/officeDocument/2006/customXml" ds:itemID="{359451AD-5789-4786-983C-25E0CCD8DA4D}">
-  <ds:schemaRefs>
-    <ds:schemaRef ds:uri="http://schemas.microsoft.com/VisualStudio/2011/storyboarding/control"/>
-  </ds:schemaRefs>
-</ds:datastoreItem>
-</file>
-
-<file path=customXml/itemProps33.xml><?xml version="1.0" encoding="utf-8"?>
-<ds:datastoreItem xmlns:ds="http://schemas.openxmlformats.org/officeDocument/2006/customXml" ds:itemID="{2A341FE5-16E6-497E-9054-6185DE5502ED}">
-  <ds:schemaRefs>
-    <ds:schemaRef ds:uri="http://schemas.microsoft.com/VisualStudio/2011/storyboarding/control"/>
-  </ds:schemaRefs>
-</ds:datastoreItem>
-</file>
-
-<file path=customXml/itemProps34.xml><?xml version="1.0" encoding="utf-8"?>
+<file path=customXml/itemProps91.xml><?xml version="1.0" encoding="utf-8"?>
 <ds:datastoreItem xmlns:ds="http://schemas.openxmlformats.org/officeDocument/2006/customXml" ds:itemID="{A4E05BBD-862D-44AA-A3A8-CB6CA9BB91EF}">
   <ds:schemaRefs>
     <ds:schemaRef ds:uri="http://schemas.microsoft.com/VisualStudio/2011/storyboarding/control"/>
@@ -22134,143 +22525,7 @@
 </ds:datastoreItem>
 </file>
 
-<file path=customXml/itemProps35.xml><?xml version="1.0" encoding="utf-8"?>
-<ds:datastoreItem xmlns:ds="http://schemas.openxmlformats.org/officeDocument/2006/customXml" ds:itemID="{B37C7D72-FB2E-41A8-9008-70CF5A82D835}">
-  <ds:schemaRefs>
-    <ds:schemaRef ds:uri="http://schemas.microsoft.com/VisualStudio/2011/storyboarding/control"/>
-  </ds:schemaRefs>
-</ds:datastoreItem>
-</file>
-
-<file path=customXml/itemProps36.xml><?xml version="1.0" encoding="utf-8"?>
-<ds:datastoreItem xmlns:ds="http://schemas.openxmlformats.org/officeDocument/2006/customXml" ds:itemID="{09051472-18CF-47CA-85F5-8BA4435EBEE1}">
-  <ds:schemaRefs>
-    <ds:schemaRef ds:uri="http://schemas.microsoft.com/VisualStudio/2011/storyboarding/control"/>
-  </ds:schemaRefs>
-</ds:datastoreItem>
-</file>
-
-<file path=customXml/itemProps37.xml><?xml version="1.0" encoding="utf-8"?>
-<ds:datastoreItem xmlns:ds="http://schemas.openxmlformats.org/officeDocument/2006/customXml" ds:itemID="{AD03A149-60BC-4E45-BF3B-EAEEC14DA93D}">
-  <ds:schemaRefs>
-    <ds:schemaRef ds:uri="http://schemas.microsoft.com/VisualStudio/2011/storyboarding/control"/>
-  </ds:schemaRefs>
-</ds:datastoreItem>
-</file>
-
-<file path=customXml/itemProps38.xml><?xml version="1.0" encoding="utf-8"?>
-<ds:datastoreItem xmlns:ds="http://schemas.openxmlformats.org/officeDocument/2006/customXml" ds:itemID="{EA2676A7-9C50-4C10-89E6-AB65B545C04F}">
-  <ds:schemaRefs>
-    <ds:schemaRef ds:uri="http://schemas.microsoft.com/VisualStudio/2011/storyboarding/control"/>
-  </ds:schemaRefs>
-</ds:datastoreItem>
-</file>
-
-<file path=customXml/itemProps39.xml><?xml version="1.0" encoding="utf-8"?>
-<ds:datastoreItem xmlns:ds="http://schemas.openxmlformats.org/officeDocument/2006/customXml" ds:itemID="{00C520FE-E08B-4F97-957C-E173998EE940}">
-  <ds:schemaRefs>
-    <ds:schemaRef ds:uri="http://schemas.microsoft.com/VisualStudio/2011/storyboarding/control"/>
-  </ds:schemaRefs>
-</ds:datastoreItem>
-</file>
-
-<file path=customXml/itemProps4.xml><?xml version="1.0" encoding="utf-8"?>
-<ds:datastoreItem xmlns:ds="http://schemas.openxmlformats.org/officeDocument/2006/customXml" ds:itemID="{B0B25B28-A4DE-4830-8576-AC7230E6DC55}">
-  <ds:schemaRefs>
-    <ds:schemaRef ds:uri="http://schemas.microsoft.com/VisualStudio/2011/storyboarding/control"/>
-  </ds:schemaRefs>
-</ds:datastoreItem>
-</file>
-
-<file path=customXml/itemProps40.xml><?xml version="1.0" encoding="utf-8"?>
-<ds:datastoreItem xmlns:ds="http://schemas.openxmlformats.org/officeDocument/2006/customXml" ds:itemID="{06800B93-25A7-4995-A3E6-C317E73D1957}">
-  <ds:schemaRefs>
-    <ds:schemaRef ds:uri="http://schemas.microsoft.com/VisualStudio/2011/storyboarding/control"/>
-  </ds:schemaRefs>
-</ds:datastoreItem>
-</file>
-
-<file path=customXml/itemProps41.xml><?xml version="1.0" encoding="utf-8"?>
-<ds:datastoreItem xmlns:ds="http://schemas.openxmlformats.org/officeDocument/2006/customXml" ds:itemID="{6B7C5DB4-9814-4A59-9562-7459EAC8A3D5}">
-  <ds:schemaRefs>
-    <ds:schemaRef ds:uri="http://schemas.microsoft.com/VisualStudio/2011/storyboarding/control"/>
-  </ds:schemaRefs>
-</ds:datastoreItem>
-</file>
-
-<file path=customXml/itemProps42.xml><?xml version="1.0" encoding="utf-8"?>
-<ds:datastoreItem xmlns:ds="http://schemas.openxmlformats.org/officeDocument/2006/customXml" ds:itemID="{A70A52A0-10C3-433F-965F-E71B5CE71404}">
-  <ds:schemaRefs>
-    <ds:schemaRef ds:uri="http://schemas.microsoft.com/VisualStudio/2011/storyboarding/control"/>
-  </ds:schemaRefs>
-</ds:datastoreItem>
-</file>
-
-<file path=customXml/itemProps43.xml><?xml version="1.0" encoding="utf-8"?>
-<ds:datastoreItem xmlns:ds="http://schemas.openxmlformats.org/officeDocument/2006/customXml" ds:itemID="{B3D4D9B7-20B6-4BBA-8CF7-C78B8D39190F}">
-  <ds:schemaRefs>
-    <ds:schemaRef ds:uri="http://schemas.microsoft.com/VisualStudio/2011/storyboarding/control"/>
-  </ds:schemaRefs>
-</ds:datastoreItem>
-</file>
-
-<file path=customXml/itemProps44.xml><?xml version="1.0" encoding="utf-8"?>
-<ds:datastoreItem xmlns:ds="http://schemas.openxmlformats.org/officeDocument/2006/customXml" ds:itemID="{A3F959FF-1E5F-4916-9006-1268AAD92AFB}">
-  <ds:schemaRefs>
-    <ds:schemaRef ds:uri="http://schemas.microsoft.com/VisualStudio/2011/storyboarding/control"/>
-  </ds:schemaRefs>
-</ds:datastoreItem>
-</file>
-
-<file path=customXml/itemProps45.xml><?xml version="1.0" encoding="utf-8"?>
-<ds:datastoreItem xmlns:ds="http://schemas.openxmlformats.org/officeDocument/2006/customXml" ds:itemID="{0D9913AD-8B47-49CD-85BB-D1F5C8A9AA9A}">
-  <ds:schemaRefs>
-    <ds:schemaRef ds:uri="http://schemas.microsoft.com/VisualStudio/2011/storyboarding/control"/>
-  </ds:schemaRefs>
-</ds:datastoreItem>
-</file>
-
-<file path=customXml/itemProps46.xml><?xml version="1.0" encoding="utf-8"?>
-<ds:datastoreItem xmlns:ds="http://schemas.openxmlformats.org/officeDocument/2006/customXml" ds:itemID="{B5652326-F90C-4060-9EBE-0DE74D4F0C6A}">
-  <ds:schemaRefs>
-    <ds:schemaRef ds:uri="http://schemas.microsoft.com/VisualStudio/2011/storyboarding/control"/>
-  </ds:schemaRefs>
-</ds:datastoreItem>
-</file>
-
-<file path=customXml/itemProps47.xml><?xml version="1.0" encoding="utf-8"?>
-<ds:datastoreItem xmlns:ds="http://schemas.openxmlformats.org/officeDocument/2006/customXml" ds:itemID="{4F7BC006-D49C-4104-A4DE-079B2452BCE7}">
-  <ds:schemaRefs>
-    <ds:schemaRef ds:uri="http://schemas.microsoft.com/VisualStudio/2011/storyboarding/control"/>
-  </ds:schemaRefs>
-</ds:datastoreItem>
-</file>
-
-<file path=customXml/itemProps48.xml><?xml version="1.0" encoding="utf-8"?>
-<ds:datastoreItem xmlns:ds="http://schemas.openxmlformats.org/officeDocument/2006/customXml" ds:itemID="{EDE6F11C-8833-46DC-9AA5-934766672105}">
-  <ds:schemaRefs>
-    <ds:schemaRef ds:uri="http://schemas.microsoft.com/VisualStudio/2011/storyboarding/control"/>
-  </ds:schemaRefs>
-</ds:datastoreItem>
-</file>
-
-<file path=customXml/itemProps49.xml><?xml version="1.0" encoding="utf-8"?>
-<ds:datastoreItem xmlns:ds="http://schemas.openxmlformats.org/officeDocument/2006/customXml" ds:itemID="{AD09266C-2600-4EC8-8093-21BA9A5983C2}">
-  <ds:schemaRefs>
-    <ds:schemaRef ds:uri="http://schemas.microsoft.com/VisualStudio/2011/storyboarding/control"/>
-  </ds:schemaRefs>
-</ds:datastoreItem>
-</file>
-
-<file path=customXml/itemProps5.xml><?xml version="1.0" encoding="utf-8"?>
-<ds:datastoreItem xmlns:ds="http://schemas.openxmlformats.org/officeDocument/2006/customXml" ds:itemID="{C67C2E29-8B85-4C01-9601-4DF7C088852B}">
-  <ds:schemaRefs>
-    <ds:schemaRef ds:uri="http://schemas.microsoft.com/VisualStudio/2011/storyboarding/control"/>
-  </ds:schemaRefs>
-</ds:datastoreItem>
-</file>
-
-<file path=customXml/itemProps50.xml><?xml version="1.0" encoding="utf-8"?>
+<file path=customXml/itemProps92.xml><?xml version="1.0" encoding="utf-8"?>
 <ds:datastoreItem xmlns:ds="http://schemas.openxmlformats.org/officeDocument/2006/customXml" ds:itemID="{72E90435-5738-4FAF-A4DE-5B15413348A4}">
   <ds:schemaRefs>
     <ds:schemaRef ds:uri="http://schemas.microsoft.com/VisualStudio/2011/storyboarding/control"/>
@@ -22278,39 +22533,7 @@
 </ds:datastoreItem>
 </file>
 
-<file path=customXml/itemProps51.xml><?xml version="1.0" encoding="utf-8"?>
-<ds:datastoreItem xmlns:ds="http://schemas.openxmlformats.org/officeDocument/2006/customXml" ds:itemID="{610AF4E1-E298-4480-BF2B-A51DB23744A1}">
-  <ds:schemaRefs>
-    <ds:schemaRef ds:uri="http://schemas.microsoft.com/VisualStudio/2011/storyboarding/control"/>
-  </ds:schemaRefs>
-</ds:datastoreItem>
-</file>
-
-<file path=customXml/itemProps52.xml><?xml version="1.0" encoding="utf-8"?>
-<ds:datastoreItem xmlns:ds="http://schemas.openxmlformats.org/officeDocument/2006/customXml" ds:itemID="{7EB5FBB0-4BAD-4A5C-9F67-936097146C1E}">
-  <ds:schemaRefs>
-    <ds:schemaRef ds:uri="http://schemas.microsoft.com/VisualStudio/2011/storyboarding/control"/>
-  </ds:schemaRefs>
-</ds:datastoreItem>
-</file>
-
-<file path=customXml/itemProps53.xml><?xml version="1.0" encoding="utf-8"?>
-<ds:datastoreItem xmlns:ds="http://schemas.openxmlformats.org/officeDocument/2006/customXml" ds:itemID="{5ACE5F2D-43B9-499B-9601-282E7DB9536F}">
-  <ds:schemaRefs>
-    <ds:schemaRef ds:uri="http://schemas.microsoft.com/VisualStudio/2011/storyboarding/control"/>
-  </ds:schemaRefs>
-</ds:datastoreItem>
-</file>
-
-<file path=customXml/itemProps54.xml><?xml version="1.0" encoding="utf-8"?>
-<ds:datastoreItem xmlns:ds="http://schemas.openxmlformats.org/officeDocument/2006/customXml" ds:itemID="{EF83C463-9796-44E2-8165-FABC5FD58E50}">
-  <ds:schemaRefs>
-    <ds:schemaRef ds:uri="http://schemas.microsoft.com/VisualStudio/2011/storyboarding/control"/>
-  </ds:schemaRefs>
-</ds:datastoreItem>
-</file>
-
-<file path=customXml/itemProps55.xml><?xml version="1.0" encoding="utf-8"?>
+<file path=customXml/itemProps93.xml><?xml version="1.0" encoding="utf-8"?>
 <ds:datastoreItem xmlns:ds="http://schemas.openxmlformats.org/officeDocument/2006/customXml" ds:itemID="{747DE2B2-8BE0-4BBA-B6F0-1DB36B7A8E0D}">
   <ds:schemaRefs>
     <ds:schemaRef ds:uri="http://schemas.microsoft.com/VisualStudio/2011/storyboarding/control"/>
@@ -22318,183 +22541,7 @@
 </ds:datastoreItem>
 </file>
 
-<file path=customXml/itemProps56.xml><?xml version="1.0" encoding="utf-8"?>
-<ds:datastoreItem xmlns:ds="http://schemas.openxmlformats.org/officeDocument/2006/customXml" ds:itemID="{B1EE0AAB-750B-433D-9A3D-160F97939DF8}">
-  <ds:schemaRefs>
-    <ds:schemaRef ds:uri="http://schemas.microsoft.com/VisualStudio/2011/storyboarding/control"/>
-  </ds:schemaRefs>
-</ds:datastoreItem>
-</file>
-
-<file path=customXml/itemProps57.xml><?xml version="1.0" encoding="utf-8"?>
-<ds:datastoreItem xmlns:ds="http://schemas.openxmlformats.org/officeDocument/2006/customXml" ds:itemID="{EE5E7AC2-ED17-4EE2-A116-F50CBB215A88}">
-  <ds:schemaRefs>
-    <ds:schemaRef ds:uri="http://schemas.microsoft.com/VisualStudio/2011/storyboarding/control"/>
-  </ds:schemaRefs>
-</ds:datastoreItem>
-</file>
-
-<file path=customXml/itemProps58.xml><?xml version="1.0" encoding="utf-8"?>
-<ds:datastoreItem xmlns:ds="http://schemas.openxmlformats.org/officeDocument/2006/customXml" ds:itemID="{05A5C0DE-9F86-454A-B3A3-C961D9F0F0D5}">
-  <ds:schemaRefs>
-    <ds:schemaRef ds:uri="http://schemas.microsoft.com/VisualStudio/2011/storyboarding/control"/>
-  </ds:schemaRefs>
-</ds:datastoreItem>
-</file>
-
-<file path=customXml/itemProps59.xml><?xml version="1.0" encoding="utf-8"?>
-<ds:datastoreItem xmlns:ds="http://schemas.openxmlformats.org/officeDocument/2006/customXml" ds:itemID="{C8EE70C6-1700-40F7-8910-39CEC690C133}">
-  <ds:schemaRefs>
-    <ds:schemaRef ds:uri="http://schemas.microsoft.com/VisualStudio/2011/storyboarding/control"/>
-  </ds:schemaRefs>
-</ds:datastoreItem>
-</file>
-
-<file path=customXml/itemProps6.xml><?xml version="1.0" encoding="utf-8"?>
-<ds:datastoreItem xmlns:ds="http://schemas.openxmlformats.org/officeDocument/2006/customXml" ds:itemID="{27140102-AE4F-4CF3-B069-96974877B31E}">
-  <ds:schemaRefs>
-    <ds:schemaRef ds:uri="http://schemas.microsoft.com/VisualStudio/2011/storyboarding/control"/>
-  </ds:schemaRefs>
-</ds:datastoreItem>
-</file>
-
-<file path=customXml/itemProps60.xml><?xml version="1.0" encoding="utf-8"?>
-<ds:datastoreItem xmlns:ds="http://schemas.openxmlformats.org/officeDocument/2006/customXml" ds:itemID="{36EACA4B-D5D9-4B0B-B7D3-4BD5B9CF8743}">
-  <ds:schemaRefs>
-    <ds:schemaRef ds:uri="http://schemas.microsoft.com/VisualStudio/2011/storyboarding/control"/>
-  </ds:schemaRefs>
-</ds:datastoreItem>
-</file>
-
-<file path=customXml/itemProps61.xml><?xml version="1.0" encoding="utf-8"?>
-<ds:datastoreItem xmlns:ds="http://schemas.openxmlformats.org/officeDocument/2006/customXml" ds:itemID="{FB49F93B-0206-4988-B16E-B11F8220DFFD}">
-  <ds:schemaRefs>
-    <ds:schemaRef ds:uri="http://schemas.microsoft.com/VisualStudio/2011/storyboarding/control"/>
-  </ds:schemaRefs>
-</ds:datastoreItem>
-</file>
-
-<file path=customXml/itemProps62.xml><?xml version="1.0" encoding="utf-8"?>
-<ds:datastoreItem xmlns:ds="http://schemas.openxmlformats.org/officeDocument/2006/customXml" ds:itemID="{60DA82E8-7766-4B54-B11B-1E68FADC5E03}">
-  <ds:schemaRefs>
-    <ds:schemaRef ds:uri="http://schemas.microsoft.com/VisualStudio/2011/storyboarding/control"/>
-  </ds:schemaRefs>
-</ds:datastoreItem>
-</file>
-
-<file path=customXml/itemProps63.xml><?xml version="1.0" encoding="utf-8"?>
-<ds:datastoreItem xmlns:ds="http://schemas.openxmlformats.org/officeDocument/2006/customXml" ds:itemID="{F09159EE-135D-4570-91A4-0C5C2AE4C55D}">
-  <ds:schemaRefs>
-    <ds:schemaRef ds:uri="http://schemas.microsoft.com/VisualStudio/2011/storyboarding/control"/>
-  </ds:schemaRefs>
-</ds:datastoreItem>
-</file>
-
-<file path=customXml/itemProps64.xml><?xml version="1.0" encoding="utf-8"?>
-<ds:datastoreItem xmlns:ds="http://schemas.openxmlformats.org/officeDocument/2006/customXml" ds:itemID="{CAC8BF1D-7453-429D-BAE2-B591FFB3EC30}">
-  <ds:schemaRefs>
-    <ds:schemaRef ds:uri="http://schemas.microsoft.com/VisualStudio/2011/storyboarding/control"/>
-  </ds:schemaRefs>
-</ds:datastoreItem>
-</file>
-
-<file path=customXml/itemProps65.xml><?xml version="1.0" encoding="utf-8"?>
-<ds:datastoreItem xmlns:ds="http://schemas.openxmlformats.org/officeDocument/2006/customXml" ds:itemID="{484CEC8D-6736-428C-B108-7DE49954527C}">
-  <ds:schemaRefs>
-    <ds:schemaRef ds:uri="http://schemas.microsoft.com/VisualStudio/2011/storyboarding/control"/>
-  </ds:schemaRefs>
-</ds:datastoreItem>
-</file>
-
-<file path=customXml/itemProps66.xml><?xml version="1.0" encoding="utf-8"?>
-<ds:datastoreItem xmlns:ds="http://schemas.openxmlformats.org/officeDocument/2006/customXml" ds:itemID="{515DE38F-864E-47C1-8D45-1D01E1850A44}">
-  <ds:schemaRefs>
-    <ds:schemaRef ds:uri="http://schemas.microsoft.com/VisualStudio/2011/storyboarding/control"/>
-  </ds:schemaRefs>
-</ds:datastoreItem>
-</file>
-
-<file path=customXml/itemProps67.xml><?xml version="1.0" encoding="utf-8"?>
-<ds:datastoreItem xmlns:ds="http://schemas.openxmlformats.org/officeDocument/2006/customXml" ds:itemID="{6D5814B9-4E07-475B-8EB6-B3A780149424}">
-  <ds:schemaRefs>
-    <ds:schemaRef ds:uri="http://schemas.microsoft.com/VisualStudio/2011/storyboarding/control"/>
-  </ds:schemaRefs>
-</ds:datastoreItem>
-</file>
-
-<file path=customXml/itemProps68.xml><?xml version="1.0" encoding="utf-8"?>
-<ds:datastoreItem xmlns:ds="http://schemas.openxmlformats.org/officeDocument/2006/customXml" ds:itemID="{8066A16A-6E4C-43AC-B6C7-C289AD4A2888}">
-  <ds:schemaRefs>
-    <ds:schemaRef ds:uri="http://schemas.microsoft.com/VisualStudio/2011/storyboarding/control"/>
-  </ds:schemaRefs>
-</ds:datastoreItem>
-</file>
-
-<file path=customXml/itemProps69.xml><?xml version="1.0" encoding="utf-8"?>
-<ds:datastoreItem xmlns:ds="http://schemas.openxmlformats.org/officeDocument/2006/customXml" ds:itemID="{CCAA2B17-FBBE-44B2-85F7-769E7C598577}">
-  <ds:schemaRefs>
-    <ds:schemaRef ds:uri="http://schemas.microsoft.com/VisualStudio/2011/storyboarding/control"/>
-  </ds:schemaRefs>
-</ds:datastoreItem>
-</file>
-
-<file path=customXml/itemProps7.xml><?xml version="1.0" encoding="utf-8"?>
-<ds:datastoreItem xmlns:ds="http://schemas.openxmlformats.org/officeDocument/2006/customXml" ds:itemID="{8F5FC3C3-8157-4C43-9C0E-E6290321E97B}">
-  <ds:schemaRefs>
-    <ds:schemaRef ds:uri="http://schemas.microsoft.com/VisualStudio/2011/storyboarding/control"/>
-  </ds:schemaRefs>
-</ds:datastoreItem>
-</file>
-
-<file path=customXml/itemProps70.xml><?xml version="1.0" encoding="utf-8"?>
-<ds:datastoreItem xmlns:ds="http://schemas.openxmlformats.org/officeDocument/2006/customXml" ds:itemID="{8EC8BF3F-D70D-452D-BA2C-B42F30ACF29A}">
-  <ds:schemaRefs>
-    <ds:schemaRef ds:uri="http://schemas.microsoft.com/VisualStudio/2011/storyboarding/control"/>
-  </ds:schemaRefs>
-</ds:datastoreItem>
-</file>
-
-<file path=customXml/itemProps71.xml><?xml version="1.0" encoding="utf-8"?>
-<ds:datastoreItem xmlns:ds="http://schemas.openxmlformats.org/officeDocument/2006/customXml" ds:itemID="{79CF8FCD-D57F-4FC5-82BE-F9F5AECC0A27}">
-  <ds:schemaRefs>
-    <ds:schemaRef ds:uri="http://schemas.microsoft.com/VisualStudio/2011/storyboarding/control"/>
-  </ds:schemaRefs>
-</ds:datastoreItem>
-</file>
-
-<file path=customXml/itemProps72.xml><?xml version="1.0" encoding="utf-8"?>
-<ds:datastoreItem xmlns:ds="http://schemas.openxmlformats.org/officeDocument/2006/customXml" ds:itemID="{D0839F8E-97F2-4029-9E44-1881149A44B1}">
-  <ds:schemaRefs>
-    <ds:schemaRef ds:uri="http://schemas.microsoft.com/VisualStudio/2011/storyboarding/control"/>
-  </ds:schemaRefs>
-</ds:datastoreItem>
-</file>
-
-<file path=customXml/itemProps73.xml><?xml version="1.0" encoding="utf-8"?>
-<ds:datastoreItem xmlns:ds="http://schemas.openxmlformats.org/officeDocument/2006/customXml" ds:itemID="{07F1D780-79E7-4B67-885C-5CF881E493AB}">
-  <ds:schemaRefs>
-    <ds:schemaRef ds:uri="http://schemas.microsoft.com/VisualStudio/2011/storyboarding/control"/>
-  </ds:schemaRefs>
-</ds:datastoreItem>
-</file>
-
-<file path=customXml/itemProps74.xml><?xml version="1.0" encoding="utf-8"?>
-<ds:datastoreItem xmlns:ds="http://schemas.openxmlformats.org/officeDocument/2006/customXml" ds:itemID="{F6BB3B52-D372-43FA-8430-8BDB2E2CBC1B}">
-  <ds:schemaRefs>
-    <ds:schemaRef ds:uri="http://schemas.microsoft.com/VisualStudio/2011/storyboarding/control"/>
-  </ds:schemaRefs>
-</ds:datastoreItem>
-</file>
-
-<file path=customXml/itemProps75.xml><?xml version="1.0" encoding="utf-8"?>
-<ds:datastoreItem xmlns:ds="http://schemas.openxmlformats.org/officeDocument/2006/customXml" ds:itemID="{F0DA3736-FB8A-4C20-B31B-203E71B75095}">
-  <ds:schemaRefs>
-    <ds:schemaRef ds:uri="http://schemas.microsoft.com/VisualStudio/2011/storyboarding/control"/>
-  </ds:schemaRefs>
-</ds:datastoreItem>
-</file>
-
-<file path=customXml/itemProps76.xml><?xml version="1.0" encoding="utf-8"?>
+<file path=customXml/itemProps94.xml><?xml version="1.0" encoding="utf-8"?>
 <ds:datastoreItem xmlns:ds="http://schemas.openxmlformats.org/officeDocument/2006/customXml" ds:itemID="{5302EAA6-8639-4BF0-AC04-268DB2FD14EF}">
   <ds:schemaRefs>
     <ds:schemaRef ds:uri="http://schemas.microsoft.com/VisualStudio/2011/storyboarding/control"/>
@@ -22502,183 +22549,7 @@
 </ds:datastoreItem>
 </file>
 
-<file path=customXml/itemProps77.xml><?xml version="1.0" encoding="utf-8"?>
-<ds:datastoreItem xmlns:ds="http://schemas.openxmlformats.org/officeDocument/2006/customXml" ds:itemID="{343AC48A-82B2-4AB2-9656-9E535D5D19DB}">
-  <ds:schemaRefs>
-    <ds:schemaRef ds:uri="http://schemas.microsoft.com/VisualStudio/2011/storyboarding/control"/>
-  </ds:schemaRefs>
-</ds:datastoreItem>
-</file>
-
-<file path=customXml/itemProps78.xml><?xml version="1.0" encoding="utf-8"?>
-<ds:datastoreItem xmlns:ds="http://schemas.openxmlformats.org/officeDocument/2006/customXml" ds:itemID="{CB333C0B-6E62-4CC2-A854-1BB43EA8AF51}">
-  <ds:schemaRefs>
-    <ds:schemaRef ds:uri="http://schemas.microsoft.com/VisualStudio/2011/storyboarding/control"/>
-  </ds:schemaRefs>
-</ds:datastoreItem>
-</file>
-
-<file path=customXml/itemProps79.xml><?xml version="1.0" encoding="utf-8"?>
-<ds:datastoreItem xmlns:ds="http://schemas.openxmlformats.org/officeDocument/2006/customXml" ds:itemID="{C8EEEDF0-87F8-45BE-A566-8AB081104D05}">
-  <ds:schemaRefs>
-    <ds:schemaRef ds:uri="http://schemas.microsoft.com/VisualStudio/2011/storyboarding/control"/>
-  </ds:schemaRefs>
-</ds:datastoreItem>
-</file>
-
-<file path=customXml/itemProps8.xml><?xml version="1.0" encoding="utf-8"?>
-<ds:datastoreItem xmlns:ds="http://schemas.openxmlformats.org/officeDocument/2006/customXml" ds:itemID="{D802B2E9-AE7D-4046-BA52-00488C0A4257}">
-  <ds:schemaRefs>
-    <ds:schemaRef ds:uri="http://schemas.microsoft.com/VisualStudio/2011/storyboarding/control"/>
-  </ds:schemaRefs>
-</ds:datastoreItem>
-</file>
-
-<file path=customXml/itemProps80.xml><?xml version="1.0" encoding="utf-8"?>
-<ds:datastoreItem xmlns:ds="http://schemas.openxmlformats.org/officeDocument/2006/customXml" ds:itemID="{ED1EBD49-FEBE-4CF5-AE49-CD0D1B8CF582}">
-  <ds:schemaRefs>
-    <ds:schemaRef ds:uri="http://schemas.microsoft.com/VisualStudio/2011/storyboarding/control"/>
-  </ds:schemaRefs>
-</ds:datastoreItem>
-</file>
-
-<file path=customXml/itemProps81.xml><?xml version="1.0" encoding="utf-8"?>
-<ds:datastoreItem xmlns:ds="http://schemas.openxmlformats.org/officeDocument/2006/customXml" ds:itemID="{06CE4AA4-EC91-49ED-8781-4E4639A6DDD0}">
-  <ds:schemaRefs>
-    <ds:schemaRef ds:uri="http://schemas.microsoft.com/VisualStudio/2011/storyboarding/control"/>
-  </ds:schemaRefs>
-</ds:datastoreItem>
-</file>
-
-<file path=customXml/itemProps82.xml><?xml version="1.0" encoding="utf-8"?>
-<ds:datastoreItem xmlns:ds="http://schemas.openxmlformats.org/officeDocument/2006/customXml" ds:itemID="{488FF1DA-4BE6-42A3-8697-8DA767A6C793}">
-  <ds:schemaRefs>
-    <ds:schemaRef ds:uri="http://schemas.microsoft.com/VisualStudio/2011/storyboarding/control"/>
-  </ds:schemaRefs>
-</ds:datastoreItem>
-</file>
-
-<file path=customXml/itemProps83.xml><?xml version="1.0" encoding="utf-8"?>
-<ds:datastoreItem xmlns:ds="http://schemas.openxmlformats.org/officeDocument/2006/customXml" ds:itemID="{4942D65D-71B6-47A6-95C5-29A6DBA8D4A5}">
-  <ds:schemaRefs>
-    <ds:schemaRef ds:uri="http://schemas.microsoft.com/VisualStudio/2011/storyboarding/control"/>
-  </ds:schemaRefs>
-</ds:datastoreItem>
-</file>
-
-<file path=customXml/itemProps84.xml><?xml version="1.0" encoding="utf-8"?>
-<ds:datastoreItem xmlns:ds="http://schemas.openxmlformats.org/officeDocument/2006/customXml" ds:itemID="{ECAB7197-8B3B-4E49-9739-53A32AA1DBED}">
-  <ds:schemaRefs>
-    <ds:schemaRef ds:uri="http://schemas.microsoft.com/VisualStudio/2011/storyboarding/control"/>
-  </ds:schemaRefs>
-</ds:datastoreItem>
-</file>
-
-<file path=customXml/itemProps85.xml><?xml version="1.0" encoding="utf-8"?>
-<ds:datastoreItem xmlns:ds="http://schemas.openxmlformats.org/officeDocument/2006/customXml" ds:itemID="{A3A995BE-8405-451F-98A8-0166530A535D}">
-  <ds:schemaRefs>
-    <ds:schemaRef ds:uri="http://schemas.microsoft.com/VisualStudio/2011/storyboarding/control"/>
-  </ds:schemaRefs>
-</ds:datastoreItem>
-</file>
-
-<file path=customXml/itemProps86.xml><?xml version="1.0" encoding="utf-8"?>
-<ds:datastoreItem xmlns:ds="http://schemas.openxmlformats.org/officeDocument/2006/customXml" ds:itemID="{C9F68A94-B466-40BA-B55D-D29447564502}">
-  <ds:schemaRefs>
-    <ds:schemaRef ds:uri="http://schemas.microsoft.com/VisualStudio/2011/storyboarding/control"/>
-  </ds:schemaRefs>
-</ds:datastoreItem>
-</file>
-
-<file path=customXml/itemProps87.xml><?xml version="1.0" encoding="utf-8"?>
-<ds:datastoreItem xmlns:ds="http://schemas.openxmlformats.org/officeDocument/2006/customXml" ds:itemID="{D3E5DE32-38FC-4856-BA1B-85D1E42AB165}">
-  <ds:schemaRefs>
-    <ds:schemaRef ds:uri="http://schemas.microsoft.com/VisualStudio/2011/storyboarding/control"/>
-  </ds:schemaRefs>
-</ds:datastoreItem>
-</file>
-
-<file path=customXml/itemProps88.xml><?xml version="1.0" encoding="utf-8"?>
-<ds:datastoreItem xmlns:ds="http://schemas.openxmlformats.org/officeDocument/2006/customXml" ds:itemID="{2637889F-3AC6-4686-A794-9973FD9B1C1F}">
-  <ds:schemaRefs>
-    <ds:schemaRef ds:uri="http://schemas.microsoft.com/VisualStudio/2011/storyboarding/control"/>
-  </ds:schemaRefs>
-</ds:datastoreItem>
-</file>
-
-<file path=customXml/itemProps89.xml><?xml version="1.0" encoding="utf-8"?>
-<ds:datastoreItem xmlns:ds="http://schemas.openxmlformats.org/officeDocument/2006/customXml" ds:itemID="{36E816C5-0C56-44E3-99D7-5DCDA863074A}">
-  <ds:schemaRefs>
-    <ds:schemaRef ds:uri="http://schemas.microsoft.com/VisualStudio/2011/storyboarding/control"/>
-  </ds:schemaRefs>
-</ds:datastoreItem>
-</file>
-
-<file path=customXml/itemProps9.xml><?xml version="1.0" encoding="utf-8"?>
-<ds:datastoreItem xmlns:ds="http://schemas.openxmlformats.org/officeDocument/2006/customXml" ds:itemID="{9267F5F6-CB2C-4F89-9D38-9114FA0C9608}">
-  <ds:schemaRefs>
-    <ds:schemaRef ds:uri="http://schemas.microsoft.com/VisualStudio/2011/storyboarding/control"/>
-  </ds:schemaRefs>
-</ds:datastoreItem>
-</file>
-
-<file path=customXml/itemProps90.xml><?xml version="1.0" encoding="utf-8"?>
-<ds:datastoreItem xmlns:ds="http://schemas.openxmlformats.org/officeDocument/2006/customXml" ds:itemID="{5C50AFE5-31CA-49EE-99DF-F173589FB283}">
-  <ds:schemaRefs>
-    <ds:schemaRef ds:uri="http://schemas.microsoft.com/VisualStudio/2011/storyboarding/control"/>
-  </ds:schemaRefs>
-</ds:datastoreItem>
-</file>
-
-<file path=customXml/itemProps91.xml><?xml version="1.0" encoding="utf-8"?>
-<ds:datastoreItem xmlns:ds="http://schemas.openxmlformats.org/officeDocument/2006/customXml" ds:itemID="{E3A97017-1CFB-4998-A894-CD54C884ACE0}">
-  <ds:schemaRefs>
-    <ds:schemaRef ds:uri="http://schemas.microsoft.com/VisualStudio/2011/storyboarding/control"/>
-  </ds:schemaRefs>
-</ds:datastoreItem>
-</file>
-
-<file path=customXml/itemProps92.xml><?xml version="1.0" encoding="utf-8"?>
-<ds:datastoreItem xmlns:ds="http://schemas.openxmlformats.org/officeDocument/2006/customXml" ds:itemID="{A1565FFB-4796-4026-BD5E-67A8DB217402}">
-  <ds:schemaRefs>
-    <ds:schemaRef ds:uri="http://schemas.microsoft.com/VisualStudio/2011/storyboarding/control"/>
-  </ds:schemaRefs>
-</ds:datastoreItem>
-</file>
-
-<file path=customXml/itemProps93.xml><?xml version="1.0" encoding="utf-8"?>
-<ds:datastoreItem xmlns:ds="http://schemas.openxmlformats.org/officeDocument/2006/customXml" ds:itemID="{31CC67CB-B210-4A38-A1D7-91C6E7622D82}">
-  <ds:schemaRefs>
-    <ds:schemaRef ds:uri="http://schemas.microsoft.com/VisualStudio/2011/storyboarding/control"/>
-  </ds:schemaRefs>
-</ds:datastoreItem>
-</file>
-
-<file path=customXml/itemProps94.xml><?xml version="1.0" encoding="utf-8"?>
-<ds:datastoreItem xmlns:ds="http://schemas.openxmlformats.org/officeDocument/2006/customXml" ds:itemID="{C396EFDE-55DB-484F-AF88-77808623464A}">
-  <ds:schemaRefs>
-    <ds:schemaRef ds:uri="http://schemas.microsoft.com/VisualStudio/2011/storyboarding/control"/>
-  </ds:schemaRefs>
-</ds:datastoreItem>
-</file>
-
 <file path=customXml/itemProps95.xml><?xml version="1.0" encoding="utf-8"?>
-<ds:datastoreItem xmlns:ds="http://schemas.openxmlformats.org/officeDocument/2006/customXml" ds:itemID="{7DF9F5EC-ABF9-4A06-ABEB-0EE3B01137C9}">
-  <ds:schemaRefs>
-    <ds:schemaRef ds:uri="http://schemas.microsoft.com/VisualStudio/2011/storyboarding/control"/>
-  </ds:schemaRefs>
-</ds:datastoreItem>
-</file>
-
-<file path=customXml/itemProps96.xml><?xml version="1.0" encoding="utf-8"?>
-<ds:datastoreItem xmlns:ds="http://schemas.openxmlformats.org/officeDocument/2006/customXml" ds:itemID="{32967E52-0998-43C5-8CBE-22AA8F73FB5B}">
-  <ds:schemaRefs>
-    <ds:schemaRef ds:uri="http://schemas.microsoft.com/VisualStudio/2011/storyboarding/control"/>
-  </ds:schemaRefs>
-</ds:datastoreItem>
-</file>
-
-<file path=customXml/itemProps97.xml><?xml version="1.0" encoding="utf-8"?>
 <ds:datastoreItem xmlns:ds="http://schemas.openxmlformats.org/officeDocument/2006/customXml" ds:itemID="{5B46991D-6D29-42C7-807F-3CE6B3199DE6}">
   <ds:schemaRefs>
     <ds:schemaRef ds:uri="http://schemas.microsoft.com/VisualStudio/2011/storyboarding/control"/>
@@ -22686,16 +22557,32 @@
 </ds:datastoreItem>
 </file>
 
-<file path=customXml/itemProps98.xml><?xml version="1.0" encoding="utf-8"?>
-<ds:datastoreItem xmlns:ds="http://schemas.openxmlformats.org/officeDocument/2006/customXml" ds:itemID="{6D3D15CF-1C82-4714-950B-E5AFCA493337}">
+<file path=customXml/itemProps96.xml><?xml version="1.0" encoding="utf-8"?>
+<ds:datastoreItem xmlns:ds="http://schemas.openxmlformats.org/officeDocument/2006/customXml" ds:itemID="{D4EAD78E-B222-40B7-A429-7F7FA0D88B12}">
   <ds:schemaRefs>
     <ds:schemaRef ds:uri="http://schemas.microsoft.com/VisualStudio/2011/storyboarding/control"/>
   </ds:schemaRefs>
 </ds:datastoreItem>
 </file>
 
+<file path=customXml/itemProps97.xml><?xml version="1.0" encoding="utf-8"?>
+<ds:datastoreItem xmlns:ds="http://schemas.openxmlformats.org/officeDocument/2006/customXml" ds:itemID="{357EBFFA-78EA-4107-BE3B-D4B37BB313A7}">
+  <ds:schemaRefs>
+    <ds:schemaRef ds:uri="http://schemas.microsoft.com/VisualStudio/2011/storyboarding/control"/>
+  </ds:schemaRefs>
+</ds:datastoreItem>
+</file>
+
+<file path=customXml/itemProps98.xml><?xml version="1.0" encoding="utf-8"?>
+<ds:datastoreItem xmlns:ds="http://schemas.openxmlformats.org/officeDocument/2006/customXml" ds:itemID="{64F5332F-066B-45CA-9C3F-CBD02BA515AF}">
+  <ds:schemaRefs>
+    <ds:schemaRef ds:uri="http://schemas.microsoft.com/VisualStudio/2011/storyboarding/control"/>
+  </ds:schemaRefs>
+</ds:datastoreItem>
+</file>
+
 <file path=customXml/itemProps99.xml><?xml version="1.0" encoding="utf-8"?>
-<ds:datastoreItem xmlns:ds="http://schemas.openxmlformats.org/officeDocument/2006/customXml" ds:itemID="{5EE1FB88-AD18-4EEC-9463-7DC9C1D507A7}">
+<ds:datastoreItem xmlns:ds="http://schemas.openxmlformats.org/officeDocument/2006/customXml" ds:itemID="{6FA49A35-E363-4B43-B4A6-689632700A15}">
   <ds:schemaRefs>
     <ds:schemaRef ds:uri="http://schemas.microsoft.com/VisualStudio/2011/storyboarding/control"/>
   </ds:schemaRefs>
